--- a/PWC - Digital Intelligence/Task 4 - Data Analytics Strategy/Task_4_Data_Analytics_Strategy.pptx
+++ b/PWC - Digital Intelligence/Task 4 - Data Analytics Strategy/Task_4_Data_Analytics_Strategy.pptx
@@ -7,6 +7,7 @@
   <p:sldIdLst>
     <p:sldId id="256" r:id="rId2"/>
     <p:sldId id="257" r:id="rId3"/>
+    <p:sldId id="258" r:id="rId4"/>
   </p:sldIdLst>
   <p:sldSz cx="12192000" cy="6858000"/>
   <p:notesSz cx="6858000" cy="9144000"/>
@@ -105,6 +106,11 @@
       </a:defRPr>
     </a:lvl9pPr>
   </p:defaultTextStyle>
+  <p:extLst>
+    <p:ext uri="{EFAFB233-063F-42B5-8137-9DF3F51BA10A}">
+      <p15:sldGuideLst xmlns:p15="http://schemas.microsoft.com/office/powerpoint/2012/main"/>
+    </p:ext>
+  </p:extLst>
 </p:presentation>
 </file>
 
@@ -7816,6 +7822,18 @@
   <p:clrMapOvr>
     <a:masterClrMapping/>
   </p:clrMapOvr>
+  <mc:AlternateContent xmlns:mc="http://schemas.openxmlformats.org/markup-compatibility/2006">
+    <mc:Choice xmlns:p15="http://schemas.microsoft.com/office/powerpoint/2012/main" Requires="p15">
+      <p:transition xmlns:p14="http://schemas.microsoft.com/office/powerpoint/2010/main" spd="slow" p14:dur="1250">
+        <p15:prstTrans prst="pageCurlDouble"/>
+      </p:transition>
+    </mc:Choice>
+    <mc:Fallback>
+      <p:transition spd="slow">
+        <p:fade/>
+      </p:transition>
+    </mc:Fallback>
+  </mc:AlternateContent>
 </p:sld>
 </file>
 
@@ -7913,7 +7931,8 @@
                   <a:srgbClr val="000000"/>
                 </a:solidFill>
                 <a:effectLst/>
-                <a:latin typeface="DM Sans" pitchFamily="2" charset="0"/>
+                <a:latin typeface="Calibri" panose="020F0502020204030204" pitchFamily="34" charset="0"/>
+                <a:cs typeface="Calibri" panose="020F0502020204030204" pitchFamily="34" charset="0"/>
               </a:rPr>
               <a:t>At PwC we develop a data strategy by creating a data vision, defining data reports and analyzing data platform maturity. We develop a group-wide data </a:t>
             </a:r>
@@ -7922,7 +7941,8 @@
                 <a:solidFill>
                   <a:srgbClr val="000000"/>
                 </a:solidFill>
-                <a:latin typeface="DM Sans" pitchFamily="2" charset="0"/>
+                <a:latin typeface="Calibri" panose="020F0502020204030204" pitchFamily="34" charset="0"/>
+                <a:cs typeface="Calibri" panose="020F0502020204030204" pitchFamily="34" charset="0"/>
               </a:rPr>
               <a:t>strategy and enable clients to add value by helping them efficiently analyze their own data, produce reports and create dashboards.</a:t>
             </a:r>
@@ -7933,7 +7953,8 @@
                 <a:solidFill>
                   <a:srgbClr val="000000"/>
                 </a:solidFill>
-                <a:latin typeface="DM Sans" pitchFamily="2" charset="0"/>
+                <a:latin typeface="Calibri" panose="020F0502020204030204" pitchFamily="34" charset="0"/>
+                <a:cs typeface="Calibri" panose="020F0502020204030204" pitchFamily="34" charset="0"/>
               </a:rPr>
               <a:t>As the financial landscape evolves, the client recognizes the significance of harnessing their extensive data assets for strategic decision-making and operational efficiency.</a:t>
             </a:r>
@@ -7944,7 +7965,8 @@
                 <a:solidFill>
                   <a:srgbClr val="000000"/>
                 </a:solidFill>
-                <a:latin typeface="DM Sans" pitchFamily="2" charset="0"/>
+                <a:latin typeface="Calibri" panose="020F0502020204030204" pitchFamily="34" charset="0"/>
+                <a:cs typeface="Calibri" panose="020F0502020204030204" pitchFamily="34" charset="0"/>
               </a:rPr>
               <a:t>This presentation outlines PwC's proposal for building a robust data infrastructure that empowers the client to unlock the full potential of their data resources.</a:t>
             </a:r>
@@ -7961,6 +7983,1971 @@
   <p:clrMapOvr>
     <a:masterClrMapping/>
   </p:clrMapOvr>
+  <mc:AlternateContent xmlns:mc="http://schemas.openxmlformats.org/markup-compatibility/2006">
+    <mc:Choice xmlns:p15="http://schemas.microsoft.com/office/powerpoint/2012/main" Requires="p15">
+      <p:transition xmlns:p14="http://schemas.microsoft.com/office/powerpoint/2010/main" spd="slow" p14:dur="1250">
+        <p15:prstTrans prst="pageCurlDouble"/>
+      </p:transition>
+    </mc:Choice>
+    <mc:Fallback>
+      <p:transition spd="slow">
+        <p:fade/>
+      </p:transition>
+    </mc:Fallback>
+  </mc:AlternateContent>
+  <p:timing>
+    <p:tnLst>
+      <p:par>
+        <p:cTn id="1" dur="indefinite" restart="never" nodeType="tmRoot">
+          <p:childTnLst>
+            <p:seq concurrent="1" nextAc="seek">
+              <p:cTn id="2" dur="indefinite" nodeType="mainSeq">
+                <p:childTnLst>
+                  <p:par>
+                    <p:cTn id="3" fill="hold">
+                      <p:stCondLst>
+                        <p:cond delay="indefinite"/>
+                      </p:stCondLst>
+                      <p:childTnLst>
+                        <p:par>
+                          <p:cTn id="4" fill="hold">
+                            <p:stCondLst>
+                              <p:cond delay="0"/>
+                            </p:stCondLst>
+                            <p:childTnLst>
+                              <p:par>
+                                <p:cTn id="5" presetID="2" presetClass="entr" presetSubtype="4" fill="hold" grpId="0" nodeType="clickEffect">
+                                  <p:stCondLst>
+                                    <p:cond delay="0"/>
+                                  </p:stCondLst>
+                                  <p:childTnLst>
+                                    <p:set>
+                                      <p:cBhvr>
+                                        <p:cTn id="6" dur="1" fill="hold">
+                                          <p:stCondLst>
+                                            <p:cond delay="0"/>
+                                          </p:stCondLst>
+                                        </p:cTn>
+                                        <p:tgtEl>
+                                          <p:spTgt spid="5">
+                                            <p:txEl>
+                                              <p:pRg st="0" end="0"/>
+                                            </p:txEl>
+                                          </p:spTgt>
+                                        </p:tgtEl>
+                                        <p:attrNameLst>
+                                          <p:attrName>style.visibility</p:attrName>
+                                        </p:attrNameLst>
+                                      </p:cBhvr>
+                                      <p:to>
+                                        <p:strVal val="visible"/>
+                                      </p:to>
+                                    </p:set>
+                                    <p:anim calcmode="lin" valueType="num">
+                                      <p:cBhvr additive="base">
+                                        <p:cTn id="7" dur="500" fill="hold"/>
+                                        <p:tgtEl>
+                                          <p:spTgt spid="5">
+                                            <p:txEl>
+                                              <p:pRg st="0" end="0"/>
+                                            </p:txEl>
+                                          </p:spTgt>
+                                        </p:tgtEl>
+                                        <p:attrNameLst>
+                                          <p:attrName>ppt_x</p:attrName>
+                                        </p:attrNameLst>
+                                      </p:cBhvr>
+                                      <p:tavLst>
+                                        <p:tav tm="0">
+                                          <p:val>
+                                            <p:strVal val="#ppt_x"/>
+                                          </p:val>
+                                        </p:tav>
+                                        <p:tav tm="100000">
+                                          <p:val>
+                                            <p:strVal val="#ppt_x"/>
+                                          </p:val>
+                                        </p:tav>
+                                      </p:tavLst>
+                                    </p:anim>
+                                    <p:anim calcmode="lin" valueType="num">
+                                      <p:cBhvr additive="base">
+                                        <p:cTn id="8" dur="500" fill="hold"/>
+                                        <p:tgtEl>
+                                          <p:spTgt spid="5">
+                                            <p:txEl>
+                                              <p:pRg st="0" end="0"/>
+                                            </p:txEl>
+                                          </p:spTgt>
+                                        </p:tgtEl>
+                                        <p:attrNameLst>
+                                          <p:attrName>ppt_y</p:attrName>
+                                        </p:attrNameLst>
+                                      </p:cBhvr>
+                                      <p:tavLst>
+                                        <p:tav tm="0">
+                                          <p:val>
+                                            <p:strVal val="1+#ppt_h/2"/>
+                                          </p:val>
+                                        </p:tav>
+                                        <p:tav tm="100000">
+                                          <p:val>
+                                            <p:strVal val="#ppt_y"/>
+                                          </p:val>
+                                        </p:tav>
+                                      </p:tavLst>
+                                    </p:anim>
+                                  </p:childTnLst>
+                                </p:cTn>
+                              </p:par>
+                            </p:childTnLst>
+                          </p:cTn>
+                        </p:par>
+                      </p:childTnLst>
+                    </p:cTn>
+                  </p:par>
+                  <p:par>
+                    <p:cTn id="9" fill="hold">
+                      <p:stCondLst>
+                        <p:cond delay="indefinite"/>
+                      </p:stCondLst>
+                      <p:childTnLst>
+                        <p:par>
+                          <p:cTn id="10" fill="hold">
+                            <p:stCondLst>
+                              <p:cond delay="0"/>
+                            </p:stCondLst>
+                            <p:childTnLst>
+                              <p:par>
+                                <p:cTn id="11" presetID="2" presetClass="entr" presetSubtype="4" fill="hold" grpId="0" nodeType="clickEffect">
+                                  <p:stCondLst>
+                                    <p:cond delay="0"/>
+                                  </p:stCondLst>
+                                  <p:childTnLst>
+                                    <p:set>
+                                      <p:cBhvr>
+                                        <p:cTn id="12" dur="1" fill="hold">
+                                          <p:stCondLst>
+                                            <p:cond delay="0"/>
+                                          </p:stCondLst>
+                                        </p:cTn>
+                                        <p:tgtEl>
+                                          <p:spTgt spid="5">
+                                            <p:txEl>
+                                              <p:pRg st="1" end="1"/>
+                                            </p:txEl>
+                                          </p:spTgt>
+                                        </p:tgtEl>
+                                        <p:attrNameLst>
+                                          <p:attrName>style.visibility</p:attrName>
+                                        </p:attrNameLst>
+                                      </p:cBhvr>
+                                      <p:to>
+                                        <p:strVal val="visible"/>
+                                      </p:to>
+                                    </p:set>
+                                    <p:anim calcmode="lin" valueType="num">
+                                      <p:cBhvr additive="base">
+                                        <p:cTn id="13" dur="500" fill="hold"/>
+                                        <p:tgtEl>
+                                          <p:spTgt spid="5">
+                                            <p:txEl>
+                                              <p:pRg st="1" end="1"/>
+                                            </p:txEl>
+                                          </p:spTgt>
+                                        </p:tgtEl>
+                                        <p:attrNameLst>
+                                          <p:attrName>ppt_x</p:attrName>
+                                        </p:attrNameLst>
+                                      </p:cBhvr>
+                                      <p:tavLst>
+                                        <p:tav tm="0">
+                                          <p:val>
+                                            <p:strVal val="#ppt_x"/>
+                                          </p:val>
+                                        </p:tav>
+                                        <p:tav tm="100000">
+                                          <p:val>
+                                            <p:strVal val="#ppt_x"/>
+                                          </p:val>
+                                        </p:tav>
+                                      </p:tavLst>
+                                    </p:anim>
+                                    <p:anim calcmode="lin" valueType="num">
+                                      <p:cBhvr additive="base">
+                                        <p:cTn id="14" dur="500" fill="hold"/>
+                                        <p:tgtEl>
+                                          <p:spTgt spid="5">
+                                            <p:txEl>
+                                              <p:pRg st="1" end="1"/>
+                                            </p:txEl>
+                                          </p:spTgt>
+                                        </p:tgtEl>
+                                        <p:attrNameLst>
+                                          <p:attrName>ppt_y</p:attrName>
+                                        </p:attrNameLst>
+                                      </p:cBhvr>
+                                      <p:tavLst>
+                                        <p:tav tm="0">
+                                          <p:val>
+                                            <p:strVal val="1+#ppt_h/2"/>
+                                          </p:val>
+                                        </p:tav>
+                                        <p:tav tm="100000">
+                                          <p:val>
+                                            <p:strVal val="#ppt_y"/>
+                                          </p:val>
+                                        </p:tav>
+                                      </p:tavLst>
+                                    </p:anim>
+                                  </p:childTnLst>
+                                </p:cTn>
+                              </p:par>
+                            </p:childTnLst>
+                          </p:cTn>
+                        </p:par>
+                      </p:childTnLst>
+                    </p:cTn>
+                  </p:par>
+                  <p:par>
+                    <p:cTn id="15" fill="hold">
+                      <p:stCondLst>
+                        <p:cond delay="indefinite"/>
+                      </p:stCondLst>
+                      <p:childTnLst>
+                        <p:par>
+                          <p:cTn id="16" fill="hold">
+                            <p:stCondLst>
+                              <p:cond delay="0"/>
+                            </p:stCondLst>
+                            <p:childTnLst>
+                              <p:par>
+                                <p:cTn id="17" presetID="2" presetClass="entr" presetSubtype="4" fill="hold" grpId="0" nodeType="clickEffect">
+                                  <p:stCondLst>
+                                    <p:cond delay="0"/>
+                                  </p:stCondLst>
+                                  <p:childTnLst>
+                                    <p:set>
+                                      <p:cBhvr>
+                                        <p:cTn id="18" dur="1" fill="hold">
+                                          <p:stCondLst>
+                                            <p:cond delay="0"/>
+                                          </p:stCondLst>
+                                        </p:cTn>
+                                        <p:tgtEl>
+                                          <p:spTgt spid="5">
+                                            <p:txEl>
+                                              <p:pRg st="2" end="2"/>
+                                            </p:txEl>
+                                          </p:spTgt>
+                                        </p:tgtEl>
+                                        <p:attrNameLst>
+                                          <p:attrName>style.visibility</p:attrName>
+                                        </p:attrNameLst>
+                                      </p:cBhvr>
+                                      <p:to>
+                                        <p:strVal val="visible"/>
+                                      </p:to>
+                                    </p:set>
+                                    <p:anim calcmode="lin" valueType="num">
+                                      <p:cBhvr additive="base">
+                                        <p:cTn id="19" dur="500" fill="hold"/>
+                                        <p:tgtEl>
+                                          <p:spTgt spid="5">
+                                            <p:txEl>
+                                              <p:pRg st="2" end="2"/>
+                                            </p:txEl>
+                                          </p:spTgt>
+                                        </p:tgtEl>
+                                        <p:attrNameLst>
+                                          <p:attrName>ppt_x</p:attrName>
+                                        </p:attrNameLst>
+                                      </p:cBhvr>
+                                      <p:tavLst>
+                                        <p:tav tm="0">
+                                          <p:val>
+                                            <p:strVal val="#ppt_x"/>
+                                          </p:val>
+                                        </p:tav>
+                                        <p:tav tm="100000">
+                                          <p:val>
+                                            <p:strVal val="#ppt_x"/>
+                                          </p:val>
+                                        </p:tav>
+                                      </p:tavLst>
+                                    </p:anim>
+                                    <p:anim calcmode="lin" valueType="num">
+                                      <p:cBhvr additive="base">
+                                        <p:cTn id="20" dur="500" fill="hold"/>
+                                        <p:tgtEl>
+                                          <p:spTgt spid="5">
+                                            <p:txEl>
+                                              <p:pRg st="2" end="2"/>
+                                            </p:txEl>
+                                          </p:spTgt>
+                                        </p:tgtEl>
+                                        <p:attrNameLst>
+                                          <p:attrName>ppt_y</p:attrName>
+                                        </p:attrNameLst>
+                                      </p:cBhvr>
+                                      <p:tavLst>
+                                        <p:tav tm="0">
+                                          <p:val>
+                                            <p:strVal val="1+#ppt_h/2"/>
+                                          </p:val>
+                                        </p:tav>
+                                        <p:tav tm="100000">
+                                          <p:val>
+                                            <p:strVal val="#ppt_y"/>
+                                          </p:val>
+                                        </p:tav>
+                                      </p:tavLst>
+                                    </p:anim>
+                                  </p:childTnLst>
+                                </p:cTn>
+                              </p:par>
+                            </p:childTnLst>
+                          </p:cTn>
+                        </p:par>
+                      </p:childTnLst>
+                    </p:cTn>
+                  </p:par>
+                </p:childTnLst>
+              </p:cTn>
+              <p:prevCondLst>
+                <p:cond evt="onPrev" delay="0">
+                  <p:tgtEl>
+                    <p:sldTgt/>
+                  </p:tgtEl>
+                </p:cond>
+              </p:prevCondLst>
+              <p:nextCondLst>
+                <p:cond evt="onNext" delay="0">
+                  <p:tgtEl>
+                    <p:sldTgt/>
+                  </p:tgtEl>
+                </p:cond>
+              </p:nextCondLst>
+            </p:seq>
+          </p:childTnLst>
+        </p:cTn>
+      </p:par>
+    </p:tnLst>
+    <p:bldLst>
+      <p:bldP spid="5" grpId="0" build="p"/>
+    </p:bldLst>
+  </p:timing>
+</p:sld>
+</file>
+
+<file path=ppt/slides/slide3.xml><?xml version="1.0" encoding="utf-8"?>
+<p:sld xmlns:a="http://schemas.openxmlformats.org/drawingml/2006/main" xmlns:r="http://schemas.openxmlformats.org/officeDocument/2006/relationships" xmlns:p="http://schemas.openxmlformats.org/presentationml/2006/main">
+  <p:cSld>
+    <p:bg>
+      <p:bgPr>
+        <a:solidFill>
+          <a:schemeClr val="accent6">
+            <a:lumMod val="40000"/>
+            <a:lumOff val="60000"/>
+            <a:alpha val="75000"/>
+          </a:schemeClr>
+        </a:solidFill>
+        <a:effectLst/>
+      </p:bgPr>
+    </p:bg>
+    <p:spTree>
+      <p:nvGrpSpPr>
+        <p:cNvPr id="1" name=""/>
+        <p:cNvGrpSpPr/>
+        <p:nvPr/>
+      </p:nvGrpSpPr>
+      <p:grpSpPr>
+        <a:xfrm>
+          <a:off x="0" y="0"/>
+          <a:ext cx="0" cy="0"/>
+          <a:chOff x="0" y="0"/>
+          <a:chExt cx="0" cy="0"/>
+        </a:xfrm>
+      </p:grpSpPr>
+      <p:sp>
+        <p:nvSpPr>
+          <p:cNvPr id="4" name="Title 3">
+            <a:extLst>
+              <a:ext uri="{FF2B5EF4-FFF2-40B4-BE49-F238E27FC236}">
+                <a16:creationId xmlns:a16="http://schemas.microsoft.com/office/drawing/2014/main" id="{22C1F510-134D-7DE1-73D5-F1059BB70482}"/>
+              </a:ext>
+            </a:extLst>
+          </p:cNvPr>
+          <p:cNvSpPr>
+            <a:spLocks noGrp="1"/>
+          </p:cNvSpPr>
+          <p:nvPr>
+            <p:ph type="title"/>
+          </p:nvPr>
+        </p:nvSpPr>
+        <p:spPr>
+          <a:xfrm>
+            <a:off x="2592925" y="624110"/>
+            <a:ext cx="8911687" cy="776673"/>
+          </a:xfrm>
+        </p:spPr>
+        <p:txBody>
+          <a:bodyPr anchor="ctr">
+            <a:normAutofit/>
+          </a:bodyPr>
+          <a:lstStyle/>
+          <a:p>
+            <a:pPr algn="ctr"/>
+            <a:r>
+              <a:rPr lang="en-US" sz="3200" dirty="0">
+                <a:latin typeface="Arial Black" panose="020B0A04020102020204" pitchFamily="34" charset="0"/>
+              </a:rPr>
+              <a:t>Key Questions</a:t>
+            </a:r>
+          </a:p>
+        </p:txBody>
+      </p:sp>
+      <p:sp>
+        <p:nvSpPr>
+          <p:cNvPr id="5" name="Content Placeholder 4">
+            <a:extLst>
+              <a:ext uri="{FF2B5EF4-FFF2-40B4-BE49-F238E27FC236}">
+                <a16:creationId xmlns:a16="http://schemas.microsoft.com/office/drawing/2014/main" id="{FBDD2FE2-B5C6-53D5-DD8A-3476C868886C}"/>
+              </a:ext>
+            </a:extLst>
+          </p:cNvPr>
+          <p:cNvSpPr>
+            <a:spLocks noGrp="1"/>
+          </p:cNvSpPr>
+          <p:nvPr>
+            <p:ph idx="1"/>
+          </p:nvPr>
+        </p:nvSpPr>
+        <p:spPr>
+          <a:xfrm>
+            <a:off x="2592925" y="1657738"/>
+            <a:ext cx="8915400" cy="4444482"/>
+          </a:xfrm>
+        </p:spPr>
+        <p:txBody>
+          <a:bodyPr>
+            <a:normAutofit fontScale="92500" lnSpcReduction="20000"/>
+          </a:bodyPr>
+          <a:lstStyle/>
+          <a:p>
+            <a:r>
+              <a:rPr lang="en-US" sz="1900" b="1" dirty="0">
+                <a:solidFill>
+                  <a:schemeClr val="tx1"/>
+                </a:solidFill>
+                <a:latin typeface="Calibri" panose="020F0502020204030204" pitchFamily="34" charset="0"/>
+                <a:cs typeface="Calibri" panose="020F0502020204030204" pitchFamily="34" charset="0"/>
+              </a:rPr>
+              <a:t>Data Sources: </a:t>
+            </a:r>
+          </a:p>
+          <a:p>
+            <a:pPr>
+              <a:buFont typeface="+mj-lt"/>
+              <a:buAutoNum type="arabicPeriod"/>
+            </a:pPr>
+            <a:r>
+              <a:rPr lang="en-US" sz="1600" dirty="0">
+                <a:solidFill>
+                  <a:schemeClr val="tx1"/>
+                </a:solidFill>
+                <a:latin typeface="Calibri" panose="020F0502020204030204" pitchFamily="34" charset="0"/>
+                <a:cs typeface="Calibri" panose="020F0502020204030204" pitchFamily="34" charset="0"/>
+              </a:rPr>
+              <a:t>Can you provide an overview of the existing data sources within the organization?</a:t>
+            </a:r>
+          </a:p>
+          <a:p>
+            <a:pPr>
+              <a:buFont typeface="+mj-lt"/>
+              <a:buAutoNum type="arabicPeriod"/>
+            </a:pPr>
+            <a:r>
+              <a:rPr lang="en-US" sz="1600" dirty="0">
+                <a:solidFill>
+                  <a:schemeClr val="tx1"/>
+                </a:solidFill>
+                <a:latin typeface="Calibri" panose="020F0502020204030204" pitchFamily="34" charset="0"/>
+                <a:cs typeface="Calibri" panose="020F0502020204030204" pitchFamily="34" charset="0"/>
+              </a:rPr>
+              <a:t>Which departments generate the most critical data?</a:t>
+            </a:r>
+          </a:p>
+          <a:p>
+            <a:pPr marL="0" indent="0">
+              <a:buNone/>
+            </a:pPr>
+            <a:r>
+              <a:rPr lang="en-US" sz="1500" b="1" dirty="0">
+                <a:solidFill>
+                  <a:schemeClr val="tx1"/>
+                </a:solidFill>
+                <a:latin typeface="Calibri" panose="020F0502020204030204" pitchFamily="34" charset="0"/>
+                <a:cs typeface="Calibri" panose="020F0502020204030204" pitchFamily="34" charset="0"/>
+              </a:rPr>
+              <a:t>Importance: </a:t>
+            </a:r>
+            <a:r>
+              <a:rPr lang="en-US" sz="1500" dirty="0">
+                <a:solidFill>
+                  <a:schemeClr val="tx1"/>
+                </a:solidFill>
+                <a:latin typeface="Calibri" panose="020F0502020204030204" pitchFamily="34" charset="0"/>
+                <a:cs typeface="Calibri" panose="020F0502020204030204" pitchFamily="34" charset="0"/>
+              </a:rPr>
+              <a:t>Understanding the various data sources is fundamental for designing an effective data infrastructure. It helps identify the diversity of data and the potential complexity in integration.</a:t>
+            </a:r>
+            <a:endParaRPr lang="en-US" sz="1500" b="1" dirty="0">
+              <a:solidFill>
+                <a:schemeClr val="tx1"/>
+              </a:solidFill>
+              <a:latin typeface="Calibri" panose="020F0502020204030204" pitchFamily="34" charset="0"/>
+              <a:cs typeface="Calibri" panose="020F0502020204030204" pitchFamily="34" charset="0"/>
+            </a:endParaRPr>
+          </a:p>
+          <a:p>
+            <a:r>
+              <a:rPr lang="en-US" sz="1700" b="1" dirty="0">
+                <a:solidFill>
+                  <a:schemeClr val="tx1"/>
+                </a:solidFill>
+                <a:latin typeface="Calibri" panose="020F0502020204030204" pitchFamily="34" charset="0"/>
+                <a:cs typeface="Calibri" panose="020F0502020204030204" pitchFamily="34" charset="0"/>
+              </a:rPr>
+              <a:t>Data Quality:</a:t>
+            </a:r>
+          </a:p>
+          <a:p>
+            <a:pPr>
+              <a:buFont typeface="+mj-lt"/>
+              <a:buAutoNum type="arabicPeriod"/>
+            </a:pPr>
+            <a:r>
+              <a:rPr lang="en-US" sz="1600" dirty="0">
+                <a:solidFill>
+                  <a:schemeClr val="tx1"/>
+                </a:solidFill>
+                <a:latin typeface="Calibri" panose="020F0502020204030204" pitchFamily="34" charset="0"/>
+                <a:cs typeface="Calibri" panose="020F0502020204030204" pitchFamily="34" charset="0"/>
+              </a:rPr>
+              <a:t>How confident are you in the accuracy and completeness of your data?</a:t>
+            </a:r>
+          </a:p>
+          <a:p>
+            <a:pPr>
+              <a:buFont typeface="+mj-lt"/>
+              <a:buAutoNum type="arabicPeriod"/>
+            </a:pPr>
+            <a:r>
+              <a:rPr lang="en-US" sz="1600" dirty="0">
+                <a:solidFill>
+                  <a:schemeClr val="tx1"/>
+                </a:solidFill>
+                <a:latin typeface="Calibri" panose="020F0502020204030204" pitchFamily="34" charset="0"/>
+                <a:cs typeface="Calibri" panose="020F0502020204030204" pitchFamily="34" charset="0"/>
+              </a:rPr>
+              <a:t>Are there any specific data quality concerns we should address?</a:t>
+            </a:r>
+          </a:p>
+          <a:p>
+            <a:pPr marL="0" indent="0">
+              <a:buNone/>
+            </a:pPr>
+            <a:r>
+              <a:rPr lang="en-US" sz="1500" b="1" dirty="0">
+                <a:solidFill>
+                  <a:schemeClr val="tx1"/>
+                </a:solidFill>
+                <a:latin typeface="Calibri" panose="020F0502020204030204" pitchFamily="34" charset="0"/>
+                <a:cs typeface="Calibri" panose="020F0502020204030204" pitchFamily="34" charset="0"/>
+              </a:rPr>
+              <a:t>Importance: </a:t>
+            </a:r>
+            <a:r>
+              <a:rPr lang="en-US" sz="1500" dirty="0">
+                <a:solidFill>
+                  <a:schemeClr val="tx1"/>
+                </a:solidFill>
+                <a:latin typeface="Calibri" panose="020F0502020204030204" pitchFamily="34" charset="0"/>
+                <a:cs typeface="Calibri" panose="020F0502020204030204" pitchFamily="34" charset="0"/>
+              </a:rPr>
+              <a:t>Data quality is paramount for reliable analytics and decision-making. Identifying data quality concerns upfront ensures that the proposed solution addresses potential issues, enhancing trust in the data.</a:t>
+            </a:r>
+          </a:p>
+          <a:p>
+            <a:r>
+              <a:rPr lang="en-US" sz="1700" b="1" dirty="0">
+                <a:solidFill>
+                  <a:schemeClr val="tx1"/>
+                </a:solidFill>
+                <a:latin typeface="Calibri" panose="020F0502020204030204" pitchFamily="34" charset="0"/>
+                <a:cs typeface="Calibri" panose="020F0502020204030204" pitchFamily="34" charset="0"/>
+              </a:rPr>
+              <a:t>Data Usage:</a:t>
+            </a:r>
+          </a:p>
+          <a:p>
+            <a:pPr>
+              <a:buFont typeface="+mj-lt"/>
+              <a:buAutoNum type="arabicPeriod"/>
+            </a:pPr>
+            <a:r>
+              <a:rPr lang="en-US" sz="1600" dirty="0">
+                <a:solidFill>
+                  <a:schemeClr val="tx1"/>
+                </a:solidFill>
+                <a:latin typeface="Calibri" panose="020F0502020204030204" pitchFamily="34" charset="0"/>
+                <a:cs typeface="Calibri" panose="020F0502020204030204" pitchFamily="34" charset="0"/>
+              </a:rPr>
+              <a:t>What are the primary use cases for your data?</a:t>
+            </a:r>
+          </a:p>
+          <a:p>
+            <a:pPr>
+              <a:buFont typeface="+mj-lt"/>
+              <a:buAutoNum type="arabicPeriod"/>
+            </a:pPr>
+            <a:r>
+              <a:rPr lang="en-US" sz="1600" dirty="0">
+                <a:solidFill>
+                  <a:schemeClr val="tx1"/>
+                </a:solidFill>
+                <a:latin typeface="Calibri" panose="020F0502020204030204" pitchFamily="34" charset="0"/>
+                <a:cs typeface="Calibri" panose="020F0502020204030204" pitchFamily="34" charset="0"/>
+              </a:rPr>
+              <a:t>How is data currently utilized for decision-making?</a:t>
+            </a:r>
+          </a:p>
+          <a:p>
+            <a:pPr marL="0" indent="0">
+              <a:buNone/>
+            </a:pPr>
+            <a:r>
+              <a:rPr lang="en-US" sz="1500" b="1" dirty="0">
+                <a:solidFill>
+                  <a:schemeClr val="tx1"/>
+                </a:solidFill>
+                <a:latin typeface="Calibri" panose="020F0502020204030204" pitchFamily="34" charset="0"/>
+                <a:cs typeface="Calibri" panose="020F0502020204030204" pitchFamily="34" charset="0"/>
+              </a:rPr>
+              <a:t>Importance: </a:t>
+            </a:r>
+            <a:r>
+              <a:rPr lang="en-US" sz="1500" dirty="0">
+                <a:solidFill>
+                  <a:schemeClr val="tx1"/>
+                </a:solidFill>
+                <a:latin typeface="Calibri" panose="020F0502020204030204" pitchFamily="34" charset="0"/>
+                <a:cs typeface="Calibri" panose="020F0502020204030204" pitchFamily="34" charset="0"/>
+              </a:rPr>
+              <a:t>Knowing how data is currently used provides insights into the specific requirements for analytics, reporting, and decision-making. It guides the design of the infrastructure to meet these specific use cases.</a:t>
+            </a:r>
+            <a:endParaRPr lang="en-US" sz="1500" b="1" dirty="0">
+              <a:solidFill>
+                <a:schemeClr val="tx1"/>
+              </a:solidFill>
+              <a:latin typeface="Calibri" panose="020F0502020204030204" pitchFamily="34" charset="0"/>
+              <a:cs typeface="Calibri" panose="020F0502020204030204" pitchFamily="34" charset="0"/>
+            </a:endParaRPr>
+          </a:p>
+        </p:txBody>
+      </p:sp>
+    </p:spTree>
+    <p:extLst>
+      <p:ext uri="{BB962C8B-B14F-4D97-AF65-F5344CB8AC3E}">
+        <p14:creationId xmlns:p14="http://schemas.microsoft.com/office/powerpoint/2010/main" val="224879084"/>
+      </p:ext>
+    </p:extLst>
+  </p:cSld>
+  <p:clrMapOvr>
+    <a:masterClrMapping/>
+  </p:clrMapOvr>
+  <mc:AlternateContent xmlns:mc="http://schemas.openxmlformats.org/markup-compatibility/2006">
+    <mc:Choice xmlns:p15="http://schemas.microsoft.com/office/powerpoint/2012/main" Requires="p15">
+      <p:transition xmlns:p14="http://schemas.microsoft.com/office/powerpoint/2010/main" spd="slow" p14:dur="1250">
+        <p15:prstTrans prst="pageCurlDouble"/>
+      </p:transition>
+    </mc:Choice>
+    <mc:Fallback>
+      <p:transition spd="slow">
+        <p:fade/>
+      </p:transition>
+    </mc:Fallback>
+  </mc:AlternateContent>
+  <p:timing>
+    <p:tnLst>
+      <p:par>
+        <p:cTn id="1" dur="indefinite" restart="never" nodeType="tmRoot">
+          <p:childTnLst>
+            <p:seq concurrent="1" nextAc="seek">
+              <p:cTn id="2" dur="indefinite" nodeType="mainSeq">
+                <p:childTnLst>
+                  <p:par>
+                    <p:cTn id="3" fill="hold">
+                      <p:stCondLst>
+                        <p:cond delay="indefinite"/>
+                      </p:stCondLst>
+                      <p:childTnLst>
+                        <p:par>
+                          <p:cTn id="4" fill="hold">
+                            <p:stCondLst>
+                              <p:cond delay="0"/>
+                            </p:stCondLst>
+                            <p:childTnLst>
+                              <p:par>
+                                <p:cTn id="5" presetID="2" presetClass="entr" presetSubtype="4" fill="hold" grpId="0" nodeType="clickEffect">
+                                  <p:stCondLst>
+                                    <p:cond delay="0"/>
+                                  </p:stCondLst>
+                                  <p:childTnLst>
+                                    <p:set>
+                                      <p:cBhvr>
+                                        <p:cTn id="6" dur="1" fill="hold">
+                                          <p:stCondLst>
+                                            <p:cond delay="0"/>
+                                          </p:stCondLst>
+                                        </p:cTn>
+                                        <p:tgtEl>
+                                          <p:spTgt spid="5">
+                                            <p:txEl>
+                                              <p:pRg st="0" end="0"/>
+                                            </p:txEl>
+                                          </p:spTgt>
+                                        </p:tgtEl>
+                                        <p:attrNameLst>
+                                          <p:attrName>style.visibility</p:attrName>
+                                        </p:attrNameLst>
+                                      </p:cBhvr>
+                                      <p:to>
+                                        <p:strVal val="visible"/>
+                                      </p:to>
+                                    </p:set>
+                                    <p:anim calcmode="lin" valueType="num">
+                                      <p:cBhvr additive="base">
+                                        <p:cTn id="7" dur="500" fill="hold"/>
+                                        <p:tgtEl>
+                                          <p:spTgt spid="5">
+                                            <p:txEl>
+                                              <p:pRg st="0" end="0"/>
+                                            </p:txEl>
+                                          </p:spTgt>
+                                        </p:tgtEl>
+                                        <p:attrNameLst>
+                                          <p:attrName>ppt_x</p:attrName>
+                                        </p:attrNameLst>
+                                      </p:cBhvr>
+                                      <p:tavLst>
+                                        <p:tav tm="0">
+                                          <p:val>
+                                            <p:strVal val="#ppt_x"/>
+                                          </p:val>
+                                        </p:tav>
+                                        <p:tav tm="100000">
+                                          <p:val>
+                                            <p:strVal val="#ppt_x"/>
+                                          </p:val>
+                                        </p:tav>
+                                      </p:tavLst>
+                                    </p:anim>
+                                    <p:anim calcmode="lin" valueType="num">
+                                      <p:cBhvr additive="base">
+                                        <p:cTn id="8" dur="500" fill="hold"/>
+                                        <p:tgtEl>
+                                          <p:spTgt spid="5">
+                                            <p:txEl>
+                                              <p:pRg st="0" end="0"/>
+                                            </p:txEl>
+                                          </p:spTgt>
+                                        </p:tgtEl>
+                                        <p:attrNameLst>
+                                          <p:attrName>ppt_y</p:attrName>
+                                        </p:attrNameLst>
+                                      </p:cBhvr>
+                                      <p:tavLst>
+                                        <p:tav tm="0">
+                                          <p:val>
+                                            <p:strVal val="1+#ppt_h/2"/>
+                                          </p:val>
+                                        </p:tav>
+                                        <p:tav tm="100000">
+                                          <p:val>
+                                            <p:strVal val="#ppt_y"/>
+                                          </p:val>
+                                        </p:tav>
+                                      </p:tavLst>
+                                    </p:anim>
+                                  </p:childTnLst>
+                                </p:cTn>
+                              </p:par>
+                            </p:childTnLst>
+                          </p:cTn>
+                        </p:par>
+                      </p:childTnLst>
+                    </p:cTn>
+                  </p:par>
+                  <p:par>
+                    <p:cTn id="9" fill="hold">
+                      <p:stCondLst>
+                        <p:cond delay="indefinite"/>
+                      </p:stCondLst>
+                      <p:childTnLst>
+                        <p:par>
+                          <p:cTn id="10" fill="hold">
+                            <p:stCondLst>
+                              <p:cond delay="0"/>
+                            </p:stCondLst>
+                            <p:childTnLst>
+                              <p:par>
+                                <p:cTn id="11" presetID="2" presetClass="entr" presetSubtype="4" fill="hold" grpId="0" nodeType="clickEffect">
+                                  <p:stCondLst>
+                                    <p:cond delay="0"/>
+                                  </p:stCondLst>
+                                  <p:childTnLst>
+                                    <p:set>
+                                      <p:cBhvr>
+                                        <p:cTn id="12" dur="1" fill="hold">
+                                          <p:stCondLst>
+                                            <p:cond delay="0"/>
+                                          </p:stCondLst>
+                                        </p:cTn>
+                                        <p:tgtEl>
+                                          <p:spTgt spid="5">
+                                            <p:txEl>
+                                              <p:pRg st="1" end="1"/>
+                                            </p:txEl>
+                                          </p:spTgt>
+                                        </p:tgtEl>
+                                        <p:attrNameLst>
+                                          <p:attrName>style.visibility</p:attrName>
+                                        </p:attrNameLst>
+                                      </p:cBhvr>
+                                      <p:to>
+                                        <p:strVal val="visible"/>
+                                      </p:to>
+                                    </p:set>
+                                    <p:anim calcmode="lin" valueType="num">
+                                      <p:cBhvr additive="base">
+                                        <p:cTn id="13" dur="500" fill="hold"/>
+                                        <p:tgtEl>
+                                          <p:spTgt spid="5">
+                                            <p:txEl>
+                                              <p:pRg st="1" end="1"/>
+                                            </p:txEl>
+                                          </p:spTgt>
+                                        </p:tgtEl>
+                                        <p:attrNameLst>
+                                          <p:attrName>ppt_x</p:attrName>
+                                        </p:attrNameLst>
+                                      </p:cBhvr>
+                                      <p:tavLst>
+                                        <p:tav tm="0">
+                                          <p:val>
+                                            <p:strVal val="#ppt_x"/>
+                                          </p:val>
+                                        </p:tav>
+                                        <p:tav tm="100000">
+                                          <p:val>
+                                            <p:strVal val="#ppt_x"/>
+                                          </p:val>
+                                        </p:tav>
+                                      </p:tavLst>
+                                    </p:anim>
+                                    <p:anim calcmode="lin" valueType="num">
+                                      <p:cBhvr additive="base">
+                                        <p:cTn id="14" dur="500" fill="hold"/>
+                                        <p:tgtEl>
+                                          <p:spTgt spid="5">
+                                            <p:txEl>
+                                              <p:pRg st="1" end="1"/>
+                                            </p:txEl>
+                                          </p:spTgt>
+                                        </p:tgtEl>
+                                        <p:attrNameLst>
+                                          <p:attrName>ppt_y</p:attrName>
+                                        </p:attrNameLst>
+                                      </p:cBhvr>
+                                      <p:tavLst>
+                                        <p:tav tm="0">
+                                          <p:val>
+                                            <p:strVal val="1+#ppt_h/2"/>
+                                          </p:val>
+                                        </p:tav>
+                                        <p:tav tm="100000">
+                                          <p:val>
+                                            <p:strVal val="#ppt_y"/>
+                                          </p:val>
+                                        </p:tav>
+                                      </p:tavLst>
+                                    </p:anim>
+                                  </p:childTnLst>
+                                </p:cTn>
+                              </p:par>
+                            </p:childTnLst>
+                          </p:cTn>
+                        </p:par>
+                      </p:childTnLst>
+                    </p:cTn>
+                  </p:par>
+                  <p:par>
+                    <p:cTn id="15" fill="hold">
+                      <p:stCondLst>
+                        <p:cond delay="indefinite"/>
+                      </p:stCondLst>
+                      <p:childTnLst>
+                        <p:par>
+                          <p:cTn id="16" fill="hold">
+                            <p:stCondLst>
+                              <p:cond delay="0"/>
+                            </p:stCondLst>
+                            <p:childTnLst>
+                              <p:par>
+                                <p:cTn id="17" presetID="2" presetClass="entr" presetSubtype="4" fill="hold" grpId="0" nodeType="clickEffect">
+                                  <p:stCondLst>
+                                    <p:cond delay="0"/>
+                                  </p:stCondLst>
+                                  <p:childTnLst>
+                                    <p:set>
+                                      <p:cBhvr>
+                                        <p:cTn id="18" dur="1" fill="hold">
+                                          <p:stCondLst>
+                                            <p:cond delay="0"/>
+                                          </p:stCondLst>
+                                        </p:cTn>
+                                        <p:tgtEl>
+                                          <p:spTgt spid="5">
+                                            <p:txEl>
+                                              <p:pRg st="2" end="2"/>
+                                            </p:txEl>
+                                          </p:spTgt>
+                                        </p:tgtEl>
+                                        <p:attrNameLst>
+                                          <p:attrName>style.visibility</p:attrName>
+                                        </p:attrNameLst>
+                                      </p:cBhvr>
+                                      <p:to>
+                                        <p:strVal val="visible"/>
+                                      </p:to>
+                                    </p:set>
+                                    <p:anim calcmode="lin" valueType="num">
+                                      <p:cBhvr additive="base">
+                                        <p:cTn id="19" dur="500" fill="hold"/>
+                                        <p:tgtEl>
+                                          <p:spTgt spid="5">
+                                            <p:txEl>
+                                              <p:pRg st="2" end="2"/>
+                                            </p:txEl>
+                                          </p:spTgt>
+                                        </p:tgtEl>
+                                        <p:attrNameLst>
+                                          <p:attrName>ppt_x</p:attrName>
+                                        </p:attrNameLst>
+                                      </p:cBhvr>
+                                      <p:tavLst>
+                                        <p:tav tm="0">
+                                          <p:val>
+                                            <p:strVal val="#ppt_x"/>
+                                          </p:val>
+                                        </p:tav>
+                                        <p:tav tm="100000">
+                                          <p:val>
+                                            <p:strVal val="#ppt_x"/>
+                                          </p:val>
+                                        </p:tav>
+                                      </p:tavLst>
+                                    </p:anim>
+                                    <p:anim calcmode="lin" valueType="num">
+                                      <p:cBhvr additive="base">
+                                        <p:cTn id="20" dur="500" fill="hold"/>
+                                        <p:tgtEl>
+                                          <p:spTgt spid="5">
+                                            <p:txEl>
+                                              <p:pRg st="2" end="2"/>
+                                            </p:txEl>
+                                          </p:spTgt>
+                                        </p:tgtEl>
+                                        <p:attrNameLst>
+                                          <p:attrName>ppt_y</p:attrName>
+                                        </p:attrNameLst>
+                                      </p:cBhvr>
+                                      <p:tavLst>
+                                        <p:tav tm="0">
+                                          <p:val>
+                                            <p:strVal val="1+#ppt_h/2"/>
+                                          </p:val>
+                                        </p:tav>
+                                        <p:tav tm="100000">
+                                          <p:val>
+                                            <p:strVal val="#ppt_y"/>
+                                          </p:val>
+                                        </p:tav>
+                                      </p:tavLst>
+                                    </p:anim>
+                                  </p:childTnLst>
+                                </p:cTn>
+                              </p:par>
+                            </p:childTnLst>
+                          </p:cTn>
+                        </p:par>
+                      </p:childTnLst>
+                    </p:cTn>
+                  </p:par>
+                  <p:par>
+                    <p:cTn id="21" fill="hold">
+                      <p:stCondLst>
+                        <p:cond delay="indefinite"/>
+                      </p:stCondLst>
+                      <p:childTnLst>
+                        <p:par>
+                          <p:cTn id="22" fill="hold">
+                            <p:stCondLst>
+                              <p:cond delay="0"/>
+                            </p:stCondLst>
+                            <p:childTnLst>
+                              <p:par>
+                                <p:cTn id="23" presetID="2" presetClass="entr" presetSubtype="4" fill="hold" grpId="0" nodeType="clickEffect">
+                                  <p:stCondLst>
+                                    <p:cond delay="0"/>
+                                  </p:stCondLst>
+                                  <p:childTnLst>
+                                    <p:set>
+                                      <p:cBhvr>
+                                        <p:cTn id="24" dur="1" fill="hold">
+                                          <p:stCondLst>
+                                            <p:cond delay="0"/>
+                                          </p:stCondLst>
+                                        </p:cTn>
+                                        <p:tgtEl>
+                                          <p:spTgt spid="5">
+                                            <p:txEl>
+                                              <p:pRg st="3" end="3"/>
+                                            </p:txEl>
+                                          </p:spTgt>
+                                        </p:tgtEl>
+                                        <p:attrNameLst>
+                                          <p:attrName>style.visibility</p:attrName>
+                                        </p:attrNameLst>
+                                      </p:cBhvr>
+                                      <p:to>
+                                        <p:strVal val="visible"/>
+                                      </p:to>
+                                    </p:set>
+                                    <p:anim calcmode="lin" valueType="num">
+                                      <p:cBhvr additive="base">
+                                        <p:cTn id="25" dur="500" fill="hold"/>
+                                        <p:tgtEl>
+                                          <p:spTgt spid="5">
+                                            <p:txEl>
+                                              <p:pRg st="3" end="3"/>
+                                            </p:txEl>
+                                          </p:spTgt>
+                                        </p:tgtEl>
+                                        <p:attrNameLst>
+                                          <p:attrName>ppt_x</p:attrName>
+                                        </p:attrNameLst>
+                                      </p:cBhvr>
+                                      <p:tavLst>
+                                        <p:tav tm="0">
+                                          <p:val>
+                                            <p:strVal val="#ppt_x"/>
+                                          </p:val>
+                                        </p:tav>
+                                        <p:tav tm="100000">
+                                          <p:val>
+                                            <p:strVal val="#ppt_x"/>
+                                          </p:val>
+                                        </p:tav>
+                                      </p:tavLst>
+                                    </p:anim>
+                                    <p:anim calcmode="lin" valueType="num">
+                                      <p:cBhvr additive="base">
+                                        <p:cTn id="26" dur="500" fill="hold"/>
+                                        <p:tgtEl>
+                                          <p:spTgt spid="5">
+                                            <p:txEl>
+                                              <p:pRg st="3" end="3"/>
+                                            </p:txEl>
+                                          </p:spTgt>
+                                        </p:tgtEl>
+                                        <p:attrNameLst>
+                                          <p:attrName>ppt_y</p:attrName>
+                                        </p:attrNameLst>
+                                      </p:cBhvr>
+                                      <p:tavLst>
+                                        <p:tav tm="0">
+                                          <p:val>
+                                            <p:strVal val="1+#ppt_h/2"/>
+                                          </p:val>
+                                        </p:tav>
+                                        <p:tav tm="100000">
+                                          <p:val>
+                                            <p:strVal val="#ppt_y"/>
+                                          </p:val>
+                                        </p:tav>
+                                      </p:tavLst>
+                                    </p:anim>
+                                  </p:childTnLst>
+                                </p:cTn>
+                              </p:par>
+                            </p:childTnLst>
+                          </p:cTn>
+                        </p:par>
+                      </p:childTnLst>
+                    </p:cTn>
+                  </p:par>
+                  <p:par>
+                    <p:cTn id="27" fill="hold">
+                      <p:stCondLst>
+                        <p:cond delay="indefinite"/>
+                      </p:stCondLst>
+                      <p:childTnLst>
+                        <p:par>
+                          <p:cTn id="28" fill="hold">
+                            <p:stCondLst>
+                              <p:cond delay="0"/>
+                            </p:stCondLst>
+                            <p:childTnLst>
+                              <p:par>
+                                <p:cTn id="29" presetID="2" presetClass="entr" presetSubtype="4" fill="hold" grpId="0" nodeType="clickEffect">
+                                  <p:stCondLst>
+                                    <p:cond delay="0"/>
+                                  </p:stCondLst>
+                                  <p:childTnLst>
+                                    <p:set>
+                                      <p:cBhvr>
+                                        <p:cTn id="30" dur="1" fill="hold">
+                                          <p:stCondLst>
+                                            <p:cond delay="0"/>
+                                          </p:stCondLst>
+                                        </p:cTn>
+                                        <p:tgtEl>
+                                          <p:spTgt spid="5">
+                                            <p:txEl>
+                                              <p:pRg st="4" end="4"/>
+                                            </p:txEl>
+                                          </p:spTgt>
+                                        </p:tgtEl>
+                                        <p:attrNameLst>
+                                          <p:attrName>style.visibility</p:attrName>
+                                        </p:attrNameLst>
+                                      </p:cBhvr>
+                                      <p:to>
+                                        <p:strVal val="visible"/>
+                                      </p:to>
+                                    </p:set>
+                                    <p:anim calcmode="lin" valueType="num">
+                                      <p:cBhvr additive="base">
+                                        <p:cTn id="31" dur="500" fill="hold"/>
+                                        <p:tgtEl>
+                                          <p:spTgt spid="5">
+                                            <p:txEl>
+                                              <p:pRg st="4" end="4"/>
+                                            </p:txEl>
+                                          </p:spTgt>
+                                        </p:tgtEl>
+                                        <p:attrNameLst>
+                                          <p:attrName>ppt_x</p:attrName>
+                                        </p:attrNameLst>
+                                      </p:cBhvr>
+                                      <p:tavLst>
+                                        <p:tav tm="0">
+                                          <p:val>
+                                            <p:strVal val="#ppt_x"/>
+                                          </p:val>
+                                        </p:tav>
+                                        <p:tav tm="100000">
+                                          <p:val>
+                                            <p:strVal val="#ppt_x"/>
+                                          </p:val>
+                                        </p:tav>
+                                      </p:tavLst>
+                                    </p:anim>
+                                    <p:anim calcmode="lin" valueType="num">
+                                      <p:cBhvr additive="base">
+                                        <p:cTn id="32" dur="500" fill="hold"/>
+                                        <p:tgtEl>
+                                          <p:spTgt spid="5">
+                                            <p:txEl>
+                                              <p:pRg st="4" end="4"/>
+                                            </p:txEl>
+                                          </p:spTgt>
+                                        </p:tgtEl>
+                                        <p:attrNameLst>
+                                          <p:attrName>ppt_y</p:attrName>
+                                        </p:attrNameLst>
+                                      </p:cBhvr>
+                                      <p:tavLst>
+                                        <p:tav tm="0">
+                                          <p:val>
+                                            <p:strVal val="1+#ppt_h/2"/>
+                                          </p:val>
+                                        </p:tav>
+                                        <p:tav tm="100000">
+                                          <p:val>
+                                            <p:strVal val="#ppt_y"/>
+                                          </p:val>
+                                        </p:tav>
+                                      </p:tavLst>
+                                    </p:anim>
+                                  </p:childTnLst>
+                                </p:cTn>
+                              </p:par>
+                            </p:childTnLst>
+                          </p:cTn>
+                        </p:par>
+                      </p:childTnLst>
+                    </p:cTn>
+                  </p:par>
+                  <p:par>
+                    <p:cTn id="33" fill="hold">
+                      <p:stCondLst>
+                        <p:cond delay="indefinite"/>
+                      </p:stCondLst>
+                      <p:childTnLst>
+                        <p:par>
+                          <p:cTn id="34" fill="hold">
+                            <p:stCondLst>
+                              <p:cond delay="0"/>
+                            </p:stCondLst>
+                            <p:childTnLst>
+                              <p:par>
+                                <p:cTn id="35" presetID="2" presetClass="entr" presetSubtype="4" fill="hold" grpId="0" nodeType="clickEffect">
+                                  <p:stCondLst>
+                                    <p:cond delay="0"/>
+                                  </p:stCondLst>
+                                  <p:childTnLst>
+                                    <p:set>
+                                      <p:cBhvr>
+                                        <p:cTn id="36" dur="1" fill="hold">
+                                          <p:stCondLst>
+                                            <p:cond delay="0"/>
+                                          </p:stCondLst>
+                                        </p:cTn>
+                                        <p:tgtEl>
+                                          <p:spTgt spid="5">
+                                            <p:txEl>
+                                              <p:pRg st="5" end="5"/>
+                                            </p:txEl>
+                                          </p:spTgt>
+                                        </p:tgtEl>
+                                        <p:attrNameLst>
+                                          <p:attrName>style.visibility</p:attrName>
+                                        </p:attrNameLst>
+                                      </p:cBhvr>
+                                      <p:to>
+                                        <p:strVal val="visible"/>
+                                      </p:to>
+                                    </p:set>
+                                    <p:anim calcmode="lin" valueType="num">
+                                      <p:cBhvr additive="base">
+                                        <p:cTn id="37" dur="500" fill="hold"/>
+                                        <p:tgtEl>
+                                          <p:spTgt spid="5">
+                                            <p:txEl>
+                                              <p:pRg st="5" end="5"/>
+                                            </p:txEl>
+                                          </p:spTgt>
+                                        </p:tgtEl>
+                                        <p:attrNameLst>
+                                          <p:attrName>ppt_x</p:attrName>
+                                        </p:attrNameLst>
+                                      </p:cBhvr>
+                                      <p:tavLst>
+                                        <p:tav tm="0">
+                                          <p:val>
+                                            <p:strVal val="#ppt_x"/>
+                                          </p:val>
+                                        </p:tav>
+                                        <p:tav tm="100000">
+                                          <p:val>
+                                            <p:strVal val="#ppt_x"/>
+                                          </p:val>
+                                        </p:tav>
+                                      </p:tavLst>
+                                    </p:anim>
+                                    <p:anim calcmode="lin" valueType="num">
+                                      <p:cBhvr additive="base">
+                                        <p:cTn id="38" dur="500" fill="hold"/>
+                                        <p:tgtEl>
+                                          <p:spTgt spid="5">
+                                            <p:txEl>
+                                              <p:pRg st="5" end="5"/>
+                                            </p:txEl>
+                                          </p:spTgt>
+                                        </p:tgtEl>
+                                        <p:attrNameLst>
+                                          <p:attrName>ppt_y</p:attrName>
+                                        </p:attrNameLst>
+                                      </p:cBhvr>
+                                      <p:tavLst>
+                                        <p:tav tm="0">
+                                          <p:val>
+                                            <p:strVal val="1+#ppt_h/2"/>
+                                          </p:val>
+                                        </p:tav>
+                                        <p:tav tm="100000">
+                                          <p:val>
+                                            <p:strVal val="#ppt_y"/>
+                                          </p:val>
+                                        </p:tav>
+                                      </p:tavLst>
+                                    </p:anim>
+                                  </p:childTnLst>
+                                </p:cTn>
+                              </p:par>
+                            </p:childTnLst>
+                          </p:cTn>
+                        </p:par>
+                      </p:childTnLst>
+                    </p:cTn>
+                  </p:par>
+                  <p:par>
+                    <p:cTn id="39" fill="hold">
+                      <p:stCondLst>
+                        <p:cond delay="indefinite"/>
+                      </p:stCondLst>
+                      <p:childTnLst>
+                        <p:par>
+                          <p:cTn id="40" fill="hold">
+                            <p:stCondLst>
+                              <p:cond delay="0"/>
+                            </p:stCondLst>
+                            <p:childTnLst>
+                              <p:par>
+                                <p:cTn id="41" presetID="2" presetClass="entr" presetSubtype="4" fill="hold" grpId="0" nodeType="clickEffect">
+                                  <p:stCondLst>
+                                    <p:cond delay="0"/>
+                                  </p:stCondLst>
+                                  <p:childTnLst>
+                                    <p:set>
+                                      <p:cBhvr>
+                                        <p:cTn id="42" dur="1" fill="hold">
+                                          <p:stCondLst>
+                                            <p:cond delay="0"/>
+                                          </p:stCondLst>
+                                        </p:cTn>
+                                        <p:tgtEl>
+                                          <p:spTgt spid="5">
+                                            <p:txEl>
+                                              <p:pRg st="6" end="6"/>
+                                            </p:txEl>
+                                          </p:spTgt>
+                                        </p:tgtEl>
+                                        <p:attrNameLst>
+                                          <p:attrName>style.visibility</p:attrName>
+                                        </p:attrNameLst>
+                                      </p:cBhvr>
+                                      <p:to>
+                                        <p:strVal val="visible"/>
+                                      </p:to>
+                                    </p:set>
+                                    <p:anim calcmode="lin" valueType="num">
+                                      <p:cBhvr additive="base">
+                                        <p:cTn id="43" dur="500" fill="hold"/>
+                                        <p:tgtEl>
+                                          <p:spTgt spid="5">
+                                            <p:txEl>
+                                              <p:pRg st="6" end="6"/>
+                                            </p:txEl>
+                                          </p:spTgt>
+                                        </p:tgtEl>
+                                        <p:attrNameLst>
+                                          <p:attrName>ppt_x</p:attrName>
+                                        </p:attrNameLst>
+                                      </p:cBhvr>
+                                      <p:tavLst>
+                                        <p:tav tm="0">
+                                          <p:val>
+                                            <p:strVal val="#ppt_x"/>
+                                          </p:val>
+                                        </p:tav>
+                                        <p:tav tm="100000">
+                                          <p:val>
+                                            <p:strVal val="#ppt_x"/>
+                                          </p:val>
+                                        </p:tav>
+                                      </p:tavLst>
+                                    </p:anim>
+                                    <p:anim calcmode="lin" valueType="num">
+                                      <p:cBhvr additive="base">
+                                        <p:cTn id="44" dur="500" fill="hold"/>
+                                        <p:tgtEl>
+                                          <p:spTgt spid="5">
+                                            <p:txEl>
+                                              <p:pRg st="6" end="6"/>
+                                            </p:txEl>
+                                          </p:spTgt>
+                                        </p:tgtEl>
+                                        <p:attrNameLst>
+                                          <p:attrName>ppt_y</p:attrName>
+                                        </p:attrNameLst>
+                                      </p:cBhvr>
+                                      <p:tavLst>
+                                        <p:tav tm="0">
+                                          <p:val>
+                                            <p:strVal val="1+#ppt_h/2"/>
+                                          </p:val>
+                                        </p:tav>
+                                        <p:tav tm="100000">
+                                          <p:val>
+                                            <p:strVal val="#ppt_y"/>
+                                          </p:val>
+                                        </p:tav>
+                                      </p:tavLst>
+                                    </p:anim>
+                                  </p:childTnLst>
+                                </p:cTn>
+                              </p:par>
+                            </p:childTnLst>
+                          </p:cTn>
+                        </p:par>
+                      </p:childTnLst>
+                    </p:cTn>
+                  </p:par>
+                  <p:par>
+                    <p:cTn id="45" fill="hold">
+                      <p:stCondLst>
+                        <p:cond delay="indefinite"/>
+                      </p:stCondLst>
+                      <p:childTnLst>
+                        <p:par>
+                          <p:cTn id="46" fill="hold">
+                            <p:stCondLst>
+                              <p:cond delay="0"/>
+                            </p:stCondLst>
+                            <p:childTnLst>
+                              <p:par>
+                                <p:cTn id="47" presetID="2" presetClass="entr" presetSubtype="4" fill="hold" grpId="0" nodeType="clickEffect">
+                                  <p:stCondLst>
+                                    <p:cond delay="0"/>
+                                  </p:stCondLst>
+                                  <p:childTnLst>
+                                    <p:set>
+                                      <p:cBhvr>
+                                        <p:cTn id="48" dur="1" fill="hold">
+                                          <p:stCondLst>
+                                            <p:cond delay="0"/>
+                                          </p:stCondLst>
+                                        </p:cTn>
+                                        <p:tgtEl>
+                                          <p:spTgt spid="5">
+                                            <p:txEl>
+                                              <p:pRg st="7" end="7"/>
+                                            </p:txEl>
+                                          </p:spTgt>
+                                        </p:tgtEl>
+                                        <p:attrNameLst>
+                                          <p:attrName>style.visibility</p:attrName>
+                                        </p:attrNameLst>
+                                      </p:cBhvr>
+                                      <p:to>
+                                        <p:strVal val="visible"/>
+                                      </p:to>
+                                    </p:set>
+                                    <p:anim calcmode="lin" valueType="num">
+                                      <p:cBhvr additive="base">
+                                        <p:cTn id="49" dur="500" fill="hold"/>
+                                        <p:tgtEl>
+                                          <p:spTgt spid="5">
+                                            <p:txEl>
+                                              <p:pRg st="7" end="7"/>
+                                            </p:txEl>
+                                          </p:spTgt>
+                                        </p:tgtEl>
+                                        <p:attrNameLst>
+                                          <p:attrName>ppt_x</p:attrName>
+                                        </p:attrNameLst>
+                                      </p:cBhvr>
+                                      <p:tavLst>
+                                        <p:tav tm="0">
+                                          <p:val>
+                                            <p:strVal val="#ppt_x"/>
+                                          </p:val>
+                                        </p:tav>
+                                        <p:tav tm="100000">
+                                          <p:val>
+                                            <p:strVal val="#ppt_x"/>
+                                          </p:val>
+                                        </p:tav>
+                                      </p:tavLst>
+                                    </p:anim>
+                                    <p:anim calcmode="lin" valueType="num">
+                                      <p:cBhvr additive="base">
+                                        <p:cTn id="50" dur="500" fill="hold"/>
+                                        <p:tgtEl>
+                                          <p:spTgt spid="5">
+                                            <p:txEl>
+                                              <p:pRg st="7" end="7"/>
+                                            </p:txEl>
+                                          </p:spTgt>
+                                        </p:tgtEl>
+                                        <p:attrNameLst>
+                                          <p:attrName>ppt_y</p:attrName>
+                                        </p:attrNameLst>
+                                      </p:cBhvr>
+                                      <p:tavLst>
+                                        <p:tav tm="0">
+                                          <p:val>
+                                            <p:strVal val="1+#ppt_h/2"/>
+                                          </p:val>
+                                        </p:tav>
+                                        <p:tav tm="100000">
+                                          <p:val>
+                                            <p:strVal val="#ppt_y"/>
+                                          </p:val>
+                                        </p:tav>
+                                      </p:tavLst>
+                                    </p:anim>
+                                  </p:childTnLst>
+                                </p:cTn>
+                              </p:par>
+                            </p:childTnLst>
+                          </p:cTn>
+                        </p:par>
+                      </p:childTnLst>
+                    </p:cTn>
+                  </p:par>
+                  <p:par>
+                    <p:cTn id="51" fill="hold">
+                      <p:stCondLst>
+                        <p:cond delay="indefinite"/>
+                      </p:stCondLst>
+                      <p:childTnLst>
+                        <p:par>
+                          <p:cTn id="52" fill="hold">
+                            <p:stCondLst>
+                              <p:cond delay="0"/>
+                            </p:stCondLst>
+                            <p:childTnLst>
+                              <p:par>
+                                <p:cTn id="53" presetID="2" presetClass="entr" presetSubtype="4" fill="hold" grpId="0" nodeType="clickEffect">
+                                  <p:stCondLst>
+                                    <p:cond delay="0"/>
+                                  </p:stCondLst>
+                                  <p:childTnLst>
+                                    <p:set>
+                                      <p:cBhvr>
+                                        <p:cTn id="54" dur="1" fill="hold">
+                                          <p:stCondLst>
+                                            <p:cond delay="0"/>
+                                          </p:stCondLst>
+                                        </p:cTn>
+                                        <p:tgtEl>
+                                          <p:spTgt spid="5">
+                                            <p:txEl>
+                                              <p:pRg st="8" end="8"/>
+                                            </p:txEl>
+                                          </p:spTgt>
+                                        </p:tgtEl>
+                                        <p:attrNameLst>
+                                          <p:attrName>style.visibility</p:attrName>
+                                        </p:attrNameLst>
+                                      </p:cBhvr>
+                                      <p:to>
+                                        <p:strVal val="visible"/>
+                                      </p:to>
+                                    </p:set>
+                                    <p:anim calcmode="lin" valueType="num">
+                                      <p:cBhvr additive="base">
+                                        <p:cTn id="55" dur="500" fill="hold"/>
+                                        <p:tgtEl>
+                                          <p:spTgt spid="5">
+                                            <p:txEl>
+                                              <p:pRg st="8" end="8"/>
+                                            </p:txEl>
+                                          </p:spTgt>
+                                        </p:tgtEl>
+                                        <p:attrNameLst>
+                                          <p:attrName>ppt_x</p:attrName>
+                                        </p:attrNameLst>
+                                      </p:cBhvr>
+                                      <p:tavLst>
+                                        <p:tav tm="0">
+                                          <p:val>
+                                            <p:strVal val="#ppt_x"/>
+                                          </p:val>
+                                        </p:tav>
+                                        <p:tav tm="100000">
+                                          <p:val>
+                                            <p:strVal val="#ppt_x"/>
+                                          </p:val>
+                                        </p:tav>
+                                      </p:tavLst>
+                                    </p:anim>
+                                    <p:anim calcmode="lin" valueType="num">
+                                      <p:cBhvr additive="base">
+                                        <p:cTn id="56" dur="500" fill="hold"/>
+                                        <p:tgtEl>
+                                          <p:spTgt spid="5">
+                                            <p:txEl>
+                                              <p:pRg st="8" end="8"/>
+                                            </p:txEl>
+                                          </p:spTgt>
+                                        </p:tgtEl>
+                                        <p:attrNameLst>
+                                          <p:attrName>ppt_y</p:attrName>
+                                        </p:attrNameLst>
+                                      </p:cBhvr>
+                                      <p:tavLst>
+                                        <p:tav tm="0">
+                                          <p:val>
+                                            <p:strVal val="1+#ppt_h/2"/>
+                                          </p:val>
+                                        </p:tav>
+                                        <p:tav tm="100000">
+                                          <p:val>
+                                            <p:strVal val="#ppt_y"/>
+                                          </p:val>
+                                        </p:tav>
+                                      </p:tavLst>
+                                    </p:anim>
+                                  </p:childTnLst>
+                                </p:cTn>
+                              </p:par>
+                            </p:childTnLst>
+                          </p:cTn>
+                        </p:par>
+                      </p:childTnLst>
+                    </p:cTn>
+                  </p:par>
+                  <p:par>
+                    <p:cTn id="57" fill="hold">
+                      <p:stCondLst>
+                        <p:cond delay="indefinite"/>
+                      </p:stCondLst>
+                      <p:childTnLst>
+                        <p:par>
+                          <p:cTn id="58" fill="hold">
+                            <p:stCondLst>
+                              <p:cond delay="0"/>
+                            </p:stCondLst>
+                            <p:childTnLst>
+                              <p:par>
+                                <p:cTn id="59" presetID="2" presetClass="entr" presetSubtype="4" fill="hold" grpId="0" nodeType="clickEffect">
+                                  <p:stCondLst>
+                                    <p:cond delay="0"/>
+                                  </p:stCondLst>
+                                  <p:childTnLst>
+                                    <p:set>
+                                      <p:cBhvr>
+                                        <p:cTn id="60" dur="1" fill="hold">
+                                          <p:stCondLst>
+                                            <p:cond delay="0"/>
+                                          </p:stCondLst>
+                                        </p:cTn>
+                                        <p:tgtEl>
+                                          <p:spTgt spid="5">
+                                            <p:txEl>
+                                              <p:pRg st="9" end="9"/>
+                                            </p:txEl>
+                                          </p:spTgt>
+                                        </p:tgtEl>
+                                        <p:attrNameLst>
+                                          <p:attrName>style.visibility</p:attrName>
+                                        </p:attrNameLst>
+                                      </p:cBhvr>
+                                      <p:to>
+                                        <p:strVal val="visible"/>
+                                      </p:to>
+                                    </p:set>
+                                    <p:anim calcmode="lin" valueType="num">
+                                      <p:cBhvr additive="base">
+                                        <p:cTn id="61" dur="500" fill="hold"/>
+                                        <p:tgtEl>
+                                          <p:spTgt spid="5">
+                                            <p:txEl>
+                                              <p:pRg st="9" end="9"/>
+                                            </p:txEl>
+                                          </p:spTgt>
+                                        </p:tgtEl>
+                                        <p:attrNameLst>
+                                          <p:attrName>ppt_x</p:attrName>
+                                        </p:attrNameLst>
+                                      </p:cBhvr>
+                                      <p:tavLst>
+                                        <p:tav tm="0">
+                                          <p:val>
+                                            <p:strVal val="#ppt_x"/>
+                                          </p:val>
+                                        </p:tav>
+                                        <p:tav tm="100000">
+                                          <p:val>
+                                            <p:strVal val="#ppt_x"/>
+                                          </p:val>
+                                        </p:tav>
+                                      </p:tavLst>
+                                    </p:anim>
+                                    <p:anim calcmode="lin" valueType="num">
+                                      <p:cBhvr additive="base">
+                                        <p:cTn id="62" dur="500" fill="hold"/>
+                                        <p:tgtEl>
+                                          <p:spTgt spid="5">
+                                            <p:txEl>
+                                              <p:pRg st="9" end="9"/>
+                                            </p:txEl>
+                                          </p:spTgt>
+                                        </p:tgtEl>
+                                        <p:attrNameLst>
+                                          <p:attrName>ppt_y</p:attrName>
+                                        </p:attrNameLst>
+                                      </p:cBhvr>
+                                      <p:tavLst>
+                                        <p:tav tm="0">
+                                          <p:val>
+                                            <p:strVal val="1+#ppt_h/2"/>
+                                          </p:val>
+                                        </p:tav>
+                                        <p:tav tm="100000">
+                                          <p:val>
+                                            <p:strVal val="#ppt_y"/>
+                                          </p:val>
+                                        </p:tav>
+                                      </p:tavLst>
+                                    </p:anim>
+                                  </p:childTnLst>
+                                </p:cTn>
+                              </p:par>
+                            </p:childTnLst>
+                          </p:cTn>
+                        </p:par>
+                      </p:childTnLst>
+                    </p:cTn>
+                  </p:par>
+                  <p:par>
+                    <p:cTn id="63" fill="hold">
+                      <p:stCondLst>
+                        <p:cond delay="indefinite"/>
+                      </p:stCondLst>
+                      <p:childTnLst>
+                        <p:par>
+                          <p:cTn id="64" fill="hold">
+                            <p:stCondLst>
+                              <p:cond delay="0"/>
+                            </p:stCondLst>
+                            <p:childTnLst>
+                              <p:par>
+                                <p:cTn id="65" presetID="2" presetClass="entr" presetSubtype="4" fill="hold" grpId="0" nodeType="clickEffect">
+                                  <p:stCondLst>
+                                    <p:cond delay="0"/>
+                                  </p:stCondLst>
+                                  <p:childTnLst>
+                                    <p:set>
+                                      <p:cBhvr>
+                                        <p:cTn id="66" dur="1" fill="hold">
+                                          <p:stCondLst>
+                                            <p:cond delay="0"/>
+                                          </p:stCondLst>
+                                        </p:cTn>
+                                        <p:tgtEl>
+                                          <p:spTgt spid="5">
+                                            <p:txEl>
+                                              <p:pRg st="10" end="10"/>
+                                            </p:txEl>
+                                          </p:spTgt>
+                                        </p:tgtEl>
+                                        <p:attrNameLst>
+                                          <p:attrName>style.visibility</p:attrName>
+                                        </p:attrNameLst>
+                                      </p:cBhvr>
+                                      <p:to>
+                                        <p:strVal val="visible"/>
+                                      </p:to>
+                                    </p:set>
+                                    <p:anim calcmode="lin" valueType="num">
+                                      <p:cBhvr additive="base">
+                                        <p:cTn id="67" dur="500" fill="hold"/>
+                                        <p:tgtEl>
+                                          <p:spTgt spid="5">
+                                            <p:txEl>
+                                              <p:pRg st="10" end="10"/>
+                                            </p:txEl>
+                                          </p:spTgt>
+                                        </p:tgtEl>
+                                        <p:attrNameLst>
+                                          <p:attrName>ppt_x</p:attrName>
+                                        </p:attrNameLst>
+                                      </p:cBhvr>
+                                      <p:tavLst>
+                                        <p:tav tm="0">
+                                          <p:val>
+                                            <p:strVal val="#ppt_x"/>
+                                          </p:val>
+                                        </p:tav>
+                                        <p:tav tm="100000">
+                                          <p:val>
+                                            <p:strVal val="#ppt_x"/>
+                                          </p:val>
+                                        </p:tav>
+                                      </p:tavLst>
+                                    </p:anim>
+                                    <p:anim calcmode="lin" valueType="num">
+                                      <p:cBhvr additive="base">
+                                        <p:cTn id="68" dur="500" fill="hold"/>
+                                        <p:tgtEl>
+                                          <p:spTgt spid="5">
+                                            <p:txEl>
+                                              <p:pRg st="10" end="10"/>
+                                            </p:txEl>
+                                          </p:spTgt>
+                                        </p:tgtEl>
+                                        <p:attrNameLst>
+                                          <p:attrName>ppt_y</p:attrName>
+                                        </p:attrNameLst>
+                                      </p:cBhvr>
+                                      <p:tavLst>
+                                        <p:tav tm="0">
+                                          <p:val>
+                                            <p:strVal val="1+#ppt_h/2"/>
+                                          </p:val>
+                                        </p:tav>
+                                        <p:tav tm="100000">
+                                          <p:val>
+                                            <p:strVal val="#ppt_y"/>
+                                          </p:val>
+                                        </p:tav>
+                                      </p:tavLst>
+                                    </p:anim>
+                                  </p:childTnLst>
+                                </p:cTn>
+                              </p:par>
+                            </p:childTnLst>
+                          </p:cTn>
+                        </p:par>
+                      </p:childTnLst>
+                    </p:cTn>
+                  </p:par>
+                  <p:par>
+                    <p:cTn id="69" fill="hold">
+                      <p:stCondLst>
+                        <p:cond delay="indefinite"/>
+                      </p:stCondLst>
+                      <p:childTnLst>
+                        <p:par>
+                          <p:cTn id="70" fill="hold">
+                            <p:stCondLst>
+                              <p:cond delay="0"/>
+                            </p:stCondLst>
+                            <p:childTnLst>
+                              <p:par>
+                                <p:cTn id="71" presetID="2" presetClass="entr" presetSubtype="4" fill="hold" grpId="0" nodeType="clickEffect">
+                                  <p:stCondLst>
+                                    <p:cond delay="0"/>
+                                  </p:stCondLst>
+                                  <p:childTnLst>
+                                    <p:set>
+                                      <p:cBhvr>
+                                        <p:cTn id="72" dur="1" fill="hold">
+                                          <p:stCondLst>
+                                            <p:cond delay="0"/>
+                                          </p:stCondLst>
+                                        </p:cTn>
+                                        <p:tgtEl>
+                                          <p:spTgt spid="5">
+                                            <p:txEl>
+                                              <p:pRg st="11" end="11"/>
+                                            </p:txEl>
+                                          </p:spTgt>
+                                        </p:tgtEl>
+                                        <p:attrNameLst>
+                                          <p:attrName>style.visibility</p:attrName>
+                                        </p:attrNameLst>
+                                      </p:cBhvr>
+                                      <p:to>
+                                        <p:strVal val="visible"/>
+                                      </p:to>
+                                    </p:set>
+                                    <p:anim calcmode="lin" valueType="num">
+                                      <p:cBhvr additive="base">
+                                        <p:cTn id="73" dur="500" fill="hold"/>
+                                        <p:tgtEl>
+                                          <p:spTgt spid="5">
+                                            <p:txEl>
+                                              <p:pRg st="11" end="11"/>
+                                            </p:txEl>
+                                          </p:spTgt>
+                                        </p:tgtEl>
+                                        <p:attrNameLst>
+                                          <p:attrName>ppt_x</p:attrName>
+                                        </p:attrNameLst>
+                                      </p:cBhvr>
+                                      <p:tavLst>
+                                        <p:tav tm="0">
+                                          <p:val>
+                                            <p:strVal val="#ppt_x"/>
+                                          </p:val>
+                                        </p:tav>
+                                        <p:tav tm="100000">
+                                          <p:val>
+                                            <p:strVal val="#ppt_x"/>
+                                          </p:val>
+                                        </p:tav>
+                                      </p:tavLst>
+                                    </p:anim>
+                                    <p:anim calcmode="lin" valueType="num">
+                                      <p:cBhvr additive="base">
+                                        <p:cTn id="74" dur="500" fill="hold"/>
+                                        <p:tgtEl>
+                                          <p:spTgt spid="5">
+                                            <p:txEl>
+                                              <p:pRg st="11" end="11"/>
+                                            </p:txEl>
+                                          </p:spTgt>
+                                        </p:tgtEl>
+                                        <p:attrNameLst>
+                                          <p:attrName>ppt_y</p:attrName>
+                                        </p:attrNameLst>
+                                      </p:cBhvr>
+                                      <p:tavLst>
+                                        <p:tav tm="0">
+                                          <p:val>
+                                            <p:strVal val="1+#ppt_h/2"/>
+                                          </p:val>
+                                        </p:tav>
+                                        <p:tav tm="100000">
+                                          <p:val>
+                                            <p:strVal val="#ppt_y"/>
+                                          </p:val>
+                                        </p:tav>
+                                      </p:tavLst>
+                                    </p:anim>
+                                  </p:childTnLst>
+                                </p:cTn>
+                              </p:par>
+                            </p:childTnLst>
+                          </p:cTn>
+                        </p:par>
+                      </p:childTnLst>
+                    </p:cTn>
+                  </p:par>
+                </p:childTnLst>
+              </p:cTn>
+              <p:prevCondLst>
+                <p:cond evt="onPrev" delay="0">
+                  <p:tgtEl>
+                    <p:sldTgt/>
+                  </p:tgtEl>
+                </p:cond>
+              </p:prevCondLst>
+              <p:nextCondLst>
+                <p:cond evt="onNext" delay="0">
+                  <p:tgtEl>
+                    <p:sldTgt/>
+                  </p:tgtEl>
+                </p:cond>
+              </p:nextCondLst>
+            </p:seq>
+          </p:childTnLst>
+        </p:cTn>
+      </p:par>
+    </p:tnLst>
+    <p:bldLst>
+      <p:bldP spid="5" grpId="0" build="p"/>
+    </p:bldLst>
+  </p:timing>
 </p:sld>
 </file>
 

--- a/PWC - Digital Intelligence/Task 4 - Data Analytics Strategy/Task_4_Data_Analytics_Strategy.pptx
+++ b/PWC - Digital Intelligence/Task 4 - Data Analytics Strategy/Task_4_Data_Analytics_Strategy.pptx
@@ -8,6 +8,8 @@
     <p:sldId id="256" r:id="rId2"/>
     <p:sldId id="257" r:id="rId3"/>
     <p:sldId id="258" r:id="rId4"/>
+    <p:sldId id="259" r:id="rId5"/>
+    <p:sldId id="260" r:id="rId6"/>
   </p:sldIdLst>
   <p:sldSz cx="12192000" cy="6858000"/>
   <p:notesSz cx="6858000" cy="9144000"/>
@@ -7822,13 +7824,13 @@
   <p:clrMapOvr>
     <a:masterClrMapping/>
   </p:clrMapOvr>
-  <mc:AlternateContent xmlns:mc="http://schemas.openxmlformats.org/markup-compatibility/2006">
-    <mc:Choice xmlns:p15="http://schemas.microsoft.com/office/powerpoint/2012/main" Requires="p15">
+  <mc:AlternateContent xmlns:mc="http://schemas.openxmlformats.org/markup-compatibility/2006" xmlns:p15="http://schemas.microsoft.com/office/powerpoint/2012/main">
+    <mc:Choice Requires="p15">
       <p:transition xmlns:p14="http://schemas.microsoft.com/office/powerpoint/2010/main" spd="slow" p14:dur="1250">
         <p15:prstTrans prst="pageCurlDouble"/>
       </p:transition>
     </mc:Choice>
-    <mc:Fallback>
+    <mc:Fallback xmlns="">
       <p:transition spd="slow">
         <p:fade/>
       </p:transition>
@@ -7983,13 +7985,13 @@
   <p:clrMapOvr>
     <a:masterClrMapping/>
   </p:clrMapOvr>
-  <mc:AlternateContent xmlns:mc="http://schemas.openxmlformats.org/markup-compatibility/2006">
-    <mc:Choice xmlns:p15="http://schemas.microsoft.com/office/powerpoint/2012/main" Requires="p15">
+  <mc:AlternateContent xmlns:mc="http://schemas.openxmlformats.org/markup-compatibility/2006" xmlns:p15="http://schemas.microsoft.com/office/powerpoint/2012/main">
+    <mc:Choice Requires="p15">
       <p:transition xmlns:p14="http://schemas.microsoft.com/office/powerpoint/2010/main" spd="slow" p14:dur="1250">
         <p15:prstTrans prst="pageCurlDouble"/>
       </p:transition>
     </mc:Choice>
-    <mc:Fallback>
+    <mc:Fallback xmlns="">
       <p:transition spd="slow">
         <p:fade/>
       </p:transition>
@@ -8436,7 +8438,7 @@
           <a:lstStyle/>
           <a:p>
             <a:r>
-              <a:rPr lang="en-US" sz="1900" b="1" dirty="0">
+              <a:rPr lang="en-US" sz="1700" b="1" dirty="0">
                 <a:solidFill>
                   <a:schemeClr val="tx1"/>
                 </a:solidFill>
@@ -8661,6 +8663,1617 @@
     <p:extLst>
       <p:ext uri="{BB962C8B-B14F-4D97-AF65-F5344CB8AC3E}">
         <p14:creationId xmlns:p14="http://schemas.microsoft.com/office/powerpoint/2010/main" val="224879084"/>
+      </p:ext>
+    </p:extLst>
+  </p:cSld>
+  <p:clrMapOvr>
+    <a:masterClrMapping/>
+  </p:clrMapOvr>
+  <mc:AlternateContent xmlns:mc="http://schemas.openxmlformats.org/markup-compatibility/2006" xmlns:p15="http://schemas.microsoft.com/office/powerpoint/2012/main">
+    <mc:Choice Requires="p15">
+      <p:transition xmlns:p14="http://schemas.microsoft.com/office/powerpoint/2010/main" spd="slow" p14:dur="1250">
+        <p15:prstTrans prst="pageCurlDouble"/>
+      </p:transition>
+    </mc:Choice>
+    <mc:Fallback xmlns="">
+      <p:transition spd="slow">
+        <p:fade/>
+      </p:transition>
+    </mc:Fallback>
+  </mc:AlternateContent>
+  <p:timing>
+    <p:tnLst>
+      <p:par>
+        <p:cTn id="1" dur="indefinite" restart="never" nodeType="tmRoot">
+          <p:childTnLst>
+            <p:seq concurrent="1" nextAc="seek">
+              <p:cTn id="2" dur="indefinite" nodeType="mainSeq">
+                <p:childTnLst>
+                  <p:par>
+                    <p:cTn id="3" fill="hold">
+                      <p:stCondLst>
+                        <p:cond delay="indefinite"/>
+                      </p:stCondLst>
+                      <p:childTnLst>
+                        <p:par>
+                          <p:cTn id="4" fill="hold">
+                            <p:stCondLst>
+                              <p:cond delay="0"/>
+                            </p:stCondLst>
+                            <p:childTnLst>
+                              <p:par>
+                                <p:cTn id="5" presetID="2" presetClass="entr" presetSubtype="4" fill="hold" grpId="0" nodeType="clickEffect">
+                                  <p:stCondLst>
+                                    <p:cond delay="0"/>
+                                  </p:stCondLst>
+                                  <p:childTnLst>
+                                    <p:set>
+                                      <p:cBhvr>
+                                        <p:cTn id="6" dur="1" fill="hold">
+                                          <p:stCondLst>
+                                            <p:cond delay="0"/>
+                                          </p:stCondLst>
+                                        </p:cTn>
+                                        <p:tgtEl>
+                                          <p:spTgt spid="5">
+                                            <p:txEl>
+                                              <p:pRg st="0" end="0"/>
+                                            </p:txEl>
+                                          </p:spTgt>
+                                        </p:tgtEl>
+                                        <p:attrNameLst>
+                                          <p:attrName>style.visibility</p:attrName>
+                                        </p:attrNameLst>
+                                      </p:cBhvr>
+                                      <p:to>
+                                        <p:strVal val="visible"/>
+                                      </p:to>
+                                    </p:set>
+                                    <p:anim calcmode="lin" valueType="num">
+                                      <p:cBhvr additive="base">
+                                        <p:cTn id="7" dur="500" fill="hold"/>
+                                        <p:tgtEl>
+                                          <p:spTgt spid="5">
+                                            <p:txEl>
+                                              <p:pRg st="0" end="0"/>
+                                            </p:txEl>
+                                          </p:spTgt>
+                                        </p:tgtEl>
+                                        <p:attrNameLst>
+                                          <p:attrName>ppt_x</p:attrName>
+                                        </p:attrNameLst>
+                                      </p:cBhvr>
+                                      <p:tavLst>
+                                        <p:tav tm="0">
+                                          <p:val>
+                                            <p:strVal val="#ppt_x"/>
+                                          </p:val>
+                                        </p:tav>
+                                        <p:tav tm="100000">
+                                          <p:val>
+                                            <p:strVal val="#ppt_x"/>
+                                          </p:val>
+                                        </p:tav>
+                                      </p:tavLst>
+                                    </p:anim>
+                                    <p:anim calcmode="lin" valueType="num">
+                                      <p:cBhvr additive="base">
+                                        <p:cTn id="8" dur="500" fill="hold"/>
+                                        <p:tgtEl>
+                                          <p:spTgt spid="5">
+                                            <p:txEl>
+                                              <p:pRg st="0" end="0"/>
+                                            </p:txEl>
+                                          </p:spTgt>
+                                        </p:tgtEl>
+                                        <p:attrNameLst>
+                                          <p:attrName>ppt_y</p:attrName>
+                                        </p:attrNameLst>
+                                      </p:cBhvr>
+                                      <p:tavLst>
+                                        <p:tav tm="0">
+                                          <p:val>
+                                            <p:strVal val="1+#ppt_h/2"/>
+                                          </p:val>
+                                        </p:tav>
+                                        <p:tav tm="100000">
+                                          <p:val>
+                                            <p:strVal val="#ppt_y"/>
+                                          </p:val>
+                                        </p:tav>
+                                      </p:tavLst>
+                                    </p:anim>
+                                  </p:childTnLst>
+                                </p:cTn>
+                              </p:par>
+                            </p:childTnLst>
+                          </p:cTn>
+                        </p:par>
+                      </p:childTnLst>
+                    </p:cTn>
+                  </p:par>
+                  <p:par>
+                    <p:cTn id="9" fill="hold">
+                      <p:stCondLst>
+                        <p:cond delay="indefinite"/>
+                      </p:stCondLst>
+                      <p:childTnLst>
+                        <p:par>
+                          <p:cTn id="10" fill="hold">
+                            <p:stCondLst>
+                              <p:cond delay="0"/>
+                            </p:stCondLst>
+                            <p:childTnLst>
+                              <p:par>
+                                <p:cTn id="11" presetID="2" presetClass="entr" presetSubtype="4" fill="hold" grpId="0" nodeType="clickEffect">
+                                  <p:stCondLst>
+                                    <p:cond delay="0"/>
+                                  </p:stCondLst>
+                                  <p:childTnLst>
+                                    <p:set>
+                                      <p:cBhvr>
+                                        <p:cTn id="12" dur="1" fill="hold">
+                                          <p:stCondLst>
+                                            <p:cond delay="0"/>
+                                          </p:stCondLst>
+                                        </p:cTn>
+                                        <p:tgtEl>
+                                          <p:spTgt spid="5">
+                                            <p:txEl>
+                                              <p:pRg st="1" end="1"/>
+                                            </p:txEl>
+                                          </p:spTgt>
+                                        </p:tgtEl>
+                                        <p:attrNameLst>
+                                          <p:attrName>style.visibility</p:attrName>
+                                        </p:attrNameLst>
+                                      </p:cBhvr>
+                                      <p:to>
+                                        <p:strVal val="visible"/>
+                                      </p:to>
+                                    </p:set>
+                                    <p:anim calcmode="lin" valueType="num">
+                                      <p:cBhvr additive="base">
+                                        <p:cTn id="13" dur="500" fill="hold"/>
+                                        <p:tgtEl>
+                                          <p:spTgt spid="5">
+                                            <p:txEl>
+                                              <p:pRg st="1" end="1"/>
+                                            </p:txEl>
+                                          </p:spTgt>
+                                        </p:tgtEl>
+                                        <p:attrNameLst>
+                                          <p:attrName>ppt_x</p:attrName>
+                                        </p:attrNameLst>
+                                      </p:cBhvr>
+                                      <p:tavLst>
+                                        <p:tav tm="0">
+                                          <p:val>
+                                            <p:strVal val="#ppt_x"/>
+                                          </p:val>
+                                        </p:tav>
+                                        <p:tav tm="100000">
+                                          <p:val>
+                                            <p:strVal val="#ppt_x"/>
+                                          </p:val>
+                                        </p:tav>
+                                      </p:tavLst>
+                                    </p:anim>
+                                    <p:anim calcmode="lin" valueType="num">
+                                      <p:cBhvr additive="base">
+                                        <p:cTn id="14" dur="500" fill="hold"/>
+                                        <p:tgtEl>
+                                          <p:spTgt spid="5">
+                                            <p:txEl>
+                                              <p:pRg st="1" end="1"/>
+                                            </p:txEl>
+                                          </p:spTgt>
+                                        </p:tgtEl>
+                                        <p:attrNameLst>
+                                          <p:attrName>ppt_y</p:attrName>
+                                        </p:attrNameLst>
+                                      </p:cBhvr>
+                                      <p:tavLst>
+                                        <p:tav tm="0">
+                                          <p:val>
+                                            <p:strVal val="1+#ppt_h/2"/>
+                                          </p:val>
+                                        </p:tav>
+                                        <p:tav tm="100000">
+                                          <p:val>
+                                            <p:strVal val="#ppt_y"/>
+                                          </p:val>
+                                        </p:tav>
+                                      </p:tavLst>
+                                    </p:anim>
+                                  </p:childTnLst>
+                                </p:cTn>
+                              </p:par>
+                            </p:childTnLst>
+                          </p:cTn>
+                        </p:par>
+                      </p:childTnLst>
+                    </p:cTn>
+                  </p:par>
+                  <p:par>
+                    <p:cTn id="15" fill="hold">
+                      <p:stCondLst>
+                        <p:cond delay="indefinite"/>
+                      </p:stCondLst>
+                      <p:childTnLst>
+                        <p:par>
+                          <p:cTn id="16" fill="hold">
+                            <p:stCondLst>
+                              <p:cond delay="0"/>
+                            </p:stCondLst>
+                            <p:childTnLst>
+                              <p:par>
+                                <p:cTn id="17" presetID="2" presetClass="entr" presetSubtype="4" fill="hold" grpId="0" nodeType="clickEffect">
+                                  <p:stCondLst>
+                                    <p:cond delay="0"/>
+                                  </p:stCondLst>
+                                  <p:childTnLst>
+                                    <p:set>
+                                      <p:cBhvr>
+                                        <p:cTn id="18" dur="1" fill="hold">
+                                          <p:stCondLst>
+                                            <p:cond delay="0"/>
+                                          </p:stCondLst>
+                                        </p:cTn>
+                                        <p:tgtEl>
+                                          <p:spTgt spid="5">
+                                            <p:txEl>
+                                              <p:pRg st="2" end="2"/>
+                                            </p:txEl>
+                                          </p:spTgt>
+                                        </p:tgtEl>
+                                        <p:attrNameLst>
+                                          <p:attrName>style.visibility</p:attrName>
+                                        </p:attrNameLst>
+                                      </p:cBhvr>
+                                      <p:to>
+                                        <p:strVal val="visible"/>
+                                      </p:to>
+                                    </p:set>
+                                    <p:anim calcmode="lin" valueType="num">
+                                      <p:cBhvr additive="base">
+                                        <p:cTn id="19" dur="500" fill="hold"/>
+                                        <p:tgtEl>
+                                          <p:spTgt spid="5">
+                                            <p:txEl>
+                                              <p:pRg st="2" end="2"/>
+                                            </p:txEl>
+                                          </p:spTgt>
+                                        </p:tgtEl>
+                                        <p:attrNameLst>
+                                          <p:attrName>ppt_x</p:attrName>
+                                        </p:attrNameLst>
+                                      </p:cBhvr>
+                                      <p:tavLst>
+                                        <p:tav tm="0">
+                                          <p:val>
+                                            <p:strVal val="#ppt_x"/>
+                                          </p:val>
+                                        </p:tav>
+                                        <p:tav tm="100000">
+                                          <p:val>
+                                            <p:strVal val="#ppt_x"/>
+                                          </p:val>
+                                        </p:tav>
+                                      </p:tavLst>
+                                    </p:anim>
+                                    <p:anim calcmode="lin" valueType="num">
+                                      <p:cBhvr additive="base">
+                                        <p:cTn id="20" dur="500" fill="hold"/>
+                                        <p:tgtEl>
+                                          <p:spTgt spid="5">
+                                            <p:txEl>
+                                              <p:pRg st="2" end="2"/>
+                                            </p:txEl>
+                                          </p:spTgt>
+                                        </p:tgtEl>
+                                        <p:attrNameLst>
+                                          <p:attrName>ppt_y</p:attrName>
+                                        </p:attrNameLst>
+                                      </p:cBhvr>
+                                      <p:tavLst>
+                                        <p:tav tm="0">
+                                          <p:val>
+                                            <p:strVal val="1+#ppt_h/2"/>
+                                          </p:val>
+                                        </p:tav>
+                                        <p:tav tm="100000">
+                                          <p:val>
+                                            <p:strVal val="#ppt_y"/>
+                                          </p:val>
+                                        </p:tav>
+                                      </p:tavLst>
+                                    </p:anim>
+                                  </p:childTnLst>
+                                </p:cTn>
+                              </p:par>
+                            </p:childTnLst>
+                          </p:cTn>
+                        </p:par>
+                      </p:childTnLst>
+                    </p:cTn>
+                  </p:par>
+                  <p:par>
+                    <p:cTn id="21" fill="hold">
+                      <p:stCondLst>
+                        <p:cond delay="indefinite"/>
+                      </p:stCondLst>
+                      <p:childTnLst>
+                        <p:par>
+                          <p:cTn id="22" fill="hold">
+                            <p:stCondLst>
+                              <p:cond delay="0"/>
+                            </p:stCondLst>
+                            <p:childTnLst>
+                              <p:par>
+                                <p:cTn id="23" presetID="2" presetClass="entr" presetSubtype="4" fill="hold" grpId="0" nodeType="clickEffect">
+                                  <p:stCondLst>
+                                    <p:cond delay="0"/>
+                                  </p:stCondLst>
+                                  <p:childTnLst>
+                                    <p:set>
+                                      <p:cBhvr>
+                                        <p:cTn id="24" dur="1" fill="hold">
+                                          <p:stCondLst>
+                                            <p:cond delay="0"/>
+                                          </p:stCondLst>
+                                        </p:cTn>
+                                        <p:tgtEl>
+                                          <p:spTgt spid="5">
+                                            <p:txEl>
+                                              <p:pRg st="3" end="3"/>
+                                            </p:txEl>
+                                          </p:spTgt>
+                                        </p:tgtEl>
+                                        <p:attrNameLst>
+                                          <p:attrName>style.visibility</p:attrName>
+                                        </p:attrNameLst>
+                                      </p:cBhvr>
+                                      <p:to>
+                                        <p:strVal val="visible"/>
+                                      </p:to>
+                                    </p:set>
+                                    <p:anim calcmode="lin" valueType="num">
+                                      <p:cBhvr additive="base">
+                                        <p:cTn id="25" dur="500" fill="hold"/>
+                                        <p:tgtEl>
+                                          <p:spTgt spid="5">
+                                            <p:txEl>
+                                              <p:pRg st="3" end="3"/>
+                                            </p:txEl>
+                                          </p:spTgt>
+                                        </p:tgtEl>
+                                        <p:attrNameLst>
+                                          <p:attrName>ppt_x</p:attrName>
+                                        </p:attrNameLst>
+                                      </p:cBhvr>
+                                      <p:tavLst>
+                                        <p:tav tm="0">
+                                          <p:val>
+                                            <p:strVal val="#ppt_x"/>
+                                          </p:val>
+                                        </p:tav>
+                                        <p:tav tm="100000">
+                                          <p:val>
+                                            <p:strVal val="#ppt_x"/>
+                                          </p:val>
+                                        </p:tav>
+                                      </p:tavLst>
+                                    </p:anim>
+                                    <p:anim calcmode="lin" valueType="num">
+                                      <p:cBhvr additive="base">
+                                        <p:cTn id="26" dur="500" fill="hold"/>
+                                        <p:tgtEl>
+                                          <p:spTgt spid="5">
+                                            <p:txEl>
+                                              <p:pRg st="3" end="3"/>
+                                            </p:txEl>
+                                          </p:spTgt>
+                                        </p:tgtEl>
+                                        <p:attrNameLst>
+                                          <p:attrName>ppt_y</p:attrName>
+                                        </p:attrNameLst>
+                                      </p:cBhvr>
+                                      <p:tavLst>
+                                        <p:tav tm="0">
+                                          <p:val>
+                                            <p:strVal val="1+#ppt_h/2"/>
+                                          </p:val>
+                                        </p:tav>
+                                        <p:tav tm="100000">
+                                          <p:val>
+                                            <p:strVal val="#ppt_y"/>
+                                          </p:val>
+                                        </p:tav>
+                                      </p:tavLst>
+                                    </p:anim>
+                                  </p:childTnLst>
+                                </p:cTn>
+                              </p:par>
+                            </p:childTnLst>
+                          </p:cTn>
+                        </p:par>
+                      </p:childTnLst>
+                    </p:cTn>
+                  </p:par>
+                  <p:par>
+                    <p:cTn id="27" fill="hold">
+                      <p:stCondLst>
+                        <p:cond delay="indefinite"/>
+                      </p:stCondLst>
+                      <p:childTnLst>
+                        <p:par>
+                          <p:cTn id="28" fill="hold">
+                            <p:stCondLst>
+                              <p:cond delay="0"/>
+                            </p:stCondLst>
+                            <p:childTnLst>
+                              <p:par>
+                                <p:cTn id="29" presetID="2" presetClass="entr" presetSubtype="4" fill="hold" grpId="0" nodeType="clickEffect">
+                                  <p:stCondLst>
+                                    <p:cond delay="0"/>
+                                  </p:stCondLst>
+                                  <p:childTnLst>
+                                    <p:set>
+                                      <p:cBhvr>
+                                        <p:cTn id="30" dur="1" fill="hold">
+                                          <p:stCondLst>
+                                            <p:cond delay="0"/>
+                                          </p:stCondLst>
+                                        </p:cTn>
+                                        <p:tgtEl>
+                                          <p:spTgt spid="5">
+                                            <p:txEl>
+                                              <p:pRg st="4" end="4"/>
+                                            </p:txEl>
+                                          </p:spTgt>
+                                        </p:tgtEl>
+                                        <p:attrNameLst>
+                                          <p:attrName>style.visibility</p:attrName>
+                                        </p:attrNameLst>
+                                      </p:cBhvr>
+                                      <p:to>
+                                        <p:strVal val="visible"/>
+                                      </p:to>
+                                    </p:set>
+                                    <p:anim calcmode="lin" valueType="num">
+                                      <p:cBhvr additive="base">
+                                        <p:cTn id="31" dur="500" fill="hold"/>
+                                        <p:tgtEl>
+                                          <p:spTgt spid="5">
+                                            <p:txEl>
+                                              <p:pRg st="4" end="4"/>
+                                            </p:txEl>
+                                          </p:spTgt>
+                                        </p:tgtEl>
+                                        <p:attrNameLst>
+                                          <p:attrName>ppt_x</p:attrName>
+                                        </p:attrNameLst>
+                                      </p:cBhvr>
+                                      <p:tavLst>
+                                        <p:tav tm="0">
+                                          <p:val>
+                                            <p:strVal val="#ppt_x"/>
+                                          </p:val>
+                                        </p:tav>
+                                        <p:tav tm="100000">
+                                          <p:val>
+                                            <p:strVal val="#ppt_x"/>
+                                          </p:val>
+                                        </p:tav>
+                                      </p:tavLst>
+                                    </p:anim>
+                                    <p:anim calcmode="lin" valueType="num">
+                                      <p:cBhvr additive="base">
+                                        <p:cTn id="32" dur="500" fill="hold"/>
+                                        <p:tgtEl>
+                                          <p:spTgt spid="5">
+                                            <p:txEl>
+                                              <p:pRg st="4" end="4"/>
+                                            </p:txEl>
+                                          </p:spTgt>
+                                        </p:tgtEl>
+                                        <p:attrNameLst>
+                                          <p:attrName>ppt_y</p:attrName>
+                                        </p:attrNameLst>
+                                      </p:cBhvr>
+                                      <p:tavLst>
+                                        <p:tav tm="0">
+                                          <p:val>
+                                            <p:strVal val="1+#ppt_h/2"/>
+                                          </p:val>
+                                        </p:tav>
+                                        <p:tav tm="100000">
+                                          <p:val>
+                                            <p:strVal val="#ppt_y"/>
+                                          </p:val>
+                                        </p:tav>
+                                      </p:tavLst>
+                                    </p:anim>
+                                  </p:childTnLst>
+                                </p:cTn>
+                              </p:par>
+                            </p:childTnLst>
+                          </p:cTn>
+                        </p:par>
+                      </p:childTnLst>
+                    </p:cTn>
+                  </p:par>
+                  <p:par>
+                    <p:cTn id="33" fill="hold">
+                      <p:stCondLst>
+                        <p:cond delay="indefinite"/>
+                      </p:stCondLst>
+                      <p:childTnLst>
+                        <p:par>
+                          <p:cTn id="34" fill="hold">
+                            <p:stCondLst>
+                              <p:cond delay="0"/>
+                            </p:stCondLst>
+                            <p:childTnLst>
+                              <p:par>
+                                <p:cTn id="35" presetID="2" presetClass="entr" presetSubtype="4" fill="hold" grpId="0" nodeType="clickEffect">
+                                  <p:stCondLst>
+                                    <p:cond delay="0"/>
+                                  </p:stCondLst>
+                                  <p:childTnLst>
+                                    <p:set>
+                                      <p:cBhvr>
+                                        <p:cTn id="36" dur="1" fill="hold">
+                                          <p:stCondLst>
+                                            <p:cond delay="0"/>
+                                          </p:stCondLst>
+                                        </p:cTn>
+                                        <p:tgtEl>
+                                          <p:spTgt spid="5">
+                                            <p:txEl>
+                                              <p:pRg st="5" end="5"/>
+                                            </p:txEl>
+                                          </p:spTgt>
+                                        </p:tgtEl>
+                                        <p:attrNameLst>
+                                          <p:attrName>style.visibility</p:attrName>
+                                        </p:attrNameLst>
+                                      </p:cBhvr>
+                                      <p:to>
+                                        <p:strVal val="visible"/>
+                                      </p:to>
+                                    </p:set>
+                                    <p:anim calcmode="lin" valueType="num">
+                                      <p:cBhvr additive="base">
+                                        <p:cTn id="37" dur="500" fill="hold"/>
+                                        <p:tgtEl>
+                                          <p:spTgt spid="5">
+                                            <p:txEl>
+                                              <p:pRg st="5" end="5"/>
+                                            </p:txEl>
+                                          </p:spTgt>
+                                        </p:tgtEl>
+                                        <p:attrNameLst>
+                                          <p:attrName>ppt_x</p:attrName>
+                                        </p:attrNameLst>
+                                      </p:cBhvr>
+                                      <p:tavLst>
+                                        <p:tav tm="0">
+                                          <p:val>
+                                            <p:strVal val="#ppt_x"/>
+                                          </p:val>
+                                        </p:tav>
+                                        <p:tav tm="100000">
+                                          <p:val>
+                                            <p:strVal val="#ppt_x"/>
+                                          </p:val>
+                                        </p:tav>
+                                      </p:tavLst>
+                                    </p:anim>
+                                    <p:anim calcmode="lin" valueType="num">
+                                      <p:cBhvr additive="base">
+                                        <p:cTn id="38" dur="500" fill="hold"/>
+                                        <p:tgtEl>
+                                          <p:spTgt spid="5">
+                                            <p:txEl>
+                                              <p:pRg st="5" end="5"/>
+                                            </p:txEl>
+                                          </p:spTgt>
+                                        </p:tgtEl>
+                                        <p:attrNameLst>
+                                          <p:attrName>ppt_y</p:attrName>
+                                        </p:attrNameLst>
+                                      </p:cBhvr>
+                                      <p:tavLst>
+                                        <p:tav tm="0">
+                                          <p:val>
+                                            <p:strVal val="1+#ppt_h/2"/>
+                                          </p:val>
+                                        </p:tav>
+                                        <p:tav tm="100000">
+                                          <p:val>
+                                            <p:strVal val="#ppt_y"/>
+                                          </p:val>
+                                        </p:tav>
+                                      </p:tavLst>
+                                    </p:anim>
+                                  </p:childTnLst>
+                                </p:cTn>
+                              </p:par>
+                            </p:childTnLst>
+                          </p:cTn>
+                        </p:par>
+                      </p:childTnLst>
+                    </p:cTn>
+                  </p:par>
+                  <p:par>
+                    <p:cTn id="39" fill="hold">
+                      <p:stCondLst>
+                        <p:cond delay="indefinite"/>
+                      </p:stCondLst>
+                      <p:childTnLst>
+                        <p:par>
+                          <p:cTn id="40" fill="hold">
+                            <p:stCondLst>
+                              <p:cond delay="0"/>
+                            </p:stCondLst>
+                            <p:childTnLst>
+                              <p:par>
+                                <p:cTn id="41" presetID="2" presetClass="entr" presetSubtype="4" fill="hold" grpId="0" nodeType="clickEffect">
+                                  <p:stCondLst>
+                                    <p:cond delay="0"/>
+                                  </p:stCondLst>
+                                  <p:childTnLst>
+                                    <p:set>
+                                      <p:cBhvr>
+                                        <p:cTn id="42" dur="1" fill="hold">
+                                          <p:stCondLst>
+                                            <p:cond delay="0"/>
+                                          </p:stCondLst>
+                                        </p:cTn>
+                                        <p:tgtEl>
+                                          <p:spTgt spid="5">
+                                            <p:txEl>
+                                              <p:pRg st="6" end="6"/>
+                                            </p:txEl>
+                                          </p:spTgt>
+                                        </p:tgtEl>
+                                        <p:attrNameLst>
+                                          <p:attrName>style.visibility</p:attrName>
+                                        </p:attrNameLst>
+                                      </p:cBhvr>
+                                      <p:to>
+                                        <p:strVal val="visible"/>
+                                      </p:to>
+                                    </p:set>
+                                    <p:anim calcmode="lin" valueType="num">
+                                      <p:cBhvr additive="base">
+                                        <p:cTn id="43" dur="500" fill="hold"/>
+                                        <p:tgtEl>
+                                          <p:spTgt spid="5">
+                                            <p:txEl>
+                                              <p:pRg st="6" end="6"/>
+                                            </p:txEl>
+                                          </p:spTgt>
+                                        </p:tgtEl>
+                                        <p:attrNameLst>
+                                          <p:attrName>ppt_x</p:attrName>
+                                        </p:attrNameLst>
+                                      </p:cBhvr>
+                                      <p:tavLst>
+                                        <p:tav tm="0">
+                                          <p:val>
+                                            <p:strVal val="#ppt_x"/>
+                                          </p:val>
+                                        </p:tav>
+                                        <p:tav tm="100000">
+                                          <p:val>
+                                            <p:strVal val="#ppt_x"/>
+                                          </p:val>
+                                        </p:tav>
+                                      </p:tavLst>
+                                    </p:anim>
+                                    <p:anim calcmode="lin" valueType="num">
+                                      <p:cBhvr additive="base">
+                                        <p:cTn id="44" dur="500" fill="hold"/>
+                                        <p:tgtEl>
+                                          <p:spTgt spid="5">
+                                            <p:txEl>
+                                              <p:pRg st="6" end="6"/>
+                                            </p:txEl>
+                                          </p:spTgt>
+                                        </p:tgtEl>
+                                        <p:attrNameLst>
+                                          <p:attrName>ppt_y</p:attrName>
+                                        </p:attrNameLst>
+                                      </p:cBhvr>
+                                      <p:tavLst>
+                                        <p:tav tm="0">
+                                          <p:val>
+                                            <p:strVal val="1+#ppt_h/2"/>
+                                          </p:val>
+                                        </p:tav>
+                                        <p:tav tm="100000">
+                                          <p:val>
+                                            <p:strVal val="#ppt_y"/>
+                                          </p:val>
+                                        </p:tav>
+                                      </p:tavLst>
+                                    </p:anim>
+                                  </p:childTnLst>
+                                </p:cTn>
+                              </p:par>
+                            </p:childTnLst>
+                          </p:cTn>
+                        </p:par>
+                      </p:childTnLst>
+                    </p:cTn>
+                  </p:par>
+                  <p:par>
+                    <p:cTn id="45" fill="hold">
+                      <p:stCondLst>
+                        <p:cond delay="indefinite"/>
+                      </p:stCondLst>
+                      <p:childTnLst>
+                        <p:par>
+                          <p:cTn id="46" fill="hold">
+                            <p:stCondLst>
+                              <p:cond delay="0"/>
+                            </p:stCondLst>
+                            <p:childTnLst>
+                              <p:par>
+                                <p:cTn id="47" presetID="2" presetClass="entr" presetSubtype="4" fill="hold" grpId="0" nodeType="clickEffect">
+                                  <p:stCondLst>
+                                    <p:cond delay="0"/>
+                                  </p:stCondLst>
+                                  <p:childTnLst>
+                                    <p:set>
+                                      <p:cBhvr>
+                                        <p:cTn id="48" dur="1" fill="hold">
+                                          <p:stCondLst>
+                                            <p:cond delay="0"/>
+                                          </p:stCondLst>
+                                        </p:cTn>
+                                        <p:tgtEl>
+                                          <p:spTgt spid="5">
+                                            <p:txEl>
+                                              <p:pRg st="7" end="7"/>
+                                            </p:txEl>
+                                          </p:spTgt>
+                                        </p:tgtEl>
+                                        <p:attrNameLst>
+                                          <p:attrName>style.visibility</p:attrName>
+                                        </p:attrNameLst>
+                                      </p:cBhvr>
+                                      <p:to>
+                                        <p:strVal val="visible"/>
+                                      </p:to>
+                                    </p:set>
+                                    <p:anim calcmode="lin" valueType="num">
+                                      <p:cBhvr additive="base">
+                                        <p:cTn id="49" dur="500" fill="hold"/>
+                                        <p:tgtEl>
+                                          <p:spTgt spid="5">
+                                            <p:txEl>
+                                              <p:pRg st="7" end="7"/>
+                                            </p:txEl>
+                                          </p:spTgt>
+                                        </p:tgtEl>
+                                        <p:attrNameLst>
+                                          <p:attrName>ppt_x</p:attrName>
+                                        </p:attrNameLst>
+                                      </p:cBhvr>
+                                      <p:tavLst>
+                                        <p:tav tm="0">
+                                          <p:val>
+                                            <p:strVal val="#ppt_x"/>
+                                          </p:val>
+                                        </p:tav>
+                                        <p:tav tm="100000">
+                                          <p:val>
+                                            <p:strVal val="#ppt_x"/>
+                                          </p:val>
+                                        </p:tav>
+                                      </p:tavLst>
+                                    </p:anim>
+                                    <p:anim calcmode="lin" valueType="num">
+                                      <p:cBhvr additive="base">
+                                        <p:cTn id="50" dur="500" fill="hold"/>
+                                        <p:tgtEl>
+                                          <p:spTgt spid="5">
+                                            <p:txEl>
+                                              <p:pRg st="7" end="7"/>
+                                            </p:txEl>
+                                          </p:spTgt>
+                                        </p:tgtEl>
+                                        <p:attrNameLst>
+                                          <p:attrName>ppt_y</p:attrName>
+                                        </p:attrNameLst>
+                                      </p:cBhvr>
+                                      <p:tavLst>
+                                        <p:tav tm="0">
+                                          <p:val>
+                                            <p:strVal val="1+#ppt_h/2"/>
+                                          </p:val>
+                                        </p:tav>
+                                        <p:tav tm="100000">
+                                          <p:val>
+                                            <p:strVal val="#ppt_y"/>
+                                          </p:val>
+                                        </p:tav>
+                                      </p:tavLst>
+                                    </p:anim>
+                                  </p:childTnLst>
+                                </p:cTn>
+                              </p:par>
+                            </p:childTnLst>
+                          </p:cTn>
+                        </p:par>
+                      </p:childTnLst>
+                    </p:cTn>
+                  </p:par>
+                  <p:par>
+                    <p:cTn id="51" fill="hold">
+                      <p:stCondLst>
+                        <p:cond delay="indefinite"/>
+                      </p:stCondLst>
+                      <p:childTnLst>
+                        <p:par>
+                          <p:cTn id="52" fill="hold">
+                            <p:stCondLst>
+                              <p:cond delay="0"/>
+                            </p:stCondLst>
+                            <p:childTnLst>
+                              <p:par>
+                                <p:cTn id="53" presetID="2" presetClass="entr" presetSubtype="4" fill="hold" grpId="0" nodeType="clickEffect">
+                                  <p:stCondLst>
+                                    <p:cond delay="0"/>
+                                  </p:stCondLst>
+                                  <p:childTnLst>
+                                    <p:set>
+                                      <p:cBhvr>
+                                        <p:cTn id="54" dur="1" fill="hold">
+                                          <p:stCondLst>
+                                            <p:cond delay="0"/>
+                                          </p:stCondLst>
+                                        </p:cTn>
+                                        <p:tgtEl>
+                                          <p:spTgt spid="5">
+                                            <p:txEl>
+                                              <p:pRg st="8" end="8"/>
+                                            </p:txEl>
+                                          </p:spTgt>
+                                        </p:tgtEl>
+                                        <p:attrNameLst>
+                                          <p:attrName>style.visibility</p:attrName>
+                                        </p:attrNameLst>
+                                      </p:cBhvr>
+                                      <p:to>
+                                        <p:strVal val="visible"/>
+                                      </p:to>
+                                    </p:set>
+                                    <p:anim calcmode="lin" valueType="num">
+                                      <p:cBhvr additive="base">
+                                        <p:cTn id="55" dur="500" fill="hold"/>
+                                        <p:tgtEl>
+                                          <p:spTgt spid="5">
+                                            <p:txEl>
+                                              <p:pRg st="8" end="8"/>
+                                            </p:txEl>
+                                          </p:spTgt>
+                                        </p:tgtEl>
+                                        <p:attrNameLst>
+                                          <p:attrName>ppt_x</p:attrName>
+                                        </p:attrNameLst>
+                                      </p:cBhvr>
+                                      <p:tavLst>
+                                        <p:tav tm="0">
+                                          <p:val>
+                                            <p:strVal val="#ppt_x"/>
+                                          </p:val>
+                                        </p:tav>
+                                        <p:tav tm="100000">
+                                          <p:val>
+                                            <p:strVal val="#ppt_x"/>
+                                          </p:val>
+                                        </p:tav>
+                                      </p:tavLst>
+                                    </p:anim>
+                                    <p:anim calcmode="lin" valueType="num">
+                                      <p:cBhvr additive="base">
+                                        <p:cTn id="56" dur="500" fill="hold"/>
+                                        <p:tgtEl>
+                                          <p:spTgt spid="5">
+                                            <p:txEl>
+                                              <p:pRg st="8" end="8"/>
+                                            </p:txEl>
+                                          </p:spTgt>
+                                        </p:tgtEl>
+                                        <p:attrNameLst>
+                                          <p:attrName>ppt_y</p:attrName>
+                                        </p:attrNameLst>
+                                      </p:cBhvr>
+                                      <p:tavLst>
+                                        <p:tav tm="0">
+                                          <p:val>
+                                            <p:strVal val="1+#ppt_h/2"/>
+                                          </p:val>
+                                        </p:tav>
+                                        <p:tav tm="100000">
+                                          <p:val>
+                                            <p:strVal val="#ppt_y"/>
+                                          </p:val>
+                                        </p:tav>
+                                      </p:tavLst>
+                                    </p:anim>
+                                  </p:childTnLst>
+                                </p:cTn>
+                              </p:par>
+                            </p:childTnLst>
+                          </p:cTn>
+                        </p:par>
+                      </p:childTnLst>
+                    </p:cTn>
+                  </p:par>
+                  <p:par>
+                    <p:cTn id="57" fill="hold">
+                      <p:stCondLst>
+                        <p:cond delay="indefinite"/>
+                      </p:stCondLst>
+                      <p:childTnLst>
+                        <p:par>
+                          <p:cTn id="58" fill="hold">
+                            <p:stCondLst>
+                              <p:cond delay="0"/>
+                            </p:stCondLst>
+                            <p:childTnLst>
+                              <p:par>
+                                <p:cTn id="59" presetID="2" presetClass="entr" presetSubtype="4" fill="hold" grpId="0" nodeType="clickEffect">
+                                  <p:stCondLst>
+                                    <p:cond delay="0"/>
+                                  </p:stCondLst>
+                                  <p:childTnLst>
+                                    <p:set>
+                                      <p:cBhvr>
+                                        <p:cTn id="60" dur="1" fill="hold">
+                                          <p:stCondLst>
+                                            <p:cond delay="0"/>
+                                          </p:stCondLst>
+                                        </p:cTn>
+                                        <p:tgtEl>
+                                          <p:spTgt spid="5">
+                                            <p:txEl>
+                                              <p:pRg st="9" end="9"/>
+                                            </p:txEl>
+                                          </p:spTgt>
+                                        </p:tgtEl>
+                                        <p:attrNameLst>
+                                          <p:attrName>style.visibility</p:attrName>
+                                        </p:attrNameLst>
+                                      </p:cBhvr>
+                                      <p:to>
+                                        <p:strVal val="visible"/>
+                                      </p:to>
+                                    </p:set>
+                                    <p:anim calcmode="lin" valueType="num">
+                                      <p:cBhvr additive="base">
+                                        <p:cTn id="61" dur="500" fill="hold"/>
+                                        <p:tgtEl>
+                                          <p:spTgt spid="5">
+                                            <p:txEl>
+                                              <p:pRg st="9" end="9"/>
+                                            </p:txEl>
+                                          </p:spTgt>
+                                        </p:tgtEl>
+                                        <p:attrNameLst>
+                                          <p:attrName>ppt_x</p:attrName>
+                                        </p:attrNameLst>
+                                      </p:cBhvr>
+                                      <p:tavLst>
+                                        <p:tav tm="0">
+                                          <p:val>
+                                            <p:strVal val="#ppt_x"/>
+                                          </p:val>
+                                        </p:tav>
+                                        <p:tav tm="100000">
+                                          <p:val>
+                                            <p:strVal val="#ppt_x"/>
+                                          </p:val>
+                                        </p:tav>
+                                      </p:tavLst>
+                                    </p:anim>
+                                    <p:anim calcmode="lin" valueType="num">
+                                      <p:cBhvr additive="base">
+                                        <p:cTn id="62" dur="500" fill="hold"/>
+                                        <p:tgtEl>
+                                          <p:spTgt spid="5">
+                                            <p:txEl>
+                                              <p:pRg st="9" end="9"/>
+                                            </p:txEl>
+                                          </p:spTgt>
+                                        </p:tgtEl>
+                                        <p:attrNameLst>
+                                          <p:attrName>ppt_y</p:attrName>
+                                        </p:attrNameLst>
+                                      </p:cBhvr>
+                                      <p:tavLst>
+                                        <p:tav tm="0">
+                                          <p:val>
+                                            <p:strVal val="1+#ppt_h/2"/>
+                                          </p:val>
+                                        </p:tav>
+                                        <p:tav tm="100000">
+                                          <p:val>
+                                            <p:strVal val="#ppt_y"/>
+                                          </p:val>
+                                        </p:tav>
+                                      </p:tavLst>
+                                    </p:anim>
+                                  </p:childTnLst>
+                                </p:cTn>
+                              </p:par>
+                            </p:childTnLst>
+                          </p:cTn>
+                        </p:par>
+                      </p:childTnLst>
+                    </p:cTn>
+                  </p:par>
+                  <p:par>
+                    <p:cTn id="63" fill="hold">
+                      <p:stCondLst>
+                        <p:cond delay="indefinite"/>
+                      </p:stCondLst>
+                      <p:childTnLst>
+                        <p:par>
+                          <p:cTn id="64" fill="hold">
+                            <p:stCondLst>
+                              <p:cond delay="0"/>
+                            </p:stCondLst>
+                            <p:childTnLst>
+                              <p:par>
+                                <p:cTn id="65" presetID="2" presetClass="entr" presetSubtype="4" fill="hold" grpId="0" nodeType="clickEffect">
+                                  <p:stCondLst>
+                                    <p:cond delay="0"/>
+                                  </p:stCondLst>
+                                  <p:childTnLst>
+                                    <p:set>
+                                      <p:cBhvr>
+                                        <p:cTn id="66" dur="1" fill="hold">
+                                          <p:stCondLst>
+                                            <p:cond delay="0"/>
+                                          </p:stCondLst>
+                                        </p:cTn>
+                                        <p:tgtEl>
+                                          <p:spTgt spid="5">
+                                            <p:txEl>
+                                              <p:pRg st="10" end="10"/>
+                                            </p:txEl>
+                                          </p:spTgt>
+                                        </p:tgtEl>
+                                        <p:attrNameLst>
+                                          <p:attrName>style.visibility</p:attrName>
+                                        </p:attrNameLst>
+                                      </p:cBhvr>
+                                      <p:to>
+                                        <p:strVal val="visible"/>
+                                      </p:to>
+                                    </p:set>
+                                    <p:anim calcmode="lin" valueType="num">
+                                      <p:cBhvr additive="base">
+                                        <p:cTn id="67" dur="500" fill="hold"/>
+                                        <p:tgtEl>
+                                          <p:spTgt spid="5">
+                                            <p:txEl>
+                                              <p:pRg st="10" end="10"/>
+                                            </p:txEl>
+                                          </p:spTgt>
+                                        </p:tgtEl>
+                                        <p:attrNameLst>
+                                          <p:attrName>ppt_x</p:attrName>
+                                        </p:attrNameLst>
+                                      </p:cBhvr>
+                                      <p:tavLst>
+                                        <p:tav tm="0">
+                                          <p:val>
+                                            <p:strVal val="#ppt_x"/>
+                                          </p:val>
+                                        </p:tav>
+                                        <p:tav tm="100000">
+                                          <p:val>
+                                            <p:strVal val="#ppt_x"/>
+                                          </p:val>
+                                        </p:tav>
+                                      </p:tavLst>
+                                    </p:anim>
+                                    <p:anim calcmode="lin" valueType="num">
+                                      <p:cBhvr additive="base">
+                                        <p:cTn id="68" dur="500" fill="hold"/>
+                                        <p:tgtEl>
+                                          <p:spTgt spid="5">
+                                            <p:txEl>
+                                              <p:pRg st="10" end="10"/>
+                                            </p:txEl>
+                                          </p:spTgt>
+                                        </p:tgtEl>
+                                        <p:attrNameLst>
+                                          <p:attrName>ppt_y</p:attrName>
+                                        </p:attrNameLst>
+                                      </p:cBhvr>
+                                      <p:tavLst>
+                                        <p:tav tm="0">
+                                          <p:val>
+                                            <p:strVal val="1+#ppt_h/2"/>
+                                          </p:val>
+                                        </p:tav>
+                                        <p:tav tm="100000">
+                                          <p:val>
+                                            <p:strVal val="#ppt_y"/>
+                                          </p:val>
+                                        </p:tav>
+                                      </p:tavLst>
+                                    </p:anim>
+                                  </p:childTnLst>
+                                </p:cTn>
+                              </p:par>
+                            </p:childTnLst>
+                          </p:cTn>
+                        </p:par>
+                      </p:childTnLst>
+                    </p:cTn>
+                  </p:par>
+                  <p:par>
+                    <p:cTn id="69" fill="hold">
+                      <p:stCondLst>
+                        <p:cond delay="indefinite"/>
+                      </p:stCondLst>
+                      <p:childTnLst>
+                        <p:par>
+                          <p:cTn id="70" fill="hold">
+                            <p:stCondLst>
+                              <p:cond delay="0"/>
+                            </p:stCondLst>
+                            <p:childTnLst>
+                              <p:par>
+                                <p:cTn id="71" presetID="2" presetClass="entr" presetSubtype="4" fill="hold" grpId="0" nodeType="clickEffect">
+                                  <p:stCondLst>
+                                    <p:cond delay="0"/>
+                                  </p:stCondLst>
+                                  <p:childTnLst>
+                                    <p:set>
+                                      <p:cBhvr>
+                                        <p:cTn id="72" dur="1" fill="hold">
+                                          <p:stCondLst>
+                                            <p:cond delay="0"/>
+                                          </p:stCondLst>
+                                        </p:cTn>
+                                        <p:tgtEl>
+                                          <p:spTgt spid="5">
+                                            <p:txEl>
+                                              <p:pRg st="11" end="11"/>
+                                            </p:txEl>
+                                          </p:spTgt>
+                                        </p:tgtEl>
+                                        <p:attrNameLst>
+                                          <p:attrName>style.visibility</p:attrName>
+                                        </p:attrNameLst>
+                                      </p:cBhvr>
+                                      <p:to>
+                                        <p:strVal val="visible"/>
+                                      </p:to>
+                                    </p:set>
+                                    <p:anim calcmode="lin" valueType="num">
+                                      <p:cBhvr additive="base">
+                                        <p:cTn id="73" dur="500" fill="hold"/>
+                                        <p:tgtEl>
+                                          <p:spTgt spid="5">
+                                            <p:txEl>
+                                              <p:pRg st="11" end="11"/>
+                                            </p:txEl>
+                                          </p:spTgt>
+                                        </p:tgtEl>
+                                        <p:attrNameLst>
+                                          <p:attrName>ppt_x</p:attrName>
+                                        </p:attrNameLst>
+                                      </p:cBhvr>
+                                      <p:tavLst>
+                                        <p:tav tm="0">
+                                          <p:val>
+                                            <p:strVal val="#ppt_x"/>
+                                          </p:val>
+                                        </p:tav>
+                                        <p:tav tm="100000">
+                                          <p:val>
+                                            <p:strVal val="#ppt_x"/>
+                                          </p:val>
+                                        </p:tav>
+                                      </p:tavLst>
+                                    </p:anim>
+                                    <p:anim calcmode="lin" valueType="num">
+                                      <p:cBhvr additive="base">
+                                        <p:cTn id="74" dur="500" fill="hold"/>
+                                        <p:tgtEl>
+                                          <p:spTgt spid="5">
+                                            <p:txEl>
+                                              <p:pRg st="11" end="11"/>
+                                            </p:txEl>
+                                          </p:spTgt>
+                                        </p:tgtEl>
+                                        <p:attrNameLst>
+                                          <p:attrName>ppt_y</p:attrName>
+                                        </p:attrNameLst>
+                                      </p:cBhvr>
+                                      <p:tavLst>
+                                        <p:tav tm="0">
+                                          <p:val>
+                                            <p:strVal val="1+#ppt_h/2"/>
+                                          </p:val>
+                                        </p:tav>
+                                        <p:tav tm="100000">
+                                          <p:val>
+                                            <p:strVal val="#ppt_y"/>
+                                          </p:val>
+                                        </p:tav>
+                                      </p:tavLst>
+                                    </p:anim>
+                                  </p:childTnLst>
+                                </p:cTn>
+                              </p:par>
+                            </p:childTnLst>
+                          </p:cTn>
+                        </p:par>
+                      </p:childTnLst>
+                    </p:cTn>
+                  </p:par>
+                </p:childTnLst>
+              </p:cTn>
+              <p:prevCondLst>
+                <p:cond evt="onPrev" delay="0">
+                  <p:tgtEl>
+                    <p:sldTgt/>
+                  </p:tgtEl>
+                </p:cond>
+              </p:prevCondLst>
+              <p:nextCondLst>
+                <p:cond evt="onNext" delay="0">
+                  <p:tgtEl>
+                    <p:sldTgt/>
+                  </p:tgtEl>
+                </p:cond>
+              </p:nextCondLst>
+            </p:seq>
+          </p:childTnLst>
+        </p:cTn>
+      </p:par>
+    </p:tnLst>
+    <p:bldLst>
+      <p:bldP spid="5" grpId="0" build="p"/>
+    </p:bldLst>
+  </p:timing>
+</p:sld>
+</file>
+
+<file path=ppt/slides/slide4.xml><?xml version="1.0" encoding="utf-8"?>
+<p:sld xmlns:a="http://schemas.openxmlformats.org/drawingml/2006/main" xmlns:r="http://schemas.openxmlformats.org/officeDocument/2006/relationships" xmlns:p="http://schemas.openxmlformats.org/presentationml/2006/main">
+  <p:cSld>
+    <p:bg>
+      <p:bgPr>
+        <a:solidFill>
+          <a:schemeClr val="accent6">
+            <a:lumMod val="40000"/>
+            <a:lumOff val="60000"/>
+            <a:alpha val="75000"/>
+          </a:schemeClr>
+        </a:solidFill>
+        <a:effectLst/>
+      </p:bgPr>
+    </p:bg>
+    <p:spTree>
+      <p:nvGrpSpPr>
+        <p:cNvPr id="1" name=""/>
+        <p:cNvGrpSpPr/>
+        <p:nvPr/>
+      </p:nvGrpSpPr>
+      <p:grpSpPr>
+        <a:xfrm>
+          <a:off x="0" y="0"/>
+          <a:ext cx="0" cy="0"/>
+          <a:chOff x="0" y="0"/>
+          <a:chExt cx="0" cy="0"/>
+        </a:xfrm>
+      </p:grpSpPr>
+      <p:sp>
+        <p:nvSpPr>
+          <p:cNvPr id="4" name="Title 3">
+            <a:extLst>
+              <a:ext uri="{FF2B5EF4-FFF2-40B4-BE49-F238E27FC236}">
+                <a16:creationId xmlns:a16="http://schemas.microsoft.com/office/drawing/2014/main" id="{22C1F510-134D-7DE1-73D5-F1059BB70482}"/>
+              </a:ext>
+            </a:extLst>
+          </p:cNvPr>
+          <p:cNvSpPr>
+            <a:spLocks noGrp="1"/>
+          </p:cNvSpPr>
+          <p:nvPr>
+            <p:ph type="title"/>
+          </p:nvPr>
+        </p:nvSpPr>
+        <p:spPr>
+          <a:xfrm>
+            <a:off x="2592925" y="624110"/>
+            <a:ext cx="8911687" cy="776673"/>
+          </a:xfrm>
+        </p:spPr>
+        <p:txBody>
+          <a:bodyPr anchor="ctr">
+            <a:normAutofit/>
+          </a:bodyPr>
+          <a:lstStyle/>
+          <a:p>
+            <a:pPr algn="ctr"/>
+            <a:r>
+              <a:rPr lang="en-US" sz="3200" dirty="0">
+                <a:latin typeface="Arial Black" panose="020B0A04020102020204" pitchFamily="34" charset="0"/>
+              </a:rPr>
+              <a:t>Considerations</a:t>
+            </a:r>
+          </a:p>
+        </p:txBody>
+      </p:sp>
+      <p:sp>
+        <p:nvSpPr>
+          <p:cNvPr id="5" name="Content Placeholder 4">
+            <a:extLst>
+              <a:ext uri="{FF2B5EF4-FFF2-40B4-BE49-F238E27FC236}">
+                <a16:creationId xmlns:a16="http://schemas.microsoft.com/office/drawing/2014/main" id="{FBDD2FE2-B5C6-53D5-DD8A-3476C868886C}"/>
+              </a:ext>
+            </a:extLst>
+          </p:cNvPr>
+          <p:cNvSpPr>
+            <a:spLocks noGrp="1"/>
+          </p:cNvSpPr>
+          <p:nvPr>
+            <p:ph idx="1"/>
+          </p:nvPr>
+        </p:nvSpPr>
+        <p:spPr>
+          <a:xfrm>
+            <a:off x="2592925" y="1657738"/>
+            <a:ext cx="8915400" cy="4444482"/>
+          </a:xfrm>
+        </p:spPr>
+        <p:txBody>
+          <a:bodyPr>
+            <a:normAutofit fontScale="77500" lnSpcReduction="20000"/>
+          </a:bodyPr>
+          <a:lstStyle/>
+          <a:p>
+            <a:r>
+              <a:rPr lang="en-US" sz="2100" b="1" dirty="0">
+                <a:solidFill>
+                  <a:schemeClr val="tx1"/>
+                </a:solidFill>
+                <a:latin typeface="Calibri" panose="020F0502020204030204" pitchFamily="34" charset="0"/>
+                <a:cs typeface="Calibri" panose="020F0502020204030204" pitchFamily="34" charset="0"/>
+              </a:rPr>
+              <a:t>Data Security &amp; Privacy: </a:t>
+            </a:r>
+          </a:p>
+          <a:p>
+            <a:pPr>
+              <a:buFont typeface="+mj-lt"/>
+              <a:buAutoNum type="arabicPeriod"/>
+            </a:pPr>
+            <a:r>
+              <a:rPr lang="en-US" sz="1900" dirty="0">
+                <a:solidFill>
+                  <a:schemeClr val="tx1"/>
+                </a:solidFill>
+                <a:latin typeface="Calibri" panose="020F0502020204030204" pitchFamily="34" charset="0"/>
+                <a:cs typeface="Calibri" panose="020F0502020204030204" pitchFamily="34" charset="0"/>
+              </a:rPr>
+              <a:t>What are the privacy and security requirements for your data?</a:t>
+            </a:r>
+          </a:p>
+          <a:p>
+            <a:pPr>
+              <a:buFont typeface="+mj-lt"/>
+              <a:buAutoNum type="arabicPeriod"/>
+            </a:pPr>
+            <a:r>
+              <a:rPr lang="en-US" sz="1900" dirty="0">
+                <a:solidFill>
+                  <a:schemeClr val="tx1"/>
+                </a:solidFill>
+                <a:latin typeface="Calibri" panose="020F0502020204030204" pitchFamily="34" charset="0"/>
+                <a:cs typeface="Calibri" panose="020F0502020204030204" pitchFamily="34" charset="0"/>
+              </a:rPr>
+              <a:t>Are there any compliance standards or regulations we need to adhere to?</a:t>
+            </a:r>
+          </a:p>
+          <a:p>
+            <a:pPr marL="0" indent="0">
+              <a:buNone/>
+            </a:pPr>
+            <a:r>
+              <a:rPr lang="en-US" b="1" dirty="0">
+                <a:solidFill>
+                  <a:schemeClr val="tx1"/>
+                </a:solidFill>
+                <a:latin typeface="Calibri" panose="020F0502020204030204" pitchFamily="34" charset="0"/>
+                <a:cs typeface="Calibri" panose="020F0502020204030204" pitchFamily="34" charset="0"/>
+              </a:rPr>
+              <a:t>Importance: </a:t>
+            </a:r>
+            <a:r>
+              <a:rPr lang="en-US" dirty="0">
+                <a:solidFill>
+                  <a:schemeClr val="tx1"/>
+                </a:solidFill>
+                <a:latin typeface="Calibri" panose="020F0502020204030204" pitchFamily="34" charset="0"/>
+                <a:cs typeface="Calibri" panose="020F0502020204030204" pitchFamily="34" charset="0"/>
+              </a:rPr>
+              <a:t>Financial institutions deal with sensitive and confidential information. Ensuring robust data security and privacy measures is crucial to comply with regulations, build trust with customers, and protect against data breaches.</a:t>
+            </a:r>
+            <a:endParaRPr lang="en-US" b="1" dirty="0">
+              <a:solidFill>
+                <a:schemeClr val="tx1"/>
+              </a:solidFill>
+              <a:latin typeface="Calibri" panose="020F0502020204030204" pitchFamily="34" charset="0"/>
+              <a:cs typeface="Calibri" panose="020F0502020204030204" pitchFamily="34" charset="0"/>
+            </a:endParaRPr>
+          </a:p>
+          <a:p>
+            <a:r>
+              <a:rPr lang="en-US" sz="2100" b="1" dirty="0">
+                <a:solidFill>
+                  <a:schemeClr val="tx1"/>
+                </a:solidFill>
+                <a:latin typeface="Calibri" panose="020F0502020204030204" pitchFamily="34" charset="0"/>
+                <a:cs typeface="Calibri" panose="020F0502020204030204" pitchFamily="34" charset="0"/>
+              </a:rPr>
+              <a:t>Scalability:</a:t>
+            </a:r>
+          </a:p>
+          <a:p>
+            <a:pPr>
+              <a:buFont typeface="+mj-lt"/>
+              <a:buAutoNum type="arabicPeriod"/>
+            </a:pPr>
+            <a:r>
+              <a:rPr lang="en-US" sz="1900" dirty="0">
+                <a:solidFill>
+                  <a:schemeClr val="tx1"/>
+                </a:solidFill>
+                <a:latin typeface="Calibri" panose="020F0502020204030204" pitchFamily="34" charset="0"/>
+                <a:cs typeface="Calibri" panose="020F0502020204030204" pitchFamily="34" charset="0"/>
+              </a:rPr>
+              <a:t>What is the expected growth rate of your data in the coming years?</a:t>
+            </a:r>
+          </a:p>
+          <a:p>
+            <a:pPr>
+              <a:buFont typeface="+mj-lt"/>
+              <a:buAutoNum type="arabicPeriod"/>
+            </a:pPr>
+            <a:r>
+              <a:rPr lang="en-US" sz="1900" dirty="0">
+                <a:solidFill>
+                  <a:schemeClr val="tx1"/>
+                </a:solidFill>
+                <a:latin typeface="Calibri" panose="020F0502020204030204" pitchFamily="34" charset="0"/>
+                <a:cs typeface="Calibri" panose="020F0502020204030204" pitchFamily="34" charset="0"/>
+              </a:rPr>
+              <a:t>Do you foresee any changes in the scale of your operations?</a:t>
+            </a:r>
+          </a:p>
+          <a:p>
+            <a:pPr marL="0" indent="0">
+              <a:buNone/>
+            </a:pPr>
+            <a:r>
+              <a:rPr lang="en-US" b="1" dirty="0">
+                <a:solidFill>
+                  <a:schemeClr val="tx1"/>
+                </a:solidFill>
+                <a:latin typeface="Calibri" panose="020F0502020204030204" pitchFamily="34" charset="0"/>
+                <a:cs typeface="Calibri" panose="020F0502020204030204" pitchFamily="34" charset="0"/>
+              </a:rPr>
+              <a:t>Importance: </a:t>
+            </a:r>
+            <a:r>
+              <a:rPr lang="en-US" dirty="0">
+                <a:solidFill>
+                  <a:schemeClr val="tx1"/>
+                </a:solidFill>
+                <a:latin typeface="Calibri" panose="020F0502020204030204" pitchFamily="34" charset="0"/>
+                <a:cs typeface="Calibri" panose="020F0502020204030204" pitchFamily="34" charset="0"/>
+              </a:rPr>
+              <a:t>Financial institutions often experience data growth. Understanding scalability requirements ensures that the proposed infrastructure can handle increasing data volumes, supporting the organization's future needs without compromising performance.</a:t>
+            </a:r>
+          </a:p>
+          <a:p>
+            <a:r>
+              <a:rPr lang="en-US" sz="2100" b="1" dirty="0">
+                <a:solidFill>
+                  <a:schemeClr val="tx1"/>
+                </a:solidFill>
+                <a:latin typeface="Calibri" panose="020F0502020204030204" pitchFamily="34" charset="0"/>
+                <a:cs typeface="Calibri" panose="020F0502020204030204" pitchFamily="34" charset="0"/>
+              </a:rPr>
+              <a:t>Integration:</a:t>
+            </a:r>
+          </a:p>
+          <a:p>
+            <a:pPr>
+              <a:buFont typeface="+mj-lt"/>
+              <a:buAutoNum type="arabicPeriod"/>
+            </a:pPr>
+            <a:r>
+              <a:rPr lang="en-US" sz="1900" dirty="0">
+                <a:solidFill>
+                  <a:schemeClr val="tx1"/>
+                </a:solidFill>
+                <a:latin typeface="Calibri" panose="020F0502020204030204" pitchFamily="34" charset="0"/>
+                <a:cs typeface="Calibri" panose="020F0502020204030204" pitchFamily="34" charset="0"/>
+              </a:rPr>
+              <a:t>How can we seamlessly integrate data from various sources?</a:t>
+            </a:r>
+          </a:p>
+          <a:p>
+            <a:pPr>
+              <a:buFont typeface="+mj-lt"/>
+              <a:buAutoNum type="arabicPeriod"/>
+            </a:pPr>
+            <a:r>
+              <a:rPr lang="en-US" sz="1900" dirty="0">
+                <a:solidFill>
+                  <a:schemeClr val="tx1"/>
+                </a:solidFill>
+                <a:latin typeface="Calibri" panose="020F0502020204030204" pitchFamily="34" charset="0"/>
+                <a:cs typeface="Calibri" panose="020F0502020204030204" pitchFamily="34" charset="0"/>
+              </a:rPr>
+              <a:t>Are there any legacy systems that need to be considered?</a:t>
+            </a:r>
+          </a:p>
+          <a:p>
+            <a:pPr marL="0" indent="0">
+              <a:buNone/>
+            </a:pPr>
+            <a:r>
+              <a:rPr lang="en-US" b="1" dirty="0">
+                <a:solidFill>
+                  <a:schemeClr val="tx1"/>
+                </a:solidFill>
+                <a:latin typeface="Calibri" panose="020F0502020204030204" pitchFamily="34" charset="0"/>
+                <a:cs typeface="Calibri" panose="020F0502020204030204" pitchFamily="34" charset="0"/>
+              </a:rPr>
+              <a:t>Importance: </a:t>
+            </a:r>
+            <a:r>
+              <a:rPr lang="en-US" dirty="0">
+                <a:solidFill>
+                  <a:schemeClr val="tx1"/>
+                </a:solidFill>
+                <a:latin typeface="Calibri" panose="020F0502020204030204" pitchFamily="34" charset="0"/>
+                <a:cs typeface="Calibri" panose="020F0502020204030204" pitchFamily="34" charset="0"/>
+              </a:rPr>
+              <a:t>Financial institutions typically have diverse systems and data sources. Ensuring seamless integration is critical for consolidating data, providing a unified view, and enabling efficient data-driven decision-making.</a:t>
+            </a:r>
+            <a:endParaRPr lang="en-US" b="1" dirty="0">
+              <a:solidFill>
+                <a:schemeClr val="tx1"/>
+              </a:solidFill>
+              <a:latin typeface="Calibri" panose="020F0502020204030204" pitchFamily="34" charset="0"/>
+              <a:cs typeface="Calibri" panose="020F0502020204030204" pitchFamily="34" charset="0"/>
+            </a:endParaRPr>
+          </a:p>
+        </p:txBody>
+      </p:sp>
+    </p:spTree>
+    <p:extLst>
+      <p:ext uri="{BB962C8B-B14F-4D97-AF65-F5344CB8AC3E}">
+        <p14:creationId xmlns:p14="http://schemas.microsoft.com/office/powerpoint/2010/main" val="887265756"/>
       </p:ext>
     </p:extLst>
   </p:cSld>
@@ -9894,6 +11507,2097 @@
                                           <p:spTgt spid="5">
                                             <p:txEl>
                                               <p:pRg st="11" end="11"/>
+                                            </p:txEl>
+                                          </p:spTgt>
+                                        </p:tgtEl>
+                                        <p:attrNameLst>
+                                          <p:attrName>ppt_y</p:attrName>
+                                        </p:attrNameLst>
+                                      </p:cBhvr>
+                                      <p:tavLst>
+                                        <p:tav tm="0">
+                                          <p:val>
+                                            <p:strVal val="1+#ppt_h/2"/>
+                                          </p:val>
+                                        </p:tav>
+                                        <p:tav tm="100000">
+                                          <p:val>
+                                            <p:strVal val="#ppt_y"/>
+                                          </p:val>
+                                        </p:tav>
+                                      </p:tavLst>
+                                    </p:anim>
+                                  </p:childTnLst>
+                                </p:cTn>
+                              </p:par>
+                            </p:childTnLst>
+                          </p:cTn>
+                        </p:par>
+                      </p:childTnLst>
+                    </p:cTn>
+                  </p:par>
+                </p:childTnLst>
+              </p:cTn>
+              <p:prevCondLst>
+                <p:cond evt="onPrev" delay="0">
+                  <p:tgtEl>
+                    <p:sldTgt/>
+                  </p:tgtEl>
+                </p:cond>
+              </p:prevCondLst>
+              <p:nextCondLst>
+                <p:cond evt="onNext" delay="0">
+                  <p:tgtEl>
+                    <p:sldTgt/>
+                  </p:tgtEl>
+                </p:cond>
+              </p:nextCondLst>
+            </p:seq>
+          </p:childTnLst>
+        </p:cTn>
+      </p:par>
+    </p:tnLst>
+    <p:bldLst>
+      <p:bldP spid="5" grpId="0" build="p"/>
+    </p:bldLst>
+  </p:timing>
+</p:sld>
+</file>
+
+<file path=ppt/slides/slide5.xml><?xml version="1.0" encoding="utf-8"?>
+<p:sld xmlns:a="http://schemas.openxmlformats.org/drawingml/2006/main" xmlns:r="http://schemas.openxmlformats.org/officeDocument/2006/relationships" xmlns:p="http://schemas.openxmlformats.org/presentationml/2006/main">
+  <p:cSld>
+    <p:bg>
+      <p:bgPr>
+        <a:solidFill>
+          <a:schemeClr val="accent6">
+            <a:lumMod val="40000"/>
+            <a:lumOff val="60000"/>
+            <a:alpha val="75000"/>
+          </a:schemeClr>
+        </a:solidFill>
+        <a:effectLst/>
+      </p:bgPr>
+    </p:bg>
+    <p:spTree>
+      <p:nvGrpSpPr>
+        <p:cNvPr id="1" name=""/>
+        <p:cNvGrpSpPr/>
+        <p:nvPr/>
+      </p:nvGrpSpPr>
+      <p:grpSpPr>
+        <a:xfrm>
+          <a:off x="0" y="0"/>
+          <a:ext cx="0" cy="0"/>
+          <a:chOff x="0" y="0"/>
+          <a:chExt cx="0" cy="0"/>
+        </a:xfrm>
+      </p:grpSpPr>
+      <p:sp>
+        <p:nvSpPr>
+          <p:cNvPr id="4" name="Title 3">
+            <a:extLst>
+              <a:ext uri="{FF2B5EF4-FFF2-40B4-BE49-F238E27FC236}">
+                <a16:creationId xmlns:a16="http://schemas.microsoft.com/office/drawing/2014/main" id="{22C1F510-134D-7DE1-73D5-F1059BB70482}"/>
+              </a:ext>
+            </a:extLst>
+          </p:cNvPr>
+          <p:cNvSpPr>
+            <a:spLocks noGrp="1"/>
+          </p:cNvSpPr>
+          <p:nvPr>
+            <p:ph type="title"/>
+          </p:nvPr>
+        </p:nvSpPr>
+        <p:spPr>
+          <a:xfrm>
+            <a:off x="2592925" y="624110"/>
+            <a:ext cx="8911687" cy="776673"/>
+          </a:xfrm>
+        </p:spPr>
+        <p:txBody>
+          <a:bodyPr anchor="ctr">
+            <a:normAutofit/>
+          </a:bodyPr>
+          <a:lstStyle/>
+          <a:p>
+            <a:pPr algn="ctr"/>
+            <a:r>
+              <a:rPr lang="en-US" sz="3200" dirty="0">
+                <a:latin typeface="Arial Black" panose="020B0A04020102020204" pitchFamily="34" charset="0"/>
+              </a:rPr>
+              <a:t>Proposed Solution</a:t>
+            </a:r>
+          </a:p>
+        </p:txBody>
+      </p:sp>
+      <p:sp>
+        <p:nvSpPr>
+          <p:cNvPr id="5" name="Content Placeholder 4">
+            <a:extLst>
+              <a:ext uri="{FF2B5EF4-FFF2-40B4-BE49-F238E27FC236}">
+                <a16:creationId xmlns:a16="http://schemas.microsoft.com/office/drawing/2014/main" id="{FBDD2FE2-B5C6-53D5-DD8A-3476C868886C}"/>
+              </a:ext>
+            </a:extLst>
+          </p:cNvPr>
+          <p:cNvSpPr>
+            <a:spLocks noGrp="1"/>
+          </p:cNvSpPr>
+          <p:nvPr>
+            <p:ph idx="1"/>
+          </p:nvPr>
+        </p:nvSpPr>
+        <p:spPr>
+          <a:xfrm>
+            <a:off x="2589212" y="1400783"/>
+            <a:ext cx="8915400" cy="5093323"/>
+          </a:xfrm>
+        </p:spPr>
+        <p:txBody>
+          <a:bodyPr>
+            <a:noAutofit/>
+          </a:bodyPr>
+          <a:lstStyle/>
+          <a:p>
+            <a:pPr>
+              <a:spcBef>
+                <a:spcPts val="0"/>
+              </a:spcBef>
+              <a:spcAft>
+                <a:spcPts val="200"/>
+              </a:spcAft>
+            </a:pPr>
+            <a:r>
+              <a:rPr lang="en-US" sz="1600" b="1" dirty="0">
+                <a:solidFill>
+                  <a:schemeClr val="tx1"/>
+                </a:solidFill>
+                <a:latin typeface="Calibri" panose="020F0502020204030204" pitchFamily="34" charset="0"/>
+                <a:cs typeface="Calibri" panose="020F0502020204030204" pitchFamily="34" charset="0"/>
+              </a:rPr>
+              <a:t>Centralized Data Warehouse: </a:t>
+            </a:r>
+          </a:p>
+          <a:p>
+            <a:pPr marL="0" indent="0">
+              <a:spcBef>
+                <a:spcPts val="0"/>
+              </a:spcBef>
+              <a:spcAft>
+                <a:spcPts val="200"/>
+              </a:spcAft>
+              <a:buNone/>
+            </a:pPr>
+            <a:r>
+              <a:rPr lang="en-US" sz="1400" dirty="0">
+                <a:solidFill>
+                  <a:schemeClr val="tx1"/>
+                </a:solidFill>
+                <a:latin typeface="Calibri" panose="020F0502020204030204" pitchFamily="34" charset="0"/>
+                <a:cs typeface="Calibri" panose="020F0502020204030204" pitchFamily="34" charset="0"/>
+              </a:rPr>
+              <a:t>A centralized data warehouse serves as a single source of truth, consolidating data from various sources. It provides a structured and organized repository, facilitating efficient data management and retrieval.</a:t>
+            </a:r>
+          </a:p>
+          <a:p>
+            <a:pPr marL="0" indent="0">
+              <a:spcBef>
+                <a:spcPts val="0"/>
+              </a:spcBef>
+              <a:spcAft>
+                <a:spcPts val="200"/>
+              </a:spcAft>
+              <a:buNone/>
+            </a:pPr>
+            <a:r>
+              <a:rPr lang="en-US" sz="1400" b="1" dirty="0">
+                <a:solidFill>
+                  <a:schemeClr val="tx1"/>
+                </a:solidFill>
+                <a:latin typeface="Calibri" panose="020F0502020204030204" pitchFamily="34" charset="0"/>
+                <a:cs typeface="Calibri" panose="020F0502020204030204" pitchFamily="34" charset="0"/>
+              </a:rPr>
+              <a:t>Benefits: </a:t>
+            </a:r>
+            <a:r>
+              <a:rPr lang="en-US" sz="1400" dirty="0">
+                <a:solidFill>
+                  <a:schemeClr val="tx1"/>
+                </a:solidFill>
+                <a:latin typeface="Calibri" panose="020F0502020204030204" pitchFamily="34" charset="0"/>
+                <a:cs typeface="Calibri" panose="020F0502020204030204" pitchFamily="34" charset="0"/>
+              </a:rPr>
+              <a:t>Improved data consistency, accuracy, Simplified data access for analytics and reporting.</a:t>
+            </a:r>
+          </a:p>
+          <a:p>
+            <a:pPr>
+              <a:spcBef>
+                <a:spcPts val="0"/>
+              </a:spcBef>
+              <a:spcAft>
+                <a:spcPts val="200"/>
+              </a:spcAft>
+            </a:pPr>
+            <a:r>
+              <a:rPr lang="en-US" sz="1600" b="1" dirty="0">
+                <a:solidFill>
+                  <a:schemeClr val="tx1"/>
+                </a:solidFill>
+                <a:latin typeface="Calibri" panose="020F0502020204030204" pitchFamily="34" charset="0"/>
+                <a:cs typeface="Calibri" panose="020F0502020204030204" pitchFamily="34" charset="0"/>
+              </a:rPr>
+              <a:t>Data Integration Tools:</a:t>
+            </a:r>
+          </a:p>
+          <a:p>
+            <a:pPr marL="0" indent="0">
+              <a:spcBef>
+                <a:spcPts val="0"/>
+              </a:spcBef>
+              <a:spcAft>
+                <a:spcPts val="200"/>
+              </a:spcAft>
+              <a:buNone/>
+            </a:pPr>
+            <a:r>
+              <a:rPr lang="en-US" sz="1400" dirty="0">
+                <a:solidFill>
+                  <a:schemeClr val="tx1"/>
+                </a:solidFill>
+                <a:latin typeface="Calibri" panose="020F0502020204030204" pitchFamily="34" charset="0"/>
+                <a:cs typeface="Calibri" panose="020F0502020204030204" pitchFamily="34" charset="0"/>
+              </a:rPr>
+              <a:t>Utilizing advanced data integration tools ensures seamless connectivity between disparate systems. These tools enable real-time or batch data integration, addressing the challenges of diverse data sources.</a:t>
+            </a:r>
+          </a:p>
+          <a:p>
+            <a:pPr marL="0" indent="0">
+              <a:spcBef>
+                <a:spcPts val="0"/>
+              </a:spcBef>
+              <a:spcAft>
+                <a:spcPts val="200"/>
+              </a:spcAft>
+              <a:buNone/>
+            </a:pPr>
+            <a:r>
+              <a:rPr lang="en-US" sz="1400" b="1" dirty="0">
+                <a:solidFill>
+                  <a:schemeClr val="tx1"/>
+                </a:solidFill>
+                <a:latin typeface="Calibri" panose="020F0502020204030204" pitchFamily="34" charset="0"/>
+                <a:cs typeface="Calibri" panose="020F0502020204030204" pitchFamily="34" charset="0"/>
+              </a:rPr>
+              <a:t>Benefits: </a:t>
+            </a:r>
+            <a:r>
+              <a:rPr lang="en-US" sz="1400" dirty="0">
+                <a:solidFill>
+                  <a:schemeClr val="tx1"/>
+                </a:solidFill>
+                <a:latin typeface="Calibri" panose="020F0502020204030204" pitchFamily="34" charset="0"/>
+                <a:cs typeface="Calibri" panose="020F0502020204030204" pitchFamily="34" charset="0"/>
+              </a:rPr>
+              <a:t>Streamlined data flow across the organization and Reduced manual effort in data integration.</a:t>
+            </a:r>
+          </a:p>
+          <a:p>
+            <a:pPr>
+              <a:spcBef>
+                <a:spcPts val="0"/>
+              </a:spcBef>
+              <a:spcAft>
+                <a:spcPts val="200"/>
+              </a:spcAft>
+            </a:pPr>
+            <a:r>
+              <a:rPr lang="en-US" sz="1600" b="1" dirty="0">
+                <a:solidFill>
+                  <a:schemeClr val="tx1"/>
+                </a:solidFill>
+                <a:latin typeface="Calibri" panose="020F0502020204030204" pitchFamily="34" charset="0"/>
+                <a:cs typeface="Calibri" panose="020F0502020204030204" pitchFamily="34" charset="0"/>
+              </a:rPr>
+              <a:t>Scalable Architecture:</a:t>
+            </a:r>
+          </a:p>
+          <a:p>
+            <a:pPr marL="0" indent="0">
+              <a:spcBef>
+                <a:spcPts val="0"/>
+              </a:spcBef>
+              <a:spcAft>
+                <a:spcPts val="200"/>
+              </a:spcAft>
+              <a:buNone/>
+            </a:pPr>
+            <a:r>
+              <a:rPr lang="en-US" sz="1400" dirty="0">
+                <a:solidFill>
+                  <a:schemeClr val="tx1"/>
+                </a:solidFill>
+                <a:latin typeface="Calibri" panose="020F0502020204030204" pitchFamily="34" charset="0"/>
+                <a:cs typeface="Calibri" panose="020F0502020204030204" pitchFamily="34" charset="0"/>
+              </a:rPr>
+              <a:t>Designing a scalable architecture ensures the infrastructure can handle growing data volumes without compromising performance. Scalability accommodates the financial institution's future expansion and evolving data needs.</a:t>
+            </a:r>
+            <a:endParaRPr lang="en-US" sz="1400" b="1" dirty="0">
+              <a:solidFill>
+                <a:schemeClr val="tx1"/>
+              </a:solidFill>
+              <a:latin typeface="Calibri" panose="020F0502020204030204" pitchFamily="34" charset="0"/>
+              <a:cs typeface="Calibri" panose="020F0502020204030204" pitchFamily="34" charset="0"/>
+            </a:endParaRPr>
+          </a:p>
+          <a:p>
+            <a:pPr marL="0" indent="0">
+              <a:spcBef>
+                <a:spcPts val="0"/>
+              </a:spcBef>
+              <a:spcAft>
+                <a:spcPts val="200"/>
+              </a:spcAft>
+              <a:buNone/>
+            </a:pPr>
+            <a:r>
+              <a:rPr lang="en-US" sz="1400" b="1" dirty="0">
+                <a:solidFill>
+                  <a:schemeClr val="tx1"/>
+                </a:solidFill>
+                <a:latin typeface="Calibri" panose="020F0502020204030204" pitchFamily="34" charset="0"/>
+                <a:cs typeface="Calibri" panose="020F0502020204030204" pitchFamily="34" charset="0"/>
+              </a:rPr>
+              <a:t>Benefits: </a:t>
+            </a:r>
+            <a:r>
+              <a:rPr lang="en-US" sz="1400" dirty="0">
+                <a:solidFill>
+                  <a:schemeClr val="tx1"/>
+                </a:solidFill>
+                <a:latin typeface="Calibri" panose="020F0502020204030204" pitchFamily="34" charset="0"/>
+                <a:cs typeface="Calibri" panose="020F0502020204030204" pitchFamily="34" charset="0"/>
+              </a:rPr>
+              <a:t>Flexibility to scale resources based on demand and Long-term cost savings through optimized resource utilization.</a:t>
+            </a:r>
+          </a:p>
+          <a:p>
+            <a:pPr>
+              <a:spcBef>
+                <a:spcPts val="0"/>
+              </a:spcBef>
+              <a:spcAft>
+                <a:spcPts val="200"/>
+              </a:spcAft>
+            </a:pPr>
+            <a:r>
+              <a:rPr lang="en-US" sz="1600" b="1" dirty="0">
+                <a:solidFill>
+                  <a:schemeClr val="tx1"/>
+                </a:solidFill>
+                <a:latin typeface="Calibri" panose="020F0502020204030204" pitchFamily="34" charset="0"/>
+                <a:cs typeface="Calibri" panose="020F0502020204030204" pitchFamily="34" charset="0"/>
+              </a:rPr>
+              <a:t>Analytics and Reporting:</a:t>
+            </a:r>
+          </a:p>
+          <a:p>
+            <a:pPr marL="0" indent="0">
+              <a:spcBef>
+                <a:spcPts val="0"/>
+              </a:spcBef>
+              <a:spcAft>
+                <a:spcPts val="200"/>
+              </a:spcAft>
+              <a:buNone/>
+            </a:pPr>
+            <a:r>
+              <a:rPr lang="en-US" sz="1400" dirty="0">
+                <a:solidFill>
+                  <a:schemeClr val="tx1"/>
+                </a:solidFill>
+                <a:latin typeface="Calibri" panose="020F0502020204030204" pitchFamily="34" charset="0"/>
+                <a:cs typeface="Calibri" panose="020F0502020204030204" pitchFamily="34" charset="0"/>
+              </a:rPr>
+              <a:t>Implementing robust analytics and reporting tools empowers users to derive meaningful insights from the centralized data. Interactive dashboards and reporting features facilitate data exploration and decision-making.</a:t>
+            </a:r>
+          </a:p>
+          <a:p>
+            <a:pPr marL="0" indent="0">
+              <a:spcBef>
+                <a:spcPts val="0"/>
+              </a:spcBef>
+              <a:spcAft>
+                <a:spcPts val="200"/>
+              </a:spcAft>
+              <a:buNone/>
+            </a:pPr>
+            <a:r>
+              <a:rPr lang="en-US" sz="1400" b="1" dirty="0">
+                <a:solidFill>
+                  <a:schemeClr val="tx1"/>
+                </a:solidFill>
+                <a:latin typeface="Calibri" panose="020F0502020204030204" pitchFamily="34" charset="0"/>
+                <a:cs typeface="Calibri" panose="020F0502020204030204" pitchFamily="34" charset="0"/>
+              </a:rPr>
+              <a:t>Benefits: </a:t>
+            </a:r>
+            <a:r>
+              <a:rPr lang="en-US" sz="1400" dirty="0">
+                <a:solidFill>
+                  <a:schemeClr val="tx1"/>
+                </a:solidFill>
+                <a:latin typeface="Calibri" panose="020F0502020204030204" pitchFamily="34" charset="0"/>
+                <a:cs typeface="Calibri" panose="020F0502020204030204" pitchFamily="34" charset="0"/>
+              </a:rPr>
+              <a:t>Informed decision-making based on real-time insights and Enhanced agility in responding to market changes.</a:t>
+            </a:r>
+          </a:p>
+          <a:p>
+            <a:pPr>
+              <a:spcBef>
+                <a:spcPts val="0"/>
+              </a:spcBef>
+              <a:spcAft>
+                <a:spcPts val="200"/>
+              </a:spcAft>
+            </a:pPr>
+            <a:r>
+              <a:rPr lang="en-US" sz="1600" b="1" dirty="0">
+                <a:solidFill>
+                  <a:schemeClr val="tx1"/>
+                </a:solidFill>
+                <a:latin typeface="Calibri" panose="020F0502020204030204" pitchFamily="34" charset="0"/>
+                <a:cs typeface="Calibri" panose="020F0502020204030204" pitchFamily="34" charset="0"/>
+              </a:rPr>
+              <a:t>Data Governance:</a:t>
+            </a:r>
+          </a:p>
+          <a:p>
+            <a:pPr marL="0" indent="0">
+              <a:spcBef>
+                <a:spcPts val="0"/>
+              </a:spcBef>
+              <a:spcAft>
+                <a:spcPts val="200"/>
+              </a:spcAft>
+              <a:buNone/>
+            </a:pPr>
+            <a:r>
+              <a:rPr lang="en-US" sz="1400" dirty="0">
+                <a:solidFill>
+                  <a:schemeClr val="tx1"/>
+                </a:solidFill>
+                <a:latin typeface="Calibri" panose="020F0502020204030204" pitchFamily="34" charset="0"/>
+                <a:cs typeface="Calibri" panose="020F0502020204030204" pitchFamily="34" charset="0"/>
+              </a:rPr>
+              <a:t>Establishing data governance policies ensures data quality, security, and compliance with industry regulations. It includes defining roles, responsibilities, and processes to maintain data integrity.</a:t>
+            </a:r>
+          </a:p>
+          <a:p>
+            <a:pPr marL="0" indent="0">
+              <a:spcBef>
+                <a:spcPts val="0"/>
+              </a:spcBef>
+              <a:spcAft>
+                <a:spcPts val="200"/>
+              </a:spcAft>
+              <a:buNone/>
+            </a:pPr>
+            <a:r>
+              <a:rPr lang="en-US" sz="1400" b="1" dirty="0">
+                <a:solidFill>
+                  <a:schemeClr val="tx1"/>
+                </a:solidFill>
+                <a:latin typeface="Calibri" panose="020F0502020204030204" pitchFamily="34" charset="0"/>
+                <a:cs typeface="Calibri" panose="020F0502020204030204" pitchFamily="34" charset="0"/>
+              </a:rPr>
+              <a:t>Benefits: </a:t>
+            </a:r>
+            <a:r>
+              <a:rPr lang="en-US" sz="1400" dirty="0">
+                <a:solidFill>
+                  <a:schemeClr val="tx1"/>
+                </a:solidFill>
+                <a:latin typeface="Calibri" panose="020F0502020204030204" pitchFamily="34" charset="0"/>
+                <a:cs typeface="Calibri" panose="020F0502020204030204" pitchFamily="34" charset="0"/>
+              </a:rPr>
+              <a:t>Ensured data quality and consistency and Mitigation of risks related to data security and compliance.</a:t>
+            </a:r>
+            <a:endParaRPr lang="en-US" sz="1400" b="1" dirty="0">
+              <a:solidFill>
+                <a:schemeClr val="tx1"/>
+              </a:solidFill>
+              <a:latin typeface="Calibri" panose="020F0502020204030204" pitchFamily="34" charset="0"/>
+              <a:cs typeface="Calibri" panose="020F0502020204030204" pitchFamily="34" charset="0"/>
+            </a:endParaRPr>
+          </a:p>
+          <a:p>
+            <a:pPr marL="0" indent="0">
+              <a:spcBef>
+                <a:spcPts val="0"/>
+              </a:spcBef>
+              <a:spcAft>
+                <a:spcPts val="200"/>
+              </a:spcAft>
+              <a:buNone/>
+            </a:pPr>
+            <a:endParaRPr lang="en-US" sz="1400" b="1" dirty="0">
+              <a:solidFill>
+                <a:schemeClr val="tx1"/>
+              </a:solidFill>
+              <a:latin typeface="Calibri" panose="020F0502020204030204" pitchFamily="34" charset="0"/>
+              <a:cs typeface="Calibri" panose="020F0502020204030204" pitchFamily="34" charset="0"/>
+            </a:endParaRPr>
+          </a:p>
+        </p:txBody>
+      </p:sp>
+    </p:spTree>
+    <p:extLst>
+      <p:ext uri="{BB962C8B-B14F-4D97-AF65-F5344CB8AC3E}">
+        <p14:creationId xmlns:p14="http://schemas.microsoft.com/office/powerpoint/2010/main" val="2228868589"/>
+      </p:ext>
+    </p:extLst>
+  </p:cSld>
+  <p:clrMapOvr>
+    <a:masterClrMapping/>
+  </p:clrMapOvr>
+  <mc:AlternateContent xmlns:mc="http://schemas.openxmlformats.org/markup-compatibility/2006">
+    <mc:Choice xmlns:p15="http://schemas.microsoft.com/office/powerpoint/2012/main" Requires="p15">
+      <p:transition xmlns:p14="http://schemas.microsoft.com/office/powerpoint/2010/main" spd="slow" p14:dur="1250">
+        <p15:prstTrans prst="pageCurlDouble"/>
+      </p:transition>
+    </mc:Choice>
+    <mc:Fallback>
+      <p:transition spd="slow">
+        <p:fade/>
+      </p:transition>
+    </mc:Fallback>
+  </mc:AlternateContent>
+  <p:timing>
+    <p:tnLst>
+      <p:par>
+        <p:cTn id="1" dur="indefinite" restart="never" nodeType="tmRoot">
+          <p:childTnLst>
+            <p:seq concurrent="1" nextAc="seek">
+              <p:cTn id="2" dur="indefinite" nodeType="mainSeq">
+                <p:childTnLst>
+                  <p:par>
+                    <p:cTn id="3" fill="hold">
+                      <p:stCondLst>
+                        <p:cond delay="indefinite"/>
+                      </p:stCondLst>
+                      <p:childTnLst>
+                        <p:par>
+                          <p:cTn id="4" fill="hold">
+                            <p:stCondLst>
+                              <p:cond delay="0"/>
+                            </p:stCondLst>
+                            <p:childTnLst>
+                              <p:par>
+                                <p:cTn id="5" presetID="2" presetClass="entr" presetSubtype="4" fill="hold" grpId="0" nodeType="clickEffect">
+                                  <p:stCondLst>
+                                    <p:cond delay="0"/>
+                                  </p:stCondLst>
+                                  <p:childTnLst>
+                                    <p:set>
+                                      <p:cBhvr>
+                                        <p:cTn id="6" dur="1" fill="hold">
+                                          <p:stCondLst>
+                                            <p:cond delay="0"/>
+                                          </p:stCondLst>
+                                        </p:cTn>
+                                        <p:tgtEl>
+                                          <p:spTgt spid="5">
+                                            <p:txEl>
+                                              <p:pRg st="0" end="0"/>
+                                            </p:txEl>
+                                          </p:spTgt>
+                                        </p:tgtEl>
+                                        <p:attrNameLst>
+                                          <p:attrName>style.visibility</p:attrName>
+                                        </p:attrNameLst>
+                                      </p:cBhvr>
+                                      <p:to>
+                                        <p:strVal val="visible"/>
+                                      </p:to>
+                                    </p:set>
+                                    <p:anim calcmode="lin" valueType="num">
+                                      <p:cBhvr additive="base">
+                                        <p:cTn id="7" dur="500" fill="hold"/>
+                                        <p:tgtEl>
+                                          <p:spTgt spid="5">
+                                            <p:txEl>
+                                              <p:pRg st="0" end="0"/>
+                                            </p:txEl>
+                                          </p:spTgt>
+                                        </p:tgtEl>
+                                        <p:attrNameLst>
+                                          <p:attrName>ppt_x</p:attrName>
+                                        </p:attrNameLst>
+                                      </p:cBhvr>
+                                      <p:tavLst>
+                                        <p:tav tm="0">
+                                          <p:val>
+                                            <p:strVal val="#ppt_x"/>
+                                          </p:val>
+                                        </p:tav>
+                                        <p:tav tm="100000">
+                                          <p:val>
+                                            <p:strVal val="#ppt_x"/>
+                                          </p:val>
+                                        </p:tav>
+                                      </p:tavLst>
+                                    </p:anim>
+                                    <p:anim calcmode="lin" valueType="num">
+                                      <p:cBhvr additive="base">
+                                        <p:cTn id="8" dur="500" fill="hold"/>
+                                        <p:tgtEl>
+                                          <p:spTgt spid="5">
+                                            <p:txEl>
+                                              <p:pRg st="0" end="0"/>
+                                            </p:txEl>
+                                          </p:spTgt>
+                                        </p:tgtEl>
+                                        <p:attrNameLst>
+                                          <p:attrName>ppt_y</p:attrName>
+                                        </p:attrNameLst>
+                                      </p:cBhvr>
+                                      <p:tavLst>
+                                        <p:tav tm="0">
+                                          <p:val>
+                                            <p:strVal val="1+#ppt_h/2"/>
+                                          </p:val>
+                                        </p:tav>
+                                        <p:tav tm="100000">
+                                          <p:val>
+                                            <p:strVal val="#ppt_y"/>
+                                          </p:val>
+                                        </p:tav>
+                                      </p:tavLst>
+                                    </p:anim>
+                                  </p:childTnLst>
+                                </p:cTn>
+                              </p:par>
+                            </p:childTnLst>
+                          </p:cTn>
+                        </p:par>
+                      </p:childTnLst>
+                    </p:cTn>
+                  </p:par>
+                  <p:par>
+                    <p:cTn id="9" fill="hold">
+                      <p:stCondLst>
+                        <p:cond delay="indefinite"/>
+                      </p:stCondLst>
+                      <p:childTnLst>
+                        <p:par>
+                          <p:cTn id="10" fill="hold">
+                            <p:stCondLst>
+                              <p:cond delay="0"/>
+                            </p:stCondLst>
+                            <p:childTnLst>
+                              <p:par>
+                                <p:cTn id="11" presetID="2" presetClass="entr" presetSubtype="4" fill="hold" grpId="0" nodeType="clickEffect">
+                                  <p:stCondLst>
+                                    <p:cond delay="0"/>
+                                  </p:stCondLst>
+                                  <p:childTnLst>
+                                    <p:set>
+                                      <p:cBhvr>
+                                        <p:cTn id="12" dur="1" fill="hold">
+                                          <p:stCondLst>
+                                            <p:cond delay="0"/>
+                                          </p:stCondLst>
+                                        </p:cTn>
+                                        <p:tgtEl>
+                                          <p:spTgt spid="5">
+                                            <p:txEl>
+                                              <p:pRg st="1" end="1"/>
+                                            </p:txEl>
+                                          </p:spTgt>
+                                        </p:tgtEl>
+                                        <p:attrNameLst>
+                                          <p:attrName>style.visibility</p:attrName>
+                                        </p:attrNameLst>
+                                      </p:cBhvr>
+                                      <p:to>
+                                        <p:strVal val="visible"/>
+                                      </p:to>
+                                    </p:set>
+                                    <p:anim calcmode="lin" valueType="num">
+                                      <p:cBhvr additive="base">
+                                        <p:cTn id="13" dur="500" fill="hold"/>
+                                        <p:tgtEl>
+                                          <p:spTgt spid="5">
+                                            <p:txEl>
+                                              <p:pRg st="1" end="1"/>
+                                            </p:txEl>
+                                          </p:spTgt>
+                                        </p:tgtEl>
+                                        <p:attrNameLst>
+                                          <p:attrName>ppt_x</p:attrName>
+                                        </p:attrNameLst>
+                                      </p:cBhvr>
+                                      <p:tavLst>
+                                        <p:tav tm="0">
+                                          <p:val>
+                                            <p:strVal val="#ppt_x"/>
+                                          </p:val>
+                                        </p:tav>
+                                        <p:tav tm="100000">
+                                          <p:val>
+                                            <p:strVal val="#ppt_x"/>
+                                          </p:val>
+                                        </p:tav>
+                                      </p:tavLst>
+                                    </p:anim>
+                                    <p:anim calcmode="lin" valueType="num">
+                                      <p:cBhvr additive="base">
+                                        <p:cTn id="14" dur="500" fill="hold"/>
+                                        <p:tgtEl>
+                                          <p:spTgt spid="5">
+                                            <p:txEl>
+                                              <p:pRg st="1" end="1"/>
+                                            </p:txEl>
+                                          </p:spTgt>
+                                        </p:tgtEl>
+                                        <p:attrNameLst>
+                                          <p:attrName>ppt_y</p:attrName>
+                                        </p:attrNameLst>
+                                      </p:cBhvr>
+                                      <p:tavLst>
+                                        <p:tav tm="0">
+                                          <p:val>
+                                            <p:strVal val="1+#ppt_h/2"/>
+                                          </p:val>
+                                        </p:tav>
+                                        <p:tav tm="100000">
+                                          <p:val>
+                                            <p:strVal val="#ppt_y"/>
+                                          </p:val>
+                                        </p:tav>
+                                      </p:tavLst>
+                                    </p:anim>
+                                  </p:childTnLst>
+                                </p:cTn>
+                              </p:par>
+                            </p:childTnLst>
+                          </p:cTn>
+                        </p:par>
+                      </p:childTnLst>
+                    </p:cTn>
+                  </p:par>
+                  <p:par>
+                    <p:cTn id="15" fill="hold">
+                      <p:stCondLst>
+                        <p:cond delay="indefinite"/>
+                      </p:stCondLst>
+                      <p:childTnLst>
+                        <p:par>
+                          <p:cTn id="16" fill="hold">
+                            <p:stCondLst>
+                              <p:cond delay="0"/>
+                            </p:stCondLst>
+                            <p:childTnLst>
+                              <p:par>
+                                <p:cTn id="17" presetID="2" presetClass="entr" presetSubtype="4" fill="hold" grpId="0" nodeType="clickEffect">
+                                  <p:stCondLst>
+                                    <p:cond delay="0"/>
+                                  </p:stCondLst>
+                                  <p:childTnLst>
+                                    <p:set>
+                                      <p:cBhvr>
+                                        <p:cTn id="18" dur="1" fill="hold">
+                                          <p:stCondLst>
+                                            <p:cond delay="0"/>
+                                          </p:stCondLst>
+                                        </p:cTn>
+                                        <p:tgtEl>
+                                          <p:spTgt spid="5">
+                                            <p:txEl>
+                                              <p:pRg st="2" end="2"/>
+                                            </p:txEl>
+                                          </p:spTgt>
+                                        </p:tgtEl>
+                                        <p:attrNameLst>
+                                          <p:attrName>style.visibility</p:attrName>
+                                        </p:attrNameLst>
+                                      </p:cBhvr>
+                                      <p:to>
+                                        <p:strVal val="visible"/>
+                                      </p:to>
+                                    </p:set>
+                                    <p:anim calcmode="lin" valueType="num">
+                                      <p:cBhvr additive="base">
+                                        <p:cTn id="19" dur="500" fill="hold"/>
+                                        <p:tgtEl>
+                                          <p:spTgt spid="5">
+                                            <p:txEl>
+                                              <p:pRg st="2" end="2"/>
+                                            </p:txEl>
+                                          </p:spTgt>
+                                        </p:tgtEl>
+                                        <p:attrNameLst>
+                                          <p:attrName>ppt_x</p:attrName>
+                                        </p:attrNameLst>
+                                      </p:cBhvr>
+                                      <p:tavLst>
+                                        <p:tav tm="0">
+                                          <p:val>
+                                            <p:strVal val="#ppt_x"/>
+                                          </p:val>
+                                        </p:tav>
+                                        <p:tav tm="100000">
+                                          <p:val>
+                                            <p:strVal val="#ppt_x"/>
+                                          </p:val>
+                                        </p:tav>
+                                      </p:tavLst>
+                                    </p:anim>
+                                    <p:anim calcmode="lin" valueType="num">
+                                      <p:cBhvr additive="base">
+                                        <p:cTn id="20" dur="500" fill="hold"/>
+                                        <p:tgtEl>
+                                          <p:spTgt spid="5">
+                                            <p:txEl>
+                                              <p:pRg st="2" end="2"/>
+                                            </p:txEl>
+                                          </p:spTgt>
+                                        </p:tgtEl>
+                                        <p:attrNameLst>
+                                          <p:attrName>ppt_y</p:attrName>
+                                        </p:attrNameLst>
+                                      </p:cBhvr>
+                                      <p:tavLst>
+                                        <p:tav tm="0">
+                                          <p:val>
+                                            <p:strVal val="1+#ppt_h/2"/>
+                                          </p:val>
+                                        </p:tav>
+                                        <p:tav tm="100000">
+                                          <p:val>
+                                            <p:strVal val="#ppt_y"/>
+                                          </p:val>
+                                        </p:tav>
+                                      </p:tavLst>
+                                    </p:anim>
+                                  </p:childTnLst>
+                                </p:cTn>
+                              </p:par>
+                            </p:childTnLst>
+                          </p:cTn>
+                        </p:par>
+                      </p:childTnLst>
+                    </p:cTn>
+                  </p:par>
+                  <p:par>
+                    <p:cTn id="21" fill="hold">
+                      <p:stCondLst>
+                        <p:cond delay="indefinite"/>
+                      </p:stCondLst>
+                      <p:childTnLst>
+                        <p:par>
+                          <p:cTn id="22" fill="hold">
+                            <p:stCondLst>
+                              <p:cond delay="0"/>
+                            </p:stCondLst>
+                            <p:childTnLst>
+                              <p:par>
+                                <p:cTn id="23" presetID="2" presetClass="entr" presetSubtype="4" fill="hold" grpId="0" nodeType="clickEffect">
+                                  <p:stCondLst>
+                                    <p:cond delay="0"/>
+                                  </p:stCondLst>
+                                  <p:childTnLst>
+                                    <p:set>
+                                      <p:cBhvr>
+                                        <p:cTn id="24" dur="1" fill="hold">
+                                          <p:stCondLst>
+                                            <p:cond delay="0"/>
+                                          </p:stCondLst>
+                                        </p:cTn>
+                                        <p:tgtEl>
+                                          <p:spTgt spid="5">
+                                            <p:txEl>
+                                              <p:pRg st="3" end="3"/>
+                                            </p:txEl>
+                                          </p:spTgt>
+                                        </p:tgtEl>
+                                        <p:attrNameLst>
+                                          <p:attrName>style.visibility</p:attrName>
+                                        </p:attrNameLst>
+                                      </p:cBhvr>
+                                      <p:to>
+                                        <p:strVal val="visible"/>
+                                      </p:to>
+                                    </p:set>
+                                    <p:anim calcmode="lin" valueType="num">
+                                      <p:cBhvr additive="base">
+                                        <p:cTn id="25" dur="500" fill="hold"/>
+                                        <p:tgtEl>
+                                          <p:spTgt spid="5">
+                                            <p:txEl>
+                                              <p:pRg st="3" end="3"/>
+                                            </p:txEl>
+                                          </p:spTgt>
+                                        </p:tgtEl>
+                                        <p:attrNameLst>
+                                          <p:attrName>ppt_x</p:attrName>
+                                        </p:attrNameLst>
+                                      </p:cBhvr>
+                                      <p:tavLst>
+                                        <p:tav tm="0">
+                                          <p:val>
+                                            <p:strVal val="#ppt_x"/>
+                                          </p:val>
+                                        </p:tav>
+                                        <p:tav tm="100000">
+                                          <p:val>
+                                            <p:strVal val="#ppt_x"/>
+                                          </p:val>
+                                        </p:tav>
+                                      </p:tavLst>
+                                    </p:anim>
+                                    <p:anim calcmode="lin" valueType="num">
+                                      <p:cBhvr additive="base">
+                                        <p:cTn id="26" dur="500" fill="hold"/>
+                                        <p:tgtEl>
+                                          <p:spTgt spid="5">
+                                            <p:txEl>
+                                              <p:pRg st="3" end="3"/>
+                                            </p:txEl>
+                                          </p:spTgt>
+                                        </p:tgtEl>
+                                        <p:attrNameLst>
+                                          <p:attrName>ppt_y</p:attrName>
+                                        </p:attrNameLst>
+                                      </p:cBhvr>
+                                      <p:tavLst>
+                                        <p:tav tm="0">
+                                          <p:val>
+                                            <p:strVal val="1+#ppt_h/2"/>
+                                          </p:val>
+                                        </p:tav>
+                                        <p:tav tm="100000">
+                                          <p:val>
+                                            <p:strVal val="#ppt_y"/>
+                                          </p:val>
+                                        </p:tav>
+                                      </p:tavLst>
+                                    </p:anim>
+                                  </p:childTnLst>
+                                </p:cTn>
+                              </p:par>
+                            </p:childTnLst>
+                          </p:cTn>
+                        </p:par>
+                      </p:childTnLst>
+                    </p:cTn>
+                  </p:par>
+                  <p:par>
+                    <p:cTn id="27" fill="hold">
+                      <p:stCondLst>
+                        <p:cond delay="indefinite"/>
+                      </p:stCondLst>
+                      <p:childTnLst>
+                        <p:par>
+                          <p:cTn id="28" fill="hold">
+                            <p:stCondLst>
+                              <p:cond delay="0"/>
+                            </p:stCondLst>
+                            <p:childTnLst>
+                              <p:par>
+                                <p:cTn id="29" presetID="2" presetClass="entr" presetSubtype="4" fill="hold" grpId="0" nodeType="clickEffect">
+                                  <p:stCondLst>
+                                    <p:cond delay="0"/>
+                                  </p:stCondLst>
+                                  <p:childTnLst>
+                                    <p:set>
+                                      <p:cBhvr>
+                                        <p:cTn id="30" dur="1" fill="hold">
+                                          <p:stCondLst>
+                                            <p:cond delay="0"/>
+                                          </p:stCondLst>
+                                        </p:cTn>
+                                        <p:tgtEl>
+                                          <p:spTgt spid="5">
+                                            <p:txEl>
+                                              <p:pRg st="4" end="4"/>
+                                            </p:txEl>
+                                          </p:spTgt>
+                                        </p:tgtEl>
+                                        <p:attrNameLst>
+                                          <p:attrName>style.visibility</p:attrName>
+                                        </p:attrNameLst>
+                                      </p:cBhvr>
+                                      <p:to>
+                                        <p:strVal val="visible"/>
+                                      </p:to>
+                                    </p:set>
+                                    <p:anim calcmode="lin" valueType="num">
+                                      <p:cBhvr additive="base">
+                                        <p:cTn id="31" dur="500" fill="hold"/>
+                                        <p:tgtEl>
+                                          <p:spTgt spid="5">
+                                            <p:txEl>
+                                              <p:pRg st="4" end="4"/>
+                                            </p:txEl>
+                                          </p:spTgt>
+                                        </p:tgtEl>
+                                        <p:attrNameLst>
+                                          <p:attrName>ppt_x</p:attrName>
+                                        </p:attrNameLst>
+                                      </p:cBhvr>
+                                      <p:tavLst>
+                                        <p:tav tm="0">
+                                          <p:val>
+                                            <p:strVal val="#ppt_x"/>
+                                          </p:val>
+                                        </p:tav>
+                                        <p:tav tm="100000">
+                                          <p:val>
+                                            <p:strVal val="#ppt_x"/>
+                                          </p:val>
+                                        </p:tav>
+                                      </p:tavLst>
+                                    </p:anim>
+                                    <p:anim calcmode="lin" valueType="num">
+                                      <p:cBhvr additive="base">
+                                        <p:cTn id="32" dur="500" fill="hold"/>
+                                        <p:tgtEl>
+                                          <p:spTgt spid="5">
+                                            <p:txEl>
+                                              <p:pRg st="4" end="4"/>
+                                            </p:txEl>
+                                          </p:spTgt>
+                                        </p:tgtEl>
+                                        <p:attrNameLst>
+                                          <p:attrName>ppt_y</p:attrName>
+                                        </p:attrNameLst>
+                                      </p:cBhvr>
+                                      <p:tavLst>
+                                        <p:tav tm="0">
+                                          <p:val>
+                                            <p:strVal val="1+#ppt_h/2"/>
+                                          </p:val>
+                                        </p:tav>
+                                        <p:tav tm="100000">
+                                          <p:val>
+                                            <p:strVal val="#ppt_y"/>
+                                          </p:val>
+                                        </p:tav>
+                                      </p:tavLst>
+                                    </p:anim>
+                                  </p:childTnLst>
+                                </p:cTn>
+                              </p:par>
+                            </p:childTnLst>
+                          </p:cTn>
+                        </p:par>
+                      </p:childTnLst>
+                    </p:cTn>
+                  </p:par>
+                  <p:par>
+                    <p:cTn id="33" fill="hold">
+                      <p:stCondLst>
+                        <p:cond delay="indefinite"/>
+                      </p:stCondLst>
+                      <p:childTnLst>
+                        <p:par>
+                          <p:cTn id="34" fill="hold">
+                            <p:stCondLst>
+                              <p:cond delay="0"/>
+                            </p:stCondLst>
+                            <p:childTnLst>
+                              <p:par>
+                                <p:cTn id="35" presetID="2" presetClass="entr" presetSubtype="4" fill="hold" grpId="0" nodeType="clickEffect">
+                                  <p:stCondLst>
+                                    <p:cond delay="0"/>
+                                  </p:stCondLst>
+                                  <p:childTnLst>
+                                    <p:set>
+                                      <p:cBhvr>
+                                        <p:cTn id="36" dur="1" fill="hold">
+                                          <p:stCondLst>
+                                            <p:cond delay="0"/>
+                                          </p:stCondLst>
+                                        </p:cTn>
+                                        <p:tgtEl>
+                                          <p:spTgt spid="5">
+                                            <p:txEl>
+                                              <p:pRg st="5" end="5"/>
+                                            </p:txEl>
+                                          </p:spTgt>
+                                        </p:tgtEl>
+                                        <p:attrNameLst>
+                                          <p:attrName>style.visibility</p:attrName>
+                                        </p:attrNameLst>
+                                      </p:cBhvr>
+                                      <p:to>
+                                        <p:strVal val="visible"/>
+                                      </p:to>
+                                    </p:set>
+                                    <p:anim calcmode="lin" valueType="num">
+                                      <p:cBhvr additive="base">
+                                        <p:cTn id="37" dur="500" fill="hold"/>
+                                        <p:tgtEl>
+                                          <p:spTgt spid="5">
+                                            <p:txEl>
+                                              <p:pRg st="5" end="5"/>
+                                            </p:txEl>
+                                          </p:spTgt>
+                                        </p:tgtEl>
+                                        <p:attrNameLst>
+                                          <p:attrName>ppt_x</p:attrName>
+                                        </p:attrNameLst>
+                                      </p:cBhvr>
+                                      <p:tavLst>
+                                        <p:tav tm="0">
+                                          <p:val>
+                                            <p:strVal val="#ppt_x"/>
+                                          </p:val>
+                                        </p:tav>
+                                        <p:tav tm="100000">
+                                          <p:val>
+                                            <p:strVal val="#ppt_x"/>
+                                          </p:val>
+                                        </p:tav>
+                                      </p:tavLst>
+                                    </p:anim>
+                                    <p:anim calcmode="lin" valueType="num">
+                                      <p:cBhvr additive="base">
+                                        <p:cTn id="38" dur="500" fill="hold"/>
+                                        <p:tgtEl>
+                                          <p:spTgt spid="5">
+                                            <p:txEl>
+                                              <p:pRg st="5" end="5"/>
+                                            </p:txEl>
+                                          </p:spTgt>
+                                        </p:tgtEl>
+                                        <p:attrNameLst>
+                                          <p:attrName>ppt_y</p:attrName>
+                                        </p:attrNameLst>
+                                      </p:cBhvr>
+                                      <p:tavLst>
+                                        <p:tav tm="0">
+                                          <p:val>
+                                            <p:strVal val="1+#ppt_h/2"/>
+                                          </p:val>
+                                        </p:tav>
+                                        <p:tav tm="100000">
+                                          <p:val>
+                                            <p:strVal val="#ppt_y"/>
+                                          </p:val>
+                                        </p:tav>
+                                      </p:tavLst>
+                                    </p:anim>
+                                  </p:childTnLst>
+                                </p:cTn>
+                              </p:par>
+                            </p:childTnLst>
+                          </p:cTn>
+                        </p:par>
+                      </p:childTnLst>
+                    </p:cTn>
+                  </p:par>
+                  <p:par>
+                    <p:cTn id="39" fill="hold">
+                      <p:stCondLst>
+                        <p:cond delay="indefinite"/>
+                      </p:stCondLst>
+                      <p:childTnLst>
+                        <p:par>
+                          <p:cTn id="40" fill="hold">
+                            <p:stCondLst>
+                              <p:cond delay="0"/>
+                            </p:stCondLst>
+                            <p:childTnLst>
+                              <p:par>
+                                <p:cTn id="41" presetID="2" presetClass="entr" presetSubtype="4" fill="hold" grpId="0" nodeType="clickEffect">
+                                  <p:stCondLst>
+                                    <p:cond delay="0"/>
+                                  </p:stCondLst>
+                                  <p:childTnLst>
+                                    <p:set>
+                                      <p:cBhvr>
+                                        <p:cTn id="42" dur="1" fill="hold">
+                                          <p:stCondLst>
+                                            <p:cond delay="0"/>
+                                          </p:stCondLst>
+                                        </p:cTn>
+                                        <p:tgtEl>
+                                          <p:spTgt spid="5">
+                                            <p:txEl>
+                                              <p:pRg st="6" end="6"/>
+                                            </p:txEl>
+                                          </p:spTgt>
+                                        </p:tgtEl>
+                                        <p:attrNameLst>
+                                          <p:attrName>style.visibility</p:attrName>
+                                        </p:attrNameLst>
+                                      </p:cBhvr>
+                                      <p:to>
+                                        <p:strVal val="visible"/>
+                                      </p:to>
+                                    </p:set>
+                                    <p:anim calcmode="lin" valueType="num">
+                                      <p:cBhvr additive="base">
+                                        <p:cTn id="43" dur="500" fill="hold"/>
+                                        <p:tgtEl>
+                                          <p:spTgt spid="5">
+                                            <p:txEl>
+                                              <p:pRg st="6" end="6"/>
+                                            </p:txEl>
+                                          </p:spTgt>
+                                        </p:tgtEl>
+                                        <p:attrNameLst>
+                                          <p:attrName>ppt_x</p:attrName>
+                                        </p:attrNameLst>
+                                      </p:cBhvr>
+                                      <p:tavLst>
+                                        <p:tav tm="0">
+                                          <p:val>
+                                            <p:strVal val="#ppt_x"/>
+                                          </p:val>
+                                        </p:tav>
+                                        <p:tav tm="100000">
+                                          <p:val>
+                                            <p:strVal val="#ppt_x"/>
+                                          </p:val>
+                                        </p:tav>
+                                      </p:tavLst>
+                                    </p:anim>
+                                    <p:anim calcmode="lin" valueType="num">
+                                      <p:cBhvr additive="base">
+                                        <p:cTn id="44" dur="500" fill="hold"/>
+                                        <p:tgtEl>
+                                          <p:spTgt spid="5">
+                                            <p:txEl>
+                                              <p:pRg st="6" end="6"/>
+                                            </p:txEl>
+                                          </p:spTgt>
+                                        </p:tgtEl>
+                                        <p:attrNameLst>
+                                          <p:attrName>ppt_y</p:attrName>
+                                        </p:attrNameLst>
+                                      </p:cBhvr>
+                                      <p:tavLst>
+                                        <p:tav tm="0">
+                                          <p:val>
+                                            <p:strVal val="1+#ppt_h/2"/>
+                                          </p:val>
+                                        </p:tav>
+                                        <p:tav tm="100000">
+                                          <p:val>
+                                            <p:strVal val="#ppt_y"/>
+                                          </p:val>
+                                        </p:tav>
+                                      </p:tavLst>
+                                    </p:anim>
+                                  </p:childTnLst>
+                                </p:cTn>
+                              </p:par>
+                            </p:childTnLst>
+                          </p:cTn>
+                        </p:par>
+                      </p:childTnLst>
+                    </p:cTn>
+                  </p:par>
+                  <p:par>
+                    <p:cTn id="45" fill="hold">
+                      <p:stCondLst>
+                        <p:cond delay="indefinite"/>
+                      </p:stCondLst>
+                      <p:childTnLst>
+                        <p:par>
+                          <p:cTn id="46" fill="hold">
+                            <p:stCondLst>
+                              <p:cond delay="0"/>
+                            </p:stCondLst>
+                            <p:childTnLst>
+                              <p:par>
+                                <p:cTn id="47" presetID="2" presetClass="entr" presetSubtype="4" fill="hold" grpId="0" nodeType="clickEffect">
+                                  <p:stCondLst>
+                                    <p:cond delay="0"/>
+                                  </p:stCondLst>
+                                  <p:childTnLst>
+                                    <p:set>
+                                      <p:cBhvr>
+                                        <p:cTn id="48" dur="1" fill="hold">
+                                          <p:stCondLst>
+                                            <p:cond delay="0"/>
+                                          </p:stCondLst>
+                                        </p:cTn>
+                                        <p:tgtEl>
+                                          <p:spTgt spid="5">
+                                            <p:txEl>
+                                              <p:pRg st="7" end="7"/>
+                                            </p:txEl>
+                                          </p:spTgt>
+                                        </p:tgtEl>
+                                        <p:attrNameLst>
+                                          <p:attrName>style.visibility</p:attrName>
+                                        </p:attrNameLst>
+                                      </p:cBhvr>
+                                      <p:to>
+                                        <p:strVal val="visible"/>
+                                      </p:to>
+                                    </p:set>
+                                    <p:anim calcmode="lin" valueType="num">
+                                      <p:cBhvr additive="base">
+                                        <p:cTn id="49" dur="500" fill="hold"/>
+                                        <p:tgtEl>
+                                          <p:spTgt spid="5">
+                                            <p:txEl>
+                                              <p:pRg st="7" end="7"/>
+                                            </p:txEl>
+                                          </p:spTgt>
+                                        </p:tgtEl>
+                                        <p:attrNameLst>
+                                          <p:attrName>ppt_x</p:attrName>
+                                        </p:attrNameLst>
+                                      </p:cBhvr>
+                                      <p:tavLst>
+                                        <p:tav tm="0">
+                                          <p:val>
+                                            <p:strVal val="#ppt_x"/>
+                                          </p:val>
+                                        </p:tav>
+                                        <p:tav tm="100000">
+                                          <p:val>
+                                            <p:strVal val="#ppt_x"/>
+                                          </p:val>
+                                        </p:tav>
+                                      </p:tavLst>
+                                    </p:anim>
+                                    <p:anim calcmode="lin" valueType="num">
+                                      <p:cBhvr additive="base">
+                                        <p:cTn id="50" dur="500" fill="hold"/>
+                                        <p:tgtEl>
+                                          <p:spTgt spid="5">
+                                            <p:txEl>
+                                              <p:pRg st="7" end="7"/>
+                                            </p:txEl>
+                                          </p:spTgt>
+                                        </p:tgtEl>
+                                        <p:attrNameLst>
+                                          <p:attrName>ppt_y</p:attrName>
+                                        </p:attrNameLst>
+                                      </p:cBhvr>
+                                      <p:tavLst>
+                                        <p:tav tm="0">
+                                          <p:val>
+                                            <p:strVal val="1+#ppt_h/2"/>
+                                          </p:val>
+                                        </p:tav>
+                                        <p:tav tm="100000">
+                                          <p:val>
+                                            <p:strVal val="#ppt_y"/>
+                                          </p:val>
+                                        </p:tav>
+                                      </p:tavLst>
+                                    </p:anim>
+                                  </p:childTnLst>
+                                </p:cTn>
+                              </p:par>
+                            </p:childTnLst>
+                          </p:cTn>
+                        </p:par>
+                      </p:childTnLst>
+                    </p:cTn>
+                  </p:par>
+                  <p:par>
+                    <p:cTn id="51" fill="hold">
+                      <p:stCondLst>
+                        <p:cond delay="indefinite"/>
+                      </p:stCondLst>
+                      <p:childTnLst>
+                        <p:par>
+                          <p:cTn id="52" fill="hold">
+                            <p:stCondLst>
+                              <p:cond delay="0"/>
+                            </p:stCondLst>
+                            <p:childTnLst>
+                              <p:par>
+                                <p:cTn id="53" presetID="2" presetClass="entr" presetSubtype="4" fill="hold" grpId="0" nodeType="clickEffect">
+                                  <p:stCondLst>
+                                    <p:cond delay="0"/>
+                                  </p:stCondLst>
+                                  <p:childTnLst>
+                                    <p:set>
+                                      <p:cBhvr>
+                                        <p:cTn id="54" dur="1" fill="hold">
+                                          <p:stCondLst>
+                                            <p:cond delay="0"/>
+                                          </p:stCondLst>
+                                        </p:cTn>
+                                        <p:tgtEl>
+                                          <p:spTgt spid="5">
+                                            <p:txEl>
+                                              <p:pRg st="8" end="8"/>
+                                            </p:txEl>
+                                          </p:spTgt>
+                                        </p:tgtEl>
+                                        <p:attrNameLst>
+                                          <p:attrName>style.visibility</p:attrName>
+                                        </p:attrNameLst>
+                                      </p:cBhvr>
+                                      <p:to>
+                                        <p:strVal val="visible"/>
+                                      </p:to>
+                                    </p:set>
+                                    <p:anim calcmode="lin" valueType="num">
+                                      <p:cBhvr additive="base">
+                                        <p:cTn id="55" dur="500" fill="hold"/>
+                                        <p:tgtEl>
+                                          <p:spTgt spid="5">
+                                            <p:txEl>
+                                              <p:pRg st="8" end="8"/>
+                                            </p:txEl>
+                                          </p:spTgt>
+                                        </p:tgtEl>
+                                        <p:attrNameLst>
+                                          <p:attrName>ppt_x</p:attrName>
+                                        </p:attrNameLst>
+                                      </p:cBhvr>
+                                      <p:tavLst>
+                                        <p:tav tm="0">
+                                          <p:val>
+                                            <p:strVal val="#ppt_x"/>
+                                          </p:val>
+                                        </p:tav>
+                                        <p:tav tm="100000">
+                                          <p:val>
+                                            <p:strVal val="#ppt_x"/>
+                                          </p:val>
+                                        </p:tav>
+                                      </p:tavLst>
+                                    </p:anim>
+                                    <p:anim calcmode="lin" valueType="num">
+                                      <p:cBhvr additive="base">
+                                        <p:cTn id="56" dur="500" fill="hold"/>
+                                        <p:tgtEl>
+                                          <p:spTgt spid="5">
+                                            <p:txEl>
+                                              <p:pRg st="8" end="8"/>
+                                            </p:txEl>
+                                          </p:spTgt>
+                                        </p:tgtEl>
+                                        <p:attrNameLst>
+                                          <p:attrName>ppt_y</p:attrName>
+                                        </p:attrNameLst>
+                                      </p:cBhvr>
+                                      <p:tavLst>
+                                        <p:tav tm="0">
+                                          <p:val>
+                                            <p:strVal val="1+#ppt_h/2"/>
+                                          </p:val>
+                                        </p:tav>
+                                        <p:tav tm="100000">
+                                          <p:val>
+                                            <p:strVal val="#ppt_y"/>
+                                          </p:val>
+                                        </p:tav>
+                                      </p:tavLst>
+                                    </p:anim>
+                                  </p:childTnLst>
+                                </p:cTn>
+                              </p:par>
+                            </p:childTnLst>
+                          </p:cTn>
+                        </p:par>
+                      </p:childTnLst>
+                    </p:cTn>
+                  </p:par>
+                  <p:par>
+                    <p:cTn id="57" fill="hold">
+                      <p:stCondLst>
+                        <p:cond delay="indefinite"/>
+                      </p:stCondLst>
+                      <p:childTnLst>
+                        <p:par>
+                          <p:cTn id="58" fill="hold">
+                            <p:stCondLst>
+                              <p:cond delay="0"/>
+                            </p:stCondLst>
+                            <p:childTnLst>
+                              <p:par>
+                                <p:cTn id="59" presetID="2" presetClass="entr" presetSubtype="4" fill="hold" grpId="0" nodeType="clickEffect">
+                                  <p:stCondLst>
+                                    <p:cond delay="0"/>
+                                  </p:stCondLst>
+                                  <p:childTnLst>
+                                    <p:set>
+                                      <p:cBhvr>
+                                        <p:cTn id="60" dur="1" fill="hold">
+                                          <p:stCondLst>
+                                            <p:cond delay="0"/>
+                                          </p:stCondLst>
+                                        </p:cTn>
+                                        <p:tgtEl>
+                                          <p:spTgt spid="5">
+                                            <p:txEl>
+                                              <p:pRg st="9" end="9"/>
+                                            </p:txEl>
+                                          </p:spTgt>
+                                        </p:tgtEl>
+                                        <p:attrNameLst>
+                                          <p:attrName>style.visibility</p:attrName>
+                                        </p:attrNameLst>
+                                      </p:cBhvr>
+                                      <p:to>
+                                        <p:strVal val="visible"/>
+                                      </p:to>
+                                    </p:set>
+                                    <p:anim calcmode="lin" valueType="num">
+                                      <p:cBhvr additive="base">
+                                        <p:cTn id="61" dur="500" fill="hold"/>
+                                        <p:tgtEl>
+                                          <p:spTgt spid="5">
+                                            <p:txEl>
+                                              <p:pRg st="9" end="9"/>
+                                            </p:txEl>
+                                          </p:spTgt>
+                                        </p:tgtEl>
+                                        <p:attrNameLst>
+                                          <p:attrName>ppt_x</p:attrName>
+                                        </p:attrNameLst>
+                                      </p:cBhvr>
+                                      <p:tavLst>
+                                        <p:tav tm="0">
+                                          <p:val>
+                                            <p:strVal val="#ppt_x"/>
+                                          </p:val>
+                                        </p:tav>
+                                        <p:tav tm="100000">
+                                          <p:val>
+                                            <p:strVal val="#ppt_x"/>
+                                          </p:val>
+                                        </p:tav>
+                                      </p:tavLst>
+                                    </p:anim>
+                                    <p:anim calcmode="lin" valueType="num">
+                                      <p:cBhvr additive="base">
+                                        <p:cTn id="62" dur="500" fill="hold"/>
+                                        <p:tgtEl>
+                                          <p:spTgt spid="5">
+                                            <p:txEl>
+                                              <p:pRg st="9" end="9"/>
+                                            </p:txEl>
+                                          </p:spTgt>
+                                        </p:tgtEl>
+                                        <p:attrNameLst>
+                                          <p:attrName>ppt_y</p:attrName>
+                                        </p:attrNameLst>
+                                      </p:cBhvr>
+                                      <p:tavLst>
+                                        <p:tav tm="0">
+                                          <p:val>
+                                            <p:strVal val="1+#ppt_h/2"/>
+                                          </p:val>
+                                        </p:tav>
+                                        <p:tav tm="100000">
+                                          <p:val>
+                                            <p:strVal val="#ppt_y"/>
+                                          </p:val>
+                                        </p:tav>
+                                      </p:tavLst>
+                                    </p:anim>
+                                  </p:childTnLst>
+                                </p:cTn>
+                              </p:par>
+                            </p:childTnLst>
+                          </p:cTn>
+                        </p:par>
+                      </p:childTnLst>
+                    </p:cTn>
+                  </p:par>
+                  <p:par>
+                    <p:cTn id="63" fill="hold">
+                      <p:stCondLst>
+                        <p:cond delay="indefinite"/>
+                      </p:stCondLst>
+                      <p:childTnLst>
+                        <p:par>
+                          <p:cTn id="64" fill="hold">
+                            <p:stCondLst>
+                              <p:cond delay="0"/>
+                            </p:stCondLst>
+                            <p:childTnLst>
+                              <p:par>
+                                <p:cTn id="65" presetID="2" presetClass="entr" presetSubtype="4" fill="hold" grpId="0" nodeType="clickEffect">
+                                  <p:stCondLst>
+                                    <p:cond delay="0"/>
+                                  </p:stCondLst>
+                                  <p:childTnLst>
+                                    <p:set>
+                                      <p:cBhvr>
+                                        <p:cTn id="66" dur="1" fill="hold">
+                                          <p:stCondLst>
+                                            <p:cond delay="0"/>
+                                          </p:stCondLst>
+                                        </p:cTn>
+                                        <p:tgtEl>
+                                          <p:spTgt spid="5">
+                                            <p:txEl>
+                                              <p:pRg st="10" end="10"/>
+                                            </p:txEl>
+                                          </p:spTgt>
+                                        </p:tgtEl>
+                                        <p:attrNameLst>
+                                          <p:attrName>style.visibility</p:attrName>
+                                        </p:attrNameLst>
+                                      </p:cBhvr>
+                                      <p:to>
+                                        <p:strVal val="visible"/>
+                                      </p:to>
+                                    </p:set>
+                                    <p:anim calcmode="lin" valueType="num">
+                                      <p:cBhvr additive="base">
+                                        <p:cTn id="67" dur="500" fill="hold"/>
+                                        <p:tgtEl>
+                                          <p:spTgt spid="5">
+                                            <p:txEl>
+                                              <p:pRg st="10" end="10"/>
+                                            </p:txEl>
+                                          </p:spTgt>
+                                        </p:tgtEl>
+                                        <p:attrNameLst>
+                                          <p:attrName>ppt_x</p:attrName>
+                                        </p:attrNameLst>
+                                      </p:cBhvr>
+                                      <p:tavLst>
+                                        <p:tav tm="0">
+                                          <p:val>
+                                            <p:strVal val="#ppt_x"/>
+                                          </p:val>
+                                        </p:tav>
+                                        <p:tav tm="100000">
+                                          <p:val>
+                                            <p:strVal val="#ppt_x"/>
+                                          </p:val>
+                                        </p:tav>
+                                      </p:tavLst>
+                                    </p:anim>
+                                    <p:anim calcmode="lin" valueType="num">
+                                      <p:cBhvr additive="base">
+                                        <p:cTn id="68" dur="500" fill="hold"/>
+                                        <p:tgtEl>
+                                          <p:spTgt spid="5">
+                                            <p:txEl>
+                                              <p:pRg st="10" end="10"/>
+                                            </p:txEl>
+                                          </p:spTgt>
+                                        </p:tgtEl>
+                                        <p:attrNameLst>
+                                          <p:attrName>ppt_y</p:attrName>
+                                        </p:attrNameLst>
+                                      </p:cBhvr>
+                                      <p:tavLst>
+                                        <p:tav tm="0">
+                                          <p:val>
+                                            <p:strVal val="1+#ppt_h/2"/>
+                                          </p:val>
+                                        </p:tav>
+                                        <p:tav tm="100000">
+                                          <p:val>
+                                            <p:strVal val="#ppt_y"/>
+                                          </p:val>
+                                        </p:tav>
+                                      </p:tavLst>
+                                    </p:anim>
+                                  </p:childTnLst>
+                                </p:cTn>
+                              </p:par>
+                            </p:childTnLst>
+                          </p:cTn>
+                        </p:par>
+                      </p:childTnLst>
+                    </p:cTn>
+                  </p:par>
+                  <p:par>
+                    <p:cTn id="69" fill="hold">
+                      <p:stCondLst>
+                        <p:cond delay="indefinite"/>
+                      </p:stCondLst>
+                      <p:childTnLst>
+                        <p:par>
+                          <p:cTn id="70" fill="hold">
+                            <p:stCondLst>
+                              <p:cond delay="0"/>
+                            </p:stCondLst>
+                            <p:childTnLst>
+                              <p:par>
+                                <p:cTn id="71" presetID="2" presetClass="entr" presetSubtype="4" fill="hold" grpId="0" nodeType="clickEffect">
+                                  <p:stCondLst>
+                                    <p:cond delay="0"/>
+                                  </p:stCondLst>
+                                  <p:childTnLst>
+                                    <p:set>
+                                      <p:cBhvr>
+                                        <p:cTn id="72" dur="1" fill="hold">
+                                          <p:stCondLst>
+                                            <p:cond delay="0"/>
+                                          </p:stCondLst>
+                                        </p:cTn>
+                                        <p:tgtEl>
+                                          <p:spTgt spid="5">
+                                            <p:txEl>
+                                              <p:pRg st="11" end="11"/>
+                                            </p:txEl>
+                                          </p:spTgt>
+                                        </p:tgtEl>
+                                        <p:attrNameLst>
+                                          <p:attrName>style.visibility</p:attrName>
+                                        </p:attrNameLst>
+                                      </p:cBhvr>
+                                      <p:to>
+                                        <p:strVal val="visible"/>
+                                      </p:to>
+                                    </p:set>
+                                    <p:anim calcmode="lin" valueType="num">
+                                      <p:cBhvr additive="base">
+                                        <p:cTn id="73" dur="500" fill="hold"/>
+                                        <p:tgtEl>
+                                          <p:spTgt spid="5">
+                                            <p:txEl>
+                                              <p:pRg st="11" end="11"/>
+                                            </p:txEl>
+                                          </p:spTgt>
+                                        </p:tgtEl>
+                                        <p:attrNameLst>
+                                          <p:attrName>ppt_x</p:attrName>
+                                        </p:attrNameLst>
+                                      </p:cBhvr>
+                                      <p:tavLst>
+                                        <p:tav tm="0">
+                                          <p:val>
+                                            <p:strVal val="#ppt_x"/>
+                                          </p:val>
+                                        </p:tav>
+                                        <p:tav tm="100000">
+                                          <p:val>
+                                            <p:strVal val="#ppt_x"/>
+                                          </p:val>
+                                        </p:tav>
+                                      </p:tavLst>
+                                    </p:anim>
+                                    <p:anim calcmode="lin" valueType="num">
+                                      <p:cBhvr additive="base">
+                                        <p:cTn id="74" dur="500" fill="hold"/>
+                                        <p:tgtEl>
+                                          <p:spTgt spid="5">
+                                            <p:txEl>
+                                              <p:pRg st="11" end="11"/>
+                                            </p:txEl>
+                                          </p:spTgt>
+                                        </p:tgtEl>
+                                        <p:attrNameLst>
+                                          <p:attrName>ppt_y</p:attrName>
+                                        </p:attrNameLst>
+                                      </p:cBhvr>
+                                      <p:tavLst>
+                                        <p:tav tm="0">
+                                          <p:val>
+                                            <p:strVal val="1+#ppt_h/2"/>
+                                          </p:val>
+                                        </p:tav>
+                                        <p:tav tm="100000">
+                                          <p:val>
+                                            <p:strVal val="#ppt_y"/>
+                                          </p:val>
+                                        </p:tav>
+                                      </p:tavLst>
+                                    </p:anim>
+                                  </p:childTnLst>
+                                </p:cTn>
+                              </p:par>
+                            </p:childTnLst>
+                          </p:cTn>
+                        </p:par>
+                      </p:childTnLst>
+                    </p:cTn>
+                  </p:par>
+                  <p:par>
+                    <p:cTn id="75" fill="hold">
+                      <p:stCondLst>
+                        <p:cond delay="indefinite"/>
+                      </p:stCondLst>
+                      <p:childTnLst>
+                        <p:par>
+                          <p:cTn id="76" fill="hold">
+                            <p:stCondLst>
+                              <p:cond delay="0"/>
+                            </p:stCondLst>
+                            <p:childTnLst>
+                              <p:par>
+                                <p:cTn id="77" presetID="2" presetClass="entr" presetSubtype="4" fill="hold" grpId="0" nodeType="clickEffect">
+                                  <p:stCondLst>
+                                    <p:cond delay="0"/>
+                                  </p:stCondLst>
+                                  <p:childTnLst>
+                                    <p:set>
+                                      <p:cBhvr>
+                                        <p:cTn id="78" dur="1" fill="hold">
+                                          <p:stCondLst>
+                                            <p:cond delay="0"/>
+                                          </p:stCondLst>
+                                        </p:cTn>
+                                        <p:tgtEl>
+                                          <p:spTgt spid="5">
+                                            <p:txEl>
+                                              <p:pRg st="12" end="12"/>
+                                            </p:txEl>
+                                          </p:spTgt>
+                                        </p:tgtEl>
+                                        <p:attrNameLst>
+                                          <p:attrName>style.visibility</p:attrName>
+                                        </p:attrNameLst>
+                                      </p:cBhvr>
+                                      <p:to>
+                                        <p:strVal val="visible"/>
+                                      </p:to>
+                                    </p:set>
+                                    <p:anim calcmode="lin" valueType="num">
+                                      <p:cBhvr additive="base">
+                                        <p:cTn id="79" dur="500" fill="hold"/>
+                                        <p:tgtEl>
+                                          <p:spTgt spid="5">
+                                            <p:txEl>
+                                              <p:pRg st="12" end="12"/>
+                                            </p:txEl>
+                                          </p:spTgt>
+                                        </p:tgtEl>
+                                        <p:attrNameLst>
+                                          <p:attrName>ppt_x</p:attrName>
+                                        </p:attrNameLst>
+                                      </p:cBhvr>
+                                      <p:tavLst>
+                                        <p:tav tm="0">
+                                          <p:val>
+                                            <p:strVal val="#ppt_x"/>
+                                          </p:val>
+                                        </p:tav>
+                                        <p:tav tm="100000">
+                                          <p:val>
+                                            <p:strVal val="#ppt_x"/>
+                                          </p:val>
+                                        </p:tav>
+                                      </p:tavLst>
+                                    </p:anim>
+                                    <p:anim calcmode="lin" valueType="num">
+                                      <p:cBhvr additive="base">
+                                        <p:cTn id="80" dur="500" fill="hold"/>
+                                        <p:tgtEl>
+                                          <p:spTgt spid="5">
+                                            <p:txEl>
+                                              <p:pRg st="12" end="12"/>
+                                            </p:txEl>
+                                          </p:spTgt>
+                                        </p:tgtEl>
+                                        <p:attrNameLst>
+                                          <p:attrName>ppt_y</p:attrName>
+                                        </p:attrNameLst>
+                                      </p:cBhvr>
+                                      <p:tavLst>
+                                        <p:tav tm="0">
+                                          <p:val>
+                                            <p:strVal val="1+#ppt_h/2"/>
+                                          </p:val>
+                                        </p:tav>
+                                        <p:tav tm="100000">
+                                          <p:val>
+                                            <p:strVal val="#ppt_y"/>
+                                          </p:val>
+                                        </p:tav>
+                                      </p:tavLst>
+                                    </p:anim>
+                                  </p:childTnLst>
+                                </p:cTn>
+                              </p:par>
+                            </p:childTnLst>
+                          </p:cTn>
+                        </p:par>
+                      </p:childTnLst>
+                    </p:cTn>
+                  </p:par>
+                  <p:par>
+                    <p:cTn id="81" fill="hold">
+                      <p:stCondLst>
+                        <p:cond delay="indefinite"/>
+                      </p:stCondLst>
+                      <p:childTnLst>
+                        <p:par>
+                          <p:cTn id="82" fill="hold">
+                            <p:stCondLst>
+                              <p:cond delay="0"/>
+                            </p:stCondLst>
+                            <p:childTnLst>
+                              <p:par>
+                                <p:cTn id="83" presetID="2" presetClass="entr" presetSubtype="4" fill="hold" grpId="0" nodeType="clickEffect">
+                                  <p:stCondLst>
+                                    <p:cond delay="0"/>
+                                  </p:stCondLst>
+                                  <p:childTnLst>
+                                    <p:set>
+                                      <p:cBhvr>
+                                        <p:cTn id="84" dur="1" fill="hold">
+                                          <p:stCondLst>
+                                            <p:cond delay="0"/>
+                                          </p:stCondLst>
+                                        </p:cTn>
+                                        <p:tgtEl>
+                                          <p:spTgt spid="5">
+                                            <p:txEl>
+                                              <p:pRg st="13" end="13"/>
+                                            </p:txEl>
+                                          </p:spTgt>
+                                        </p:tgtEl>
+                                        <p:attrNameLst>
+                                          <p:attrName>style.visibility</p:attrName>
+                                        </p:attrNameLst>
+                                      </p:cBhvr>
+                                      <p:to>
+                                        <p:strVal val="visible"/>
+                                      </p:to>
+                                    </p:set>
+                                    <p:anim calcmode="lin" valueType="num">
+                                      <p:cBhvr additive="base">
+                                        <p:cTn id="85" dur="500" fill="hold"/>
+                                        <p:tgtEl>
+                                          <p:spTgt spid="5">
+                                            <p:txEl>
+                                              <p:pRg st="13" end="13"/>
+                                            </p:txEl>
+                                          </p:spTgt>
+                                        </p:tgtEl>
+                                        <p:attrNameLst>
+                                          <p:attrName>ppt_x</p:attrName>
+                                        </p:attrNameLst>
+                                      </p:cBhvr>
+                                      <p:tavLst>
+                                        <p:tav tm="0">
+                                          <p:val>
+                                            <p:strVal val="#ppt_x"/>
+                                          </p:val>
+                                        </p:tav>
+                                        <p:tav tm="100000">
+                                          <p:val>
+                                            <p:strVal val="#ppt_x"/>
+                                          </p:val>
+                                        </p:tav>
+                                      </p:tavLst>
+                                    </p:anim>
+                                    <p:anim calcmode="lin" valueType="num">
+                                      <p:cBhvr additive="base">
+                                        <p:cTn id="86" dur="500" fill="hold"/>
+                                        <p:tgtEl>
+                                          <p:spTgt spid="5">
+                                            <p:txEl>
+                                              <p:pRg st="13" end="13"/>
+                                            </p:txEl>
+                                          </p:spTgt>
+                                        </p:tgtEl>
+                                        <p:attrNameLst>
+                                          <p:attrName>ppt_y</p:attrName>
+                                        </p:attrNameLst>
+                                      </p:cBhvr>
+                                      <p:tavLst>
+                                        <p:tav tm="0">
+                                          <p:val>
+                                            <p:strVal val="1+#ppt_h/2"/>
+                                          </p:val>
+                                        </p:tav>
+                                        <p:tav tm="100000">
+                                          <p:val>
+                                            <p:strVal val="#ppt_y"/>
+                                          </p:val>
+                                        </p:tav>
+                                      </p:tavLst>
+                                    </p:anim>
+                                  </p:childTnLst>
+                                </p:cTn>
+                              </p:par>
+                            </p:childTnLst>
+                          </p:cTn>
+                        </p:par>
+                      </p:childTnLst>
+                    </p:cTn>
+                  </p:par>
+                  <p:par>
+                    <p:cTn id="87" fill="hold">
+                      <p:stCondLst>
+                        <p:cond delay="indefinite"/>
+                      </p:stCondLst>
+                      <p:childTnLst>
+                        <p:par>
+                          <p:cTn id="88" fill="hold">
+                            <p:stCondLst>
+                              <p:cond delay="0"/>
+                            </p:stCondLst>
+                            <p:childTnLst>
+                              <p:par>
+                                <p:cTn id="89" presetID="2" presetClass="entr" presetSubtype="4" fill="hold" grpId="0" nodeType="clickEffect">
+                                  <p:stCondLst>
+                                    <p:cond delay="0"/>
+                                  </p:stCondLst>
+                                  <p:childTnLst>
+                                    <p:set>
+                                      <p:cBhvr>
+                                        <p:cTn id="90" dur="1" fill="hold">
+                                          <p:stCondLst>
+                                            <p:cond delay="0"/>
+                                          </p:stCondLst>
+                                        </p:cTn>
+                                        <p:tgtEl>
+                                          <p:spTgt spid="5">
+                                            <p:txEl>
+                                              <p:pRg st="14" end="14"/>
+                                            </p:txEl>
+                                          </p:spTgt>
+                                        </p:tgtEl>
+                                        <p:attrNameLst>
+                                          <p:attrName>style.visibility</p:attrName>
+                                        </p:attrNameLst>
+                                      </p:cBhvr>
+                                      <p:to>
+                                        <p:strVal val="visible"/>
+                                      </p:to>
+                                    </p:set>
+                                    <p:anim calcmode="lin" valueType="num">
+                                      <p:cBhvr additive="base">
+                                        <p:cTn id="91" dur="500" fill="hold"/>
+                                        <p:tgtEl>
+                                          <p:spTgt spid="5">
+                                            <p:txEl>
+                                              <p:pRg st="14" end="14"/>
+                                            </p:txEl>
+                                          </p:spTgt>
+                                        </p:tgtEl>
+                                        <p:attrNameLst>
+                                          <p:attrName>ppt_x</p:attrName>
+                                        </p:attrNameLst>
+                                      </p:cBhvr>
+                                      <p:tavLst>
+                                        <p:tav tm="0">
+                                          <p:val>
+                                            <p:strVal val="#ppt_x"/>
+                                          </p:val>
+                                        </p:tav>
+                                        <p:tav tm="100000">
+                                          <p:val>
+                                            <p:strVal val="#ppt_x"/>
+                                          </p:val>
+                                        </p:tav>
+                                      </p:tavLst>
+                                    </p:anim>
+                                    <p:anim calcmode="lin" valueType="num">
+                                      <p:cBhvr additive="base">
+                                        <p:cTn id="92" dur="500" fill="hold"/>
+                                        <p:tgtEl>
+                                          <p:spTgt spid="5">
+                                            <p:txEl>
+                                              <p:pRg st="14" end="14"/>
                                             </p:txEl>
                                           </p:spTgt>
                                         </p:tgtEl>

--- a/PWC - Digital Intelligence/Task 4 - Data Analytics Strategy/Task_4_Data_Analytics_Strategy.pptx
+++ b/PWC - Digital Intelligence/Task 4 - Data Analytics Strategy/Task_4_Data_Analytics_Strategy.pptx
@@ -10,6 +10,11 @@
     <p:sldId id="258" r:id="rId4"/>
     <p:sldId id="259" r:id="rId5"/>
     <p:sldId id="260" r:id="rId6"/>
+    <p:sldId id="261" r:id="rId7"/>
+    <p:sldId id="262" r:id="rId8"/>
+    <p:sldId id="263" r:id="rId9"/>
+    <p:sldId id="264" r:id="rId10"/>
+    <p:sldId id="265" r:id="rId11"/>
   </p:sldIdLst>
   <p:sldSz cx="12192000" cy="6858000"/>
   <p:notesSz cx="6858000" cy="9144000"/>
@@ -7839,6 +7844,67 @@
 </p:sld>
 </file>
 
+<file path=ppt/slides/slide10.xml><?xml version="1.0" encoding="utf-8"?>
+<p:sld xmlns:a="http://schemas.openxmlformats.org/drawingml/2006/main" xmlns:r="http://schemas.openxmlformats.org/officeDocument/2006/relationships" xmlns:p="http://schemas.openxmlformats.org/presentationml/2006/main">
+  <p:cSld>
+    <p:bg>
+      <p:bgPr>
+        <a:blipFill dpi="0" rotWithShape="1">
+          <a:blip r:embed="rId2">
+            <a:lum/>
+            <a:extLst>
+              <a:ext uri="{837473B0-CC2E-450A-ABE3-18F120FF3D39}">
+                <a1611:picAttrSrcUrl xmlns:a1611="http://schemas.microsoft.com/office/drawing/2016/11/main" r:id="rId3"/>
+              </a:ext>
+            </a:extLst>
+          </a:blip>
+          <a:srcRect/>
+          <a:stretch>
+            <a:fillRect/>
+          </a:stretch>
+        </a:blipFill>
+        <a:effectLst/>
+      </p:bgPr>
+    </p:bg>
+    <p:spTree>
+      <p:nvGrpSpPr>
+        <p:cNvPr id="1" name=""/>
+        <p:cNvGrpSpPr/>
+        <p:nvPr/>
+      </p:nvGrpSpPr>
+      <p:grpSpPr>
+        <a:xfrm>
+          <a:off x="0" y="0"/>
+          <a:ext cx="0" cy="0"/>
+          <a:chOff x="0" y="0"/>
+          <a:chExt cx="0" cy="0"/>
+        </a:xfrm>
+      </p:grpSpPr>
+    </p:spTree>
+    <p:extLst>
+      <p:ext uri="{BB962C8B-B14F-4D97-AF65-F5344CB8AC3E}">
+        <p14:creationId xmlns:p14="http://schemas.microsoft.com/office/powerpoint/2010/main" val="2987575470"/>
+      </p:ext>
+    </p:extLst>
+  </p:cSld>
+  <p:clrMapOvr>
+    <a:masterClrMapping/>
+  </p:clrMapOvr>
+  <mc:AlternateContent xmlns:mc="http://schemas.openxmlformats.org/markup-compatibility/2006">
+    <mc:Choice xmlns:p15="http://schemas.microsoft.com/office/powerpoint/2012/main" Requires="p15">
+      <p:transition xmlns:p14="http://schemas.microsoft.com/office/powerpoint/2010/main" spd="slow" p14:dur="1250">
+        <p15:prstTrans prst="pageCurlDouble"/>
+      </p:transition>
+    </mc:Choice>
+    <mc:Fallback>
+      <p:transition spd="slow">
+        <p:fade/>
+      </p:transition>
+    </mc:Fallback>
+  </mc:AlternateContent>
+</p:sld>
+</file>
+
 <file path=ppt/slides/slide2.xml><?xml version="1.0" encoding="utf-8"?>
 <p:sld xmlns:a="http://schemas.openxmlformats.org/drawingml/2006/main" xmlns:r="http://schemas.openxmlformats.org/officeDocument/2006/relationships" xmlns:p="http://schemas.openxmlformats.org/presentationml/2006/main">
   <p:cSld>
@@ -10280,13 +10346,13 @@
   <p:clrMapOvr>
     <a:masterClrMapping/>
   </p:clrMapOvr>
-  <mc:AlternateContent xmlns:mc="http://schemas.openxmlformats.org/markup-compatibility/2006">
-    <mc:Choice xmlns:p15="http://schemas.microsoft.com/office/powerpoint/2012/main" Requires="p15">
+  <mc:AlternateContent xmlns:mc="http://schemas.openxmlformats.org/markup-compatibility/2006" xmlns:p15="http://schemas.microsoft.com/office/powerpoint/2012/main">
+    <mc:Choice Requires="p15">
       <p:transition xmlns:p14="http://schemas.microsoft.com/office/powerpoint/2010/main" spd="slow" p14:dur="1250">
         <p15:prstTrans prst="pageCurlDouble"/>
       </p:transition>
     </mc:Choice>
-    <mc:Fallback>
+    <mc:Fallback xmlns="">
       <p:transition spd="slow">
         <p:fade/>
       </p:transition>
@@ -12062,6 +12128,1955 @@
   <p:clrMapOvr>
     <a:masterClrMapping/>
   </p:clrMapOvr>
+  <mc:AlternateContent xmlns:mc="http://schemas.openxmlformats.org/markup-compatibility/2006" xmlns:p15="http://schemas.microsoft.com/office/powerpoint/2012/main">
+    <mc:Choice Requires="p15">
+      <p:transition xmlns:p14="http://schemas.microsoft.com/office/powerpoint/2010/main" spd="slow" p14:dur="1250">
+        <p15:prstTrans prst="pageCurlDouble"/>
+      </p:transition>
+    </mc:Choice>
+    <mc:Fallback xmlns="">
+      <p:transition spd="slow">
+        <p:fade/>
+      </p:transition>
+    </mc:Fallback>
+  </mc:AlternateContent>
+  <p:timing>
+    <p:tnLst>
+      <p:par>
+        <p:cTn id="1" dur="indefinite" restart="never" nodeType="tmRoot">
+          <p:childTnLst>
+            <p:seq concurrent="1" nextAc="seek">
+              <p:cTn id="2" dur="indefinite" nodeType="mainSeq">
+                <p:childTnLst>
+                  <p:par>
+                    <p:cTn id="3" fill="hold">
+                      <p:stCondLst>
+                        <p:cond delay="indefinite"/>
+                      </p:stCondLst>
+                      <p:childTnLst>
+                        <p:par>
+                          <p:cTn id="4" fill="hold">
+                            <p:stCondLst>
+                              <p:cond delay="0"/>
+                            </p:stCondLst>
+                            <p:childTnLst>
+                              <p:par>
+                                <p:cTn id="5" presetID="2" presetClass="entr" presetSubtype="4" fill="hold" grpId="0" nodeType="clickEffect">
+                                  <p:stCondLst>
+                                    <p:cond delay="0"/>
+                                  </p:stCondLst>
+                                  <p:childTnLst>
+                                    <p:set>
+                                      <p:cBhvr>
+                                        <p:cTn id="6" dur="1" fill="hold">
+                                          <p:stCondLst>
+                                            <p:cond delay="0"/>
+                                          </p:stCondLst>
+                                        </p:cTn>
+                                        <p:tgtEl>
+                                          <p:spTgt spid="5">
+                                            <p:txEl>
+                                              <p:pRg st="0" end="0"/>
+                                            </p:txEl>
+                                          </p:spTgt>
+                                        </p:tgtEl>
+                                        <p:attrNameLst>
+                                          <p:attrName>style.visibility</p:attrName>
+                                        </p:attrNameLst>
+                                      </p:cBhvr>
+                                      <p:to>
+                                        <p:strVal val="visible"/>
+                                      </p:to>
+                                    </p:set>
+                                    <p:anim calcmode="lin" valueType="num">
+                                      <p:cBhvr additive="base">
+                                        <p:cTn id="7" dur="500" fill="hold"/>
+                                        <p:tgtEl>
+                                          <p:spTgt spid="5">
+                                            <p:txEl>
+                                              <p:pRg st="0" end="0"/>
+                                            </p:txEl>
+                                          </p:spTgt>
+                                        </p:tgtEl>
+                                        <p:attrNameLst>
+                                          <p:attrName>ppt_x</p:attrName>
+                                        </p:attrNameLst>
+                                      </p:cBhvr>
+                                      <p:tavLst>
+                                        <p:tav tm="0">
+                                          <p:val>
+                                            <p:strVal val="#ppt_x"/>
+                                          </p:val>
+                                        </p:tav>
+                                        <p:tav tm="100000">
+                                          <p:val>
+                                            <p:strVal val="#ppt_x"/>
+                                          </p:val>
+                                        </p:tav>
+                                      </p:tavLst>
+                                    </p:anim>
+                                    <p:anim calcmode="lin" valueType="num">
+                                      <p:cBhvr additive="base">
+                                        <p:cTn id="8" dur="500" fill="hold"/>
+                                        <p:tgtEl>
+                                          <p:spTgt spid="5">
+                                            <p:txEl>
+                                              <p:pRg st="0" end="0"/>
+                                            </p:txEl>
+                                          </p:spTgt>
+                                        </p:tgtEl>
+                                        <p:attrNameLst>
+                                          <p:attrName>ppt_y</p:attrName>
+                                        </p:attrNameLst>
+                                      </p:cBhvr>
+                                      <p:tavLst>
+                                        <p:tav tm="0">
+                                          <p:val>
+                                            <p:strVal val="1+#ppt_h/2"/>
+                                          </p:val>
+                                        </p:tav>
+                                        <p:tav tm="100000">
+                                          <p:val>
+                                            <p:strVal val="#ppt_y"/>
+                                          </p:val>
+                                        </p:tav>
+                                      </p:tavLst>
+                                    </p:anim>
+                                  </p:childTnLst>
+                                </p:cTn>
+                              </p:par>
+                            </p:childTnLst>
+                          </p:cTn>
+                        </p:par>
+                      </p:childTnLst>
+                    </p:cTn>
+                  </p:par>
+                  <p:par>
+                    <p:cTn id="9" fill="hold">
+                      <p:stCondLst>
+                        <p:cond delay="indefinite"/>
+                      </p:stCondLst>
+                      <p:childTnLst>
+                        <p:par>
+                          <p:cTn id="10" fill="hold">
+                            <p:stCondLst>
+                              <p:cond delay="0"/>
+                            </p:stCondLst>
+                            <p:childTnLst>
+                              <p:par>
+                                <p:cTn id="11" presetID="2" presetClass="entr" presetSubtype="4" fill="hold" grpId="0" nodeType="clickEffect">
+                                  <p:stCondLst>
+                                    <p:cond delay="0"/>
+                                  </p:stCondLst>
+                                  <p:childTnLst>
+                                    <p:set>
+                                      <p:cBhvr>
+                                        <p:cTn id="12" dur="1" fill="hold">
+                                          <p:stCondLst>
+                                            <p:cond delay="0"/>
+                                          </p:stCondLst>
+                                        </p:cTn>
+                                        <p:tgtEl>
+                                          <p:spTgt spid="5">
+                                            <p:txEl>
+                                              <p:pRg st="1" end="1"/>
+                                            </p:txEl>
+                                          </p:spTgt>
+                                        </p:tgtEl>
+                                        <p:attrNameLst>
+                                          <p:attrName>style.visibility</p:attrName>
+                                        </p:attrNameLst>
+                                      </p:cBhvr>
+                                      <p:to>
+                                        <p:strVal val="visible"/>
+                                      </p:to>
+                                    </p:set>
+                                    <p:anim calcmode="lin" valueType="num">
+                                      <p:cBhvr additive="base">
+                                        <p:cTn id="13" dur="500" fill="hold"/>
+                                        <p:tgtEl>
+                                          <p:spTgt spid="5">
+                                            <p:txEl>
+                                              <p:pRg st="1" end="1"/>
+                                            </p:txEl>
+                                          </p:spTgt>
+                                        </p:tgtEl>
+                                        <p:attrNameLst>
+                                          <p:attrName>ppt_x</p:attrName>
+                                        </p:attrNameLst>
+                                      </p:cBhvr>
+                                      <p:tavLst>
+                                        <p:tav tm="0">
+                                          <p:val>
+                                            <p:strVal val="#ppt_x"/>
+                                          </p:val>
+                                        </p:tav>
+                                        <p:tav tm="100000">
+                                          <p:val>
+                                            <p:strVal val="#ppt_x"/>
+                                          </p:val>
+                                        </p:tav>
+                                      </p:tavLst>
+                                    </p:anim>
+                                    <p:anim calcmode="lin" valueType="num">
+                                      <p:cBhvr additive="base">
+                                        <p:cTn id="14" dur="500" fill="hold"/>
+                                        <p:tgtEl>
+                                          <p:spTgt spid="5">
+                                            <p:txEl>
+                                              <p:pRg st="1" end="1"/>
+                                            </p:txEl>
+                                          </p:spTgt>
+                                        </p:tgtEl>
+                                        <p:attrNameLst>
+                                          <p:attrName>ppt_y</p:attrName>
+                                        </p:attrNameLst>
+                                      </p:cBhvr>
+                                      <p:tavLst>
+                                        <p:tav tm="0">
+                                          <p:val>
+                                            <p:strVal val="1+#ppt_h/2"/>
+                                          </p:val>
+                                        </p:tav>
+                                        <p:tav tm="100000">
+                                          <p:val>
+                                            <p:strVal val="#ppt_y"/>
+                                          </p:val>
+                                        </p:tav>
+                                      </p:tavLst>
+                                    </p:anim>
+                                  </p:childTnLst>
+                                </p:cTn>
+                              </p:par>
+                            </p:childTnLst>
+                          </p:cTn>
+                        </p:par>
+                      </p:childTnLst>
+                    </p:cTn>
+                  </p:par>
+                  <p:par>
+                    <p:cTn id="15" fill="hold">
+                      <p:stCondLst>
+                        <p:cond delay="indefinite"/>
+                      </p:stCondLst>
+                      <p:childTnLst>
+                        <p:par>
+                          <p:cTn id="16" fill="hold">
+                            <p:stCondLst>
+                              <p:cond delay="0"/>
+                            </p:stCondLst>
+                            <p:childTnLst>
+                              <p:par>
+                                <p:cTn id="17" presetID="2" presetClass="entr" presetSubtype="4" fill="hold" grpId="0" nodeType="clickEffect">
+                                  <p:stCondLst>
+                                    <p:cond delay="0"/>
+                                  </p:stCondLst>
+                                  <p:childTnLst>
+                                    <p:set>
+                                      <p:cBhvr>
+                                        <p:cTn id="18" dur="1" fill="hold">
+                                          <p:stCondLst>
+                                            <p:cond delay="0"/>
+                                          </p:stCondLst>
+                                        </p:cTn>
+                                        <p:tgtEl>
+                                          <p:spTgt spid="5">
+                                            <p:txEl>
+                                              <p:pRg st="2" end="2"/>
+                                            </p:txEl>
+                                          </p:spTgt>
+                                        </p:tgtEl>
+                                        <p:attrNameLst>
+                                          <p:attrName>style.visibility</p:attrName>
+                                        </p:attrNameLst>
+                                      </p:cBhvr>
+                                      <p:to>
+                                        <p:strVal val="visible"/>
+                                      </p:to>
+                                    </p:set>
+                                    <p:anim calcmode="lin" valueType="num">
+                                      <p:cBhvr additive="base">
+                                        <p:cTn id="19" dur="500" fill="hold"/>
+                                        <p:tgtEl>
+                                          <p:spTgt spid="5">
+                                            <p:txEl>
+                                              <p:pRg st="2" end="2"/>
+                                            </p:txEl>
+                                          </p:spTgt>
+                                        </p:tgtEl>
+                                        <p:attrNameLst>
+                                          <p:attrName>ppt_x</p:attrName>
+                                        </p:attrNameLst>
+                                      </p:cBhvr>
+                                      <p:tavLst>
+                                        <p:tav tm="0">
+                                          <p:val>
+                                            <p:strVal val="#ppt_x"/>
+                                          </p:val>
+                                        </p:tav>
+                                        <p:tav tm="100000">
+                                          <p:val>
+                                            <p:strVal val="#ppt_x"/>
+                                          </p:val>
+                                        </p:tav>
+                                      </p:tavLst>
+                                    </p:anim>
+                                    <p:anim calcmode="lin" valueType="num">
+                                      <p:cBhvr additive="base">
+                                        <p:cTn id="20" dur="500" fill="hold"/>
+                                        <p:tgtEl>
+                                          <p:spTgt spid="5">
+                                            <p:txEl>
+                                              <p:pRg st="2" end="2"/>
+                                            </p:txEl>
+                                          </p:spTgt>
+                                        </p:tgtEl>
+                                        <p:attrNameLst>
+                                          <p:attrName>ppt_y</p:attrName>
+                                        </p:attrNameLst>
+                                      </p:cBhvr>
+                                      <p:tavLst>
+                                        <p:tav tm="0">
+                                          <p:val>
+                                            <p:strVal val="1+#ppt_h/2"/>
+                                          </p:val>
+                                        </p:tav>
+                                        <p:tav tm="100000">
+                                          <p:val>
+                                            <p:strVal val="#ppt_y"/>
+                                          </p:val>
+                                        </p:tav>
+                                      </p:tavLst>
+                                    </p:anim>
+                                  </p:childTnLst>
+                                </p:cTn>
+                              </p:par>
+                            </p:childTnLst>
+                          </p:cTn>
+                        </p:par>
+                      </p:childTnLst>
+                    </p:cTn>
+                  </p:par>
+                  <p:par>
+                    <p:cTn id="21" fill="hold">
+                      <p:stCondLst>
+                        <p:cond delay="indefinite"/>
+                      </p:stCondLst>
+                      <p:childTnLst>
+                        <p:par>
+                          <p:cTn id="22" fill="hold">
+                            <p:stCondLst>
+                              <p:cond delay="0"/>
+                            </p:stCondLst>
+                            <p:childTnLst>
+                              <p:par>
+                                <p:cTn id="23" presetID="2" presetClass="entr" presetSubtype="4" fill="hold" grpId="0" nodeType="clickEffect">
+                                  <p:stCondLst>
+                                    <p:cond delay="0"/>
+                                  </p:stCondLst>
+                                  <p:childTnLst>
+                                    <p:set>
+                                      <p:cBhvr>
+                                        <p:cTn id="24" dur="1" fill="hold">
+                                          <p:stCondLst>
+                                            <p:cond delay="0"/>
+                                          </p:stCondLst>
+                                        </p:cTn>
+                                        <p:tgtEl>
+                                          <p:spTgt spid="5">
+                                            <p:txEl>
+                                              <p:pRg st="3" end="3"/>
+                                            </p:txEl>
+                                          </p:spTgt>
+                                        </p:tgtEl>
+                                        <p:attrNameLst>
+                                          <p:attrName>style.visibility</p:attrName>
+                                        </p:attrNameLst>
+                                      </p:cBhvr>
+                                      <p:to>
+                                        <p:strVal val="visible"/>
+                                      </p:to>
+                                    </p:set>
+                                    <p:anim calcmode="lin" valueType="num">
+                                      <p:cBhvr additive="base">
+                                        <p:cTn id="25" dur="500" fill="hold"/>
+                                        <p:tgtEl>
+                                          <p:spTgt spid="5">
+                                            <p:txEl>
+                                              <p:pRg st="3" end="3"/>
+                                            </p:txEl>
+                                          </p:spTgt>
+                                        </p:tgtEl>
+                                        <p:attrNameLst>
+                                          <p:attrName>ppt_x</p:attrName>
+                                        </p:attrNameLst>
+                                      </p:cBhvr>
+                                      <p:tavLst>
+                                        <p:tav tm="0">
+                                          <p:val>
+                                            <p:strVal val="#ppt_x"/>
+                                          </p:val>
+                                        </p:tav>
+                                        <p:tav tm="100000">
+                                          <p:val>
+                                            <p:strVal val="#ppt_x"/>
+                                          </p:val>
+                                        </p:tav>
+                                      </p:tavLst>
+                                    </p:anim>
+                                    <p:anim calcmode="lin" valueType="num">
+                                      <p:cBhvr additive="base">
+                                        <p:cTn id="26" dur="500" fill="hold"/>
+                                        <p:tgtEl>
+                                          <p:spTgt spid="5">
+                                            <p:txEl>
+                                              <p:pRg st="3" end="3"/>
+                                            </p:txEl>
+                                          </p:spTgt>
+                                        </p:tgtEl>
+                                        <p:attrNameLst>
+                                          <p:attrName>ppt_y</p:attrName>
+                                        </p:attrNameLst>
+                                      </p:cBhvr>
+                                      <p:tavLst>
+                                        <p:tav tm="0">
+                                          <p:val>
+                                            <p:strVal val="1+#ppt_h/2"/>
+                                          </p:val>
+                                        </p:tav>
+                                        <p:tav tm="100000">
+                                          <p:val>
+                                            <p:strVal val="#ppt_y"/>
+                                          </p:val>
+                                        </p:tav>
+                                      </p:tavLst>
+                                    </p:anim>
+                                  </p:childTnLst>
+                                </p:cTn>
+                              </p:par>
+                            </p:childTnLst>
+                          </p:cTn>
+                        </p:par>
+                      </p:childTnLst>
+                    </p:cTn>
+                  </p:par>
+                  <p:par>
+                    <p:cTn id="27" fill="hold">
+                      <p:stCondLst>
+                        <p:cond delay="indefinite"/>
+                      </p:stCondLst>
+                      <p:childTnLst>
+                        <p:par>
+                          <p:cTn id="28" fill="hold">
+                            <p:stCondLst>
+                              <p:cond delay="0"/>
+                            </p:stCondLst>
+                            <p:childTnLst>
+                              <p:par>
+                                <p:cTn id="29" presetID="2" presetClass="entr" presetSubtype="4" fill="hold" grpId="0" nodeType="clickEffect">
+                                  <p:stCondLst>
+                                    <p:cond delay="0"/>
+                                  </p:stCondLst>
+                                  <p:childTnLst>
+                                    <p:set>
+                                      <p:cBhvr>
+                                        <p:cTn id="30" dur="1" fill="hold">
+                                          <p:stCondLst>
+                                            <p:cond delay="0"/>
+                                          </p:stCondLst>
+                                        </p:cTn>
+                                        <p:tgtEl>
+                                          <p:spTgt spid="5">
+                                            <p:txEl>
+                                              <p:pRg st="4" end="4"/>
+                                            </p:txEl>
+                                          </p:spTgt>
+                                        </p:tgtEl>
+                                        <p:attrNameLst>
+                                          <p:attrName>style.visibility</p:attrName>
+                                        </p:attrNameLst>
+                                      </p:cBhvr>
+                                      <p:to>
+                                        <p:strVal val="visible"/>
+                                      </p:to>
+                                    </p:set>
+                                    <p:anim calcmode="lin" valueType="num">
+                                      <p:cBhvr additive="base">
+                                        <p:cTn id="31" dur="500" fill="hold"/>
+                                        <p:tgtEl>
+                                          <p:spTgt spid="5">
+                                            <p:txEl>
+                                              <p:pRg st="4" end="4"/>
+                                            </p:txEl>
+                                          </p:spTgt>
+                                        </p:tgtEl>
+                                        <p:attrNameLst>
+                                          <p:attrName>ppt_x</p:attrName>
+                                        </p:attrNameLst>
+                                      </p:cBhvr>
+                                      <p:tavLst>
+                                        <p:tav tm="0">
+                                          <p:val>
+                                            <p:strVal val="#ppt_x"/>
+                                          </p:val>
+                                        </p:tav>
+                                        <p:tav tm="100000">
+                                          <p:val>
+                                            <p:strVal val="#ppt_x"/>
+                                          </p:val>
+                                        </p:tav>
+                                      </p:tavLst>
+                                    </p:anim>
+                                    <p:anim calcmode="lin" valueType="num">
+                                      <p:cBhvr additive="base">
+                                        <p:cTn id="32" dur="500" fill="hold"/>
+                                        <p:tgtEl>
+                                          <p:spTgt spid="5">
+                                            <p:txEl>
+                                              <p:pRg st="4" end="4"/>
+                                            </p:txEl>
+                                          </p:spTgt>
+                                        </p:tgtEl>
+                                        <p:attrNameLst>
+                                          <p:attrName>ppt_y</p:attrName>
+                                        </p:attrNameLst>
+                                      </p:cBhvr>
+                                      <p:tavLst>
+                                        <p:tav tm="0">
+                                          <p:val>
+                                            <p:strVal val="1+#ppt_h/2"/>
+                                          </p:val>
+                                        </p:tav>
+                                        <p:tav tm="100000">
+                                          <p:val>
+                                            <p:strVal val="#ppt_y"/>
+                                          </p:val>
+                                        </p:tav>
+                                      </p:tavLst>
+                                    </p:anim>
+                                  </p:childTnLst>
+                                </p:cTn>
+                              </p:par>
+                            </p:childTnLst>
+                          </p:cTn>
+                        </p:par>
+                      </p:childTnLst>
+                    </p:cTn>
+                  </p:par>
+                  <p:par>
+                    <p:cTn id="33" fill="hold">
+                      <p:stCondLst>
+                        <p:cond delay="indefinite"/>
+                      </p:stCondLst>
+                      <p:childTnLst>
+                        <p:par>
+                          <p:cTn id="34" fill="hold">
+                            <p:stCondLst>
+                              <p:cond delay="0"/>
+                            </p:stCondLst>
+                            <p:childTnLst>
+                              <p:par>
+                                <p:cTn id="35" presetID="2" presetClass="entr" presetSubtype="4" fill="hold" grpId="0" nodeType="clickEffect">
+                                  <p:stCondLst>
+                                    <p:cond delay="0"/>
+                                  </p:stCondLst>
+                                  <p:childTnLst>
+                                    <p:set>
+                                      <p:cBhvr>
+                                        <p:cTn id="36" dur="1" fill="hold">
+                                          <p:stCondLst>
+                                            <p:cond delay="0"/>
+                                          </p:stCondLst>
+                                        </p:cTn>
+                                        <p:tgtEl>
+                                          <p:spTgt spid="5">
+                                            <p:txEl>
+                                              <p:pRg st="5" end="5"/>
+                                            </p:txEl>
+                                          </p:spTgt>
+                                        </p:tgtEl>
+                                        <p:attrNameLst>
+                                          <p:attrName>style.visibility</p:attrName>
+                                        </p:attrNameLst>
+                                      </p:cBhvr>
+                                      <p:to>
+                                        <p:strVal val="visible"/>
+                                      </p:to>
+                                    </p:set>
+                                    <p:anim calcmode="lin" valueType="num">
+                                      <p:cBhvr additive="base">
+                                        <p:cTn id="37" dur="500" fill="hold"/>
+                                        <p:tgtEl>
+                                          <p:spTgt spid="5">
+                                            <p:txEl>
+                                              <p:pRg st="5" end="5"/>
+                                            </p:txEl>
+                                          </p:spTgt>
+                                        </p:tgtEl>
+                                        <p:attrNameLst>
+                                          <p:attrName>ppt_x</p:attrName>
+                                        </p:attrNameLst>
+                                      </p:cBhvr>
+                                      <p:tavLst>
+                                        <p:tav tm="0">
+                                          <p:val>
+                                            <p:strVal val="#ppt_x"/>
+                                          </p:val>
+                                        </p:tav>
+                                        <p:tav tm="100000">
+                                          <p:val>
+                                            <p:strVal val="#ppt_x"/>
+                                          </p:val>
+                                        </p:tav>
+                                      </p:tavLst>
+                                    </p:anim>
+                                    <p:anim calcmode="lin" valueType="num">
+                                      <p:cBhvr additive="base">
+                                        <p:cTn id="38" dur="500" fill="hold"/>
+                                        <p:tgtEl>
+                                          <p:spTgt spid="5">
+                                            <p:txEl>
+                                              <p:pRg st="5" end="5"/>
+                                            </p:txEl>
+                                          </p:spTgt>
+                                        </p:tgtEl>
+                                        <p:attrNameLst>
+                                          <p:attrName>ppt_y</p:attrName>
+                                        </p:attrNameLst>
+                                      </p:cBhvr>
+                                      <p:tavLst>
+                                        <p:tav tm="0">
+                                          <p:val>
+                                            <p:strVal val="1+#ppt_h/2"/>
+                                          </p:val>
+                                        </p:tav>
+                                        <p:tav tm="100000">
+                                          <p:val>
+                                            <p:strVal val="#ppt_y"/>
+                                          </p:val>
+                                        </p:tav>
+                                      </p:tavLst>
+                                    </p:anim>
+                                  </p:childTnLst>
+                                </p:cTn>
+                              </p:par>
+                            </p:childTnLst>
+                          </p:cTn>
+                        </p:par>
+                      </p:childTnLst>
+                    </p:cTn>
+                  </p:par>
+                  <p:par>
+                    <p:cTn id="39" fill="hold">
+                      <p:stCondLst>
+                        <p:cond delay="indefinite"/>
+                      </p:stCondLst>
+                      <p:childTnLst>
+                        <p:par>
+                          <p:cTn id="40" fill="hold">
+                            <p:stCondLst>
+                              <p:cond delay="0"/>
+                            </p:stCondLst>
+                            <p:childTnLst>
+                              <p:par>
+                                <p:cTn id="41" presetID="2" presetClass="entr" presetSubtype="4" fill="hold" grpId="0" nodeType="clickEffect">
+                                  <p:stCondLst>
+                                    <p:cond delay="0"/>
+                                  </p:stCondLst>
+                                  <p:childTnLst>
+                                    <p:set>
+                                      <p:cBhvr>
+                                        <p:cTn id="42" dur="1" fill="hold">
+                                          <p:stCondLst>
+                                            <p:cond delay="0"/>
+                                          </p:stCondLst>
+                                        </p:cTn>
+                                        <p:tgtEl>
+                                          <p:spTgt spid="5">
+                                            <p:txEl>
+                                              <p:pRg st="6" end="6"/>
+                                            </p:txEl>
+                                          </p:spTgt>
+                                        </p:tgtEl>
+                                        <p:attrNameLst>
+                                          <p:attrName>style.visibility</p:attrName>
+                                        </p:attrNameLst>
+                                      </p:cBhvr>
+                                      <p:to>
+                                        <p:strVal val="visible"/>
+                                      </p:to>
+                                    </p:set>
+                                    <p:anim calcmode="lin" valueType="num">
+                                      <p:cBhvr additive="base">
+                                        <p:cTn id="43" dur="500" fill="hold"/>
+                                        <p:tgtEl>
+                                          <p:spTgt spid="5">
+                                            <p:txEl>
+                                              <p:pRg st="6" end="6"/>
+                                            </p:txEl>
+                                          </p:spTgt>
+                                        </p:tgtEl>
+                                        <p:attrNameLst>
+                                          <p:attrName>ppt_x</p:attrName>
+                                        </p:attrNameLst>
+                                      </p:cBhvr>
+                                      <p:tavLst>
+                                        <p:tav tm="0">
+                                          <p:val>
+                                            <p:strVal val="#ppt_x"/>
+                                          </p:val>
+                                        </p:tav>
+                                        <p:tav tm="100000">
+                                          <p:val>
+                                            <p:strVal val="#ppt_x"/>
+                                          </p:val>
+                                        </p:tav>
+                                      </p:tavLst>
+                                    </p:anim>
+                                    <p:anim calcmode="lin" valueType="num">
+                                      <p:cBhvr additive="base">
+                                        <p:cTn id="44" dur="500" fill="hold"/>
+                                        <p:tgtEl>
+                                          <p:spTgt spid="5">
+                                            <p:txEl>
+                                              <p:pRg st="6" end="6"/>
+                                            </p:txEl>
+                                          </p:spTgt>
+                                        </p:tgtEl>
+                                        <p:attrNameLst>
+                                          <p:attrName>ppt_y</p:attrName>
+                                        </p:attrNameLst>
+                                      </p:cBhvr>
+                                      <p:tavLst>
+                                        <p:tav tm="0">
+                                          <p:val>
+                                            <p:strVal val="1+#ppt_h/2"/>
+                                          </p:val>
+                                        </p:tav>
+                                        <p:tav tm="100000">
+                                          <p:val>
+                                            <p:strVal val="#ppt_y"/>
+                                          </p:val>
+                                        </p:tav>
+                                      </p:tavLst>
+                                    </p:anim>
+                                  </p:childTnLst>
+                                </p:cTn>
+                              </p:par>
+                            </p:childTnLst>
+                          </p:cTn>
+                        </p:par>
+                      </p:childTnLst>
+                    </p:cTn>
+                  </p:par>
+                  <p:par>
+                    <p:cTn id="45" fill="hold">
+                      <p:stCondLst>
+                        <p:cond delay="indefinite"/>
+                      </p:stCondLst>
+                      <p:childTnLst>
+                        <p:par>
+                          <p:cTn id="46" fill="hold">
+                            <p:stCondLst>
+                              <p:cond delay="0"/>
+                            </p:stCondLst>
+                            <p:childTnLst>
+                              <p:par>
+                                <p:cTn id="47" presetID="2" presetClass="entr" presetSubtype="4" fill="hold" grpId="0" nodeType="clickEffect">
+                                  <p:stCondLst>
+                                    <p:cond delay="0"/>
+                                  </p:stCondLst>
+                                  <p:childTnLst>
+                                    <p:set>
+                                      <p:cBhvr>
+                                        <p:cTn id="48" dur="1" fill="hold">
+                                          <p:stCondLst>
+                                            <p:cond delay="0"/>
+                                          </p:stCondLst>
+                                        </p:cTn>
+                                        <p:tgtEl>
+                                          <p:spTgt spid="5">
+                                            <p:txEl>
+                                              <p:pRg st="7" end="7"/>
+                                            </p:txEl>
+                                          </p:spTgt>
+                                        </p:tgtEl>
+                                        <p:attrNameLst>
+                                          <p:attrName>style.visibility</p:attrName>
+                                        </p:attrNameLst>
+                                      </p:cBhvr>
+                                      <p:to>
+                                        <p:strVal val="visible"/>
+                                      </p:to>
+                                    </p:set>
+                                    <p:anim calcmode="lin" valueType="num">
+                                      <p:cBhvr additive="base">
+                                        <p:cTn id="49" dur="500" fill="hold"/>
+                                        <p:tgtEl>
+                                          <p:spTgt spid="5">
+                                            <p:txEl>
+                                              <p:pRg st="7" end="7"/>
+                                            </p:txEl>
+                                          </p:spTgt>
+                                        </p:tgtEl>
+                                        <p:attrNameLst>
+                                          <p:attrName>ppt_x</p:attrName>
+                                        </p:attrNameLst>
+                                      </p:cBhvr>
+                                      <p:tavLst>
+                                        <p:tav tm="0">
+                                          <p:val>
+                                            <p:strVal val="#ppt_x"/>
+                                          </p:val>
+                                        </p:tav>
+                                        <p:tav tm="100000">
+                                          <p:val>
+                                            <p:strVal val="#ppt_x"/>
+                                          </p:val>
+                                        </p:tav>
+                                      </p:tavLst>
+                                    </p:anim>
+                                    <p:anim calcmode="lin" valueType="num">
+                                      <p:cBhvr additive="base">
+                                        <p:cTn id="50" dur="500" fill="hold"/>
+                                        <p:tgtEl>
+                                          <p:spTgt spid="5">
+                                            <p:txEl>
+                                              <p:pRg st="7" end="7"/>
+                                            </p:txEl>
+                                          </p:spTgt>
+                                        </p:tgtEl>
+                                        <p:attrNameLst>
+                                          <p:attrName>ppt_y</p:attrName>
+                                        </p:attrNameLst>
+                                      </p:cBhvr>
+                                      <p:tavLst>
+                                        <p:tav tm="0">
+                                          <p:val>
+                                            <p:strVal val="1+#ppt_h/2"/>
+                                          </p:val>
+                                        </p:tav>
+                                        <p:tav tm="100000">
+                                          <p:val>
+                                            <p:strVal val="#ppt_y"/>
+                                          </p:val>
+                                        </p:tav>
+                                      </p:tavLst>
+                                    </p:anim>
+                                  </p:childTnLst>
+                                </p:cTn>
+                              </p:par>
+                            </p:childTnLst>
+                          </p:cTn>
+                        </p:par>
+                      </p:childTnLst>
+                    </p:cTn>
+                  </p:par>
+                  <p:par>
+                    <p:cTn id="51" fill="hold">
+                      <p:stCondLst>
+                        <p:cond delay="indefinite"/>
+                      </p:stCondLst>
+                      <p:childTnLst>
+                        <p:par>
+                          <p:cTn id="52" fill="hold">
+                            <p:stCondLst>
+                              <p:cond delay="0"/>
+                            </p:stCondLst>
+                            <p:childTnLst>
+                              <p:par>
+                                <p:cTn id="53" presetID="2" presetClass="entr" presetSubtype="4" fill="hold" grpId="0" nodeType="clickEffect">
+                                  <p:stCondLst>
+                                    <p:cond delay="0"/>
+                                  </p:stCondLst>
+                                  <p:childTnLst>
+                                    <p:set>
+                                      <p:cBhvr>
+                                        <p:cTn id="54" dur="1" fill="hold">
+                                          <p:stCondLst>
+                                            <p:cond delay="0"/>
+                                          </p:stCondLst>
+                                        </p:cTn>
+                                        <p:tgtEl>
+                                          <p:spTgt spid="5">
+                                            <p:txEl>
+                                              <p:pRg st="8" end="8"/>
+                                            </p:txEl>
+                                          </p:spTgt>
+                                        </p:tgtEl>
+                                        <p:attrNameLst>
+                                          <p:attrName>style.visibility</p:attrName>
+                                        </p:attrNameLst>
+                                      </p:cBhvr>
+                                      <p:to>
+                                        <p:strVal val="visible"/>
+                                      </p:to>
+                                    </p:set>
+                                    <p:anim calcmode="lin" valueType="num">
+                                      <p:cBhvr additive="base">
+                                        <p:cTn id="55" dur="500" fill="hold"/>
+                                        <p:tgtEl>
+                                          <p:spTgt spid="5">
+                                            <p:txEl>
+                                              <p:pRg st="8" end="8"/>
+                                            </p:txEl>
+                                          </p:spTgt>
+                                        </p:tgtEl>
+                                        <p:attrNameLst>
+                                          <p:attrName>ppt_x</p:attrName>
+                                        </p:attrNameLst>
+                                      </p:cBhvr>
+                                      <p:tavLst>
+                                        <p:tav tm="0">
+                                          <p:val>
+                                            <p:strVal val="#ppt_x"/>
+                                          </p:val>
+                                        </p:tav>
+                                        <p:tav tm="100000">
+                                          <p:val>
+                                            <p:strVal val="#ppt_x"/>
+                                          </p:val>
+                                        </p:tav>
+                                      </p:tavLst>
+                                    </p:anim>
+                                    <p:anim calcmode="lin" valueType="num">
+                                      <p:cBhvr additive="base">
+                                        <p:cTn id="56" dur="500" fill="hold"/>
+                                        <p:tgtEl>
+                                          <p:spTgt spid="5">
+                                            <p:txEl>
+                                              <p:pRg st="8" end="8"/>
+                                            </p:txEl>
+                                          </p:spTgt>
+                                        </p:tgtEl>
+                                        <p:attrNameLst>
+                                          <p:attrName>ppt_y</p:attrName>
+                                        </p:attrNameLst>
+                                      </p:cBhvr>
+                                      <p:tavLst>
+                                        <p:tav tm="0">
+                                          <p:val>
+                                            <p:strVal val="1+#ppt_h/2"/>
+                                          </p:val>
+                                        </p:tav>
+                                        <p:tav tm="100000">
+                                          <p:val>
+                                            <p:strVal val="#ppt_y"/>
+                                          </p:val>
+                                        </p:tav>
+                                      </p:tavLst>
+                                    </p:anim>
+                                  </p:childTnLst>
+                                </p:cTn>
+                              </p:par>
+                            </p:childTnLst>
+                          </p:cTn>
+                        </p:par>
+                      </p:childTnLst>
+                    </p:cTn>
+                  </p:par>
+                  <p:par>
+                    <p:cTn id="57" fill="hold">
+                      <p:stCondLst>
+                        <p:cond delay="indefinite"/>
+                      </p:stCondLst>
+                      <p:childTnLst>
+                        <p:par>
+                          <p:cTn id="58" fill="hold">
+                            <p:stCondLst>
+                              <p:cond delay="0"/>
+                            </p:stCondLst>
+                            <p:childTnLst>
+                              <p:par>
+                                <p:cTn id="59" presetID="2" presetClass="entr" presetSubtype="4" fill="hold" grpId="0" nodeType="clickEffect">
+                                  <p:stCondLst>
+                                    <p:cond delay="0"/>
+                                  </p:stCondLst>
+                                  <p:childTnLst>
+                                    <p:set>
+                                      <p:cBhvr>
+                                        <p:cTn id="60" dur="1" fill="hold">
+                                          <p:stCondLst>
+                                            <p:cond delay="0"/>
+                                          </p:stCondLst>
+                                        </p:cTn>
+                                        <p:tgtEl>
+                                          <p:spTgt spid="5">
+                                            <p:txEl>
+                                              <p:pRg st="9" end="9"/>
+                                            </p:txEl>
+                                          </p:spTgt>
+                                        </p:tgtEl>
+                                        <p:attrNameLst>
+                                          <p:attrName>style.visibility</p:attrName>
+                                        </p:attrNameLst>
+                                      </p:cBhvr>
+                                      <p:to>
+                                        <p:strVal val="visible"/>
+                                      </p:to>
+                                    </p:set>
+                                    <p:anim calcmode="lin" valueType="num">
+                                      <p:cBhvr additive="base">
+                                        <p:cTn id="61" dur="500" fill="hold"/>
+                                        <p:tgtEl>
+                                          <p:spTgt spid="5">
+                                            <p:txEl>
+                                              <p:pRg st="9" end="9"/>
+                                            </p:txEl>
+                                          </p:spTgt>
+                                        </p:tgtEl>
+                                        <p:attrNameLst>
+                                          <p:attrName>ppt_x</p:attrName>
+                                        </p:attrNameLst>
+                                      </p:cBhvr>
+                                      <p:tavLst>
+                                        <p:tav tm="0">
+                                          <p:val>
+                                            <p:strVal val="#ppt_x"/>
+                                          </p:val>
+                                        </p:tav>
+                                        <p:tav tm="100000">
+                                          <p:val>
+                                            <p:strVal val="#ppt_x"/>
+                                          </p:val>
+                                        </p:tav>
+                                      </p:tavLst>
+                                    </p:anim>
+                                    <p:anim calcmode="lin" valueType="num">
+                                      <p:cBhvr additive="base">
+                                        <p:cTn id="62" dur="500" fill="hold"/>
+                                        <p:tgtEl>
+                                          <p:spTgt spid="5">
+                                            <p:txEl>
+                                              <p:pRg st="9" end="9"/>
+                                            </p:txEl>
+                                          </p:spTgt>
+                                        </p:tgtEl>
+                                        <p:attrNameLst>
+                                          <p:attrName>ppt_y</p:attrName>
+                                        </p:attrNameLst>
+                                      </p:cBhvr>
+                                      <p:tavLst>
+                                        <p:tav tm="0">
+                                          <p:val>
+                                            <p:strVal val="1+#ppt_h/2"/>
+                                          </p:val>
+                                        </p:tav>
+                                        <p:tav tm="100000">
+                                          <p:val>
+                                            <p:strVal val="#ppt_y"/>
+                                          </p:val>
+                                        </p:tav>
+                                      </p:tavLst>
+                                    </p:anim>
+                                  </p:childTnLst>
+                                </p:cTn>
+                              </p:par>
+                            </p:childTnLst>
+                          </p:cTn>
+                        </p:par>
+                      </p:childTnLst>
+                    </p:cTn>
+                  </p:par>
+                  <p:par>
+                    <p:cTn id="63" fill="hold">
+                      <p:stCondLst>
+                        <p:cond delay="indefinite"/>
+                      </p:stCondLst>
+                      <p:childTnLst>
+                        <p:par>
+                          <p:cTn id="64" fill="hold">
+                            <p:stCondLst>
+                              <p:cond delay="0"/>
+                            </p:stCondLst>
+                            <p:childTnLst>
+                              <p:par>
+                                <p:cTn id="65" presetID="2" presetClass="entr" presetSubtype="4" fill="hold" grpId="0" nodeType="clickEffect">
+                                  <p:stCondLst>
+                                    <p:cond delay="0"/>
+                                  </p:stCondLst>
+                                  <p:childTnLst>
+                                    <p:set>
+                                      <p:cBhvr>
+                                        <p:cTn id="66" dur="1" fill="hold">
+                                          <p:stCondLst>
+                                            <p:cond delay="0"/>
+                                          </p:stCondLst>
+                                        </p:cTn>
+                                        <p:tgtEl>
+                                          <p:spTgt spid="5">
+                                            <p:txEl>
+                                              <p:pRg st="10" end="10"/>
+                                            </p:txEl>
+                                          </p:spTgt>
+                                        </p:tgtEl>
+                                        <p:attrNameLst>
+                                          <p:attrName>style.visibility</p:attrName>
+                                        </p:attrNameLst>
+                                      </p:cBhvr>
+                                      <p:to>
+                                        <p:strVal val="visible"/>
+                                      </p:to>
+                                    </p:set>
+                                    <p:anim calcmode="lin" valueType="num">
+                                      <p:cBhvr additive="base">
+                                        <p:cTn id="67" dur="500" fill="hold"/>
+                                        <p:tgtEl>
+                                          <p:spTgt spid="5">
+                                            <p:txEl>
+                                              <p:pRg st="10" end="10"/>
+                                            </p:txEl>
+                                          </p:spTgt>
+                                        </p:tgtEl>
+                                        <p:attrNameLst>
+                                          <p:attrName>ppt_x</p:attrName>
+                                        </p:attrNameLst>
+                                      </p:cBhvr>
+                                      <p:tavLst>
+                                        <p:tav tm="0">
+                                          <p:val>
+                                            <p:strVal val="#ppt_x"/>
+                                          </p:val>
+                                        </p:tav>
+                                        <p:tav tm="100000">
+                                          <p:val>
+                                            <p:strVal val="#ppt_x"/>
+                                          </p:val>
+                                        </p:tav>
+                                      </p:tavLst>
+                                    </p:anim>
+                                    <p:anim calcmode="lin" valueType="num">
+                                      <p:cBhvr additive="base">
+                                        <p:cTn id="68" dur="500" fill="hold"/>
+                                        <p:tgtEl>
+                                          <p:spTgt spid="5">
+                                            <p:txEl>
+                                              <p:pRg st="10" end="10"/>
+                                            </p:txEl>
+                                          </p:spTgt>
+                                        </p:tgtEl>
+                                        <p:attrNameLst>
+                                          <p:attrName>ppt_y</p:attrName>
+                                        </p:attrNameLst>
+                                      </p:cBhvr>
+                                      <p:tavLst>
+                                        <p:tav tm="0">
+                                          <p:val>
+                                            <p:strVal val="1+#ppt_h/2"/>
+                                          </p:val>
+                                        </p:tav>
+                                        <p:tav tm="100000">
+                                          <p:val>
+                                            <p:strVal val="#ppt_y"/>
+                                          </p:val>
+                                        </p:tav>
+                                      </p:tavLst>
+                                    </p:anim>
+                                  </p:childTnLst>
+                                </p:cTn>
+                              </p:par>
+                            </p:childTnLst>
+                          </p:cTn>
+                        </p:par>
+                      </p:childTnLst>
+                    </p:cTn>
+                  </p:par>
+                  <p:par>
+                    <p:cTn id="69" fill="hold">
+                      <p:stCondLst>
+                        <p:cond delay="indefinite"/>
+                      </p:stCondLst>
+                      <p:childTnLst>
+                        <p:par>
+                          <p:cTn id="70" fill="hold">
+                            <p:stCondLst>
+                              <p:cond delay="0"/>
+                            </p:stCondLst>
+                            <p:childTnLst>
+                              <p:par>
+                                <p:cTn id="71" presetID="2" presetClass="entr" presetSubtype="4" fill="hold" grpId="0" nodeType="clickEffect">
+                                  <p:stCondLst>
+                                    <p:cond delay="0"/>
+                                  </p:stCondLst>
+                                  <p:childTnLst>
+                                    <p:set>
+                                      <p:cBhvr>
+                                        <p:cTn id="72" dur="1" fill="hold">
+                                          <p:stCondLst>
+                                            <p:cond delay="0"/>
+                                          </p:stCondLst>
+                                        </p:cTn>
+                                        <p:tgtEl>
+                                          <p:spTgt spid="5">
+                                            <p:txEl>
+                                              <p:pRg st="11" end="11"/>
+                                            </p:txEl>
+                                          </p:spTgt>
+                                        </p:tgtEl>
+                                        <p:attrNameLst>
+                                          <p:attrName>style.visibility</p:attrName>
+                                        </p:attrNameLst>
+                                      </p:cBhvr>
+                                      <p:to>
+                                        <p:strVal val="visible"/>
+                                      </p:to>
+                                    </p:set>
+                                    <p:anim calcmode="lin" valueType="num">
+                                      <p:cBhvr additive="base">
+                                        <p:cTn id="73" dur="500" fill="hold"/>
+                                        <p:tgtEl>
+                                          <p:spTgt spid="5">
+                                            <p:txEl>
+                                              <p:pRg st="11" end="11"/>
+                                            </p:txEl>
+                                          </p:spTgt>
+                                        </p:tgtEl>
+                                        <p:attrNameLst>
+                                          <p:attrName>ppt_x</p:attrName>
+                                        </p:attrNameLst>
+                                      </p:cBhvr>
+                                      <p:tavLst>
+                                        <p:tav tm="0">
+                                          <p:val>
+                                            <p:strVal val="#ppt_x"/>
+                                          </p:val>
+                                        </p:tav>
+                                        <p:tav tm="100000">
+                                          <p:val>
+                                            <p:strVal val="#ppt_x"/>
+                                          </p:val>
+                                        </p:tav>
+                                      </p:tavLst>
+                                    </p:anim>
+                                    <p:anim calcmode="lin" valueType="num">
+                                      <p:cBhvr additive="base">
+                                        <p:cTn id="74" dur="500" fill="hold"/>
+                                        <p:tgtEl>
+                                          <p:spTgt spid="5">
+                                            <p:txEl>
+                                              <p:pRg st="11" end="11"/>
+                                            </p:txEl>
+                                          </p:spTgt>
+                                        </p:tgtEl>
+                                        <p:attrNameLst>
+                                          <p:attrName>ppt_y</p:attrName>
+                                        </p:attrNameLst>
+                                      </p:cBhvr>
+                                      <p:tavLst>
+                                        <p:tav tm="0">
+                                          <p:val>
+                                            <p:strVal val="1+#ppt_h/2"/>
+                                          </p:val>
+                                        </p:tav>
+                                        <p:tav tm="100000">
+                                          <p:val>
+                                            <p:strVal val="#ppt_y"/>
+                                          </p:val>
+                                        </p:tav>
+                                      </p:tavLst>
+                                    </p:anim>
+                                  </p:childTnLst>
+                                </p:cTn>
+                              </p:par>
+                            </p:childTnLst>
+                          </p:cTn>
+                        </p:par>
+                      </p:childTnLst>
+                    </p:cTn>
+                  </p:par>
+                  <p:par>
+                    <p:cTn id="75" fill="hold">
+                      <p:stCondLst>
+                        <p:cond delay="indefinite"/>
+                      </p:stCondLst>
+                      <p:childTnLst>
+                        <p:par>
+                          <p:cTn id="76" fill="hold">
+                            <p:stCondLst>
+                              <p:cond delay="0"/>
+                            </p:stCondLst>
+                            <p:childTnLst>
+                              <p:par>
+                                <p:cTn id="77" presetID="2" presetClass="entr" presetSubtype="4" fill="hold" grpId="0" nodeType="clickEffect">
+                                  <p:stCondLst>
+                                    <p:cond delay="0"/>
+                                  </p:stCondLst>
+                                  <p:childTnLst>
+                                    <p:set>
+                                      <p:cBhvr>
+                                        <p:cTn id="78" dur="1" fill="hold">
+                                          <p:stCondLst>
+                                            <p:cond delay="0"/>
+                                          </p:stCondLst>
+                                        </p:cTn>
+                                        <p:tgtEl>
+                                          <p:spTgt spid="5">
+                                            <p:txEl>
+                                              <p:pRg st="12" end="12"/>
+                                            </p:txEl>
+                                          </p:spTgt>
+                                        </p:tgtEl>
+                                        <p:attrNameLst>
+                                          <p:attrName>style.visibility</p:attrName>
+                                        </p:attrNameLst>
+                                      </p:cBhvr>
+                                      <p:to>
+                                        <p:strVal val="visible"/>
+                                      </p:to>
+                                    </p:set>
+                                    <p:anim calcmode="lin" valueType="num">
+                                      <p:cBhvr additive="base">
+                                        <p:cTn id="79" dur="500" fill="hold"/>
+                                        <p:tgtEl>
+                                          <p:spTgt spid="5">
+                                            <p:txEl>
+                                              <p:pRg st="12" end="12"/>
+                                            </p:txEl>
+                                          </p:spTgt>
+                                        </p:tgtEl>
+                                        <p:attrNameLst>
+                                          <p:attrName>ppt_x</p:attrName>
+                                        </p:attrNameLst>
+                                      </p:cBhvr>
+                                      <p:tavLst>
+                                        <p:tav tm="0">
+                                          <p:val>
+                                            <p:strVal val="#ppt_x"/>
+                                          </p:val>
+                                        </p:tav>
+                                        <p:tav tm="100000">
+                                          <p:val>
+                                            <p:strVal val="#ppt_x"/>
+                                          </p:val>
+                                        </p:tav>
+                                      </p:tavLst>
+                                    </p:anim>
+                                    <p:anim calcmode="lin" valueType="num">
+                                      <p:cBhvr additive="base">
+                                        <p:cTn id="80" dur="500" fill="hold"/>
+                                        <p:tgtEl>
+                                          <p:spTgt spid="5">
+                                            <p:txEl>
+                                              <p:pRg st="12" end="12"/>
+                                            </p:txEl>
+                                          </p:spTgt>
+                                        </p:tgtEl>
+                                        <p:attrNameLst>
+                                          <p:attrName>ppt_y</p:attrName>
+                                        </p:attrNameLst>
+                                      </p:cBhvr>
+                                      <p:tavLst>
+                                        <p:tav tm="0">
+                                          <p:val>
+                                            <p:strVal val="1+#ppt_h/2"/>
+                                          </p:val>
+                                        </p:tav>
+                                        <p:tav tm="100000">
+                                          <p:val>
+                                            <p:strVal val="#ppt_y"/>
+                                          </p:val>
+                                        </p:tav>
+                                      </p:tavLst>
+                                    </p:anim>
+                                  </p:childTnLst>
+                                </p:cTn>
+                              </p:par>
+                            </p:childTnLst>
+                          </p:cTn>
+                        </p:par>
+                      </p:childTnLst>
+                    </p:cTn>
+                  </p:par>
+                  <p:par>
+                    <p:cTn id="81" fill="hold">
+                      <p:stCondLst>
+                        <p:cond delay="indefinite"/>
+                      </p:stCondLst>
+                      <p:childTnLst>
+                        <p:par>
+                          <p:cTn id="82" fill="hold">
+                            <p:stCondLst>
+                              <p:cond delay="0"/>
+                            </p:stCondLst>
+                            <p:childTnLst>
+                              <p:par>
+                                <p:cTn id="83" presetID="2" presetClass="entr" presetSubtype="4" fill="hold" grpId="0" nodeType="clickEffect">
+                                  <p:stCondLst>
+                                    <p:cond delay="0"/>
+                                  </p:stCondLst>
+                                  <p:childTnLst>
+                                    <p:set>
+                                      <p:cBhvr>
+                                        <p:cTn id="84" dur="1" fill="hold">
+                                          <p:stCondLst>
+                                            <p:cond delay="0"/>
+                                          </p:stCondLst>
+                                        </p:cTn>
+                                        <p:tgtEl>
+                                          <p:spTgt spid="5">
+                                            <p:txEl>
+                                              <p:pRg st="13" end="13"/>
+                                            </p:txEl>
+                                          </p:spTgt>
+                                        </p:tgtEl>
+                                        <p:attrNameLst>
+                                          <p:attrName>style.visibility</p:attrName>
+                                        </p:attrNameLst>
+                                      </p:cBhvr>
+                                      <p:to>
+                                        <p:strVal val="visible"/>
+                                      </p:to>
+                                    </p:set>
+                                    <p:anim calcmode="lin" valueType="num">
+                                      <p:cBhvr additive="base">
+                                        <p:cTn id="85" dur="500" fill="hold"/>
+                                        <p:tgtEl>
+                                          <p:spTgt spid="5">
+                                            <p:txEl>
+                                              <p:pRg st="13" end="13"/>
+                                            </p:txEl>
+                                          </p:spTgt>
+                                        </p:tgtEl>
+                                        <p:attrNameLst>
+                                          <p:attrName>ppt_x</p:attrName>
+                                        </p:attrNameLst>
+                                      </p:cBhvr>
+                                      <p:tavLst>
+                                        <p:tav tm="0">
+                                          <p:val>
+                                            <p:strVal val="#ppt_x"/>
+                                          </p:val>
+                                        </p:tav>
+                                        <p:tav tm="100000">
+                                          <p:val>
+                                            <p:strVal val="#ppt_x"/>
+                                          </p:val>
+                                        </p:tav>
+                                      </p:tavLst>
+                                    </p:anim>
+                                    <p:anim calcmode="lin" valueType="num">
+                                      <p:cBhvr additive="base">
+                                        <p:cTn id="86" dur="500" fill="hold"/>
+                                        <p:tgtEl>
+                                          <p:spTgt spid="5">
+                                            <p:txEl>
+                                              <p:pRg st="13" end="13"/>
+                                            </p:txEl>
+                                          </p:spTgt>
+                                        </p:tgtEl>
+                                        <p:attrNameLst>
+                                          <p:attrName>ppt_y</p:attrName>
+                                        </p:attrNameLst>
+                                      </p:cBhvr>
+                                      <p:tavLst>
+                                        <p:tav tm="0">
+                                          <p:val>
+                                            <p:strVal val="1+#ppt_h/2"/>
+                                          </p:val>
+                                        </p:tav>
+                                        <p:tav tm="100000">
+                                          <p:val>
+                                            <p:strVal val="#ppt_y"/>
+                                          </p:val>
+                                        </p:tav>
+                                      </p:tavLst>
+                                    </p:anim>
+                                  </p:childTnLst>
+                                </p:cTn>
+                              </p:par>
+                            </p:childTnLst>
+                          </p:cTn>
+                        </p:par>
+                      </p:childTnLst>
+                    </p:cTn>
+                  </p:par>
+                  <p:par>
+                    <p:cTn id="87" fill="hold">
+                      <p:stCondLst>
+                        <p:cond delay="indefinite"/>
+                      </p:stCondLst>
+                      <p:childTnLst>
+                        <p:par>
+                          <p:cTn id="88" fill="hold">
+                            <p:stCondLst>
+                              <p:cond delay="0"/>
+                            </p:stCondLst>
+                            <p:childTnLst>
+                              <p:par>
+                                <p:cTn id="89" presetID="2" presetClass="entr" presetSubtype="4" fill="hold" grpId="0" nodeType="clickEffect">
+                                  <p:stCondLst>
+                                    <p:cond delay="0"/>
+                                  </p:stCondLst>
+                                  <p:childTnLst>
+                                    <p:set>
+                                      <p:cBhvr>
+                                        <p:cTn id="90" dur="1" fill="hold">
+                                          <p:stCondLst>
+                                            <p:cond delay="0"/>
+                                          </p:stCondLst>
+                                        </p:cTn>
+                                        <p:tgtEl>
+                                          <p:spTgt spid="5">
+                                            <p:txEl>
+                                              <p:pRg st="14" end="14"/>
+                                            </p:txEl>
+                                          </p:spTgt>
+                                        </p:tgtEl>
+                                        <p:attrNameLst>
+                                          <p:attrName>style.visibility</p:attrName>
+                                        </p:attrNameLst>
+                                      </p:cBhvr>
+                                      <p:to>
+                                        <p:strVal val="visible"/>
+                                      </p:to>
+                                    </p:set>
+                                    <p:anim calcmode="lin" valueType="num">
+                                      <p:cBhvr additive="base">
+                                        <p:cTn id="91" dur="500" fill="hold"/>
+                                        <p:tgtEl>
+                                          <p:spTgt spid="5">
+                                            <p:txEl>
+                                              <p:pRg st="14" end="14"/>
+                                            </p:txEl>
+                                          </p:spTgt>
+                                        </p:tgtEl>
+                                        <p:attrNameLst>
+                                          <p:attrName>ppt_x</p:attrName>
+                                        </p:attrNameLst>
+                                      </p:cBhvr>
+                                      <p:tavLst>
+                                        <p:tav tm="0">
+                                          <p:val>
+                                            <p:strVal val="#ppt_x"/>
+                                          </p:val>
+                                        </p:tav>
+                                        <p:tav tm="100000">
+                                          <p:val>
+                                            <p:strVal val="#ppt_x"/>
+                                          </p:val>
+                                        </p:tav>
+                                      </p:tavLst>
+                                    </p:anim>
+                                    <p:anim calcmode="lin" valueType="num">
+                                      <p:cBhvr additive="base">
+                                        <p:cTn id="92" dur="500" fill="hold"/>
+                                        <p:tgtEl>
+                                          <p:spTgt spid="5">
+                                            <p:txEl>
+                                              <p:pRg st="14" end="14"/>
+                                            </p:txEl>
+                                          </p:spTgt>
+                                        </p:tgtEl>
+                                        <p:attrNameLst>
+                                          <p:attrName>ppt_y</p:attrName>
+                                        </p:attrNameLst>
+                                      </p:cBhvr>
+                                      <p:tavLst>
+                                        <p:tav tm="0">
+                                          <p:val>
+                                            <p:strVal val="1+#ppt_h/2"/>
+                                          </p:val>
+                                        </p:tav>
+                                        <p:tav tm="100000">
+                                          <p:val>
+                                            <p:strVal val="#ppt_y"/>
+                                          </p:val>
+                                        </p:tav>
+                                      </p:tavLst>
+                                    </p:anim>
+                                  </p:childTnLst>
+                                </p:cTn>
+                              </p:par>
+                            </p:childTnLst>
+                          </p:cTn>
+                        </p:par>
+                      </p:childTnLst>
+                    </p:cTn>
+                  </p:par>
+                </p:childTnLst>
+              </p:cTn>
+              <p:prevCondLst>
+                <p:cond evt="onPrev" delay="0">
+                  <p:tgtEl>
+                    <p:sldTgt/>
+                  </p:tgtEl>
+                </p:cond>
+              </p:prevCondLst>
+              <p:nextCondLst>
+                <p:cond evt="onNext" delay="0">
+                  <p:tgtEl>
+                    <p:sldTgt/>
+                  </p:tgtEl>
+                </p:cond>
+              </p:nextCondLst>
+            </p:seq>
+          </p:childTnLst>
+        </p:cTn>
+      </p:par>
+    </p:tnLst>
+    <p:bldLst>
+      <p:bldP spid="5" grpId="0" build="p"/>
+    </p:bldLst>
+  </p:timing>
+</p:sld>
+</file>
+
+<file path=ppt/slides/slide6.xml><?xml version="1.0" encoding="utf-8"?>
+<p:sld xmlns:a="http://schemas.openxmlformats.org/drawingml/2006/main" xmlns:r="http://schemas.openxmlformats.org/officeDocument/2006/relationships" xmlns:p="http://schemas.openxmlformats.org/presentationml/2006/main">
+  <p:cSld>
+    <p:bg>
+      <p:bgPr>
+        <a:solidFill>
+          <a:schemeClr val="accent6">
+            <a:lumMod val="40000"/>
+            <a:lumOff val="60000"/>
+            <a:alpha val="75000"/>
+          </a:schemeClr>
+        </a:solidFill>
+        <a:effectLst/>
+      </p:bgPr>
+    </p:bg>
+    <p:spTree>
+      <p:nvGrpSpPr>
+        <p:cNvPr id="1" name=""/>
+        <p:cNvGrpSpPr/>
+        <p:nvPr/>
+      </p:nvGrpSpPr>
+      <p:grpSpPr>
+        <a:xfrm>
+          <a:off x="0" y="0"/>
+          <a:ext cx="0" cy="0"/>
+          <a:chOff x="0" y="0"/>
+          <a:chExt cx="0" cy="0"/>
+        </a:xfrm>
+      </p:grpSpPr>
+      <p:sp>
+        <p:nvSpPr>
+          <p:cNvPr id="4" name="Title 3">
+            <a:extLst>
+              <a:ext uri="{FF2B5EF4-FFF2-40B4-BE49-F238E27FC236}">
+                <a16:creationId xmlns:a16="http://schemas.microsoft.com/office/drawing/2014/main" id="{22C1F510-134D-7DE1-73D5-F1059BB70482}"/>
+              </a:ext>
+            </a:extLst>
+          </p:cNvPr>
+          <p:cNvSpPr>
+            <a:spLocks noGrp="1"/>
+          </p:cNvSpPr>
+          <p:nvPr>
+            <p:ph type="title"/>
+          </p:nvPr>
+        </p:nvSpPr>
+        <p:spPr>
+          <a:xfrm>
+            <a:off x="2592925" y="624110"/>
+            <a:ext cx="8911687" cy="776673"/>
+          </a:xfrm>
+        </p:spPr>
+        <p:txBody>
+          <a:bodyPr anchor="ctr">
+            <a:normAutofit/>
+          </a:bodyPr>
+          <a:lstStyle/>
+          <a:p>
+            <a:pPr algn="ctr"/>
+            <a:r>
+              <a:rPr lang="en-US" sz="3200" dirty="0">
+                <a:latin typeface="Arial Black" panose="020B0A04020102020204" pitchFamily="34" charset="0"/>
+              </a:rPr>
+              <a:t>Stakeholders</a:t>
+            </a:r>
+          </a:p>
+        </p:txBody>
+      </p:sp>
+      <p:sp>
+        <p:nvSpPr>
+          <p:cNvPr id="5" name="Content Placeholder 4">
+            <a:extLst>
+              <a:ext uri="{FF2B5EF4-FFF2-40B4-BE49-F238E27FC236}">
+                <a16:creationId xmlns:a16="http://schemas.microsoft.com/office/drawing/2014/main" id="{FBDD2FE2-B5C6-53D5-DD8A-3476C868886C}"/>
+              </a:ext>
+            </a:extLst>
+          </p:cNvPr>
+          <p:cNvSpPr>
+            <a:spLocks noGrp="1"/>
+          </p:cNvSpPr>
+          <p:nvPr>
+            <p:ph idx="1"/>
+          </p:nvPr>
+        </p:nvSpPr>
+        <p:spPr>
+          <a:xfrm>
+            <a:off x="2589212" y="1400783"/>
+            <a:ext cx="8915400" cy="4393527"/>
+          </a:xfrm>
+        </p:spPr>
+        <p:txBody>
+          <a:bodyPr>
+            <a:noAutofit/>
+          </a:bodyPr>
+          <a:lstStyle/>
+          <a:p>
+            <a:pPr>
+              <a:lnSpc>
+                <a:spcPct val="150000"/>
+              </a:lnSpc>
+              <a:spcBef>
+                <a:spcPts val="0"/>
+              </a:spcBef>
+              <a:spcAft>
+                <a:spcPts val="200"/>
+              </a:spcAft>
+            </a:pPr>
+            <a:r>
+              <a:rPr lang="en-US" sz="1600" b="1" dirty="0">
+                <a:solidFill>
+                  <a:schemeClr val="tx1"/>
+                </a:solidFill>
+                <a:latin typeface="Calibri" panose="020F0502020204030204" pitchFamily="34" charset="0"/>
+                <a:cs typeface="Calibri" panose="020F0502020204030204" pitchFamily="34" charset="0"/>
+              </a:rPr>
+              <a:t>Executive Leadership: </a:t>
+            </a:r>
+          </a:p>
+          <a:p>
+            <a:pPr marL="0" indent="0">
+              <a:lnSpc>
+                <a:spcPct val="150000"/>
+              </a:lnSpc>
+              <a:spcBef>
+                <a:spcPts val="0"/>
+              </a:spcBef>
+              <a:spcAft>
+                <a:spcPts val="200"/>
+              </a:spcAft>
+              <a:buNone/>
+            </a:pPr>
+            <a:r>
+              <a:rPr lang="en-US" sz="1400" dirty="0">
+                <a:solidFill>
+                  <a:schemeClr val="tx1"/>
+                </a:solidFill>
+                <a:latin typeface="Calibri" panose="020F0502020204030204" pitchFamily="34" charset="0"/>
+                <a:cs typeface="Calibri" panose="020F0502020204030204" pitchFamily="34" charset="0"/>
+              </a:rPr>
+              <a:t>Executive leaders are interested in strategic insights derived from data to make informed decisions. The proposed solution offers a comprehensive view of organizational performance, aiding in strategic planning and goal-setting.</a:t>
+            </a:r>
+          </a:p>
+          <a:p>
+            <a:pPr marL="0" indent="0">
+              <a:lnSpc>
+                <a:spcPct val="150000"/>
+              </a:lnSpc>
+              <a:spcBef>
+                <a:spcPts val="0"/>
+              </a:spcBef>
+              <a:spcAft>
+                <a:spcPts val="200"/>
+              </a:spcAft>
+              <a:buNone/>
+            </a:pPr>
+            <a:r>
+              <a:rPr lang="en-US" sz="1400" b="1" dirty="0">
+                <a:solidFill>
+                  <a:schemeClr val="tx1"/>
+                </a:solidFill>
+                <a:latin typeface="Calibri" panose="020F0502020204030204" pitchFamily="34" charset="0"/>
+                <a:cs typeface="Calibri" panose="020F0502020204030204" pitchFamily="34" charset="0"/>
+              </a:rPr>
+              <a:t>Benefits: </a:t>
+            </a:r>
+            <a:r>
+              <a:rPr lang="en-US" sz="1400" dirty="0">
+                <a:solidFill>
+                  <a:schemeClr val="tx1"/>
+                </a:solidFill>
+                <a:latin typeface="Calibri" panose="020F0502020204030204" pitchFamily="34" charset="0"/>
+                <a:cs typeface="Calibri" panose="020F0502020204030204" pitchFamily="34" charset="0"/>
+              </a:rPr>
+              <a:t>Improved strategic decision-making and Enhanced visibility into key performance metrics.</a:t>
+            </a:r>
+          </a:p>
+          <a:p>
+            <a:pPr>
+              <a:lnSpc>
+                <a:spcPct val="150000"/>
+              </a:lnSpc>
+              <a:spcBef>
+                <a:spcPts val="0"/>
+              </a:spcBef>
+              <a:spcAft>
+                <a:spcPts val="200"/>
+              </a:spcAft>
+            </a:pPr>
+            <a:r>
+              <a:rPr lang="en-US" sz="1600" b="1" dirty="0">
+                <a:solidFill>
+                  <a:schemeClr val="tx1"/>
+                </a:solidFill>
+                <a:latin typeface="Calibri" panose="020F0502020204030204" pitchFamily="34" charset="0"/>
+                <a:cs typeface="Calibri" panose="020F0502020204030204" pitchFamily="34" charset="0"/>
+              </a:rPr>
+              <a:t>IT Department:</a:t>
+            </a:r>
+          </a:p>
+          <a:p>
+            <a:pPr marL="0" indent="0">
+              <a:lnSpc>
+                <a:spcPct val="150000"/>
+              </a:lnSpc>
+              <a:spcBef>
+                <a:spcPts val="0"/>
+              </a:spcBef>
+              <a:spcAft>
+                <a:spcPts val="200"/>
+              </a:spcAft>
+              <a:buNone/>
+            </a:pPr>
+            <a:r>
+              <a:rPr lang="en-US" sz="1400" dirty="0">
+                <a:solidFill>
+                  <a:schemeClr val="tx1"/>
+                </a:solidFill>
+                <a:latin typeface="Calibri" panose="020F0502020204030204" pitchFamily="34" charset="0"/>
+                <a:cs typeface="Calibri" panose="020F0502020204030204" pitchFamily="34" charset="0"/>
+              </a:rPr>
+              <a:t>The IT department is crucial for the technical implementation and maintenance of the proposed data infrastructure. They are interested in the feasibility, compatibility, and scalability of the solution.</a:t>
+            </a:r>
+          </a:p>
+          <a:p>
+            <a:pPr marL="0" indent="0">
+              <a:lnSpc>
+                <a:spcPct val="150000"/>
+              </a:lnSpc>
+              <a:spcBef>
+                <a:spcPts val="0"/>
+              </a:spcBef>
+              <a:spcAft>
+                <a:spcPts val="200"/>
+              </a:spcAft>
+              <a:buNone/>
+            </a:pPr>
+            <a:r>
+              <a:rPr lang="en-US" sz="1400" b="1" dirty="0">
+                <a:solidFill>
+                  <a:schemeClr val="tx1"/>
+                </a:solidFill>
+                <a:latin typeface="Calibri" panose="020F0502020204030204" pitchFamily="34" charset="0"/>
+                <a:cs typeface="Calibri" panose="020F0502020204030204" pitchFamily="34" charset="0"/>
+              </a:rPr>
+              <a:t>Benefits: </a:t>
+            </a:r>
+            <a:r>
+              <a:rPr lang="en-US" sz="1400" dirty="0">
+                <a:solidFill>
+                  <a:schemeClr val="tx1"/>
+                </a:solidFill>
+                <a:latin typeface="Calibri" panose="020F0502020204030204" pitchFamily="34" charset="0"/>
+                <a:cs typeface="Calibri" panose="020F0502020204030204" pitchFamily="34" charset="0"/>
+              </a:rPr>
+              <a:t>Seamless technical integration and Efficient resource utilization and management.</a:t>
+            </a:r>
+          </a:p>
+          <a:p>
+            <a:pPr>
+              <a:lnSpc>
+                <a:spcPct val="150000"/>
+              </a:lnSpc>
+              <a:spcBef>
+                <a:spcPts val="0"/>
+              </a:spcBef>
+              <a:spcAft>
+                <a:spcPts val="200"/>
+              </a:spcAft>
+            </a:pPr>
+            <a:r>
+              <a:rPr lang="en-US" sz="1600" b="1" dirty="0">
+                <a:solidFill>
+                  <a:schemeClr val="tx1"/>
+                </a:solidFill>
+                <a:latin typeface="Calibri" panose="020F0502020204030204" pitchFamily="34" charset="0"/>
+                <a:cs typeface="Calibri" panose="020F0502020204030204" pitchFamily="34" charset="0"/>
+              </a:rPr>
+              <a:t>Data Analysts and Teams:</a:t>
+            </a:r>
+          </a:p>
+          <a:p>
+            <a:pPr marL="0" indent="0">
+              <a:lnSpc>
+                <a:spcPct val="150000"/>
+              </a:lnSpc>
+              <a:spcBef>
+                <a:spcPts val="0"/>
+              </a:spcBef>
+              <a:spcAft>
+                <a:spcPts val="200"/>
+              </a:spcAft>
+              <a:buNone/>
+            </a:pPr>
+            <a:r>
+              <a:rPr lang="en-US" sz="1400" dirty="0">
+                <a:solidFill>
+                  <a:schemeClr val="tx1"/>
+                </a:solidFill>
+                <a:latin typeface="Calibri" panose="020F0502020204030204" pitchFamily="34" charset="0"/>
+                <a:cs typeface="Calibri" panose="020F0502020204030204" pitchFamily="34" charset="0"/>
+              </a:rPr>
+              <a:t>Data analysts rely on accessible and high-quality data for their analyses and reports. The proposed solution provides them with advanced analytics tools and a centralized data repository, streamlining their workflow.</a:t>
+            </a:r>
+            <a:endParaRPr lang="en-US" sz="1400" b="1" dirty="0">
+              <a:solidFill>
+                <a:schemeClr val="tx1"/>
+              </a:solidFill>
+              <a:latin typeface="Calibri" panose="020F0502020204030204" pitchFamily="34" charset="0"/>
+              <a:cs typeface="Calibri" panose="020F0502020204030204" pitchFamily="34" charset="0"/>
+            </a:endParaRPr>
+          </a:p>
+          <a:p>
+            <a:pPr marL="0" indent="0">
+              <a:lnSpc>
+                <a:spcPct val="150000"/>
+              </a:lnSpc>
+              <a:spcBef>
+                <a:spcPts val="0"/>
+              </a:spcBef>
+              <a:spcAft>
+                <a:spcPts val="200"/>
+              </a:spcAft>
+              <a:buNone/>
+            </a:pPr>
+            <a:r>
+              <a:rPr lang="en-US" sz="1400" b="1" dirty="0">
+                <a:solidFill>
+                  <a:schemeClr val="tx1"/>
+                </a:solidFill>
+                <a:latin typeface="Calibri" panose="020F0502020204030204" pitchFamily="34" charset="0"/>
+                <a:cs typeface="Calibri" panose="020F0502020204030204" pitchFamily="34" charset="0"/>
+              </a:rPr>
+              <a:t>Benefits: </a:t>
+            </a:r>
+            <a:r>
+              <a:rPr lang="en-US" sz="1400" dirty="0">
+                <a:solidFill>
+                  <a:schemeClr val="tx1"/>
+                </a:solidFill>
+                <a:latin typeface="Calibri" panose="020F0502020204030204" pitchFamily="34" charset="0"/>
+                <a:cs typeface="Calibri" panose="020F0502020204030204" pitchFamily="34" charset="0"/>
+              </a:rPr>
+              <a:t>Improved efficiency in data analysis and Enhanced capabilities for data-driven insights.</a:t>
+            </a:r>
+          </a:p>
+        </p:txBody>
+      </p:sp>
+    </p:spTree>
+    <p:extLst>
+      <p:ext uri="{BB962C8B-B14F-4D97-AF65-F5344CB8AC3E}">
+        <p14:creationId xmlns:p14="http://schemas.microsoft.com/office/powerpoint/2010/main" val="3984501678"/>
+      </p:ext>
+    </p:extLst>
+  </p:cSld>
+  <p:clrMapOvr>
+    <a:masterClrMapping/>
+  </p:clrMapOvr>
   <mc:AlternateContent xmlns:mc="http://schemas.openxmlformats.org/markup-compatibility/2006">
     <mc:Choice xmlns:p15="http://schemas.microsoft.com/office/powerpoint/2012/main" Requires="p15">
       <p:transition xmlns:p14="http://schemas.microsoft.com/office/powerpoint/2010/main" spd="slow" p14:dur="1250">
@@ -13009,6 +15024,1310 @@
                       </p:childTnLst>
                     </p:cTn>
                   </p:par>
+                </p:childTnLst>
+              </p:cTn>
+              <p:prevCondLst>
+                <p:cond evt="onPrev" delay="0">
+                  <p:tgtEl>
+                    <p:sldTgt/>
+                  </p:tgtEl>
+                </p:cond>
+              </p:prevCondLst>
+              <p:nextCondLst>
+                <p:cond evt="onNext" delay="0">
+                  <p:tgtEl>
+                    <p:sldTgt/>
+                  </p:tgtEl>
+                </p:cond>
+              </p:nextCondLst>
+            </p:seq>
+          </p:childTnLst>
+        </p:cTn>
+      </p:par>
+    </p:tnLst>
+    <p:bldLst>
+      <p:bldP spid="5" grpId="0" build="p"/>
+    </p:bldLst>
+  </p:timing>
+</p:sld>
+</file>
+
+<file path=ppt/slides/slide7.xml><?xml version="1.0" encoding="utf-8"?>
+<p:sld xmlns:a="http://schemas.openxmlformats.org/drawingml/2006/main" xmlns:r="http://schemas.openxmlformats.org/officeDocument/2006/relationships" xmlns:p="http://schemas.openxmlformats.org/presentationml/2006/main">
+  <p:cSld>
+    <p:bg>
+      <p:bgPr>
+        <a:solidFill>
+          <a:schemeClr val="accent6">
+            <a:lumMod val="40000"/>
+            <a:lumOff val="60000"/>
+            <a:alpha val="75000"/>
+          </a:schemeClr>
+        </a:solidFill>
+        <a:effectLst/>
+      </p:bgPr>
+    </p:bg>
+    <p:spTree>
+      <p:nvGrpSpPr>
+        <p:cNvPr id="1" name=""/>
+        <p:cNvGrpSpPr/>
+        <p:nvPr/>
+      </p:nvGrpSpPr>
+      <p:grpSpPr>
+        <a:xfrm>
+          <a:off x="0" y="0"/>
+          <a:ext cx="0" cy="0"/>
+          <a:chOff x="0" y="0"/>
+          <a:chExt cx="0" cy="0"/>
+        </a:xfrm>
+      </p:grpSpPr>
+      <p:sp>
+        <p:nvSpPr>
+          <p:cNvPr id="4" name="Title 3">
+            <a:extLst>
+              <a:ext uri="{FF2B5EF4-FFF2-40B4-BE49-F238E27FC236}">
+                <a16:creationId xmlns:a16="http://schemas.microsoft.com/office/drawing/2014/main" id="{22C1F510-134D-7DE1-73D5-F1059BB70482}"/>
+              </a:ext>
+            </a:extLst>
+          </p:cNvPr>
+          <p:cNvSpPr>
+            <a:spLocks noGrp="1"/>
+          </p:cNvSpPr>
+          <p:nvPr>
+            <p:ph type="title"/>
+          </p:nvPr>
+        </p:nvSpPr>
+        <p:spPr>
+          <a:xfrm>
+            <a:off x="2592925" y="624110"/>
+            <a:ext cx="8911687" cy="776673"/>
+          </a:xfrm>
+        </p:spPr>
+        <p:txBody>
+          <a:bodyPr anchor="ctr">
+            <a:normAutofit/>
+          </a:bodyPr>
+          <a:lstStyle/>
+          <a:p>
+            <a:pPr algn="ctr"/>
+            <a:r>
+              <a:rPr lang="en-US" sz="3200" dirty="0">
+                <a:latin typeface="Arial Black" panose="020B0A04020102020204" pitchFamily="34" charset="0"/>
+              </a:rPr>
+              <a:t>Value Proposition</a:t>
+            </a:r>
+          </a:p>
+        </p:txBody>
+      </p:sp>
+      <p:sp>
+        <p:nvSpPr>
+          <p:cNvPr id="5" name="Content Placeholder 4">
+            <a:extLst>
+              <a:ext uri="{FF2B5EF4-FFF2-40B4-BE49-F238E27FC236}">
+                <a16:creationId xmlns:a16="http://schemas.microsoft.com/office/drawing/2014/main" id="{FBDD2FE2-B5C6-53D5-DD8A-3476C868886C}"/>
+              </a:ext>
+            </a:extLst>
+          </p:cNvPr>
+          <p:cNvSpPr>
+            <a:spLocks noGrp="1"/>
+          </p:cNvSpPr>
+          <p:nvPr>
+            <p:ph idx="1"/>
+          </p:nvPr>
+        </p:nvSpPr>
+        <p:spPr>
+          <a:xfrm>
+            <a:off x="2592925" y="1764677"/>
+            <a:ext cx="8915400" cy="5093323"/>
+          </a:xfrm>
+        </p:spPr>
+        <p:txBody>
+          <a:bodyPr>
+            <a:noAutofit/>
+          </a:bodyPr>
+          <a:lstStyle/>
+          <a:p>
+            <a:pPr>
+              <a:spcBef>
+                <a:spcPts val="0"/>
+              </a:spcBef>
+              <a:spcAft>
+                <a:spcPts val="600"/>
+              </a:spcAft>
+            </a:pPr>
+            <a:r>
+              <a:rPr lang="en-US" sz="1600" b="1" dirty="0">
+                <a:solidFill>
+                  <a:schemeClr val="tx1"/>
+                </a:solidFill>
+                <a:latin typeface="Calibri" panose="020F0502020204030204" pitchFamily="34" charset="0"/>
+                <a:cs typeface="Calibri" panose="020F0502020204030204" pitchFamily="34" charset="0"/>
+              </a:rPr>
+              <a:t>Improved Decision Making: </a:t>
+            </a:r>
+          </a:p>
+          <a:p>
+            <a:pPr marL="0" indent="0">
+              <a:spcBef>
+                <a:spcPts val="0"/>
+              </a:spcBef>
+              <a:spcAft>
+                <a:spcPts val="600"/>
+              </a:spcAft>
+              <a:buNone/>
+            </a:pPr>
+            <a:r>
+              <a:rPr lang="en-US" sz="1400" dirty="0">
+                <a:solidFill>
+                  <a:schemeClr val="tx1"/>
+                </a:solidFill>
+                <a:latin typeface="Calibri" panose="020F0502020204030204" pitchFamily="34" charset="0"/>
+                <a:cs typeface="Calibri" panose="020F0502020204030204" pitchFamily="34" charset="0"/>
+              </a:rPr>
+              <a:t>The centralized data warehouse and analytics tools enable faster access to accurate and relevant information. Executives can make informed decisions based on real-time insights, leading to improved strategic planning and execution.</a:t>
+            </a:r>
+          </a:p>
+          <a:p>
+            <a:pPr>
+              <a:spcBef>
+                <a:spcPts val="0"/>
+              </a:spcBef>
+              <a:spcAft>
+                <a:spcPts val="600"/>
+              </a:spcAft>
+            </a:pPr>
+            <a:r>
+              <a:rPr lang="en-US" sz="1600" b="1" dirty="0">
+                <a:solidFill>
+                  <a:schemeClr val="tx1"/>
+                </a:solidFill>
+                <a:latin typeface="Calibri" panose="020F0502020204030204" pitchFamily="34" charset="0"/>
+                <a:cs typeface="Calibri" panose="020F0502020204030204" pitchFamily="34" charset="0"/>
+              </a:rPr>
+              <a:t>Cost Efficiency:</a:t>
+            </a:r>
+          </a:p>
+          <a:p>
+            <a:pPr marL="0" indent="0">
+              <a:spcBef>
+                <a:spcPts val="0"/>
+              </a:spcBef>
+              <a:spcAft>
+                <a:spcPts val="600"/>
+              </a:spcAft>
+              <a:buNone/>
+            </a:pPr>
+            <a:r>
+              <a:rPr lang="en-US" sz="1400" dirty="0">
+                <a:solidFill>
+                  <a:schemeClr val="tx1"/>
+                </a:solidFill>
+                <a:latin typeface="Calibri" panose="020F0502020204030204" pitchFamily="34" charset="0"/>
+                <a:cs typeface="Calibri" panose="020F0502020204030204" pitchFamily="34" charset="0"/>
+              </a:rPr>
+              <a:t>The scalable architecture allows the organization to optimize resource usage based on actual needs, reducing unnecessary costs. Streamlined data processes and automation contribute to operational cost savings.</a:t>
+            </a:r>
+          </a:p>
+          <a:p>
+            <a:pPr>
+              <a:spcBef>
+                <a:spcPts val="0"/>
+              </a:spcBef>
+              <a:spcAft>
+                <a:spcPts val="600"/>
+              </a:spcAft>
+            </a:pPr>
+            <a:r>
+              <a:rPr lang="en-US" sz="1600" b="1" dirty="0">
+                <a:solidFill>
+                  <a:schemeClr val="tx1"/>
+                </a:solidFill>
+                <a:latin typeface="Calibri" panose="020F0502020204030204" pitchFamily="34" charset="0"/>
+                <a:cs typeface="Calibri" panose="020F0502020204030204" pitchFamily="34" charset="0"/>
+              </a:rPr>
+              <a:t>Innovation:</a:t>
+            </a:r>
+          </a:p>
+          <a:p>
+            <a:pPr marL="0" indent="0">
+              <a:spcBef>
+                <a:spcPts val="0"/>
+              </a:spcBef>
+              <a:spcAft>
+                <a:spcPts val="600"/>
+              </a:spcAft>
+              <a:buNone/>
+            </a:pPr>
+            <a:r>
+              <a:rPr lang="en-US" sz="1400" dirty="0">
+                <a:solidFill>
+                  <a:schemeClr val="tx1"/>
+                </a:solidFill>
+                <a:latin typeface="Calibri" panose="020F0502020204030204" pitchFamily="34" charset="0"/>
+                <a:cs typeface="Calibri" panose="020F0502020204030204" pitchFamily="34" charset="0"/>
+              </a:rPr>
+              <a:t>The proposed solution facilitates innovation by providing advanced analytics and reporting tools. Teams can explore new data-driven approaches, uncovering opportunities for product and service innovation.</a:t>
+            </a:r>
+          </a:p>
+          <a:p>
+            <a:pPr>
+              <a:spcBef>
+                <a:spcPts val="0"/>
+              </a:spcBef>
+              <a:spcAft>
+                <a:spcPts val="600"/>
+              </a:spcAft>
+            </a:pPr>
+            <a:r>
+              <a:rPr lang="en-US" sz="1600" b="1" dirty="0">
+                <a:solidFill>
+                  <a:schemeClr val="tx1"/>
+                </a:solidFill>
+                <a:latin typeface="Calibri" panose="020F0502020204030204" pitchFamily="34" charset="0"/>
+                <a:cs typeface="Calibri" panose="020F0502020204030204" pitchFamily="34" charset="0"/>
+              </a:rPr>
+              <a:t>Compliance:</a:t>
+            </a:r>
+          </a:p>
+          <a:p>
+            <a:pPr marL="0" indent="0">
+              <a:spcBef>
+                <a:spcPts val="0"/>
+              </a:spcBef>
+              <a:spcAft>
+                <a:spcPts val="600"/>
+              </a:spcAft>
+              <a:buNone/>
+            </a:pPr>
+            <a:r>
+              <a:rPr lang="en-US" sz="1400" dirty="0">
+                <a:solidFill>
+                  <a:schemeClr val="tx1"/>
+                </a:solidFill>
+                <a:latin typeface="Calibri" panose="020F0502020204030204" pitchFamily="34" charset="0"/>
+                <a:cs typeface="Calibri" panose="020F0502020204030204" pitchFamily="34" charset="0"/>
+              </a:rPr>
+              <a:t>Data governance policies ensure adherence to data security and privacy regulations. Compliance with industry standards builds trust with customers and regulatory bodies.</a:t>
+            </a:r>
+          </a:p>
+          <a:p>
+            <a:pPr>
+              <a:spcBef>
+                <a:spcPts val="0"/>
+              </a:spcBef>
+              <a:spcAft>
+                <a:spcPts val="600"/>
+              </a:spcAft>
+            </a:pPr>
+            <a:r>
+              <a:rPr lang="en-US" sz="1600" b="1" dirty="0">
+                <a:solidFill>
+                  <a:schemeClr val="tx1"/>
+                </a:solidFill>
+                <a:latin typeface="Calibri" panose="020F0502020204030204" pitchFamily="34" charset="0"/>
+                <a:cs typeface="Calibri" panose="020F0502020204030204" pitchFamily="34" charset="0"/>
+              </a:rPr>
+              <a:t>User Empowerment:</a:t>
+            </a:r>
+          </a:p>
+          <a:p>
+            <a:pPr marL="0" indent="0">
+              <a:spcBef>
+                <a:spcPts val="0"/>
+              </a:spcBef>
+              <a:spcAft>
+                <a:spcPts val="600"/>
+              </a:spcAft>
+              <a:buNone/>
+            </a:pPr>
+            <a:r>
+              <a:rPr lang="en-US" sz="1400" dirty="0">
+                <a:solidFill>
+                  <a:schemeClr val="tx1"/>
+                </a:solidFill>
+                <a:latin typeface="Calibri" panose="020F0502020204030204" pitchFamily="34" charset="0"/>
+                <a:cs typeface="Calibri" panose="020F0502020204030204" pitchFamily="34" charset="0"/>
+              </a:rPr>
+              <a:t>Data analysts and teams are empowered with user-friendly tools for data exploration and analysis. The solution fosters a collaborative environment where users can derive insights without extensive technical expertise.</a:t>
+            </a:r>
+          </a:p>
+          <a:p>
+            <a:pPr marL="0" indent="0">
+              <a:spcBef>
+                <a:spcPts val="0"/>
+              </a:spcBef>
+              <a:spcAft>
+                <a:spcPts val="600"/>
+              </a:spcAft>
+              <a:buNone/>
+            </a:pPr>
+            <a:endParaRPr lang="en-US" sz="1400" b="1" dirty="0">
+              <a:solidFill>
+                <a:schemeClr val="tx1"/>
+              </a:solidFill>
+              <a:latin typeface="Calibri" panose="020F0502020204030204" pitchFamily="34" charset="0"/>
+              <a:cs typeface="Calibri" panose="020F0502020204030204" pitchFamily="34" charset="0"/>
+            </a:endParaRPr>
+          </a:p>
+        </p:txBody>
+      </p:sp>
+    </p:spTree>
+    <p:extLst>
+      <p:ext uri="{BB962C8B-B14F-4D97-AF65-F5344CB8AC3E}">
+        <p14:creationId xmlns:p14="http://schemas.microsoft.com/office/powerpoint/2010/main" val="849143910"/>
+      </p:ext>
+    </p:extLst>
+  </p:cSld>
+  <p:clrMapOvr>
+    <a:masterClrMapping/>
+  </p:clrMapOvr>
+  <mc:AlternateContent xmlns:mc="http://schemas.openxmlformats.org/markup-compatibility/2006">
+    <mc:Choice xmlns:p15="http://schemas.microsoft.com/office/powerpoint/2012/main" Requires="p15">
+      <p:transition xmlns:p14="http://schemas.microsoft.com/office/powerpoint/2010/main" spd="slow" p14:dur="1250">
+        <p15:prstTrans prst="pageCurlDouble"/>
+      </p:transition>
+    </mc:Choice>
+    <mc:Fallback>
+      <p:transition spd="slow">
+        <p:fade/>
+      </p:transition>
+    </mc:Fallback>
+  </mc:AlternateContent>
+  <p:timing>
+    <p:tnLst>
+      <p:par>
+        <p:cTn id="1" dur="indefinite" restart="never" nodeType="tmRoot">
+          <p:childTnLst>
+            <p:seq concurrent="1" nextAc="seek">
+              <p:cTn id="2" dur="indefinite" nodeType="mainSeq">
+                <p:childTnLst>
+                  <p:par>
+                    <p:cTn id="3" fill="hold">
+                      <p:stCondLst>
+                        <p:cond delay="indefinite"/>
+                      </p:stCondLst>
+                      <p:childTnLst>
+                        <p:par>
+                          <p:cTn id="4" fill="hold">
+                            <p:stCondLst>
+                              <p:cond delay="0"/>
+                            </p:stCondLst>
+                            <p:childTnLst>
+                              <p:par>
+                                <p:cTn id="5" presetID="2" presetClass="entr" presetSubtype="4" fill="hold" grpId="0" nodeType="clickEffect">
+                                  <p:stCondLst>
+                                    <p:cond delay="0"/>
+                                  </p:stCondLst>
+                                  <p:childTnLst>
+                                    <p:set>
+                                      <p:cBhvr>
+                                        <p:cTn id="6" dur="1" fill="hold">
+                                          <p:stCondLst>
+                                            <p:cond delay="0"/>
+                                          </p:stCondLst>
+                                        </p:cTn>
+                                        <p:tgtEl>
+                                          <p:spTgt spid="5">
+                                            <p:txEl>
+                                              <p:pRg st="0" end="0"/>
+                                            </p:txEl>
+                                          </p:spTgt>
+                                        </p:tgtEl>
+                                        <p:attrNameLst>
+                                          <p:attrName>style.visibility</p:attrName>
+                                        </p:attrNameLst>
+                                      </p:cBhvr>
+                                      <p:to>
+                                        <p:strVal val="visible"/>
+                                      </p:to>
+                                    </p:set>
+                                    <p:anim calcmode="lin" valueType="num">
+                                      <p:cBhvr additive="base">
+                                        <p:cTn id="7" dur="500" fill="hold"/>
+                                        <p:tgtEl>
+                                          <p:spTgt spid="5">
+                                            <p:txEl>
+                                              <p:pRg st="0" end="0"/>
+                                            </p:txEl>
+                                          </p:spTgt>
+                                        </p:tgtEl>
+                                        <p:attrNameLst>
+                                          <p:attrName>ppt_x</p:attrName>
+                                        </p:attrNameLst>
+                                      </p:cBhvr>
+                                      <p:tavLst>
+                                        <p:tav tm="0">
+                                          <p:val>
+                                            <p:strVal val="#ppt_x"/>
+                                          </p:val>
+                                        </p:tav>
+                                        <p:tav tm="100000">
+                                          <p:val>
+                                            <p:strVal val="#ppt_x"/>
+                                          </p:val>
+                                        </p:tav>
+                                      </p:tavLst>
+                                    </p:anim>
+                                    <p:anim calcmode="lin" valueType="num">
+                                      <p:cBhvr additive="base">
+                                        <p:cTn id="8" dur="500" fill="hold"/>
+                                        <p:tgtEl>
+                                          <p:spTgt spid="5">
+                                            <p:txEl>
+                                              <p:pRg st="0" end="0"/>
+                                            </p:txEl>
+                                          </p:spTgt>
+                                        </p:tgtEl>
+                                        <p:attrNameLst>
+                                          <p:attrName>ppt_y</p:attrName>
+                                        </p:attrNameLst>
+                                      </p:cBhvr>
+                                      <p:tavLst>
+                                        <p:tav tm="0">
+                                          <p:val>
+                                            <p:strVal val="1+#ppt_h/2"/>
+                                          </p:val>
+                                        </p:tav>
+                                        <p:tav tm="100000">
+                                          <p:val>
+                                            <p:strVal val="#ppt_y"/>
+                                          </p:val>
+                                        </p:tav>
+                                      </p:tavLst>
+                                    </p:anim>
+                                  </p:childTnLst>
+                                </p:cTn>
+                              </p:par>
+                            </p:childTnLst>
+                          </p:cTn>
+                        </p:par>
+                      </p:childTnLst>
+                    </p:cTn>
+                  </p:par>
+                  <p:par>
+                    <p:cTn id="9" fill="hold">
+                      <p:stCondLst>
+                        <p:cond delay="indefinite"/>
+                      </p:stCondLst>
+                      <p:childTnLst>
+                        <p:par>
+                          <p:cTn id="10" fill="hold">
+                            <p:stCondLst>
+                              <p:cond delay="0"/>
+                            </p:stCondLst>
+                            <p:childTnLst>
+                              <p:par>
+                                <p:cTn id="11" presetID="2" presetClass="entr" presetSubtype="4" fill="hold" grpId="0" nodeType="clickEffect">
+                                  <p:stCondLst>
+                                    <p:cond delay="0"/>
+                                  </p:stCondLst>
+                                  <p:childTnLst>
+                                    <p:set>
+                                      <p:cBhvr>
+                                        <p:cTn id="12" dur="1" fill="hold">
+                                          <p:stCondLst>
+                                            <p:cond delay="0"/>
+                                          </p:stCondLst>
+                                        </p:cTn>
+                                        <p:tgtEl>
+                                          <p:spTgt spid="5">
+                                            <p:txEl>
+                                              <p:pRg st="1" end="1"/>
+                                            </p:txEl>
+                                          </p:spTgt>
+                                        </p:tgtEl>
+                                        <p:attrNameLst>
+                                          <p:attrName>style.visibility</p:attrName>
+                                        </p:attrNameLst>
+                                      </p:cBhvr>
+                                      <p:to>
+                                        <p:strVal val="visible"/>
+                                      </p:to>
+                                    </p:set>
+                                    <p:anim calcmode="lin" valueType="num">
+                                      <p:cBhvr additive="base">
+                                        <p:cTn id="13" dur="500" fill="hold"/>
+                                        <p:tgtEl>
+                                          <p:spTgt spid="5">
+                                            <p:txEl>
+                                              <p:pRg st="1" end="1"/>
+                                            </p:txEl>
+                                          </p:spTgt>
+                                        </p:tgtEl>
+                                        <p:attrNameLst>
+                                          <p:attrName>ppt_x</p:attrName>
+                                        </p:attrNameLst>
+                                      </p:cBhvr>
+                                      <p:tavLst>
+                                        <p:tav tm="0">
+                                          <p:val>
+                                            <p:strVal val="#ppt_x"/>
+                                          </p:val>
+                                        </p:tav>
+                                        <p:tav tm="100000">
+                                          <p:val>
+                                            <p:strVal val="#ppt_x"/>
+                                          </p:val>
+                                        </p:tav>
+                                      </p:tavLst>
+                                    </p:anim>
+                                    <p:anim calcmode="lin" valueType="num">
+                                      <p:cBhvr additive="base">
+                                        <p:cTn id="14" dur="500" fill="hold"/>
+                                        <p:tgtEl>
+                                          <p:spTgt spid="5">
+                                            <p:txEl>
+                                              <p:pRg st="1" end="1"/>
+                                            </p:txEl>
+                                          </p:spTgt>
+                                        </p:tgtEl>
+                                        <p:attrNameLst>
+                                          <p:attrName>ppt_y</p:attrName>
+                                        </p:attrNameLst>
+                                      </p:cBhvr>
+                                      <p:tavLst>
+                                        <p:tav tm="0">
+                                          <p:val>
+                                            <p:strVal val="1+#ppt_h/2"/>
+                                          </p:val>
+                                        </p:tav>
+                                        <p:tav tm="100000">
+                                          <p:val>
+                                            <p:strVal val="#ppt_y"/>
+                                          </p:val>
+                                        </p:tav>
+                                      </p:tavLst>
+                                    </p:anim>
+                                  </p:childTnLst>
+                                </p:cTn>
+                              </p:par>
+                            </p:childTnLst>
+                          </p:cTn>
+                        </p:par>
+                      </p:childTnLst>
+                    </p:cTn>
+                  </p:par>
+                  <p:par>
+                    <p:cTn id="15" fill="hold">
+                      <p:stCondLst>
+                        <p:cond delay="indefinite"/>
+                      </p:stCondLst>
+                      <p:childTnLst>
+                        <p:par>
+                          <p:cTn id="16" fill="hold">
+                            <p:stCondLst>
+                              <p:cond delay="0"/>
+                            </p:stCondLst>
+                            <p:childTnLst>
+                              <p:par>
+                                <p:cTn id="17" presetID="2" presetClass="entr" presetSubtype="4" fill="hold" grpId="0" nodeType="clickEffect">
+                                  <p:stCondLst>
+                                    <p:cond delay="0"/>
+                                  </p:stCondLst>
+                                  <p:childTnLst>
+                                    <p:set>
+                                      <p:cBhvr>
+                                        <p:cTn id="18" dur="1" fill="hold">
+                                          <p:stCondLst>
+                                            <p:cond delay="0"/>
+                                          </p:stCondLst>
+                                        </p:cTn>
+                                        <p:tgtEl>
+                                          <p:spTgt spid="5">
+                                            <p:txEl>
+                                              <p:pRg st="2" end="2"/>
+                                            </p:txEl>
+                                          </p:spTgt>
+                                        </p:tgtEl>
+                                        <p:attrNameLst>
+                                          <p:attrName>style.visibility</p:attrName>
+                                        </p:attrNameLst>
+                                      </p:cBhvr>
+                                      <p:to>
+                                        <p:strVal val="visible"/>
+                                      </p:to>
+                                    </p:set>
+                                    <p:anim calcmode="lin" valueType="num">
+                                      <p:cBhvr additive="base">
+                                        <p:cTn id="19" dur="500" fill="hold"/>
+                                        <p:tgtEl>
+                                          <p:spTgt spid="5">
+                                            <p:txEl>
+                                              <p:pRg st="2" end="2"/>
+                                            </p:txEl>
+                                          </p:spTgt>
+                                        </p:tgtEl>
+                                        <p:attrNameLst>
+                                          <p:attrName>ppt_x</p:attrName>
+                                        </p:attrNameLst>
+                                      </p:cBhvr>
+                                      <p:tavLst>
+                                        <p:tav tm="0">
+                                          <p:val>
+                                            <p:strVal val="#ppt_x"/>
+                                          </p:val>
+                                        </p:tav>
+                                        <p:tav tm="100000">
+                                          <p:val>
+                                            <p:strVal val="#ppt_x"/>
+                                          </p:val>
+                                        </p:tav>
+                                      </p:tavLst>
+                                    </p:anim>
+                                    <p:anim calcmode="lin" valueType="num">
+                                      <p:cBhvr additive="base">
+                                        <p:cTn id="20" dur="500" fill="hold"/>
+                                        <p:tgtEl>
+                                          <p:spTgt spid="5">
+                                            <p:txEl>
+                                              <p:pRg st="2" end="2"/>
+                                            </p:txEl>
+                                          </p:spTgt>
+                                        </p:tgtEl>
+                                        <p:attrNameLst>
+                                          <p:attrName>ppt_y</p:attrName>
+                                        </p:attrNameLst>
+                                      </p:cBhvr>
+                                      <p:tavLst>
+                                        <p:tav tm="0">
+                                          <p:val>
+                                            <p:strVal val="1+#ppt_h/2"/>
+                                          </p:val>
+                                        </p:tav>
+                                        <p:tav tm="100000">
+                                          <p:val>
+                                            <p:strVal val="#ppt_y"/>
+                                          </p:val>
+                                        </p:tav>
+                                      </p:tavLst>
+                                    </p:anim>
+                                  </p:childTnLst>
+                                </p:cTn>
+                              </p:par>
+                            </p:childTnLst>
+                          </p:cTn>
+                        </p:par>
+                      </p:childTnLst>
+                    </p:cTn>
+                  </p:par>
+                  <p:par>
+                    <p:cTn id="21" fill="hold">
+                      <p:stCondLst>
+                        <p:cond delay="indefinite"/>
+                      </p:stCondLst>
+                      <p:childTnLst>
+                        <p:par>
+                          <p:cTn id="22" fill="hold">
+                            <p:stCondLst>
+                              <p:cond delay="0"/>
+                            </p:stCondLst>
+                            <p:childTnLst>
+                              <p:par>
+                                <p:cTn id="23" presetID="2" presetClass="entr" presetSubtype="4" fill="hold" grpId="0" nodeType="clickEffect">
+                                  <p:stCondLst>
+                                    <p:cond delay="0"/>
+                                  </p:stCondLst>
+                                  <p:childTnLst>
+                                    <p:set>
+                                      <p:cBhvr>
+                                        <p:cTn id="24" dur="1" fill="hold">
+                                          <p:stCondLst>
+                                            <p:cond delay="0"/>
+                                          </p:stCondLst>
+                                        </p:cTn>
+                                        <p:tgtEl>
+                                          <p:spTgt spid="5">
+                                            <p:txEl>
+                                              <p:pRg st="3" end="3"/>
+                                            </p:txEl>
+                                          </p:spTgt>
+                                        </p:tgtEl>
+                                        <p:attrNameLst>
+                                          <p:attrName>style.visibility</p:attrName>
+                                        </p:attrNameLst>
+                                      </p:cBhvr>
+                                      <p:to>
+                                        <p:strVal val="visible"/>
+                                      </p:to>
+                                    </p:set>
+                                    <p:anim calcmode="lin" valueType="num">
+                                      <p:cBhvr additive="base">
+                                        <p:cTn id="25" dur="500" fill="hold"/>
+                                        <p:tgtEl>
+                                          <p:spTgt spid="5">
+                                            <p:txEl>
+                                              <p:pRg st="3" end="3"/>
+                                            </p:txEl>
+                                          </p:spTgt>
+                                        </p:tgtEl>
+                                        <p:attrNameLst>
+                                          <p:attrName>ppt_x</p:attrName>
+                                        </p:attrNameLst>
+                                      </p:cBhvr>
+                                      <p:tavLst>
+                                        <p:tav tm="0">
+                                          <p:val>
+                                            <p:strVal val="#ppt_x"/>
+                                          </p:val>
+                                        </p:tav>
+                                        <p:tav tm="100000">
+                                          <p:val>
+                                            <p:strVal val="#ppt_x"/>
+                                          </p:val>
+                                        </p:tav>
+                                      </p:tavLst>
+                                    </p:anim>
+                                    <p:anim calcmode="lin" valueType="num">
+                                      <p:cBhvr additive="base">
+                                        <p:cTn id="26" dur="500" fill="hold"/>
+                                        <p:tgtEl>
+                                          <p:spTgt spid="5">
+                                            <p:txEl>
+                                              <p:pRg st="3" end="3"/>
+                                            </p:txEl>
+                                          </p:spTgt>
+                                        </p:tgtEl>
+                                        <p:attrNameLst>
+                                          <p:attrName>ppt_y</p:attrName>
+                                        </p:attrNameLst>
+                                      </p:cBhvr>
+                                      <p:tavLst>
+                                        <p:tav tm="0">
+                                          <p:val>
+                                            <p:strVal val="1+#ppt_h/2"/>
+                                          </p:val>
+                                        </p:tav>
+                                        <p:tav tm="100000">
+                                          <p:val>
+                                            <p:strVal val="#ppt_y"/>
+                                          </p:val>
+                                        </p:tav>
+                                      </p:tavLst>
+                                    </p:anim>
+                                  </p:childTnLst>
+                                </p:cTn>
+                              </p:par>
+                            </p:childTnLst>
+                          </p:cTn>
+                        </p:par>
+                      </p:childTnLst>
+                    </p:cTn>
+                  </p:par>
+                  <p:par>
+                    <p:cTn id="27" fill="hold">
+                      <p:stCondLst>
+                        <p:cond delay="indefinite"/>
+                      </p:stCondLst>
+                      <p:childTnLst>
+                        <p:par>
+                          <p:cTn id="28" fill="hold">
+                            <p:stCondLst>
+                              <p:cond delay="0"/>
+                            </p:stCondLst>
+                            <p:childTnLst>
+                              <p:par>
+                                <p:cTn id="29" presetID="2" presetClass="entr" presetSubtype="4" fill="hold" grpId="0" nodeType="clickEffect">
+                                  <p:stCondLst>
+                                    <p:cond delay="0"/>
+                                  </p:stCondLst>
+                                  <p:childTnLst>
+                                    <p:set>
+                                      <p:cBhvr>
+                                        <p:cTn id="30" dur="1" fill="hold">
+                                          <p:stCondLst>
+                                            <p:cond delay="0"/>
+                                          </p:stCondLst>
+                                        </p:cTn>
+                                        <p:tgtEl>
+                                          <p:spTgt spid="5">
+                                            <p:txEl>
+                                              <p:pRg st="4" end="4"/>
+                                            </p:txEl>
+                                          </p:spTgt>
+                                        </p:tgtEl>
+                                        <p:attrNameLst>
+                                          <p:attrName>style.visibility</p:attrName>
+                                        </p:attrNameLst>
+                                      </p:cBhvr>
+                                      <p:to>
+                                        <p:strVal val="visible"/>
+                                      </p:to>
+                                    </p:set>
+                                    <p:anim calcmode="lin" valueType="num">
+                                      <p:cBhvr additive="base">
+                                        <p:cTn id="31" dur="500" fill="hold"/>
+                                        <p:tgtEl>
+                                          <p:spTgt spid="5">
+                                            <p:txEl>
+                                              <p:pRg st="4" end="4"/>
+                                            </p:txEl>
+                                          </p:spTgt>
+                                        </p:tgtEl>
+                                        <p:attrNameLst>
+                                          <p:attrName>ppt_x</p:attrName>
+                                        </p:attrNameLst>
+                                      </p:cBhvr>
+                                      <p:tavLst>
+                                        <p:tav tm="0">
+                                          <p:val>
+                                            <p:strVal val="#ppt_x"/>
+                                          </p:val>
+                                        </p:tav>
+                                        <p:tav tm="100000">
+                                          <p:val>
+                                            <p:strVal val="#ppt_x"/>
+                                          </p:val>
+                                        </p:tav>
+                                      </p:tavLst>
+                                    </p:anim>
+                                    <p:anim calcmode="lin" valueType="num">
+                                      <p:cBhvr additive="base">
+                                        <p:cTn id="32" dur="500" fill="hold"/>
+                                        <p:tgtEl>
+                                          <p:spTgt spid="5">
+                                            <p:txEl>
+                                              <p:pRg st="4" end="4"/>
+                                            </p:txEl>
+                                          </p:spTgt>
+                                        </p:tgtEl>
+                                        <p:attrNameLst>
+                                          <p:attrName>ppt_y</p:attrName>
+                                        </p:attrNameLst>
+                                      </p:cBhvr>
+                                      <p:tavLst>
+                                        <p:tav tm="0">
+                                          <p:val>
+                                            <p:strVal val="1+#ppt_h/2"/>
+                                          </p:val>
+                                        </p:tav>
+                                        <p:tav tm="100000">
+                                          <p:val>
+                                            <p:strVal val="#ppt_y"/>
+                                          </p:val>
+                                        </p:tav>
+                                      </p:tavLst>
+                                    </p:anim>
+                                  </p:childTnLst>
+                                </p:cTn>
+                              </p:par>
+                            </p:childTnLst>
+                          </p:cTn>
+                        </p:par>
+                      </p:childTnLst>
+                    </p:cTn>
+                  </p:par>
+                  <p:par>
+                    <p:cTn id="33" fill="hold">
+                      <p:stCondLst>
+                        <p:cond delay="indefinite"/>
+                      </p:stCondLst>
+                      <p:childTnLst>
+                        <p:par>
+                          <p:cTn id="34" fill="hold">
+                            <p:stCondLst>
+                              <p:cond delay="0"/>
+                            </p:stCondLst>
+                            <p:childTnLst>
+                              <p:par>
+                                <p:cTn id="35" presetID="2" presetClass="entr" presetSubtype="4" fill="hold" grpId="0" nodeType="clickEffect">
+                                  <p:stCondLst>
+                                    <p:cond delay="0"/>
+                                  </p:stCondLst>
+                                  <p:childTnLst>
+                                    <p:set>
+                                      <p:cBhvr>
+                                        <p:cTn id="36" dur="1" fill="hold">
+                                          <p:stCondLst>
+                                            <p:cond delay="0"/>
+                                          </p:stCondLst>
+                                        </p:cTn>
+                                        <p:tgtEl>
+                                          <p:spTgt spid="5">
+                                            <p:txEl>
+                                              <p:pRg st="5" end="5"/>
+                                            </p:txEl>
+                                          </p:spTgt>
+                                        </p:tgtEl>
+                                        <p:attrNameLst>
+                                          <p:attrName>style.visibility</p:attrName>
+                                        </p:attrNameLst>
+                                      </p:cBhvr>
+                                      <p:to>
+                                        <p:strVal val="visible"/>
+                                      </p:to>
+                                    </p:set>
+                                    <p:anim calcmode="lin" valueType="num">
+                                      <p:cBhvr additive="base">
+                                        <p:cTn id="37" dur="500" fill="hold"/>
+                                        <p:tgtEl>
+                                          <p:spTgt spid="5">
+                                            <p:txEl>
+                                              <p:pRg st="5" end="5"/>
+                                            </p:txEl>
+                                          </p:spTgt>
+                                        </p:tgtEl>
+                                        <p:attrNameLst>
+                                          <p:attrName>ppt_x</p:attrName>
+                                        </p:attrNameLst>
+                                      </p:cBhvr>
+                                      <p:tavLst>
+                                        <p:tav tm="0">
+                                          <p:val>
+                                            <p:strVal val="#ppt_x"/>
+                                          </p:val>
+                                        </p:tav>
+                                        <p:tav tm="100000">
+                                          <p:val>
+                                            <p:strVal val="#ppt_x"/>
+                                          </p:val>
+                                        </p:tav>
+                                      </p:tavLst>
+                                    </p:anim>
+                                    <p:anim calcmode="lin" valueType="num">
+                                      <p:cBhvr additive="base">
+                                        <p:cTn id="38" dur="500" fill="hold"/>
+                                        <p:tgtEl>
+                                          <p:spTgt spid="5">
+                                            <p:txEl>
+                                              <p:pRg st="5" end="5"/>
+                                            </p:txEl>
+                                          </p:spTgt>
+                                        </p:tgtEl>
+                                        <p:attrNameLst>
+                                          <p:attrName>ppt_y</p:attrName>
+                                        </p:attrNameLst>
+                                      </p:cBhvr>
+                                      <p:tavLst>
+                                        <p:tav tm="0">
+                                          <p:val>
+                                            <p:strVal val="1+#ppt_h/2"/>
+                                          </p:val>
+                                        </p:tav>
+                                        <p:tav tm="100000">
+                                          <p:val>
+                                            <p:strVal val="#ppt_y"/>
+                                          </p:val>
+                                        </p:tav>
+                                      </p:tavLst>
+                                    </p:anim>
+                                  </p:childTnLst>
+                                </p:cTn>
+                              </p:par>
+                            </p:childTnLst>
+                          </p:cTn>
+                        </p:par>
+                      </p:childTnLst>
+                    </p:cTn>
+                  </p:par>
+                  <p:par>
+                    <p:cTn id="39" fill="hold">
+                      <p:stCondLst>
+                        <p:cond delay="indefinite"/>
+                      </p:stCondLst>
+                      <p:childTnLst>
+                        <p:par>
+                          <p:cTn id="40" fill="hold">
+                            <p:stCondLst>
+                              <p:cond delay="0"/>
+                            </p:stCondLst>
+                            <p:childTnLst>
+                              <p:par>
+                                <p:cTn id="41" presetID="2" presetClass="entr" presetSubtype="4" fill="hold" grpId="0" nodeType="clickEffect">
+                                  <p:stCondLst>
+                                    <p:cond delay="0"/>
+                                  </p:stCondLst>
+                                  <p:childTnLst>
+                                    <p:set>
+                                      <p:cBhvr>
+                                        <p:cTn id="42" dur="1" fill="hold">
+                                          <p:stCondLst>
+                                            <p:cond delay="0"/>
+                                          </p:stCondLst>
+                                        </p:cTn>
+                                        <p:tgtEl>
+                                          <p:spTgt spid="5">
+                                            <p:txEl>
+                                              <p:pRg st="6" end="6"/>
+                                            </p:txEl>
+                                          </p:spTgt>
+                                        </p:tgtEl>
+                                        <p:attrNameLst>
+                                          <p:attrName>style.visibility</p:attrName>
+                                        </p:attrNameLst>
+                                      </p:cBhvr>
+                                      <p:to>
+                                        <p:strVal val="visible"/>
+                                      </p:to>
+                                    </p:set>
+                                    <p:anim calcmode="lin" valueType="num">
+                                      <p:cBhvr additive="base">
+                                        <p:cTn id="43" dur="500" fill="hold"/>
+                                        <p:tgtEl>
+                                          <p:spTgt spid="5">
+                                            <p:txEl>
+                                              <p:pRg st="6" end="6"/>
+                                            </p:txEl>
+                                          </p:spTgt>
+                                        </p:tgtEl>
+                                        <p:attrNameLst>
+                                          <p:attrName>ppt_x</p:attrName>
+                                        </p:attrNameLst>
+                                      </p:cBhvr>
+                                      <p:tavLst>
+                                        <p:tav tm="0">
+                                          <p:val>
+                                            <p:strVal val="#ppt_x"/>
+                                          </p:val>
+                                        </p:tav>
+                                        <p:tav tm="100000">
+                                          <p:val>
+                                            <p:strVal val="#ppt_x"/>
+                                          </p:val>
+                                        </p:tav>
+                                      </p:tavLst>
+                                    </p:anim>
+                                    <p:anim calcmode="lin" valueType="num">
+                                      <p:cBhvr additive="base">
+                                        <p:cTn id="44" dur="500" fill="hold"/>
+                                        <p:tgtEl>
+                                          <p:spTgt spid="5">
+                                            <p:txEl>
+                                              <p:pRg st="6" end="6"/>
+                                            </p:txEl>
+                                          </p:spTgt>
+                                        </p:tgtEl>
+                                        <p:attrNameLst>
+                                          <p:attrName>ppt_y</p:attrName>
+                                        </p:attrNameLst>
+                                      </p:cBhvr>
+                                      <p:tavLst>
+                                        <p:tav tm="0">
+                                          <p:val>
+                                            <p:strVal val="1+#ppt_h/2"/>
+                                          </p:val>
+                                        </p:tav>
+                                        <p:tav tm="100000">
+                                          <p:val>
+                                            <p:strVal val="#ppt_y"/>
+                                          </p:val>
+                                        </p:tav>
+                                      </p:tavLst>
+                                    </p:anim>
+                                  </p:childTnLst>
+                                </p:cTn>
+                              </p:par>
+                            </p:childTnLst>
+                          </p:cTn>
+                        </p:par>
+                      </p:childTnLst>
+                    </p:cTn>
+                  </p:par>
+                  <p:par>
+                    <p:cTn id="45" fill="hold">
+                      <p:stCondLst>
+                        <p:cond delay="indefinite"/>
+                      </p:stCondLst>
+                      <p:childTnLst>
+                        <p:par>
+                          <p:cTn id="46" fill="hold">
+                            <p:stCondLst>
+                              <p:cond delay="0"/>
+                            </p:stCondLst>
+                            <p:childTnLst>
+                              <p:par>
+                                <p:cTn id="47" presetID="2" presetClass="entr" presetSubtype="4" fill="hold" grpId="0" nodeType="clickEffect">
+                                  <p:stCondLst>
+                                    <p:cond delay="0"/>
+                                  </p:stCondLst>
+                                  <p:childTnLst>
+                                    <p:set>
+                                      <p:cBhvr>
+                                        <p:cTn id="48" dur="1" fill="hold">
+                                          <p:stCondLst>
+                                            <p:cond delay="0"/>
+                                          </p:stCondLst>
+                                        </p:cTn>
+                                        <p:tgtEl>
+                                          <p:spTgt spid="5">
+                                            <p:txEl>
+                                              <p:pRg st="7" end="7"/>
+                                            </p:txEl>
+                                          </p:spTgt>
+                                        </p:tgtEl>
+                                        <p:attrNameLst>
+                                          <p:attrName>style.visibility</p:attrName>
+                                        </p:attrNameLst>
+                                      </p:cBhvr>
+                                      <p:to>
+                                        <p:strVal val="visible"/>
+                                      </p:to>
+                                    </p:set>
+                                    <p:anim calcmode="lin" valueType="num">
+                                      <p:cBhvr additive="base">
+                                        <p:cTn id="49" dur="500" fill="hold"/>
+                                        <p:tgtEl>
+                                          <p:spTgt spid="5">
+                                            <p:txEl>
+                                              <p:pRg st="7" end="7"/>
+                                            </p:txEl>
+                                          </p:spTgt>
+                                        </p:tgtEl>
+                                        <p:attrNameLst>
+                                          <p:attrName>ppt_x</p:attrName>
+                                        </p:attrNameLst>
+                                      </p:cBhvr>
+                                      <p:tavLst>
+                                        <p:tav tm="0">
+                                          <p:val>
+                                            <p:strVal val="#ppt_x"/>
+                                          </p:val>
+                                        </p:tav>
+                                        <p:tav tm="100000">
+                                          <p:val>
+                                            <p:strVal val="#ppt_x"/>
+                                          </p:val>
+                                        </p:tav>
+                                      </p:tavLst>
+                                    </p:anim>
+                                    <p:anim calcmode="lin" valueType="num">
+                                      <p:cBhvr additive="base">
+                                        <p:cTn id="50" dur="500" fill="hold"/>
+                                        <p:tgtEl>
+                                          <p:spTgt spid="5">
+                                            <p:txEl>
+                                              <p:pRg st="7" end="7"/>
+                                            </p:txEl>
+                                          </p:spTgt>
+                                        </p:tgtEl>
+                                        <p:attrNameLst>
+                                          <p:attrName>ppt_y</p:attrName>
+                                        </p:attrNameLst>
+                                      </p:cBhvr>
+                                      <p:tavLst>
+                                        <p:tav tm="0">
+                                          <p:val>
+                                            <p:strVal val="1+#ppt_h/2"/>
+                                          </p:val>
+                                        </p:tav>
+                                        <p:tav tm="100000">
+                                          <p:val>
+                                            <p:strVal val="#ppt_y"/>
+                                          </p:val>
+                                        </p:tav>
+                                      </p:tavLst>
+                                    </p:anim>
+                                  </p:childTnLst>
+                                </p:cTn>
+                              </p:par>
+                            </p:childTnLst>
+                          </p:cTn>
+                        </p:par>
+                      </p:childTnLst>
+                    </p:cTn>
+                  </p:par>
+                  <p:par>
+                    <p:cTn id="51" fill="hold">
+                      <p:stCondLst>
+                        <p:cond delay="indefinite"/>
+                      </p:stCondLst>
+                      <p:childTnLst>
+                        <p:par>
+                          <p:cTn id="52" fill="hold">
+                            <p:stCondLst>
+                              <p:cond delay="0"/>
+                            </p:stCondLst>
+                            <p:childTnLst>
+                              <p:par>
+                                <p:cTn id="53" presetID="2" presetClass="entr" presetSubtype="4" fill="hold" grpId="0" nodeType="clickEffect">
+                                  <p:stCondLst>
+                                    <p:cond delay="0"/>
+                                  </p:stCondLst>
+                                  <p:childTnLst>
+                                    <p:set>
+                                      <p:cBhvr>
+                                        <p:cTn id="54" dur="1" fill="hold">
+                                          <p:stCondLst>
+                                            <p:cond delay="0"/>
+                                          </p:stCondLst>
+                                        </p:cTn>
+                                        <p:tgtEl>
+                                          <p:spTgt spid="5">
+                                            <p:txEl>
+                                              <p:pRg st="8" end="8"/>
+                                            </p:txEl>
+                                          </p:spTgt>
+                                        </p:tgtEl>
+                                        <p:attrNameLst>
+                                          <p:attrName>style.visibility</p:attrName>
+                                        </p:attrNameLst>
+                                      </p:cBhvr>
+                                      <p:to>
+                                        <p:strVal val="visible"/>
+                                      </p:to>
+                                    </p:set>
+                                    <p:anim calcmode="lin" valueType="num">
+                                      <p:cBhvr additive="base">
+                                        <p:cTn id="55" dur="500" fill="hold"/>
+                                        <p:tgtEl>
+                                          <p:spTgt spid="5">
+                                            <p:txEl>
+                                              <p:pRg st="8" end="8"/>
+                                            </p:txEl>
+                                          </p:spTgt>
+                                        </p:tgtEl>
+                                        <p:attrNameLst>
+                                          <p:attrName>ppt_x</p:attrName>
+                                        </p:attrNameLst>
+                                      </p:cBhvr>
+                                      <p:tavLst>
+                                        <p:tav tm="0">
+                                          <p:val>
+                                            <p:strVal val="#ppt_x"/>
+                                          </p:val>
+                                        </p:tav>
+                                        <p:tav tm="100000">
+                                          <p:val>
+                                            <p:strVal val="#ppt_x"/>
+                                          </p:val>
+                                        </p:tav>
+                                      </p:tavLst>
+                                    </p:anim>
+                                    <p:anim calcmode="lin" valueType="num">
+                                      <p:cBhvr additive="base">
+                                        <p:cTn id="56" dur="500" fill="hold"/>
+                                        <p:tgtEl>
+                                          <p:spTgt spid="5">
+                                            <p:txEl>
+                                              <p:pRg st="8" end="8"/>
+                                            </p:txEl>
+                                          </p:spTgt>
+                                        </p:tgtEl>
+                                        <p:attrNameLst>
+                                          <p:attrName>ppt_y</p:attrName>
+                                        </p:attrNameLst>
+                                      </p:cBhvr>
+                                      <p:tavLst>
+                                        <p:tav tm="0">
+                                          <p:val>
+                                            <p:strVal val="1+#ppt_h/2"/>
+                                          </p:val>
+                                        </p:tav>
+                                        <p:tav tm="100000">
+                                          <p:val>
+                                            <p:strVal val="#ppt_y"/>
+                                          </p:val>
+                                        </p:tav>
+                                      </p:tavLst>
+                                    </p:anim>
+                                  </p:childTnLst>
+                                </p:cTn>
+                              </p:par>
+                            </p:childTnLst>
+                          </p:cTn>
+                        </p:par>
+                      </p:childTnLst>
+                    </p:cTn>
+                  </p:par>
                   <p:par>
                     <p:cTn id="57" fill="hold">
                       <p:stCondLst>
@@ -13112,27 +16431,539 @@
                       </p:childTnLst>
                     </p:cTn>
                   </p:par>
+                </p:childTnLst>
+              </p:cTn>
+              <p:prevCondLst>
+                <p:cond evt="onPrev" delay="0">
+                  <p:tgtEl>
+                    <p:sldTgt/>
+                  </p:tgtEl>
+                </p:cond>
+              </p:prevCondLst>
+              <p:nextCondLst>
+                <p:cond evt="onNext" delay="0">
+                  <p:tgtEl>
+                    <p:sldTgt/>
+                  </p:tgtEl>
+                </p:cond>
+              </p:nextCondLst>
+            </p:seq>
+          </p:childTnLst>
+        </p:cTn>
+      </p:par>
+    </p:tnLst>
+    <p:bldLst>
+      <p:bldP spid="5" grpId="0" build="p"/>
+    </p:bldLst>
+  </p:timing>
+</p:sld>
+</file>
+
+<file path=ppt/slides/slide8.xml><?xml version="1.0" encoding="utf-8"?>
+<p:sld xmlns:a="http://schemas.openxmlformats.org/drawingml/2006/main" xmlns:r="http://schemas.openxmlformats.org/officeDocument/2006/relationships" xmlns:p="http://schemas.openxmlformats.org/presentationml/2006/main">
+  <p:cSld>
+    <p:bg>
+      <p:bgPr>
+        <a:solidFill>
+          <a:schemeClr val="accent6">
+            <a:lumMod val="40000"/>
+            <a:lumOff val="60000"/>
+            <a:alpha val="75000"/>
+          </a:schemeClr>
+        </a:solidFill>
+        <a:effectLst/>
+      </p:bgPr>
+    </p:bg>
+    <p:spTree>
+      <p:nvGrpSpPr>
+        <p:cNvPr id="1" name=""/>
+        <p:cNvGrpSpPr/>
+        <p:nvPr/>
+      </p:nvGrpSpPr>
+      <p:grpSpPr>
+        <a:xfrm>
+          <a:off x="0" y="0"/>
+          <a:ext cx="0" cy="0"/>
+          <a:chOff x="0" y="0"/>
+          <a:chExt cx="0" cy="0"/>
+        </a:xfrm>
+      </p:grpSpPr>
+      <p:sp>
+        <p:nvSpPr>
+          <p:cNvPr id="4" name="Title 3">
+            <a:extLst>
+              <a:ext uri="{FF2B5EF4-FFF2-40B4-BE49-F238E27FC236}">
+                <a16:creationId xmlns:a16="http://schemas.microsoft.com/office/drawing/2014/main" id="{22C1F510-134D-7DE1-73D5-F1059BB70482}"/>
+              </a:ext>
+            </a:extLst>
+          </p:cNvPr>
+          <p:cNvSpPr>
+            <a:spLocks noGrp="1"/>
+          </p:cNvSpPr>
+          <p:nvPr>
+            <p:ph type="title"/>
+          </p:nvPr>
+        </p:nvSpPr>
+        <p:spPr>
+          <a:xfrm>
+            <a:off x="2592925" y="624110"/>
+            <a:ext cx="8911687" cy="776673"/>
+          </a:xfrm>
+        </p:spPr>
+        <p:txBody>
+          <a:bodyPr anchor="ctr">
+            <a:normAutofit/>
+          </a:bodyPr>
+          <a:lstStyle/>
+          <a:p>
+            <a:pPr algn="ctr"/>
+            <a:r>
+              <a:rPr lang="en-US" sz="3200" dirty="0">
+                <a:latin typeface="Arial Black" panose="020B0A04020102020204" pitchFamily="34" charset="0"/>
+              </a:rPr>
+              <a:t>Next Steps</a:t>
+            </a:r>
+          </a:p>
+        </p:txBody>
+      </p:sp>
+      <p:sp>
+        <p:nvSpPr>
+          <p:cNvPr id="5" name="Content Placeholder 4">
+            <a:extLst>
+              <a:ext uri="{FF2B5EF4-FFF2-40B4-BE49-F238E27FC236}">
+                <a16:creationId xmlns:a16="http://schemas.microsoft.com/office/drawing/2014/main" id="{FBDD2FE2-B5C6-53D5-DD8A-3476C868886C}"/>
+              </a:ext>
+            </a:extLst>
+          </p:cNvPr>
+          <p:cNvSpPr>
+            <a:spLocks noGrp="1"/>
+          </p:cNvSpPr>
+          <p:nvPr>
+            <p:ph idx="1"/>
+          </p:nvPr>
+        </p:nvSpPr>
+        <p:spPr>
+          <a:xfrm>
+            <a:off x="2589212" y="1400783"/>
+            <a:ext cx="8915400" cy="5093323"/>
+          </a:xfrm>
+        </p:spPr>
+        <p:txBody>
+          <a:bodyPr>
+            <a:noAutofit/>
+          </a:bodyPr>
+          <a:lstStyle/>
+          <a:p>
+            <a:pPr>
+              <a:spcBef>
+                <a:spcPts val="0"/>
+              </a:spcBef>
+            </a:pPr>
+            <a:r>
+              <a:rPr lang="en-US" sz="1600" b="1" dirty="0">
+                <a:latin typeface="Calibri" panose="020F0502020204030204" pitchFamily="34" charset="0"/>
+                <a:cs typeface="Calibri" panose="020F0502020204030204" pitchFamily="34" charset="0"/>
+              </a:rPr>
+              <a:t>Detailed Project Timeline:</a:t>
+            </a:r>
+            <a:endParaRPr lang="en-US" sz="1600" dirty="0">
+              <a:latin typeface="Calibri" panose="020F0502020204030204" pitchFamily="34" charset="0"/>
+              <a:cs typeface="Calibri" panose="020F0502020204030204" pitchFamily="34" charset="0"/>
+            </a:endParaRPr>
+          </a:p>
+          <a:p>
+            <a:pPr lvl="1">
+              <a:spcBef>
+                <a:spcPts val="0"/>
+              </a:spcBef>
+            </a:pPr>
+            <a:r>
+              <a:rPr lang="en-US" sz="1400" b="1" dirty="0">
+                <a:latin typeface="Calibri" panose="020F0502020204030204" pitchFamily="34" charset="0"/>
+                <a:cs typeface="Calibri" panose="020F0502020204030204" pitchFamily="34" charset="0"/>
+              </a:rPr>
+              <a:t>Phase 1: Data Assessment (Months 1-2)</a:t>
+            </a:r>
+            <a:endParaRPr lang="en-US" sz="1400" dirty="0">
+              <a:latin typeface="Calibri" panose="020F0502020204030204" pitchFamily="34" charset="0"/>
+              <a:cs typeface="Calibri" panose="020F0502020204030204" pitchFamily="34" charset="0"/>
+            </a:endParaRPr>
+          </a:p>
+          <a:p>
+            <a:pPr lvl="2">
+              <a:spcBef>
+                <a:spcPts val="0"/>
+              </a:spcBef>
+            </a:pPr>
+            <a:r>
+              <a:rPr lang="en-US" dirty="0">
+                <a:latin typeface="Calibri" panose="020F0502020204030204" pitchFamily="34" charset="0"/>
+                <a:cs typeface="Calibri" panose="020F0502020204030204" pitchFamily="34" charset="0"/>
+              </a:rPr>
+              <a:t>Conduct a comprehensive assessment of existing data sources and quality.</a:t>
+            </a:r>
+          </a:p>
+          <a:p>
+            <a:pPr lvl="2">
+              <a:spcBef>
+                <a:spcPts val="0"/>
+              </a:spcBef>
+            </a:pPr>
+            <a:r>
+              <a:rPr lang="en-US" dirty="0">
+                <a:latin typeface="Calibri" panose="020F0502020204030204" pitchFamily="34" charset="0"/>
+                <a:cs typeface="Calibri" panose="020F0502020204030204" pitchFamily="34" charset="0"/>
+              </a:rPr>
+              <a:t>Engage with key stakeholders to gather specific requirements for analytics and reporting.</a:t>
+            </a:r>
+          </a:p>
+          <a:p>
+            <a:pPr lvl="1">
+              <a:spcBef>
+                <a:spcPts val="0"/>
+              </a:spcBef>
+            </a:pPr>
+            <a:r>
+              <a:rPr lang="en-US" sz="1400" b="1" dirty="0">
+                <a:latin typeface="Calibri" panose="020F0502020204030204" pitchFamily="34" charset="0"/>
+                <a:cs typeface="Calibri" panose="020F0502020204030204" pitchFamily="34" charset="0"/>
+              </a:rPr>
+              <a:t>Phase 2: Infrastructure Design (Months 3-5)</a:t>
+            </a:r>
+            <a:endParaRPr lang="en-US" sz="1400" dirty="0">
+              <a:latin typeface="Calibri" panose="020F0502020204030204" pitchFamily="34" charset="0"/>
+              <a:cs typeface="Calibri" panose="020F0502020204030204" pitchFamily="34" charset="0"/>
+            </a:endParaRPr>
+          </a:p>
+          <a:p>
+            <a:pPr lvl="2">
+              <a:spcBef>
+                <a:spcPts val="0"/>
+              </a:spcBef>
+            </a:pPr>
+            <a:r>
+              <a:rPr lang="en-US" dirty="0">
+                <a:latin typeface="Calibri" panose="020F0502020204030204" pitchFamily="34" charset="0"/>
+                <a:cs typeface="Calibri" panose="020F0502020204030204" pitchFamily="34" charset="0"/>
+              </a:rPr>
+              <a:t>Design the centralized data warehouse architecture.</a:t>
+            </a:r>
+          </a:p>
+          <a:p>
+            <a:pPr lvl="2">
+              <a:spcBef>
+                <a:spcPts val="0"/>
+              </a:spcBef>
+            </a:pPr>
+            <a:r>
+              <a:rPr lang="en-US" dirty="0">
+                <a:latin typeface="Calibri" panose="020F0502020204030204" pitchFamily="34" charset="0"/>
+                <a:cs typeface="Calibri" panose="020F0502020204030204" pitchFamily="34" charset="0"/>
+              </a:rPr>
+              <a:t>Select and integrate data integration tools for seamless connectivity.</a:t>
+            </a:r>
+          </a:p>
+          <a:p>
+            <a:pPr lvl="1">
+              <a:spcBef>
+                <a:spcPts val="0"/>
+              </a:spcBef>
+            </a:pPr>
+            <a:r>
+              <a:rPr lang="en-US" sz="1400" b="1" dirty="0">
+                <a:latin typeface="Calibri" panose="020F0502020204030204" pitchFamily="34" charset="0"/>
+                <a:cs typeface="Calibri" panose="020F0502020204030204" pitchFamily="34" charset="0"/>
+              </a:rPr>
+              <a:t>Phase 3: Implementation (Months 6-9)</a:t>
+            </a:r>
+            <a:endParaRPr lang="en-US" sz="1400" dirty="0">
+              <a:latin typeface="Calibri" panose="020F0502020204030204" pitchFamily="34" charset="0"/>
+              <a:cs typeface="Calibri" panose="020F0502020204030204" pitchFamily="34" charset="0"/>
+            </a:endParaRPr>
+          </a:p>
+          <a:p>
+            <a:pPr lvl="2">
+              <a:spcBef>
+                <a:spcPts val="0"/>
+              </a:spcBef>
+            </a:pPr>
+            <a:r>
+              <a:rPr lang="en-US" dirty="0">
+                <a:latin typeface="Calibri" panose="020F0502020204030204" pitchFamily="34" charset="0"/>
+                <a:cs typeface="Calibri" panose="020F0502020204030204" pitchFamily="34" charset="0"/>
+              </a:rPr>
+              <a:t>Deploy the data warehouse and integration tools.</a:t>
+            </a:r>
+          </a:p>
+          <a:p>
+            <a:pPr lvl="2">
+              <a:spcBef>
+                <a:spcPts val="0"/>
+              </a:spcBef>
+            </a:pPr>
+            <a:r>
+              <a:rPr lang="en-US" dirty="0">
+                <a:latin typeface="Calibri" panose="020F0502020204030204" pitchFamily="34" charset="0"/>
+                <a:cs typeface="Calibri" panose="020F0502020204030204" pitchFamily="34" charset="0"/>
+              </a:rPr>
+              <a:t>Conduct user training sessions for data analysts and relevant teams.</a:t>
+            </a:r>
+          </a:p>
+          <a:p>
+            <a:pPr lvl="1">
+              <a:spcBef>
+                <a:spcPts val="0"/>
+              </a:spcBef>
+            </a:pPr>
+            <a:r>
+              <a:rPr lang="en-US" sz="1400" b="1" dirty="0">
+                <a:latin typeface="Calibri" panose="020F0502020204030204" pitchFamily="34" charset="0"/>
+                <a:cs typeface="Calibri" panose="020F0502020204030204" pitchFamily="34" charset="0"/>
+              </a:rPr>
+              <a:t>Phase 4: Testing and Optimization (Months 10-12)</a:t>
+            </a:r>
+            <a:endParaRPr lang="en-US" sz="1400" dirty="0">
+              <a:latin typeface="Calibri" panose="020F0502020204030204" pitchFamily="34" charset="0"/>
+              <a:cs typeface="Calibri" panose="020F0502020204030204" pitchFamily="34" charset="0"/>
+            </a:endParaRPr>
+          </a:p>
+          <a:p>
+            <a:pPr lvl="2">
+              <a:spcBef>
+                <a:spcPts val="0"/>
+              </a:spcBef>
+            </a:pPr>
+            <a:r>
+              <a:rPr lang="en-US" dirty="0">
+                <a:latin typeface="Calibri" panose="020F0502020204030204" pitchFamily="34" charset="0"/>
+                <a:cs typeface="Calibri" panose="020F0502020204030204" pitchFamily="34" charset="0"/>
+              </a:rPr>
+              <a:t>Perform rigorous testing to ensure data accuracy and system performance.</a:t>
+            </a:r>
+          </a:p>
+          <a:p>
+            <a:pPr lvl="2">
+              <a:spcBef>
+                <a:spcPts val="0"/>
+              </a:spcBef>
+            </a:pPr>
+            <a:r>
+              <a:rPr lang="en-US" dirty="0">
+                <a:latin typeface="Calibri" panose="020F0502020204030204" pitchFamily="34" charset="0"/>
+                <a:cs typeface="Calibri" panose="020F0502020204030204" pitchFamily="34" charset="0"/>
+              </a:rPr>
+              <a:t>Optimize the infrastructure based on initial usage and feedback.</a:t>
+            </a:r>
+          </a:p>
+          <a:p>
+            <a:pPr>
+              <a:spcBef>
+                <a:spcPts val="0"/>
+              </a:spcBef>
+            </a:pPr>
+            <a:r>
+              <a:rPr lang="en-US" sz="1600" b="1" dirty="0">
+                <a:latin typeface="Calibri" panose="020F0502020204030204" pitchFamily="34" charset="0"/>
+                <a:cs typeface="Calibri" panose="020F0502020204030204" pitchFamily="34" charset="0"/>
+              </a:rPr>
+              <a:t>Resource Allocation:</a:t>
+            </a:r>
+            <a:endParaRPr lang="en-US" sz="1600" dirty="0">
+              <a:latin typeface="Calibri" panose="020F0502020204030204" pitchFamily="34" charset="0"/>
+              <a:cs typeface="Calibri" panose="020F0502020204030204" pitchFamily="34" charset="0"/>
+            </a:endParaRPr>
+          </a:p>
+          <a:p>
+            <a:pPr lvl="1">
+              <a:spcBef>
+                <a:spcPts val="0"/>
+              </a:spcBef>
+            </a:pPr>
+            <a:r>
+              <a:rPr lang="en-US" sz="1400" b="1" dirty="0">
+                <a:latin typeface="Calibri" panose="020F0502020204030204" pitchFamily="34" charset="0"/>
+                <a:cs typeface="Calibri" panose="020F0502020204030204" pitchFamily="34" charset="0"/>
+              </a:rPr>
+              <a:t>Personnel:</a:t>
+            </a:r>
+            <a:endParaRPr lang="en-US" sz="1400" dirty="0">
+              <a:latin typeface="Calibri" panose="020F0502020204030204" pitchFamily="34" charset="0"/>
+              <a:cs typeface="Calibri" panose="020F0502020204030204" pitchFamily="34" charset="0"/>
+            </a:endParaRPr>
+          </a:p>
+          <a:p>
+            <a:pPr lvl="2">
+              <a:spcBef>
+                <a:spcPts val="0"/>
+              </a:spcBef>
+            </a:pPr>
+            <a:r>
+              <a:rPr lang="en-US" dirty="0">
+                <a:latin typeface="Calibri" panose="020F0502020204030204" pitchFamily="34" charset="0"/>
+                <a:cs typeface="Calibri" panose="020F0502020204030204" pitchFamily="34" charset="0"/>
+              </a:rPr>
+              <a:t>Data Architect: Responsible for designing and implementing the data warehouse.</a:t>
+            </a:r>
+          </a:p>
+          <a:p>
+            <a:pPr lvl="2">
+              <a:spcBef>
+                <a:spcPts val="0"/>
+              </a:spcBef>
+            </a:pPr>
+            <a:r>
+              <a:rPr lang="en-US" dirty="0">
+                <a:latin typeface="Calibri" panose="020F0502020204030204" pitchFamily="34" charset="0"/>
+                <a:cs typeface="Calibri" panose="020F0502020204030204" pitchFamily="34" charset="0"/>
+              </a:rPr>
+              <a:t>Data Analysts: Involved in the assessment, testing, and optimization phases.</a:t>
+            </a:r>
+          </a:p>
+          <a:p>
+            <a:pPr lvl="2">
+              <a:spcBef>
+                <a:spcPts val="0"/>
+              </a:spcBef>
+            </a:pPr>
+            <a:r>
+              <a:rPr lang="en-US" dirty="0">
+                <a:latin typeface="Calibri" panose="020F0502020204030204" pitchFamily="34" charset="0"/>
+                <a:cs typeface="Calibri" panose="020F0502020204030204" pitchFamily="34" charset="0"/>
+              </a:rPr>
+              <a:t>IT Specialists: Oversee technical aspects, including integration tools and system deployment.</a:t>
+            </a:r>
+          </a:p>
+          <a:p>
+            <a:pPr lvl="1">
+              <a:spcBef>
+                <a:spcPts val="0"/>
+              </a:spcBef>
+            </a:pPr>
+            <a:r>
+              <a:rPr lang="en-US" sz="1400" b="1" dirty="0">
+                <a:latin typeface="Calibri" panose="020F0502020204030204" pitchFamily="34" charset="0"/>
+                <a:cs typeface="Calibri" panose="020F0502020204030204" pitchFamily="34" charset="0"/>
+              </a:rPr>
+              <a:t>Technology:</a:t>
+            </a:r>
+            <a:endParaRPr lang="en-US" sz="1400" dirty="0">
+              <a:latin typeface="Calibri" panose="020F0502020204030204" pitchFamily="34" charset="0"/>
+              <a:cs typeface="Calibri" panose="020F0502020204030204" pitchFamily="34" charset="0"/>
+            </a:endParaRPr>
+          </a:p>
+          <a:p>
+            <a:pPr lvl="2">
+              <a:spcBef>
+                <a:spcPts val="0"/>
+              </a:spcBef>
+            </a:pPr>
+            <a:r>
+              <a:rPr lang="en-US" dirty="0">
+                <a:latin typeface="Calibri" panose="020F0502020204030204" pitchFamily="34" charset="0"/>
+                <a:cs typeface="Calibri" panose="020F0502020204030204" pitchFamily="34" charset="0"/>
+              </a:rPr>
+              <a:t>Investment in a scalable cloud-based data infrastructure.</a:t>
+            </a:r>
+          </a:p>
+          <a:p>
+            <a:pPr lvl="2">
+              <a:spcBef>
+                <a:spcPts val="0"/>
+              </a:spcBef>
+            </a:pPr>
+            <a:r>
+              <a:rPr lang="en-US" dirty="0">
+                <a:latin typeface="Calibri" panose="020F0502020204030204" pitchFamily="34" charset="0"/>
+                <a:cs typeface="Calibri" panose="020F0502020204030204" pitchFamily="34" charset="0"/>
+              </a:rPr>
+              <a:t>Acquisition of advanced data integration tools.</a:t>
+            </a:r>
+          </a:p>
+          <a:p>
+            <a:pPr lvl="1">
+              <a:spcBef>
+                <a:spcPts val="0"/>
+              </a:spcBef>
+            </a:pPr>
+            <a:r>
+              <a:rPr lang="en-US" sz="1400" b="1" dirty="0">
+                <a:latin typeface="Calibri" panose="020F0502020204030204" pitchFamily="34" charset="0"/>
+                <a:cs typeface="Calibri" panose="020F0502020204030204" pitchFamily="34" charset="0"/>
+              </a:rPr>
+              <a:t>Budget:</a:t>
+            </a:r>
+            <a:endParaRPr lang="en-US" sz="1400" dirty="0">
+              <a:latin typeface="Calibri" panose="020F0502020204030204" pitchFamily="34" charset="0"/>
+              <a:cs typeface="Calibri" panose="020F0502020204030204" pitchFamily="34" charset="0"/>
+            </a:endParaRPr>
+          </a:p>
+          <a:p>
+            <a:pPr lvl="2">
+              <a:spcBef>
+                <a:spcPts val="0"/>
+              </a:spcBef>
+            </a:pPr>
+            <a:r>
+              <a:rPr lang="en-US" dirty="0">
+                <a:latin typeface="Calibri" panose="020F0502020204030204" pitchFamily="34" charset="0"/>
+                <a:cs typeface="Calibri" panose="020F0502020204030204" pitchFamily="34" charset="0"/>
+              </a:rPr>
+              <a:t>Allocated funds for technology procurement, personnel training, and potential adjustments during the project.</a:t>
+            </a:r>
+          </a:p>
+        </p:txBody>
+      </p:sp>
+    </p:spTree>
+    <p:extLst>
+      <p:ext uri="{BB962C8B-B14F-4D97-AF65-F5344CB8AC3E}">
+        <p14:creationId xmlns:p14="http://schemas.microsoft.com/office/powerpoint/2010/main" val="1825883858"/>
+      </p:ext>
+    </p:extLst>
+  </p:cSld>
+  <p:clrMapOvr>
+    <a:masterClrMapping/>
+  </p:clrMapOvr>
+  <mc:AlternateContent xmlns:mc="http://schemas.openxmlformats.org/markup-compatibility/2006">
+    <mc:Choice xmlns:p15="http://schemas.microsoft.com/office/powerpoint/2012/main" Requires="p15">
+      <p:transition xmlns:p14="http://schemas.microsoft.com/office/powerpoint/2010/main" spd="slow" p14:dur="1250">
+        <p15:prstTrans prst="pageCurlDouble"/>
+      </p:transition>
+    </mc:Choice>
+    <mc:Fallback>
+      <p:transition spd="slow">
+        <p:fade/>
+      </p:transition>
+    </mc:Fallback>
+  </mc:AlternateContent>
+  <p:timing>
+    <p:tnLst>
+      <p:par>
+        <p:cTn id="1" dur="indefinite" restart="never" nodeType="tmRoot">
+          <p:childTnLst>
+            <p:seq concurrent="1" nextAc="seek">
+              <p:cTn id="2" dur="indefinite" nodeType="mainSeq">
+                <p:childTnLst>
                   <p:par>
-                    <p:cTn id="63" fill="hold">
+                    <p:cTn id="3" fill="hold">
                       <p:stCondLst>
                         <p:cond delay="indefinite"/>
                       </p:stCondLst>
                       <p:childTnLst>
                         <p:par>
-                          <p:cTn id="64" fill="hold">
+                          <p:cTn id="4" fill="hold">
                             <p:stCondLst>
                               <p:cond delay="0"/>
                             </p:stCondLst>
                             <p:childTnLst>
                               <p:par>
-                                <p:cTn id="65" presetID="2" presetClass="entr" presetSubtype="4" fill="hold" grpId="0" nodeType="clickEffect">
+                                <p:cTn id="5" presetID="2" presetClass="entr" presetSubtype="4" fill="hold" grpId="0" nodeType="clickEffect">
                                   <p:stCondLst>
                                     <p:cond delay="0"/>
                                   </p:stCondLst>
                                   <p:childTnLst>
                                     <p:set>
                                       <p:cBhvr>
-                                        <p:cTn id="66" dur="1" fill="hold">
+                                        <p:cTn id="6" dur="1" fill="hold">
                                           <p:stCondLst>
                                             <p:cond delay="0"/>
                                           </p:stCondLst>
@@ -13140,7 +16971,7 @@
                                         <p:tgtEl>
                                           <p:spTgt spid="5">
                                             <p:txEl>
-                                              <p:pRg st="10" end="10"/>
+                                              <p:pRg st="0" end="0"/>
                                             </p:txEl>
                                           </p:spTgt>
                                         </p:tgtEl>
@@ -13154,11 +16985,11 @@
                                     </p:set>
                                     <p:anim calcmode="lin" valueType="num">
                                       <p:cBhvr additive="base">
-                                        <p:cTn id="67" dur="500" fill="hold"/>
-                                        <p:tgtEl>
-                                          <p:spTgt spid="5">
-                                            <p:txEl>
-                                              <p:pRg st="10" end="10"/>
+                                        <p:cTn id="7" dur="500" fill="hold"/>
+                                        <p:tgtEl>
+                                          <p:spTgt spid="5">
+                                            <p:txEl>
+                                              <p:pRg st="0" end="0"/>
                                             </p:txEl>
                                           </p:spTgt>
                                         </p:tgtEl>
@@ -13181,11 +17012,1031 @@
                                     </p:anim>
                                     <p:anim calcmode="lin" valueType="num">
                                       <p:cBhvr additive="base">
-                                        <p:cTn id="68" dur="500" fill="hold"/>
+                                        <p:cTn id="8" dur="500" fill="hold"/>
+                                        <p:tgtEl>
+                                          <p:spTgt spid="5">
+                                            <p:txEl>
+                                              <p:pRg st="0" end="0"/>
+                                            </p:txEl>
+                                          </p:spTgt>
+                                        </p:tgtEl>
+                                        <p:attrNameLst>
+                                          <p:attrName>ppt_y</p:attrName>
+                                        </p:attrNameLst>
+                                      </p:cBhvr>
+                                      <p:tavLst>
+                                        <p:tav tm="0">
+                                          <p:val>
+                                            <p:strVal val="1+#ppt_h/2"/>
+                                          </p:val>
+                                        </p:tav>
+                                        <p:tav tm="100000">
+                                          <p:val>
+                                            <p:strVal val="#ppt_y"/>
+                                          </p:val>
+                                        </p:tav>
+                                      </p:tavLst>
+                                    </p:anim>
+                                  </p:childTnLst>
+                                </p:cTn>
+                              </p:par>
+                              <p:par>
+                                <p:cTn id="9" presetID="2" presetClass="entr" presetSubtype="4" fill="hold" grpId="0" nodeType="withEffect">
+                                  <p:stCondLst>
+                                    <p:cond delay="0"/>
+                                  </p:stCondLst>
+                                  <p:childTnLst>
+                                    <p:set>
+                                      <p:cBhvr>
+                                        <p:cTn id="10" dur="1" fill="hold">
+                                          <p:stCondLst>
+                                            <p:cond delay="0"/>
+                                          </p:stCondLst>
+                                        </p:cTn>
+                                        <p:tgtEl>
+                                          <p:spTgt spid="5">
+                                            <p:txEl>
+                                              <p:pRg st="1" end="1"/>
+                                            </p:txEl>
+                                          </p:spTgt>
+                                        </p:tgtEl>
+                                        <p:attrNameLst>
+                                          <p:attrName>style.visibility</p:attrName>
+                                        </p:attrNameLst>
+                                      </p:cBhvr>
+                                      <p:to>
+                                        <p:strVal val="visible"/>
+                                      </p:to>
+                                    </p:set>
+                                    <p:anim calcmode="lin" valueType="num">
+                                      <p:cBhvr additive="base">
+                                        <p:cTn id="11" dur="500" fill="hold"/>
+                                        <p:tgtEl>
+                                          <p:spTgt spid="5">
+                                            <p:txEl>
+                                              <p:pRg st="1" end="1"/>
+                                            </p:txEl>
+                                          </p:spTgt>
+                                        </p:tgtEl>
+                                        <p:attrNameLst>
+                                          <p:attrName>ppt_x</p:attrName>
+                                        </p:attrNameLst>
+                                      </p:cBhvr>
+                                      <p:tavLst>
+                                        <p:tav tm="0">
+                                          <p:val>
+                                            <p:strVal val="#ppt_x"/>
+                                          </p:val>
+                                        </p:tav>
+                                        <p:tav tm="100000">
+                                          <p:val>
+                                            <p:strVal val="#ppt_x"/>
+                                          </p:val>
+                                        </p:tav>
+                                      </p:tavLst>
+                                    </p:anim>
+                                    <p:anim calcmode="lin" valueType="num">
+                                      <p:cBhvr additive="base">
+                                        <p:cTn id="12" dur="500" fill="hold"/>
+                                        <p:tgtEl>
+                                          <p:spTgt spid="5">
+                                            <p:txEl>
+                                              <p:pRg st="1" end="1"/>
+                                            </p:txEl>
+                                          </p:spTgt>
+                                        </p:tgtEl>
+                                        <p:attrNameLst>
+                                          <p:attrName>ppt_y</p:attrName>
+                                        </p:attrNameLst>
+                                      </p:cBhvr>
+                                      <p:tavLst>
+                                        <p:tav tm="0">
+                                          <p:val>
+                                            <p:strVal val="1+#ppt_h/2"/>
+                                          </p:val>
+                                        </p:tav>
+                                        <p:tav tm="100000">
+                                          <p:val>
+                                            <p:strVal val="#ppt_y"/>
+                                          </p:val>
+                                        </p:tav>
+                                      </p:tavLst>
+                                    </p:anim>
+                                  </p:childTnLst>
+                                </p:cTn>
+                              </p:par>
+                              <p:par>
+                                <p:cTn id="13" presetID="2" presetClass="entr" presetSubtype="4" fill="hold" grpId="0" nodeType="withEffect">
+                                  <p:stCondLst>
+                                    <p:cond delay="0"/>
+                                  </p:stCondLst>
+                                  <p:childTnLst>
+                                    <p:set>
+                                      <p:cBhvr>
+                                        <p:cTn id="14" dur="1" fill="hold">
+                                          <p:stCondLst>
+                                            <p:cond delay="0"/>
+                                          </p:stCondLst>
+                                        </p:cTn>
+                                        <p:tgtEl>
+                                          <p:spTgt spid="5">
+                                            <p:txEl>
+                                              <p:pRg st="2" end="2"/>
+                                            </p:txEl>
+                                          </p:spTgt>
+                                        </p:tgtEl>
+                                        <p:attrNameLst>
+                                          <p:attrName>style.visibility</p:attrName>
+                                        </p:attrNameLst>
+                                      </p:cBhvr>
+                                      <p:to>
+                                        <p:strVal val="visible"/>
+                                      </p:to>
+                                    </p:set>
+                                    <p:anim calcmode="lin" valueType="num">
+                                      <p:cBhvr additive="base">
+                                        <p:cTn id="15" dur="500" fill="hold"/>
+                                        <p:tgtEl>
+                                          <p:spTgt spid="5">
+                                            <p:txEl>
+                                              <p:pRg st="2" end="2"/>
+                                            </p:txEl>
+                                          </p:spTgt>
+                                        </p:tgtEl>
+                                        <p:attrNameLst>
+                                          <p:attrName>ppt_x</p:attrName>
+                                        </p:attrNameLst>
+                                      </p:cBhvr>
+                                      <p:tavLst>
+                                        <p:tav tm="0">
+                                          <p:val>
+                                            <p:strVal val="#ppt_x"/>
+                                          </p:val>
+                                        </p:tav>
+                                        <p:tav tm="100000">
+                                          <p:val>
+                                            <p:strVal val="#ppt_x"/>
+                                          </p:val>
+                                        </p:tav>
+                                      </p:tavLst>
+                                    </p:anim>
+                                    <p:anim calcmode="lin" valueType="num">
+                                      <p:cBhvr additive="base">
+                                        <p:cTn id="16" dur="500" fill="hold"/>
+                                        <p:tgtEl>
+                                          <p:spTgt spid="5">
+                                            <p:txEl>
+                                              <p:pRg st="2" end="2"/>
+                                            </p:txEl>
+                                          </p:spTgt>
+                                        </p:tgtEl>
+                                        <p:attrNameLst>
+                                          <p:attrName>ppt_y</p:attrName>
+                                        </p:attrNameLst>
+                                      </p:cBhvr>
+                                      <p:tavLst>
+                                        <p:tav tm="0">
+                                          <p:val>
+                                            <p:strVal val="1+#ppt_h/2"/>
+                                          </p:val>
+                                        </p:tav>
+                                        <p:tav tm="100000">
+                                          <p:val>
+                                            <p:strVal val="#ppt_y"/>
+                                          </p:val>
+                                        </p:tav>
+                                      </p:tavLst>
+                                    </p:anim>
+                                  </p:childTnLst>
+                                </p:cTn>
+                              </p:par>
+                              <p:par>
+                                <p:cTn id="17" presetID="2" presetClass="entr" presetSubtype="4" fill="hold" grpId="0" nodeType="withEffect">
+                                  <p:stCondLst>
+                                    <p:cond delay="0"/>
+                                  </p:stCondLst>
+                                  <p:childTnLst>
+                                    <p:set>
+                                      <p:cBhvr>
+                                        <p:cTn id="18" dur="1" fill="hold">
+                                          <p:stCondLst>
+                                            <p:cond delay="0"/>
+                                          </p:stCondLst>
+                                        </p:cTn>
+                                        <p:tgtEl>
+                                          <p:spTgt spid="5">
+                                            <p:txEl>
+                                              <p:pRg st="3" end="3"/>
+                                            </p:txEl>
+                                          </p:spTgt>
+                                        </p:tgtEl>
+                                        <p:attrNameLst>
+                                          <p:attrName>style.visibility</p:attrName>
+                                        </p:attrNameLst>
+                                      </p:cBhvr>
+                                      <p:to>
+                                        <p:strVal val="visible"/>
+                                      </p:to>
+                                    </p:set>
+                                    <p:anim calcmode="lin" valueType="num">
+                                      <p:cBhvr additive="base">
+                                        <p:cTn id="19" dur="500" fill="hold"/>
+                                        <p:tgtEl>
+                                          <p:spTgt spid="5">
+                                            <p:txEl>
+                                              <p:pRg st="3" end="3"/>
+                                            </p:txEl>
+                                          </p:spTgt>
+                                        </p:tgtEl>
+                                        <p:attrNameLst>
+                                          <p:attrName>ppt_x</p:attrName>
+                                        </p:attrNameLst>
+                                      </p:cBhvr>
+                                      <p:tavLst>
+                                        <p:tav tm="0">
+                                          <p:val>
+                                            <p:strVal val="#ppt_x"/>
+                                          </p:val>
+                                        </p:tav>
+                                        <p:tav tm="100000">
+                                          <p:val>
+                                            <p:strVal val="#ppt_x"/>
+                                          </p:val>
+                                        </p:tav>
+                                      </p:tavLst>
+                                    </p:anim>
+                                    <p:anim calcmode="lin" valueType="num">
+                                      <p:cBhvr additive="base">
+                                        <p:cTn id="20" dur="500" fill="hold"/>
+                                        <p:tgtEl>
+                                          <p:spTgt spid="5">
+                                            <p:txEl>
+                                              <p:pRg st="3" end="3"/>
+                                            </p:txEl>
+                                          </p:spTgt>
+                                        </p:tgtEl>
+                                        <p:attrNameLst>
+                                          <p:attrName>ppt_y</p:attrName>
+                                        </p:attrNameLst>
+                                      </p:cBhvr>
+                                      <p:tavLst>
+                                        <p:tav tm="0">
+                                          <p:val>
+                                            <p:strVal val="1+#ppt_h/2"/>
+                                          </p:val>
+                                        </p:tav>
+                                        <p:tav tm="100000">
+                                          <p:val>
+                                            <p:strVal val="#ppt_y"/>
+                                          </p:val>
+                                        </p:tav>
+                                      </p:tavLst>
+                                    </p:anim>
+                                  </p:childTnLst>
+                                </p:cTn>
+                              </p:par>
+                              <p:par>
+                                <p:cTn id="21" presetID="2" presetClass="entr" presetSubtype="4" fill="hold" grpId="0" nodeType="withEffect">
+                                  <p:stCondLst>
+                                    <p:cond delay="0"/>
+                                  </p:stCondLst>
+                                  <p:childTnLst>
+                                    <p:set>
+                                      <p:cBhvr>
+                                        <p:cTn id="22" dur="1" fill="hold">
+                                          <p:stCondLst>
+                                            <p:cond delay="0"/>
+                                          </p:stCondLst>
+                                        </p:cTn>
+                                        <p:tgtEl>
+                                          <p:spTgt spid="5">
+                                            <p:txEl>
+                                              <p:pRg st="4" end="4"/>
+                                            </p:txEl>
+                                          </p:spTgt>
+                                        </p:tgtEl>
+                                        <p:attrNameLst>
+                                          <p:attrName>style.visibility</p:attrName>
+                                        </p:attrNameLst>
+                                      </p:cBhvr>
+                                      <p:to>
+                                        <p:strVal val="visible"/>
+                                      </p:to>
+                                    </p:set>
+                                    <p:anim calcmode="lin" valueType="num">
+                                      <p:cBhvr additive="base">
+                                        <p:cTn id="23" dur="500" fill="hold"/>
+                                        <p:tgtEl>
+                                          <p:spTgt spid="5">
+                                            <p:txEl>
+                                              <p:pRg st="4" end="4"/>
+                                            </p:txEl>
+                                          </p:spTgt>
+                                        </p:tgtEl>
+                                        <p:attrNameLst>
+                                          <p:attrName>ppt_x</p:attrName>
+                                        </p:attrNameLst>
+                                      </p:cBhvr>
+                                      <p:tavLst>
+                                        <p:tav tm="0">
+                                          <p:val>
+                                            <p:strVal val="#ppt_x"/>
+                                          </p:val>
+                                        </p:tav>
+                                        <p:tav tm="100000">
+                                          <p:val>
+                                            <p:strVal val="#ppt_x"/>
+                                          </p:val>
+                                        </p:tav>
+                                      </p:tavLst>
+                                    </p:anim>
+                                    <p:anim calcmode="lin" valueType="num">
+                                      <p:cBhvr additive="base">
+                                        <p:cTn id="24" dur="500" fill="hold"/>
+                                        <p:tgtEl>
+                                          <p:spTgt spid="5">
+                                            <p:txEl>
+                                              <p:pRg st="4" end="4"/>
+                                            </p:txEl>
+                                          </p:spTgt>
+                                        </p:tgtEl>
+                                        <p:attrNameLst>
+                                          <p:attrName>ppt_y</p:attrName>
+                                        </p:attrNameLst>
+                                      </p:cBhvr>
+                                      <p:tavLst>
+                                        <p:tav tm="0">
+                                          <p:val>
+                                            <p:strVal val="1+#ppt_h/2"/>
+                                          </p:val>
+                                        </p:tav>
+                                        <p:tav tm="100000">
+                                          <p:val>
+                                            <p:strVal val="#ppt_y"/>
+                                          </p:val>
+                                        </p:tav>
+                                      </p:tavLst>
+                                    </p:anim>
+                                  </p:childTnLst>
+                                </p:cTn>
+                              </p:par>
+                              <p:par>
+                                <p:cTn id="25" presetID="2" presetClass="entr" presetSubtype="4" fill="hold" grpId="0" nodeType="withEffect">
+                                  <p:stCondLst>
+                                    <p:cond delay="0"/>
+                                  </p:stCondLst>
+                                  <p:childTnLst>
+                                    <p:set>
+                                      <p:cBhvr>
+                                        <p:cTn id="26" dur="1" fill="hold">
+                                          <p:stCondLst>
+                                            <p:cond delay="0"/>
+                                          </p:stCondLst>
+                                        </p:cTn>
+                                        <p:tgtEl>
+                                          <p:spTgt spid="5">
+                                            <p:txEl>
+                                              <p:pRg st="5" end="5"/>
+                                            </p:txEl>
+                                          </p:spTgt>
+                                        </p:tgtEl>
+                                        <p:attrNameLst>
+                                          <p:attrName>style.visibility</p:attrName>
+                                        </p:attrNameLst>
+                                      </p:cBhvr>
+                                      <p:to>
+                                        <p:strVal val="visible"/>
+                                      </p:to>
+                                    </p:set>
+                                    <p:anim calcmode="lin" valueType="num">
+                                      <p:cBhvr additive="base">
+                                        <p:cTn id="27" dur="500" fill="hold"/>
+                                        <p:tgtEl>
+                                          <p:spTgt spid="5">
+                                            <p:txEl>
+                                              <p:pRg st="5" end="5"/>
+                                            </p:txEl>
+                                          </p:spTgt>
+                                        </p:tgtEl>
+                                        <p:attrNameLst>
+                                          <p:attrName>ppt_x</p:attrName>
+                                        </p:attrNameLst>
+                                      </p:cBhvr>
+                                      <p:tavLst>
+                                        <p:tav tm="0">
+                                          <p:val>
+                                            <p:strVal val="#ppt_x"/>
+                                          </p:val>
+                                        </p:tav>
+                                        <p:tav tm="100000">
+                                          <p:val>
+                                            <p:strVal val="#ppt_x"/>
+                                          </p:val>
+                                        </p:tav>
+                                      </p:tavLst>
+                                    </p:anim>
+                                    <p:anim calcmode="lin" valueType="num">
+                                      <p:cBhvr additive="base">
+                                        <p:cTn id="28" dur="500" fill="hold"/>
+                                        <p:tgtEl>
+                                          <p:spTgt spid="5">
+                                            <p:txEl>
+                                              <p:pRg st="5" end="5"/>
+                                            </p:txEl>
+                                          </p:spTgt>
+                                        </p:tgtEl>
+                                        <p:attrNameLst>
+                                          <p:attrName>ppt_y</p:attrName>
+                                        </p:attrNameLst>
+                                      </p:cBhvr>
+                                      <p:tavLst>
+                                        <p:tav tm="0">
+                                          <p:val>
+                                            <p:strVal val="1+#ppt_h/2"/>
+                                          </p:val>
+                                        </p:tav>
+                                        <p:tav tm="100000">
+                                          <p:val>
+                                            <p:strVal val="#ppt_y"/>
+                                          </p:val>
+                                        </p:tav>
+                                      </p:tavLst>
+                                    </p:anim>
+                                  </p:childTnLst>
+                                </p:cTn>
+                              </p:par>
+                              <p:par>
+                                <p:cTn id="29" presetID="2" presetClass="entr" presetSubtype="4" fill="hold" grpId="0" nodeType="withEffect">
+                                  <p:stCondLst>
+                                    <p:cond delay="0"/>
+                                  </p:stCondLst>
+                                  <p:childTnLst>
+                                    <p:set>
+                                      <p:cBhvr>
+                                        <p:cTn id="30" dur="1" fill="hold">
+                                          <p:stCondLst>
+                                            <p:cond delay="0"/>
+                                          </p:stCondLst>
+                                        </p:cTn>
+                                        <p:tgtEl>
+                                          <p:spTgt spid="5">
+                                            <p:txEl>
+                                              <p:pRg st="6" end="6"/>
+                                            </p:txEl>
+                                          </p:spTgt>
+                                        </p:tgtEl>
+                                        <p:attrNameLst>
+                                          <p:attrName>style.visibility</p:attrName>
+                                        </p:attrNameLst>
+                                      </p:cBhvr>
+                                      <p:to>
+                                        <p:strVal val="visible"/>
+                                      </p:to>
+                                    </p:set>
+                                    <p:anim calcmode="lin" valueType="num">
+                                      <p:cBhvr additive="base">
+                                        <p:cTn id="31" dur="500" fill="hold"/>
+                                        <p:tgtEl>
+                                          <p:spTgt spid="5">
+                                            <p:txEl>
+                                              <p:pRg st="6" end="6"/>
+                                            </p:txEl>
+                                          </p:spTgt>
+                                        </p:tgtEl>
+                                        <p:attrNameLst>
+                                          <p:attrName>ppt_x</p:attrName>
+                                        </p:attrNameLst>
+                                      </p:cBhvr>
+                                      <p:tavLst>
+                                        <p:tav tm="0">
+                                          <p:val>
+                                            <p:strVal val="#ppt_x"/>
+                                          </p:val>
+                                        </p:tav>
+                                        <p:tav tm="100000">
+                                          <p:val>
+                                            <p:strVal val="#ppt_x"/>
+                                          </p:val>
+                                        </p:tav>
+                                      </p:tavLst>
+                                    </p:anim>
+                                    <p:anim calcmode="lin" valueType="num">
+                                      <p:cBhvr additive="base">
+                                        <p:cTn id="32" dur="500" fill="hold"/>
+                                        <p:tgtEl>
+                                          <p:spTgt spid="5">
+                                            <p:txEl>
+                                              <p:pRg st="6" end="6"/>
+                                            </p:txEl>
+                                          </p:spTgt>
+                                        </p:tgtEl>
+                                        <p:attrNameLst>
+                                          <p:attrName>ppt_y</p:attrName>
+                                        </p:attrNameLst>
+                                      </p:cBhvr>
+                                      <p:tavLst>
+                                        <p:tav tm="0">
+                                          <p:val>
+                                            <p:strVal val="1+#ppt_h/2"/>
+                                          </p:val>
+                                        </p:tav>
+                                        <p:tav tm="100000">
+                                          <p:val>
+                                            <p:strVal val="#ppt_y"/>
+                                          </p:val>
+                                        </p:tav>
+                                      </p:tavLst>
+                                    </p:anim>
+                                  </p:childTnLst>
+                                </p:cTn>
+                              </p:par>
+                              <p:par>
+                                <p:cTn id="33" presetID="2" presetClass="entr" presetSubtype="4" fill="hold" grpId="0" nodeType="withEffect">
+                                  <p:stCondLst>
+                                    <p:cond delay="0"/>
+                                  </p:stCondLst>
+                                  <p:childTnLst>
+                                    <p:set>
+                                      <p:cBhvr>
+                                        <p:cTn id="34" dur="1" fill="hold">
+                                          <p:stCondLst>
+                                            <p:cond delay="0"/>
+                                          </p:stCondLst>
+                                        </p:cTn>
+                                        <p:tgtEl>
+                                          <p:spTgt spid="5">
+                                            <p:txEl>
+                                              <p:pRg st="7" end="7"/>
+                                            </p:txEl>
+                                          </p:spTgt>
+                                        </p:tgtEl>
+                                        <p:attrNameLst>
+                                          <p:attrName>style.visibility</p:attrName>
+                                        </p:attrNameLst>
+                                      </p:cBhvr>
+                                      <p:to>
+                                        <p:strVal val="visible"/>
+                                      </p:to>
+                                    </p:set>
+                                    <p:anim calcmode="lin" valueType="num">
+                                      <p:cBhvr additive="base">
+                                        <p:cTn id="35" dur="500" fill="hold"/>
+                                        <p:tgtEl>
+                                          <p:spTgt spid="5">
+                                            <p:txEl>
+                                              <p:pRg st="7" end="7"/>
+                                            </p:txEl>
+                                          </p:spTgt>
+                                        </p:tgtEl>
+                                        <p:attrNameLst>
+                                          <p:attrName>ppt_x</p:attrName>
+                                        </p:attrNameLst>
+                                      </p:cBhvr>
+                                      <p:tavLst>
+                                        <p:tav tm="0">
+                                          <p:val>
+                                            <p:strVal val="#ppt_x"/>
+                                          </p:val>
+                                        </p:tav>
+                                        <p:tav tm="100000">
+                                          <p:val>
+                                            <p:strVal val="#ppt_x"/>
+                                          </p:val>
+                                        </p:tav>
+                                      </p:tavLst>
+                                    </p:anim>
+                                    <p:anim calcmode="lin" valueType="num">
+                                      <p:cBhvr additive="base">
+                                        <p:cTn id="36" dur="500" fill="hold"/>
+                                        <p:tgtEl>
+                                          <p:spTgt spid="5">
+                                            <p:txEl>
+                                              <p:pRg st="7" end="7"/>
+                                            </p:txEl>
+                                          </p:spTgt>
+                                        </p:tgtEl>
+                                        <p:attrNameLst>
+                                          <p:attrName>ppt_y</p:attrName>
+                                        </p:attrNameLst>
+                                      </p:cBhvr>
+                                      <p:tavLst>
+                                        <p:tav tm="0">
+                                          <p:val>
+                                            <p:strVal val="1+#ppt_h/2"/>
+                                          </p:val>
+                                        </p:tav>
+                                        <p:tav tm="100000">
+                                          <p:val>
+                                            <p:strVal val="#ppt_y"/>
+                                          </p:val>
+                                        </p:tav>
+                                      </p:tavLst>
+                                    </p:anim>
+                                  </p:childTnLst>
+                                </p:cTn>
+                              </p:par>
+                              <p:par>
+                                <p:cTn id="37" presetID="2" presetClass="entr" presetSubtype="4" fill="hold" grpId="0" nodeType="withEffect">
+                                  <p:stCondLst>
+                                    <p:cond delay="0"/>
+                                  </p:stCondLst>
+                                  <p:childTnLst>
+                                    <p:set>
+                                      <p:cBhvr>
+                                        <p:cTn id="38" dur="1" fill="hold">
+                                          <p:stCondLst>
+                                            <p:cond delay="0"/>
+                                          </p:stCondLst>
+                                        </p:cTn>
+                                        <p:tgtEl>
+                                          <p:spTgt spid="5">
+                                            <p:txEl>
+                                              <p:pRg st="8" end="8"/>
+                                            </p:txEl>
+                                          </p:spTgt>
+                                        </p:tgtEl>
+                                        <p:attrNameLst>
+                                          <p:attrName>style.visibility</p:attrName>
+                                        </p:attrNameLst>
+                                      </p:cBhvr>
+                                      <p:to>
+                                        <p:strVal val="visible"/>
+                                      </p:to>
+                                    </p:set>
+                                    <p:anim calcmode="lin" valueType="num">
+                                      <p:cBhvr additive="base">
+                                        <p:cTn id="39" dur="500" fill="hold"/>
+                                        <p:tgtEl>
+                                          <p:spTgt spid="5">
+                                            <p:txEl>
+                                              <p:pRg st="8" end="8"/>
+                                            </p:txEl>
+                                          </p:spTgt>
+                                        </p:tgtEl>
+                                        <p:attrNameLst>
+                                          <p:attrName>ppt_x</p:attrName>
+                                        </p:attrNameLst>
+                                      </p:cBhvr>
+                                      <p:tavLst>
+                                        <p:tav tm="0">
+                                          <p:val>
+                                            <p:strVal val="#ppt_x"/>
+                                          </p:val>
+                                        </p:tav>
+                                        <p:tav tm="100000">
+                                          <p:val>
+                                            <p:strVal val="#ppt_x"/>
+                                          </p:val>
+                                        </p:tav>
+                                      </p:tavLst>
+                                    </p:anim>
+                                    <p:anim calcmode="lin" valueType="num">
+                                      <p:cBhvr additive="base">
+                                        <p:cTn id="40" dur="500" fill="hold"/>
+                                        <p:tgtEl>
+                                          <p:spTgt spid="5">
+                                            <p:txEl>
+                                              <p:pRg st="8" end="8"/>
+                                            </p:txEl>
+                                          </p:spTgt>
+                                        </p:tgtEl>
+                                        <p:attrNameLst>
+                                          <p:attrName>ppt_y</p:attrName>
+                                        </p:attrNameLst>
+                                      </p:cBhvr>
+                                      <p:tavLst>
+                                        <p:tav tm="0">
+                                          <p:val>
+                                            <p:strVal val="1+#ppt_h/2"/>
+                                          </p:val>
+                                        </p:tav>
+                                        <p:tav tm="100000">
+                                          <p:val>
+                                            <p:strVal val="#ppt_y"/>
+                                          </p:val>
+                                        </p:tav>
+                                      </p:tavLst>
+                                    </p:anim>
+                                  </p:childTnLst>
+                                </p:cTn>
+                              </p:par>
+                              <p:par>
+                                <p:cTn id="41" presetID="2" presetClass="entr" presetSubtype="4" fill="hold" grpId="0" nodeType="withEffect">
+                                  <p:stCondLst>
+                                    <p:cond delay="0"/>
+                                  </p:stCondLst>
+                                  <p:childTnLst>
+                                    <p:set>
+                                      <p:cBhvr>
+                                        <p:cTn id="42" dur="1" fill="hold">
+                                          <p:stCondLst>
+                                            <p:cond delay="0"/>
+                                          </p:stCondLst>
+                                        </p:cTn>
+                                        <p:tgtEl>
+                                          <p:spTgt spid="5">
+                                            <p:txEl>
+                                              <p:pRg st="9" end="9"/>
+                                            </p:txEl>
+                                          </p:spTgt>
+                                        </p:tgtEl>
+                                        <p:attrNameLst>
+                                          <p:attrName>style.visibility</p:attrName>
+                                        </p:attrNameLst>
+                                      </p:cBhvr>
+                                      <p:to>
+                                        <p:strVal val="visible"/>
+                                      </p:to>
+                                    </p:set>
+                                    <p:anim calcmode="lin" valueType="num">
+                                      <p:cBhvr additive="base">
+                                        <p:cTn id="43" dur="500" fill="hold"/>
+                                        <p:tgtEl>
+                                          <p:spTgt spid="5">
+                                            <p:txEl>
+                                              <p:pRg st="9" end="9"/>
+                                            </p:txEl>
+                                          </p:spTgt>
+                                        </p:tgtEl>
+                                        <p:attrNameLst>
+                                          <p:attrName>ppt_x</p:attrName>
+                                        </p:attrNameLst>
+                                      </p:cBhvr>
+                                      <p:tavLst>
+                                        <p:tav tm="0">
+                                          <p:val>
+                                            <p:strVal val="#ppt_x"/>
+                                          </p:val>
+                                        </p:tav>
+                                        <p:tav tm="100000">
+                                          <p:val>
+                                            <p:strVal val="#ppt_x"/>
+                                          </p:val>
+                                        </p:tav>
+                                      </p:tavLst>
+                                    </p:anim>
+                                    <p:anim calcmode="lin" valueType="num">
+                                      <p:cBhvr additive="base">
+                                        <p:cTn id="44" dur="500" fill="hold"/>
+                                        <p:tgtEl>
+                                          <p:spTgt spid="5">
+                                            <p:txEl>
+                                              <p:pRg st="9" end="9"/>
+                                            </p:txEl>
+                                          </p:spTgt>
+                                        </p:tgtEl>
+                                        <p:attrNameLst>
+                                          <p:attrName>ppt_y</p:attrName>
+                                        </p:attrNameLst>
+                                      </p:cBhvr>
+                                      <p:tavLst>
+                                        <p:tav tm="0">
+                                          <p:val>
+                                            <p:strVal val="1+#ppt_h/2"/>
+                                          </p:val>
+                                        </p:tav>
+                                        <p:tav tm="100000">
+                                          <p:val>
+                                            <p:strVal val="#ppt_y"/>
+                                          </p:val>
+                                        </p:tav>
+                                      </p:tavLst>
+                                    </p:anim>
+                                  </p:childTnLst>
+                                </p:cTn>
+                              </p:par>
+                              <p:par>
+                                <p:cTn id="45" presetID="2" presetClass="entr" presetSubtype="4" fill="hold" grpId="0" nodeType="withEffect">
+                                  <p:stCondLst>
+                                    <p:cond delay="0"/>
+                                  </p:stCondLst>
+                                  <p:childTnLst>
+                                    <p:set>
+                                      <p:cBhvr>
+                                        <p:cTn id="46" dur="1" fill="hold">
+                                          <p:stCondLst>
+                                            <p:cond delay="0"/>
+                                          </p:stCondLst>
+                                        </p:cTn>
                                         <p:tgtEl>
                                           <p:spTgt spid="5">
                                             <p:txEl>
                                               <p:pRg st="10" end="10"/>
+                                            </p:txEl>
+                                          </p:spTgt>
+                                        </p:tgtEl>
+                                        <p:attrNameLst>
+                                          <p:attrName>style.visibility</p:attrName>
+                                        </p:attrNameLst>
+                                      </p:cBhvr>
+                                      <p:to>
+                                        <p:strVal val="visible"/>
+                                      </p:to>
+                                    </p:set>
+                                    <p:anim calcmode="lin" valueType="num">
+                                      <p:cBhvr additive="base">
+                                        <p:cTn id="47" dur="500" fill="hold"/>
+                                        <p:tgtEl>
+                                          <p:spTgt spid="5">
+                                            <p:txEl>
+                                              <p:pRg st="10" end="10"/>
+                                            </p:txEl>
+                                          </p:spTgt>
+                                        </p:tgtEl>
+                                        <p:attrNameLst>
+                                          <p:attrName>ppt_x</p:attrName>
+                                        </p:attrNameLst>
+                                      </p:cBhvr>
+                                      <p:tavLst>
+                                        <p:tav tm="0">
+                                          <p:val>
+                                            <p:strVal val="#ppt_x"/>
+                                          </p:val>
+                                        </p:tav>
+                                        <p:tav tm="100000">
+                                          <p:val>
+                                            <p:strVal val="#ppt_x"/>
+                                          </p:val>
+                                        </p:tav>
+                                      </p:tavLst>
+                                    </p:anim>
+                                    <p:anim calcmode="lin" valueType="num">
+                                      <p:cBhvr additive="base">
+                                        <p:cTn id="48" dur="500" fill="hold"/>
+                                        <p:tgtEl>
+                                          <p:spTgt spid="5">
+                                            <p:txEl>
+                                              <p:pRg st="10" end="10"/>
+                                            </p:txEl>
+                                          </p:spTgt>
+                                        </p:tgtEl>
+                                        <p:attrNameLst>
+                                          <p:attrName>ppt_y</p:attrName>
+                                        </p:attrNameLst>
+                                      </p:cBhvr>
+                                      <p:tavLst>
+                                        <p:tav tm="0">
+                                          <p:val>
+                                            <p:strVal val="1+#ppt_h/2"/>
+                                          </p:val>
+                                        </p:tav>
+                                        <p:tav tm="100000">
+                                          <p:val>
+                                            <p:strVal val="#ppt_y"/>
+                                          </p:val>
+                                        </p:tav>
+                                      </p:tavLst>
+                                    </p:anim>
+                                  </p:childTnLst>
+                                </p:cTn>
+                              </p:par>
+                              <p:par>
+                                <p:cTn id="49" presetID="2" presetClass="entr" presetSubtype="4" fill="hold" grpId="0" nodeType="withEffect">
+                                  <p:stCondLst>
+                                    <p:cond delay="0"/>
+                                  </p:stCondLst>
+                                  <p:childTnLst>
+                                    <p:set>
+                                      <p:cBhvr>
+                                        <p:cTn id="50" dur="1" fill="hold">
+                                          <p:stCondLst>
+                                            <p:cond delay="0"/>
+                                          </p:stCondLst>
+                                        </p:cTn>
+                                        <p:tgtEl>
+                                          <p:spTgt spid="5">
+                                            <p:txEl>
+                                              <p:pRg st="11" end="11"/>
+                                            </p:txEl>
+                                          </p:spTgt>
+                                        </p:tgtEl>
+                                        <p:attrNameLst>
+                                          <p:attrName>style.visibility</p:attrName>
+                                        </p:attrNameLst>
+                                      </p:cBhvr>
+                                      <p:to>
+                                        <p:strVal val="visible"/>
+                                      </p:to>
+                                    </p:set>
+                                    <p:anim calcmode="lin" valueType="num">
+                                      <p:cBhvr additive="base">
+                                        <p:cTn id="51" dur="500" fill="hold"/>
+                                        <p:tgtEl>
+                                          <p:spTgt spid="5">
+                                            <p:txEl>
+                                              <p:pRg st="11" end="11"/>
+                                            </p:txEl>
+                                          </p:spTgt>
+                                        </p:tgtEl>
+                                        <p:attrNameLst>
+                                          <p:attrName>ppt_x</p:attrName>
+                                        </p:attrNameLst>
+                                      </p:cBhvr>
+                                      <p:tavLst>
+                                        <p:tav tm="0">
+                                          <p:val>
+                                            <p:strVal val="#ppt_x"/>
+                                          </p:val>
+                                        </p:tav>
+                                        <p:tav tm="100000">
+                                          <p:val>
+                                            <p:strVal val="#ppt_x"/>
+                                          </p:val>
+                                        </p:tav>
+                                      </p:tavLst>
+                                    </p:anim>
+                                    <p:anim calcmode="lin" valueType="num">
+                                      <p:cBhvr additive="base">
+                                        <p:cTn id="52" dur="500" fill="hold"/>
+                                        <p:tgtEl>
+                                          <p:spTgt spid="5">
+                                            <p:txEl>
+                                              <p:pRg st="11" end="11"/>
+                                            </p:txEl>
+                                          </p:spTgt>
+                                        </p:tgtEl>
+                                        <p:attrNameLst>
+                                          <p:attrName>ppt_y</p:attrName>
+                                        </p:attrNameLst>
+                                      </p:cBhvr>
+                                      <p:tavLst>
+                                        <p:tav tm="0">
+                                          <p:val>
+                                            <p:strVal val="1+#ppt_h/2"/>
+                                          </p:val>
+                                        </p:tav>
+                                        <p:tav tm="100000">
+                                          <p:val>
+                                            <p:strVal val="#ppt_y"/>
+                                          </p:val>
+                                        </p:tav>
+                                      </p:tavLst>
+                                    </p:anim>
+                                  </p:childTnLst>
+                                </p:cTn>
+                              </p:par>
+                              <p:par>
+                                <p:cTn id="53" presetID="2" presetClass="entr" presetSubtype="4" fill="hold" grpId="0" nodeType="withEffect">
+                                  <p:stCondLst>
+                                    <p:cond delay="0"/>
+                                  </p:stCondLst>
+                                  <p:childTnLst>
+                                    <p:set>
+                                      <p:cBhvr>
+                                        <p:cTn id="54" dur="1" fill="hold">
+                                          <p:stCondLst>
+                                            <p:cond delay="0"/>
+                                          </p:stCondLst>
+                                        </p:cTn>
+                                        <p:tgtEl>
+                                          <p:spTgt spid="5">
+                                            <p:txEl>
+                                              <p:pRg st="12" end="12"/>
+                                            </p:txEl>
+                                          </p:spTgt>
+                                        </p:tgtEl>
+                                        <p:attrNameLst>
+                                          <p:attrName>style.visibility</p:attrName>
+                                        </p:attrNameLst>
+                                      </p:cBhvr>
+                                      <p:to>
+                                        <p:strVal val="visible"/>
+                                      </p:to>
+                                    </p:set>
+                                    <p:anim calcmode="lin" valueType="num">
+                                      <p:cBhvr additive="base">
+                                        <p:cTn id="55" dur="500" fill="hold"/>
+                                        <p:tgtEl>
+                                          <p:spTgt spid="5">
+                                            <p:txEl>
+                                              <p:pRg st="12" end="12"/>
+                                            </p:txEl>
+                                          </p:spTgt>
+                                        </p:tgtEl>
+                                        <p:attrNameLst>
+                                          <p:attrName>ppt_x</p:attrName>
+                                        </p:attrNameLst>
+                                      </p:cBhvr>
+                                      <p:tavLst>
+                                        <p:tav tm="0">
+                                          <p:val>
+                                            <p:strVal val="#ppt_x"/>
+                                          </p:val>
+                                        </p:tav>
+                                        <p:tav tm="100000">
+                                          <p:val>
+                                            <p:strVal val="#ppt_x"/>
+                                          </p:val>
+                                        </p:tav>
+                                      </p:tavLst>
+                                    </p:anim>
+                                    <p:anim calcmode="lin" valueType="num">
+                                      <p:cBhvr additive="base">
+                                        <p:cTn id="56" dur="500" fill="hold"/>
+                                        <p:tgtEl>
+                                          <p:spTgt spid="5">
+                                            <p:txEl>
+                                              <p:pRg st="12" end="12"/>
                                             </p:txEl>
                                           </p:spTgt>
                                         </p:tgtEl>
@@ -13216,19 +18067,274 @@
                     </p:cTn>
                   </p:par>
                   <p:par>
-                    <p:cTn id="69" fill="hold">
+                    <p:cTn id="57" fill="hold">
                       <p:stCondLst>
                         <p:cond delay="indefinite"/>
                       </p:stCondLst>
                       <p:childTnLst>
                         <p:par>
-                          <p:cTn id="70" fill="hold">
+                          <p:cTn id="58" fill="hold">
                             <p:stCondLst>
                               <p:cond delay="0"/>
                             </p:stCondLst>
                             <p:childTnLst>
                               <p:par>
-                                <p:cTn id="71" presetID="2" presetClass="entr" presetSubtype="4" fill="hold" grpId="0" nodeType="clickEffect">
+                                <p:cTn id="59" presetID="2" presetClass="entr" presetSubtype="4" fill="hold" grpId="0" nodeType="clickEffect">
+                                  <p:stCondLst>
+                                    <p:cond delay="0"/>
+                                  </p:stCondLst>
+                                  <p:childTnLst>
+                                    <p:set>
+                                      <p:cBhvr>
+                                        <p:cTn id="60" dur="1" fill="hold">
+                                          <p:stCondLst>
+                                            <p:cond delay="0"/>
+                                          </p:stCondLst>
+                                        </p:cTn>
+                                        <p:tgtEl>
+                                          <p:spTgt spid="5">
+                                            <p:txEl>
+                                              <p:pRg st="13" end="13"/>
+                                            </p:txEl>
+                                          </p:spTgt>
+                                        </p:tgtEl>
+                                        <p:attrNameLst>
+                                          <p:attrName>style.visibility</p:attrName>
+                                        </p:attrNameLst>
+                                      </p:cBhvr>
+                                      <p:to>
+                                        <p:strVal val="visible"/>
+                                      </p:to>
+                                    </p:set>
+                                    <p:anim calcmode="lin" valueType="num">
+                                      <p:cBhvr additive="base">
+                                        <p:cTn id="61" dur="500" fill="hold"/>
+                                        <p:tgtEl>
+                                          <p:spTgt spid="5">
+                                            <p:txEl>
+                                              <p:pRg st="13" end="13"/>
+                                            </p:txEl>
+                                          </p:spTgt>
+                                        </p:tgtEl>
+                                        <p:attrNameLst>
+                                          <p:attrName>ppt_x</p:attrName>
+                                        </p:attrNameLst>
+                                      </p:cBhvr>
+                                      <p:tavLst>
+                                        <p:tav tm="0">
+                                          <p:val>
+                                            <p:strVal val="#ppt_x"/>
+                                          </p:val>
+                                        </p:tav>
+                                        <p:tav tm="100000">
+                                          <p:val>
+                                            <p:strVal val="#ppt_x"/>
+                                          </p:val>
+                                        </p:tav>
+                                      </p:tavLst>
+                                    </p:anim>
+                                    <p:anim calcmode="lin" valueType="num">
+                                      <p:cBhvr additive="base">
+                                        <p:cTn id="62" dur="500" fill="hold"/>
+                                        <p:tgtEl>
+                                          <p:spTgt spid="5">
+                                            <p:txEl>
+                                              <p:pRg st="13" end="13"/>
+                                            </p:txEl>
+                                          </p:spTgt>
+                                        </p:tgtEl>
+                                        <p:attrNameLst>
+                                          <p:attrName>ppt_y</p:attrName>
+                                        </p:attrNameLst>
+                                      </p:cBhvr>
+                                      <p:tavLst>
+                                        <p:tav tm="0">
+                                          <p:val>
+                                            <p:strVal val="1+#ppt_h/2"/>
+                                          </p:val>
+                                        </p:tav>
+                                        <p:tav tm="100000">
+                                          <p:val>
+                                            <p:strVal val="#ppt_y"/>
+                                          </p:val>
+                                        </p:tav>
+                                      </p:tavLst>
+                                    </p:anim>
+                                  </p:childTnLst>
+                                </p:cTn>
+                              </p:par>
+                              <p:par>
+                                <p:cTn id="63" presetID="2" presetClass="entr" presetSubtype="4" fill="hold" grpId="0" nodeType="withEffect">
+                                  <p:stCondLst>
+                                    <p:cond delay="0"/>
+                                  </p:stCondLst>
+                                  <p:childTnLst>
+                                    <p:set>
+                                      <p:cBhvr>
+                                        <p:cTn id="64" dur="1" fill="hold">
+                                          <p:stCondLst>
+                                            <p:cond delay="0"/>
+                                          </p:stCondLst>
+                                        </p:cTn>
+                                        <p:tgtEl>
+                                          <p:spTgt spid="5">
+                                            <p:txEl>
+                                              <p:pRg st="14" end="14"/>
+                                            </p:txEl>
+                                          </p:spTgt>
+                                        </p:tgtEl>
+                                        <p:attrNameLst>
+                                          <p:attrName>style.visibility</p:attrName>
+                                        </p:attrNameLst>
+                                      </p:cBhvr>
+                                      <p:to>
+                                        <p:strVal val="visible"/>
+                                      </p:to>
+                                    </p:set>
+                                    <p:anim calcmode="lin" valueType="num">
+                                      <p:cBhvr additive="base">
+                                        <p:cTn id="65" dur="500" fill="hold"/>
+                                        <p:tgtEl>
+                                          <p:spTgt spid="5">
+                                            <p:txEl>
+                                              <p:pRg st="14" end="14"/>
+                                            </p:txEl>
+                                          </p:spTgt>
+                                        </p:tgtEl>
+                                        <p:attrNameLst>
+                                          <p:attrName>ppt_x</p:attrName>
+                                        </p:attrNameLst>
+                                      </p:cBhvr>
+                                      <p:tavLst>
+                                        <p:tav tm="0">
+                                          <p:val>
+                                            <p:strVal val="#ppt_x"/>
+                                          </p:val>
+                                        </p:tav>
+                                        <p:tav tm="100000">
+                                          <p:val>
+                                            <p:strVal val="#ppt_x"/>
+                                          </p:val>
+                                        </p:tav>
+                                      </p:tavLst>
+                                    </p:anim>
+                                    <p:anim calcmode="lin" valueType="num">
+                                      <p:cBhvr additive="base">
+                                        <p:cTn id="66" dur="500" fill="hold"/>
+                                        <p:tgtEl>
+                                          <p:spTgt spid="5">
+                                            <p:txEl>
+                                              <p:pRg st="14" end="14"/>
+                                            </p:txEl>
+                                          </p:spTgt>
+                                        </p:tgtEl>
+                                        <p:attrNameLst>
+                                          <p:attrName>ppt_y</p:attrName>
+                                        </p:attrNameLst>
+                                      </p:cBhvr>
+                                      <p:tavLst>
+                                        <p:tav tm="0">
+                                          <p:val>
+                                            <p:strVal val="1+#ppt_h/2"/>
+                                          </p:val>
+                                        </p:tav>
+                                        <p:tav tm="100000">
+                                          <p:val>
+                                            <p:strVal val="#ppt_y"/>
+                                          </p:val>
+                                        </p:tav>
+                                      </p:tavLst>
+                                    </p:anim>
+                                  </p:childTnLst>
+                                </p:cTn>
+                              </p:par>
+                              <p:par>
+                                <p:cTn id="67" presetID="2" presetClass="entr" presetSubtype="4" fill="hold" grpId="0" nodeType="withEffect">
+                                  <p:stCondLst>
+                                    <p:cond delay="0"/>
+                                  </p:stCondLst>
+                                  <p:childTnLst>
+                                    <p:set>
+                                      <p:cBhvr>
+                                        <p:cTn id="68" dur="1" fill="hold">
+                                          <p:stCondLst>
+                                            <p:cond delay="0"/>
+                                          </p:stCondLst>
+                                        </p:cTn>
+                                        <p:tgtEl>
+                                          <p:spTgt spid="5">
+                                            <p:txEl>
+                                              <p:pRg st="15" end="15"/>
+                                            </p:txEl>
+                                          </p:spTgt>
+                                        </p:tgtEl>
+                                        <p:attrNameLst>
+                                          <p:attrName>style.visibility</p:attrName>
+                                        </p:attrNameLst>
+                                      </p:cBhvr>
+                                      <p:to>
+                                        <p:strVal val="visible"/>
+                                      </p:to>
+                                    </p:set>
+                                    <p:anim calcmode="lin" valueType="num">
+                                      <p:cBhvr additive="base">
+                                        <p:cTn id="69" dur="500" fill="hold"/>
+                                        <p:tgtEl>
+                                          <p:spTgt spid="5">
+                                            <p:txEl>
+                                              <p:pRg st="15" end="15"/>
+                                            </p:txEl>
+                                          </p:spTgt>
+                                        </p:tgtEl>
+                                        <p:attrNameLst>
+                                          <p:attrName>ppt_x</p:attrName>
+                                        </p:attrNameLst>
+                                      </p:cBhvr>
+                                      <p:tavLst>
+                                        <p:tav tm="0">
+                                          <p:val>
+                                            <p:strVal val="#ppt_x"/>
+                                          </p:val>
+                                        </p:tav>
+                                        <p:tav tm="100000">
+                                          <p:val>
+                                            <p:strVal val="#ppt_x"/>
+                                          </p:val>
+                                        </p:tav>
+                                      </p:tavLst>
+                                    </p:anim>
+                                    <p:anim calcmode="lin" valueType="num">
+                                      <p:cBhvr additive="base">
+                                        <p:cTn id="70" dur="500" fill="hold"/>
+                                        <p:tgtEl>
+                                          <p:spTgt spid="5">
+                                            <p:txEl>
+                                              <p:pRg st="15" end="15"/>
+                                            </p:txEl>
+                                          </p:spTgt>
+                                        </p:tgtEl>
+                                        <p:attrNameLst>
+                                          <p:attrName>ppt_y</p:attrName>
+                                        </p:attrNameLst>
+                                      </p:cBhvr>
+                                      <p:tavLst>
+                                        <p:tav tm="0">
+                                          <p:val>
+                                            <p:strVal val="1+#ppt_h/2"/>
+                                          </p:val>
+                                        </p:tav>
+                                        <p:tav tm="100000">
+                                          <p:val>
+                                            <p:strVal val="#ppt_y"/>
+                                          </p:val>
+                                        </p:tav>
+                                      </p:tavLst>
+                                    </p:anim>
+                                  </p:childTnLst>
+                                </p:cTn>
+                              </p:par>
+                              <p:par>
+                                <p:cTn id="71" presetID="2" presetClass="entr" presetSubtype="4" fill="hold" grpId="0" nodeType="withEffect">
                                   <p:stCondLst>
                                     <p:cond delay="0"/>
                                   </p:stCondLst>
@@ -13243,7 +18349,7 @@
                                         <p:tgtEl>
                                           <p:spTgt spid="5">
                                             <p:txEl>
-                                              <p:pRg st="11" end="11"/>
+                                              <p:pRg st="16" end="16"/>
                                             </p:txEl>
                                           </p:spTgt>
                                         </p:tgtEl>
@@ -13261,7 +18367,7 @@
                                         <p:tgtEl>
                                           <p:spTgt spid="5">
                                             <p:txEl>
-                                              <p:pRg st="11" end="11"/>
+                                              <p:pRg st="16" end="16"/>
                                             </p:txEl>
                                           </p:spTgt>
                                         </p:tgtEl>
@@ -13288,7 +18394,517 @@
                                         <p:tgtEl>
                                           <p:spTgt spid="5">
                                             <p:txEl>
-                                              <p:pRg st="11" end="11"/>
+                                              <p:pRg st="16" end="16"/>
+                                            </p:txEl>
+                                          </p:spTgt>
+                                        </p:tgtEl>
+                                        <p:attrNameLst>
+                                          <p:attrName>ppt_y</p:attrName>
+                                        </p:attrNameLst>
+                                      </p:cBhvr>
+                                      <p:tavLst>
+                                        <p:tav tm="0">
+                                          <p:val>
+                                            <p:strVal val="1+#ppt_h/2"/>
+                                          </p:val>
+                                        </p:tav>
+                                        <p:tav tm="100000">
+                                          <p:val>
+                                            <p:strVal val="#ppt_y"/>
+                                          </p:val>
+                                        </p:tav>
+                                      </p:tavLst>
+                                    </p:anim>
+                                  </p:childTnLst>
+                                </p:cTn>
+                              </p:par>
+                              <p:par>
+                                <p:cTn id="75" presetID="2" presetClass="entr" presetSubtype="4" fill="hold" grpId="0" nodeType="withEffect">
+                                  <p:stCondLst>
+                                    <p:cond delay="0"/>
+                                  </p:stCondLst>
+                                  <p:childTnLst>
+                                    <p:set>
+                                      <p:cBhvr>
+                                        <p:cTn id="76" dur="1" fill="hold">
+                                          <p:stCondLst>
+                                            <p:cond delay="0"/>
+                                          </p:stCondLst>
+                                        </p:cTn>
+                                        <p:tgtEl>
+                                          <p:spTgt spid="5">
+                                            <p:txEl>
+                                              <p:pRg st="17" end="17"/>
+                                            </p:txEl>
+                                          </p:spTgt>
+                                        </p:tgtEl>
+                                        <p:attrNameLst>
+                                          <p:attrName>style.visibility</p:attrName>
+                                        </p:attrNameLst>
+                                      </p:cBhvr>
+                                      <p:to>
+                                        <p:strVal val="visible"/>
+                                      </p:to>
+                                    </p:set>
+                                    <p:anim calcmode="lin" valueType="num">
+                                      <p:cBhvr additive="base">
+                                        <p:cTn id="77" dur="500" fill="hold"/>
+                                        <p:tgtEl>
+                                          <p:spTgt spid="5">
+                                            <p:txEl>
+                                              <p:pRg st="17" end="17"/>
+                                            </p:txEl>
+                                          </p:spTgt>
+                                        </p:tgtEl>
+                                        <p:attrNameLst>
+                                          <p:attrName>ppt_x</p:attrName>
+                                        </p:attrNameLst>
+                                      </p:cBhvr>
+                                      <p:tavLst>
+                                        <p:tav tm="0">
+                                          <p:val>
+                                            <p:strVal val="#ppt_x"/>
+                                          </p:val>
+                                        </p:tav>
+                                        <p:tav tm="100000">
+                                          <p:val>
+                                            <p:strVal val="#ppt_x"/>
+                                          </p:val>
+                                        </p:tav>
+                                      </p:tavLst>
+                                    </p:anim>
+                                    <p:anim calcmode="lin" valueType="num">
+                                      <p:cBhvr additive="base">
+                                        <p:cTn id="78" dur="500" fill="hold"/>
+                                        <p:tgtEl>
+                                          <p:spTgt spid="5">
+                                            <p:txEl>
+                                              <p:pRg st="17" end="17"/>
+                                            </p:txEl>
+                                          </p:spTgt>
+                                        </p:tgtEl>
+                                        <p:attrNameLst>
+                                          <p:attrName>ppt_y</p:attrName>
+                                        </p:attrNameLst>
+                                      </p:cBhvr>
+                                      <p:tavLst>
+                                        <p:tav tm="0">
+                                          <p:val>
+                                            <p:strVal val="1+#ppt_h/2"/>
+                                          </p:val>
+                                        </p:tav>
+                                        <p:tav tm="100000">
+                                          <p:val>
+                                            <p:strVal val="#ppt_y"/>
+                                          </p:val>
+                                        </p:tav>
+                                      </p:tavLst>
+                                    </p:anim>
+                                  </p:childTnLst>
+                                </p:cTn>
+                              </p:par>
+                              <p:par>
+                                <p:cTn id="79" presetID="2" presetClass="entr" presetSubtype="4" fill="hold" grpId="0" nodeType="withEffect">
+                                  <p:stCondLst>
+                                    <p:cond delay="0"/>
+                                  </p:stCondLst>
+                                  <p:childTnLst>
+                                    <p:set>
+                                      <p:cBhvr>
+                                        <p:cTn id="80" dur="1" fill="hold">
+                                          <p:stCondLst>
+                                            <p:cond delay="0"/>
+                                          </p:stCondLst>
+                                        </p:cTn>
+                                        <p:tgtEl>
+                                          <p:spTgt spid="5">
+                                            <p:txEl>
+                                              <p:pRg st="18" end="18"/>
+                                            </p:txEl>
+                                          </p:spTgt>
+                                        </p:tgtEl>
+                                        <p:attrNameLst>
+                                          <p:attrName>style.visibility</p:attrName>
+                                        </p:attrNameLst>
+                                      </p:cBhvr>
+                                      <p:to>
+                                        <p:strVal val="visible"/>
+                                      </p:to>
+                                    </p:set>
+                                    <p:anim calcmode="lin" valueType="num">
+                                      <p:cBhvr additive="base">
+                                        <p:cTn id="81" dur="500" fill="hold"/>
+                                        <p:tgtEl>
+                                          <p:spTgt spid="5">
+                                            <p:txEl>
+                                              <p:pRg st="18" end="18"/>
+                                            </p:txEl>
+                                          </p:spTgt>
+                                        </p:tgtEl>
+                                        <p:attrNameLst>
+                                          <p:attrName>ppt_x</p:attrName>
+                                        </p:attrNameLst>
+                                      </p:cBhvr>
+                                      <p:tavLst>
+                                        <p:tav tm="0">
+                                          <p:val>
+                                            <p:strVal val="#ppt_x"/>
+                                          </p:val>
+                                        </p:tav>
+                                        <p:tav tm="100000">
+                                          <p:val>
+                                            <p:strVal val="#ppt_x"/>
+                                          </p:val>
+                                        </p:tav>
+                                      </p:tavLst>
+                                    </p:anim>
+                                    <p:anim calcmode="lin" valueType="num">
+                                      <p:cBhvr additive="base">
+                                        <p:cTn id="82" dur="500" fill="hold"/>
+                                        <p:tgtEl>
+                                          <p:spTgt spid="5">
+                                            <p:txEl>
+                                              <p:pRg st="18" end="18"/>
+                                            </p:txEl>
+                                          </p:spTgt>
+                                        </p:tgtEl>
+                                        <p:attrNameLst>
+                                          <p:attrName>ppt_y</p:attrName>
+                                        </p:attrNameLst>
+                                      </p:cBhvr>
+                                      <p:tavLst>
+                                        <p:tav tm="0">
+                                          <p:val>
+                                            <p:strVal val="1+#ppt_h/2"/>
+                                          </p:val>
+                                        </p:tav>
+                                        <p:tav tm="100000">
+                                          <p:val>
+                                            <p:strVal val="#ppt_y"/>
+                                          </p:val>
+                                        </p:tav>
+                                      </p:tavLst>
+                                    </p:anim>
+                                  </p:childTnLst>
+                                </p:cTn>
+                              </p:par>
+                              <p:par>
+                                <p:cTn id="83" presetID="2" presetClass="entr" presetSubtype="4" fill="hold" grpId="0" nodeType="withEffect">
+                                  <p:stCondLst>
+                                    <p:cond delay="0"/>
+                                  </p:stCondLst>
+                                  <p:childTnLst>
+                                    <p:set>
+                                      <p:cBhvr>
+                                        <p:cTn id="84" dur="1" fill="hold">
+                                          <p:stCondLst>
+                                            <p:cond delay="0"/>
+                                          </p:stCondLst>
+                                        </p:cTn>
+                                        <p:tgtEl>
+                                          <p:spTgt spid="5">
+                                            <p:txEl>
+                                              <p:pRg st="19" end="19"/>
+                                            </p:txEl>
+                                          </p:spTgt>
+                                        </p:tgtEl>
+                                        <p:attrNameLst>
+                                          <p:attrName>style.visibility</p:attrName>
+                                        </p:attrNameLst>
+                                      </p:cBhvr>
+                                      <p:to>
+                                        <p:strVal val="visible"/>
+                                      </p:to>
+                                    </p:set>
+                                    <p:anim calcmode="lin" valueType="num">
+                                      <p:cBhvr additive="base">
+                                        <p:cTn id="85" dur="500" fill="hold"/>
+                                        <p:tgtEl>
+                                          <p:spTgt spid="5">
+                                            <p:txEl>
+                                              <p:pRg st="19" end="19"/>
+                                            </p:txEl>
+                                          </p:spTgt>
+                                        </p:tgtEl>
+                                        <p:attrNameLst>
+                                          <p:attrName>ppt_x</p:attrName>
+                                        </p:attrNameLst>
+                                      </p:cBhvr>
+                                      <p:tavLst>
+                                        <p:tav tm="0">
+                                          <p:val>
+                                            <p:strVal val="#ppt_x"/>
+                                          </p:val>
+                                        </p:tav>
+                                        <p:tav tm="100000">
+                                          <p:val>
+                                            <p:strVal val="#ppt_x"/>
+                                          </p:val>
+                                        </p:tav>
+                                      </p:tavLst>
+                                    </p:anim>
+                                    <p:anim calcmode="lin" valueType="num">
+                                      <p:cBhvr additive="base">
+                                        <p:cTn id="86" dur="500" fill="hold"/>
+                                        <p:tgtEl>
+                                          <p:spTgt spid="5">
+                                            <p:txEl>
+                                              <p:pRg st="19" end="19"/>
+                                            </p:txEl>
+                                          </p:spTgt>
+                                        </p:tgtEl>
+                                        <p:attrNameLst>
+                                          <p:attrName>ppt_y</p:attrName>
+                                        </p:attrNameLst>
+                                      </p:cBhvr>
+                                      <p:tavLst>
+                                        <p:tav tm="0">
+                                          <p:val>
+                                            <p:strVal val="1+#ppt_h/2"/>
+                                          </p:val>
+                                        </p:tav>
+                                        <p:tav tm="100000">
+                                          <p:val>
+                                            <p:strVal val="#ppt_y"/>
+                                          </p:val>
+                                        </p:tav>
+                                      </p:tavLst>
+                                    </p:anim>
+                                  </p:childTnLst>
+                                </p:cTn>
+                              </p:par>
+                              <p:par>
+                                <p:cTn id="87" presetID="2" presetClass="entr" presetSubtype="4" fill="hold" grpId="0" nodeType="withEffect">
+                                  <p:stCondLst>
+                                    <p:cond delay="0"/>
+                                  </p:stCondLst>
+                                  <p:childTnLst>
+                                    <p:set>
+                                      <p:cBhvr>
+                                        <p:cTn id="88" dur="1" fill="hold">
+                                          <p:stCondLst>
+                                            <p:cond delay="0"/>
+                                          </p:stCondLst>
+                                        </p:cTn>
+                                        <p:tgtEl>
+                                          <p:spTgt spid="5">
+                                            <p:txEl>
+                                              <p:pRg st="20" end="20"/>
+                                            </p:txEl>
+                                          </p:spTgt>
+                                        </p:tgtEl>
+                                        <p:attrNameLst>
+                                          <p:attrName>style.visibility</p:attrName>
+                                        </p:attrNameLst>
+                                      </p:cBhvr>
+                                      <p:to>
+                                        <p:strVal val="visible"/>
+                                      </p:to>
+                                    </p:set>
+                                    <p:anim calcmode="lin" valueType="num">
+                                      <p:cBhvr additive="base">
+                                        <p:cTn id="89" dur="500" fill="hold"/>
+                                        <p:tgtEl>
+                                          <p:spTgt spid="5">
+                                            <p:txEl>
+                                              <p:pRg st="20" end="20"/>
+                                            </p:txEl>
+                                          </p:spTgt>
+                                        </p:tgtEl>
+                                        <p:attrNameLst>
+                                          <p:attrName>ppt_x</p:attrName>
+                                        </p:attrNameLst>
+                                      </p:cBhvr>
+                                      <p:tavLst>
+                                        <p:tav tm="0">
+                                          <p:val>
+                                            <p:strVal val="#ppt_x"/>
+                                          </p:val>
+                                        </p:tav>
+                                        <p:tav tm="100000">
+                                          <p:val>
+                                            <p:strVal val="#ppt_x"/>
+                                          </p:val>
+                                        </p:tav>
+                                      </p:tavLst>
+                                    </p:anim>
+                                    <p:anim calcmode="lin" valueType="num">
+                                      <p:cBhvr additive="base">
+                                        <p:cTn id="90" dur="500" fill="hold"/>
+                                        <p:tgtEl>
+                                          <p:spTgt spid="5">
+                                            <p:txEl>
+                                              <p:pRg st="20" end="20"/>
+                                            </p:txEl>
+                                          </p:spTgt>
+                                        </p:tgtEl>
+                                        <p:attrNameLst>
+                                          <p:attrName>ppt_y</p:attrName>
+                                        </p:attrNameLst>
+                                      </p:cBhvr>
+                                      <p:tavLst>
+                                        <p:tav tm="0">
+                                          <p:val>
+                                            <p:strVal val="1+#ppt_h/2"/>
+                                          </p:val>
+                                        </p:tav>
+                                        <p:tav tm="100000">
+                                          <p:val>
+                                            <p:strVal val="#ppt_y"/>
+                                          </p:val>
+                                        </p:tav>
+                                      </p:tavLst>
+                                    </p:anim>
+                                  </p:childTnLst>
+                                </p:cTn>
+                              </p:par>
+                              <p:par>
+                                <p:cTn id="91" presetID="2" presetClass="entr" presetSubtype="4" fill="hold" grpId="0" nodeType="withEffect">
+                                  <p:stCondLst>
+                                    <p:cond delay="0"/>
+                                  </p:stCondLst>
+                                  <p:childTnLst>
+                                    <p:set>
+                                      <p:cBhvr>
+                                        <p:cTn id="92" dur="1" fill="hold">
+                                          <p:stCondLst>
+                                            <p:cond delay="0"/>
+                                          </p:stCondLst>
+                                        </p:cTn>
+                                        <p:tgtEl>
+                                          <p:spTgt spid="5">
+                                            <p:txEl>
+                                              <p:pRg st="21" end="21"/>
+                                            </p:txEl>
+                                          </p:spTgt>
+                                        </p:tgtEl>
+                                        <p:attrNameLst>
+                                          <p:attrName>style.visibility</p:attrName>
+                                        </p:attrNameLst>
+                                      </p:cBhvr>
+                                      <p:to>
+                                        <p:strVal val="visible"/>
+                                      </p:to>
+                                    </p:set>
+                                    <p:anim calcmode="lin" valueType="num">
+                                      <p:cBhvr additive="base">
+                                        <p:cTn id="93" dur="500" fill="hold"/>
+                                        <p:tgtEl>
+                                          <p:spTgt spid="5">
+                                            <p:txEl>
+                                              <p:pRg st="21" end="21"/>
+                                            </p:txEl>
+                                          </p:spTgt>
+                                        </p:tgtEl>
+                                        <p:attrNameLst>
+                                          <p:attrName>ppt_x</p:attrName>
+                                        </p:attrNameLst>
+                                      </p:cBhvr>
+                                      <p:tavLst>
+                                        <p:tav tm="0">
+                                          <p:val>
+                                            <p:strVal val="#ppt_x"/>
+                                          </p:val>
+                                        </p:tav>
+                                        <p:tav tm="100000">
+                                          <p:val>
+                                            <p:strVal val="#ppt_x"/>
+                                          </p:val>
+                                        </p:tav>
+                                      </p:tavLst>
+                                    </p:anim>
+                                    <p:anim calcmode="lin" valueType="num">
+                                      <p:cBhvr additive="base">
+                                        <p:cTn id="94" dur="500" fill="hold"/>
+                                        <p:tgtEl>
+                                          <p:spTgt spid="5">
+                                            <p:txEl>
+                                              <p:pRg st="21" end="21"/>
+                                            </p:txEl>
+                                          </p:spTgt>
+                                        </p:tgtEl>
+                                        <p:attrNameLst>
+                                          <p:attrName>ppt_y</p:attrName>
+                                        </p:attrNameLst>
+                                      </p:cBhvr>
+                                      <p:tavLst>
+                                        <p:tav tm="0">
+                                          <p:val>
+                                            <p:strVal val="1+#ppt_h/2"/>
+                                          </p:val>
+                                        </p:tav>
+                                        <p:tav tm="100000">
+                                          <p:val>
+                                            <p:strVal val="#ppt_y"/>
+                                          </p:val>
+                                        </p:tav>
+                                      </p:tavLst>
+                                    </p:anim>
+                                  </p:childTnLst>
+                                </p:cTn>
+                              </p:par>
+                              <p:par>
+                                <p:cTn id="95" presetID="2" presetClass="entr" presetSubtype="4" fill="hold" grpId="0" nodeType="withEffect">
+                                  <p:stCondLst>
+                                    <p:cond delay="0"/>
+                                  </p:stCondLst>
+                                  <p:childTnLst>
+                                    <p:set>
+                                      <p:cBhvr>
+                                        <p:cTn id="96" dur="1" fill="hold">
+                                          <p:stCondLst>
+                                            <p:cond delay="0"/>
+                                          </p:stCondLst>
+                                        </p:cTn>
+                                        <p:tgtEl>
+                                          <p:spTgt spid="5">
+                                            <p:txEl>
+                                              <p:pRg st="22" end="22"/>
+                                            </p:txEl>
+                                          </p:spTgt>
+                                        </p:tgtEl>
+                                        <p:attrNameLst>
+                                          <p:attrName>style.visibility</p:attrName>
+                                        </p:attrNameLst>
+                                      </p:cBhvr>
+                                      <p:to>
+                                        <p:strVal val="visible"/>
+                                      </p:to>
+                                    </p:set>
+                                    <p:anim calcmode="lin" valueType="num">
+                                      <p:cBhvr additive="base">
+                                        <p:cTn id="97" dur="500" fill="hold"/>
+                                        <p:tgtEl>
+                                          <p:spTgt spid="5">
+                                            <p:txEl>
+                                              <p:pRg st="22" end="22"/>
+                                            </p:txEl>
+                                          </p:spTgt>
+                                        </p:tgtEl>
+                                        <p:attrNameLst>
+                                          <p:attrName>ppt_x</p:attrName>
+                                        </p:attrNameLst>
+                                      </p:cBhvr>
+                                      <p:tavLst>
+                                        <p:tav tm="0">
+                                          <p:val>
+                                            <p:strVal val="#ppt_x"/>
+                                          </p:val>
+                                        </p:tav>
+                                        <p:tav tm="100000">
+                                          <p:val>
+                                            <p:strVal val="#ppt_x"/>
+                                          </p:val>
+                                        </p:tav>
+                                      </p:tavLst>
+                                    </p:anim>
+                                    <p:anim calcmode="lin" valueType="num">
+                                      <p:cBhvr additive="base">
+                                        <p:cTn id="98" dur="500" fill="hold"/>
+                                        <p:tgtEl>
+                                          <p:spTgt spid="5">
+                                            <p:txEl>
+                                              <p:pRg st="22" end="22"/>
                                             </p:txEl>
                                           </p:spTgt>
                                         </p:tgtEl>
@@ -13318,27 +18934,337 @@
                       </p:childTnLst>
                     </p:cTn>
                   </p:par>
+                </p:childTnLst>
+              </p:cTn>
+              <p:prevCondLst>
+                <p:cond evt="onPrev" delay="0">
+                  <p:tgtEl>
+                    <p:sldTgt/>
+                  </p:tgtEl>
+                </p:cond>
+              </p:prevCondLst>
+              <p:nextCondLst>
+                <p:cond evt="onNext" delay="0">
+                  <p:tgtEl>
+                    <p:sldTgt/>
+                  </p:tgtEl>
+                </p:cond>
+              </p:nextCondLst>
+            </p:seq>
+          </p:childTnLst>
+        </p:cTn>
+      </p:par>
+    </p:tnLst>
+    <p:bldLst>
+      <p:bldP spid="5" grpId="0" build="p"/>
+    </p:bldLst>
+  </p:timing>
+</p:sld>
+</file>
+
+<file path=ppt/slides/slide9.xml><?xml version="1.0" encoding="utf-8"?>
+<p:sld xmlns:a="http://schemas.openxmlformats.org/drawingml/2006/main" xmlns:r="http://schemas.openxmlformats.org/officeDocument/2006/relationships" xmlns:p="http://schemas.openxmlformats.org/presentationml/2006/main">
+  <p:cSld>
+    <p:bg>
+      <p:bgPr>
+        <a:solidFill>
+          <a:schemeClr val="accent6">
+            <a:lumMod val="40000"/>
+            <a:lumOff val="60000"/>
+            <a:alpha val="75000"/>
+          </a:schemeClr>
+        </a:solidFill>
+        <a:effectLst/>
+      </p:bgPr>
+    </p:bg>
+    <p:spTree>
+      <p:nvGrpSpPr>
+        <p:cNvPr id="1" name=""/>
+        <p:cNvGrpSpPr/>
+        <p:nvPr/>
+      </p:nvGrpSpPr>
+      <p:grpSpPr>
+        <a:xfrm>
+          <a:off x="0" y="0"/>
+          <a:ext cx="0" cy="0"/>
+          <a:chOff x="0" y="0"/>
+          <a:chExt cx="0" cy="0"/>
+        </a:xfrm>
+      </p:grpSpPr>
+      <p:sp>
+        <p:nvSpPr>
+          <p:cNvPr id="4" name="Title 3">
+            <a:extLst>
+              <a:ext uri="{FF2B5EF4-FFF2-40B4-BE49-F238E27FC236}">
+                <a16:creationId xmlns:a16="http://schemas.microsoft.com/office/drawing/2014/main" id="{22C1F510-134D-7DE1-73D5-F1059BB70482}"/>
+              </a:ext>
+            </a:extLst>
+          </p:cNvPr>
+          <p:cNvSpPr>
+            <a:spLocks noGrp="1"/>
+          </p:cNvSpPr>
+          <p:nvPr>
+            <p:ph type="title"/>
+          </p:nvPr>
+        </p:nvSpPr>
+        <p:spPr>
+          <a:xfrm>
+            <a:off x="2592925" y="624110"/>
+            <a:ext cx="8911687" cy="776673"/>
+          </a:xfrm>
+        </p:spPr>
+        <p:txBody>
+          <a:bodyPr anchor="ctr">
+            <a:normAutofit/>
+          </a:bodyPr>
+          <a:lstStyle/>
+          <a:p>
+            <a:pPr algn="ctr"/>
+            <a:r>
+              <a:rPr lang="en-US" sz="3200" dirty="0">
+                <a:latin typeface="Arial Black" panose="020B0A04020102020204" pitchFamily="34" charset="0"/>
+              </a:rPr>
+              <a:t>Next Steps (Continued..)</a:t>
+            </a:r>
+          </a:p>
+        </p:txBody>
+      </p:sp>
+      <p:sp>
+        <p:nvSpPr>
+          <p:cNvPr id="5" name="Content Placeholder 4">
+            <a:extLst>
+              <a:ext uri="{FF2B5EF4-FFF2-40B4-BE49-F238E27FC236}">
+                <a16:creationId xmlns:a16="http://schemas.microsoft.com/office/drawing/2014/main" id="{FBDD2FE2-B5C6-53D5-DD8A-3476C868886C}"/>
+              </a:ext>
+            </a:extLst>
+          </p:cNvPr>
+          <p:cNvSpPr>
+            <a:spLocks noGrp="1"/>
+          </p:cNvSpPr>
+          <p:nvPr>
+            <p:ph idx="1"/>
+          </p:nvPr>
+        </p:nvSpPr>
+        <p:spPr>
+          <a:xfrm>
+            <a:off x="2589212" y="1400783"/>
+            <a:ext cx="8915400" cy="5093323"/>
+          </a:xfrm>
+        </p:spPr>
+        <p:txBody>
+          <a:bodyPr>
+            <a:noAutofit/>
+          </a:bodyPr>
+          <a:lstStyle/>
+          <a:p>
+            <a:pPr>
+              <a:spcBef>
+                <a:spcPts val="0"/>
+              </a:spcBef>
+            </a:pPr>
+            <a:r>
+              <a:rPr lang="en-US" sz="1600" b="1" dirty="0">
+                <a:latin typeface="Calibri" panose="020F0502020204030204" pitchFamily="34" charset="0"/>
+                <a:cs typeface="Calibri" panose="020F0502020204030204" pitchFamily="34" charset="0"/>
+              </a:rPr>
+              <a:t>Milestone Checkpoints:</a:t>
+            </a:r>
+            <a:endParaRPr lang="en-US" sz="1600" dirty="0">
+              <a:latin typeface="Calibri" panose="020F0502020204030204" pitchFamily="34" charset="0"/>
+              <a:cs typeface="Calibri" panose="020F0502020204030204" pitchFamily="34" charset="0"/>
+            </a:endParaRPr>
+          </a:p>
+          <a:p>
+            <a:pPr lvl="1">
+              <a:spcBef>
+                <a:spcPts val="0"/>
+              </a:spcBef>
+            </a:pPr>
+            <a:r>
+              <a:rPr lang="en-US" sz="1400" b="1" dirty="0">
+                <a:latin typeface="Calibri" panose="020F0502020204030204" pitchFamily="34" charset="0"/>
+                <a:cs typeface="Calibri" panose="020F0502020204030204" pitchFamily="34" charset="0"/>
+              </a:rPr>
+              <a:t>Checkpoint 1 (Month 3): Infrastructure Design Approval</a:t>
+            </a:r>
+            <a:endParaRPr lang="en-US" sz="1400" dirty="0">
+              <a:latin typeface="Calibri" panose="020F0502020204030204" pitchFamily="34" charset="0"/>
+              <a:cs typeface="Calibri" panose="020F0502020204030204" pitchFamily="34" charset="0"/>
+            </a:endParaRPr>
+          </a:p>
+          <a:p>
+            <a:pPr lvl="2">
+              <a:spcBef>
+                <a:spcPts val="0"/>
+              </a:spcBef>
+            </a:pPr>
+            <a:r>
+              <a:rPr lang="en-US" dirty="0">
+                <a:latin typeface="Calibri" panose="020F0502020204030204" pitchFamily="34" charset="0"/>
+                <a:cs typeface="Calibri" panose="020F0502020204030204" pitchFamily="34" charset="0"/>
+              </a:rPr>
+              <a:t>Review and approve the proposed data warehouse architecture.</a:t>
+            </a:r>
+          </a:p>
+          <a:p>
+            <a:pPr lvl="2">
+              <a:spcBef>
+                <a:spcPts val="0"/>
+              </a:spcBef>
+            </a:pPr>
+            <a:r>
+              <a:rPr lang="en-US" dirty="0">
+                <a:latin typeface="Calibri" panose="020F0502020204030204" pitchFamily="34" charset="0"/>
+                <a:cs typeface="Calibri" panose="020F0502020204030204" pitchFamily="34" charset="0"/>
+              </a:rPr>
+              <a:t>Ensure alignment with security and compliance standards.</a:t>
+            </a:r>
+          </a:p>
+          <a:p>
+            <a:pPr lvl="1">
+              <a:spcBef>
+                <a:spcPts val="0"/>
+              </a:spcBef>
+            </a:pPr>
+            <a:r>
+              <a:rPr lang="en-US" sz="1400" b="1" dirty="0">
+                <a:latin typeface="Calibri" panose="020F0502020204030204" pitchFamily="34" charset="0"/>
+                <a:cs typeface="Calibri" panose="020F0502020204030204" pitchFamily="34" charset="0"/>
+              </a:rPr>
+              <a:t>Checkpoint 2 (Month 6): Initial Deployment and Training</a:t>
+            </a:r>
+            <a:endParaRPr lang="en-US" sz="1400" dirty="0">
+              <a:latin typeface="Calibri" panose="020F0502020204030204" pitchFamily="34" charset="0"/>
+              <a:cs typeface="Calibri" panose="020F0502020204030204" pitchFamily="34" charset="0"/>
+            </a:endParaRPr>
+          </a:p>
+          <a:p>
+            <a:pPr lvl="2">
+              <a:spcBef>
+                <a:spcPts val="0"/>
+              </a:spcBef>
+            </a:pPr>
+            <a:r>
+              <a:rPr lang="en-US" dirty="0">
+                <a:latin typeface="Calibri" panose="020F0502020204030204" pitchFamily="34" charset="0"/>
+                <a:cs typeface="Calibri" panose="020F0502020204030204" pitchFamily="34" charset="0"/>
+              </a:rPr>
+              <a:t>Validate the successful deployment of the data infrastructure.</a:t>
+            </a:r>
+          </a:p>
+          <a:p>
+            <a:pPr lvl="2">
+              <a:spcBef>
+                <a:spcPts val="0"/>
+              </a:spcBef>
+            </a:pPr>
+            <a:r>
+              <a:rPr lang="en-US" dirty="0">
+                <a:latin typeface="Calibri" panose="020F0502020204030204" pitchFamily="34" charset="0"/>
+                <a:cs typeface="Calibri" panose="020F0502020204030204" pitchFamily="34" charset="0"/>
+              </a:rPr>
+              <a:t>Conduct training sessions for data analysts.</a:t>
+            </a:r>
+          </a:p>
+          <a:p>
+            <a:pPr lvl="1">
+              <a:spcBef>
+                <a:spcPts val="0"/>
+              </a:spcBef>
+            </a:pPr>
+            <a:r>
+              <a:rPr lang="en-US" sz="1400" b="1" dirty="0">
+                <a:latin typeface="Calibri" panose="020F0502020204030204" pitchFamily="34" charset="0"/>
+                <a:cs typeface="Calibri" panose="020F0502020204030204" pitchFamily="34" charset="0"/>
+              </a:rPr>
+              <a:t>Checkpoint 3 (Month 9): Testing and Optimization Review</a:t>
+            </a:r>
+            <a:endParaRPr lang="en-US" sz="1400" dirty="0">
+              <a:latin typeface="Calibri" panose="020F0502020204030204" pitchFamily="34" charset="0"/>
+              <a:cs typeface="Calibri" panose="020F0502020204030204" pitchFamily="34" charset="0"/>
+            </a:endParaRPr>
+          </a:p>
+          <a:p>
+            <a:pPr lvl="2">
+              <a:spcBef>
+                <a:spcPts val="0"/>
+              </a:spcBef>
+            </a:pPr>
+            <a:r>
+              <a:rPr lang="en-US" dirty="0">
+                <a:latin typeface="Calibri" panose="020F0502020204030204" pitchFamily="34" charset="0"/>
+                <a:cs typeface="Calibri" panose="020F0502020204030204" pitchFamily="34" charset="0"/>
+              </a:rPr>
+              <a:t>Assess the results of testing and optimization efforts.</a:t>
+            </a:r>
+          </a:p>
+          <a:p>
+            <a:pPr lvl="2">
+              <a:spcBef>
+                <a:spcPts val="0"/>
+              </a:spcBef>
+            </a:pPr>
+            <a:r>
+              <a:rPr lang="en-US" dirty="0">
+                <a:latin typeface="Calibri" panose="020F0502020204030204" pitchFamily="34" charset="0"/>
+                <a:cs typeface="Calibri" panose="020F0502020204030204" pitchFamily="34" charset="0"/>
+              </a:rPr>
+              <a:t>Gather feedback from end-users for further improvements.</a:t>
+            </a:r>
+          </a:p>
+        </p:txBody>
+      </p:sp>
+    </p:spTree>
+    <p:extLst>
+      <p:ext uri="{BB962C8B-B14F-4D97-AF65-F5344CB8AC3E}">
+        <p14:creationId xmlns:p14="http://schemas.microsoft.com/office/powerpoint/2010/main" val="1671349500"/>
+      </p:ext>
+    </p:extLst>
+  </p:cSld>
+  <p:clrMapOvr>
+    <a:masterClrMapping/>
+  </p:clrMapOvr>
+  <mc:AlternateContent xmlns:mc="http://schemas.openxmlformats.org/markup-compatibility/2006">
+    <mc:Choice xmlns:p15="http://schemas.microsoft.com/office/powerpoint/2012/main" Requires="p15">
+      <p:transition xmlns:p14="http://schemas.microsoft.com/office/powerpoint/2010/main" spd="slow" p14:dur="1250">
+        <p15:prstTrans prst="pageCurlDouble"/>
+      </p:transition>
+    </mc:Choice>
+    <mc:Fallback>
+      <p:transition spd="slow">
+        <p:fade/>
+      </p:transition>
+    </mc:Fallback>
+  </mc:AlternateContent>
+  <p:timing>
+    <p:tnLst>
+      <p:par>
+        <p:cTn id="1" dur="indefinite" restart="never" nodeType="tmRoot">
+          <p:childTnLst>
+            <p:seq concurrent="1" nextAc="seek">
+              <p:cTn id="2" dur="indefinite" nodeType="mainSeq">
+                <p:childTnLst>
                   <p:par>
-                    <p:cTn id="75" fill="hold">
+                    <p:cTn id="3" fill="hold">
                       <p:stCondLst>
                         <p:cond delay="indefinite"/>
                       </p:stCondLst>
                       <p:childTnLst>
                         <p:par>
-                          <p:cTn id="76" fill="hold">
+                          <p:cTn id="4" fill="hold">
                             <p:stCondLst>
                               <p:cond delay="0"/>
                             </p:stCondLst>
                             <p:childTnLst>
                               <p:par>
-                                <p:cTn id="77" presetID="2" presetClass="entr" presetSubtype="4" fill="hold" grpId="0" nodeType="clickEffect">
+                                <p:cTn id="5" presetID="2" presetClass="entr" presetSubtype="4" fill="hold" grpId="0" nodeType="clickEffect">
                                   <p:stCondLst>
                                     <p:cond delay="0"/>
                                   </p:stCondLst>
                                   <p:childTnLst>
                                     <p:set>
                                       <p:cBhvr>
-                                        <p:cTn id="78" dur="1" fill="hold">
+                                        <p:cTn id="6" dur="1" fill="hold">
                                           <p:stCondLst>
                                             <p:cond delay="0"/>
                                           </p:stCondLst>
@@ -13346,7 +19272,7 @@
                                         <p:tgtEl>
                                           <p:spTgt spid="5">
                                             <p:txEl>
-                                              <p:pRg st="12" end="12"/>
+                                              <p:pRg st="0" end="0"/>
                                             </p:txEl>
                                           </p:spTgt>
                                         </p:tgtEl>
@@ -13360,11 +19286,11 @@
                                     </p:set>
                                     <p:anim calcmode="lin" valueType="num">
                                       <p:cBhvr additive="base">
-                                        <p:cTn id="79" dur="500" fill="hold"/>
-                                        <p:tgtEl>
-                                          <p:spTgt spid="5">
-                                            <p:txEl>
-                                              <p:pRg st="12" end="12"/>
+                                        <p:cTn id="7" dur="500" fill="hold"/>
+                                        <p:tgtEl>
+                                          <p:spTgt spid="5">
+                                            <p:txEl>
+                                              <p:pRg st="0" end="0"/>
                                             </p:txEl>
                                           </p:spTgt>
                                         </p:tgtEl>
@@ -13387,11 +19313,11 @@
                                     </p:anim>
                                     <p:anim calcmode="lin" valueType="num">
                                       <p:cBhvr additive="base">
-                                        <p:cTn id="80" dur="500" fill="hold"/>
-                                        <p:tgtEl>
-                                          <p:spTgt spid="5">
-                                            <p:txEl>
-                                              <p:pRg st="12" end="12"/>
+                                        <p:cTn id="8" dur="500" fill="hold"/>
+                                        <p:tgtEl>
+                                          <p:spTgt spid="5">
+                                            <p:txEl>
+                                              <p:pRg st="0" end="0"/>
                                             </p:txEl>
                                           </p:spTgt>
                                         </p:tgtEl>
@@ -13415,33 +19341,15 @@
                                   </p:childTnLst>
                                 </p:cTn>
                               </p:par>
-                            </p:childTnLst>
-                          </p:cTn>
-                        </p:par>
-                      </p:childTnLst>
-                    </p:cTn>
-                  </p:par>
-                  <p:par>
-                    <p:cTn id="81" fill="hold">
-                      <p:stCondLst>
-                        <p:cond delay="indefinite"/>
-                      </p:stCondLst>
-                      <p:childTnLst>
-                        <p:par>
-                          <p:cTn id="82" fill="hold">
-                            <p:stCondLst>
-                              <p:cond delay="0"/>
-                            </p:stCondLst>
-                            <p:childTnLst>
                               <p:par>
-                                <p:cTn id="83" presetID="2" presetClass="entr" presetSubtype="4" fill="hold" grpId="0" nodeType="clickEffect">
+                                <p:cTn id="9" presetID="2" presetClass="entr" presetSubtype="4" fill="hold" grpId="0" nodeType="withEffect">
                                   <p:stCondLst>
                                     <p:cond delay="0"/>
                                   </p:stCondLst>
                                   <p:childTnLst>
                                     <p:set>
                                       <p:cBhvr>
-                                        <p:cTn id="84" dur="1" fill="hold">
+                                        <p:cTn id="10" dur="1" fill="hold">
                                           <p:stCondLst>
                                             <p:cond delay="0"/>
                                           </p:stCondLst>
@@ -13449,7 +19357,7 @@
                                         <p:tgtEl>
                                           <p:spTgt spid="5">
                                             <p:txEl>
-                                              <p:pRg st="13" end="13"/>
+                                              <p:pRg st="1" end="1"/>
                                             </p:txEl>
                                           </p:spTgt>
                                         </p:tgtEl>
@@ -13463,11 +19371,11 @@
                                     </p:set>
                                     <p:anim calcmode="lin" valueType="num">
                                       <p:cBhvr additive="base">
-                                        <p:cTn id="85" dur="500" fill="hold"/>
-                                        <p:tgtEl>
-                                          <p:spTgt spid="5">
-                                            <p:txEl>
-                                              <p:pRg st="13" end="13"/>
+                                        <p:cTn id="11" dur="500" fill="hold"/>
+                                        <p:tgtEl>
+                                          <p:spTgt spid="5">
+                                            <p:txEl>
+                                              <p:pRg st="1" end="1"/>
                                             </p:txEl>
                                           </p:spTgt>
                                         </p:tgtEl>
@@ -13490,11 +19398,11 @@
                                     </p:anim>
                                     <p:anim calcmode="lin" valueType="num">
                                       <p:cBhvr additive="base">
-                                        <p:cTn id="86" dur="500" fill="hold"/>
-                                        <p:tgtEl>
-                                          <p:spTgt spid="5">
-                                            <p:txEl>
-                                              <p:pRg st="13" end="13"/>
+                                        <p:cTn id="12" dur="500" fill="hold"/>
+                                        <p:tgtEl>
+                                          <p:spTgt spid="5">
+                                            <p:txEl>
+                                              <p:pRg st="1" end="1"/>
                                             </p:txEl>
                                           </p:spTgt>
                                         </p:tgtEl>
@@ -13518,33 +19426,15 @@
                                   </p:childTnLst>
                                 </p:cTn>
                               </p:par>
-                            </p:childTnLst>
-                          </p:cTn>
-                        </p:par>
-                      </p:childTnLst>
-                    </p:cTn>
-                  </p:par>
-                  <p:par>
-                    <p:cTn id="87" fill="hold">
-                      <p:stCondLst>
-                        <p:cond delay="indefinite"/>
-                      </p:stCondLst>
-                      <p:childTnLst>
-                        <p:par>
-                          <p:cTn id="88" fill="hold">
-                            <p:stCondLst>
-                              <p:cond delay="0"/>
-                            </p:stCondLst>
-                            <p:childTnLst>
                               <p:par>
-                                <p:cTn id="89" presetID="2" presetClass="entr" presetSubtype="4" fill="hold" grpId="0" nodeType="clickEffect">
+                                <p:cTn id="13" presetID="2" presetClass="entr" presetSubtype="4" fill="hold" grpId="0" nodeType="withEffect">
                                   <p:stCondLst>
                                     <p:cond delay="0"/>
                                   </p:stCondLst>
                                   <p:childTnLst>
                                     <p:set>
                                       <p:cBhvr>
-                                        <p:cTn id="90" dur="1" fill="hold">
+                                        <p:cTn id="14" dur="1" fill="hold">
                                           <p:stCondLst>
                                             <p:cond delay="0"/>
                                           </p:stCondLst>
@@ -13552,7 +19442,7 @@
                                         <p:tgtEl>
                                           <p:spTgt spid="5">
                                             <p:txEl>
-                                              <p:pRg st="14" end="14"/>
+                                              <p:pRg st="2" end="2"/>
                                             </p:txEl>
                                           </p:spTgt>
                                         </p:tgtEl>
@@ -13566,11 +19456,11 @@
                                     </p:set>
                                     <p:anim calcmode="lin" valueType="num">
                                       <p:cBhvr additive="base">
-                                        <p:cTn id="91" dur="500" fill="hold"/>
-                                        <p:tgtEl>
-                                          <p:spTgt spid="5">
-                                            <p:txEl>
-                                              <p:pRg st="14" end="14"/>
+                                        <p:cTn id="15" dur="500" fill="hold"/>
+                                        <p:tgtEl>
+                                          <p:spTgt spid="5">
+                                            <p:txEl>
+                                              <p:pRg st="2" end="2"/>
                                             </p:txEl>
                                           </p:spTgt>
                                         </p:tgtEl>
@@ -13593,11 +19483,606 @@
                                     </p:anim>
                                     <p:anim calcmode="lin" valueType="num">
                                       <p:cBhvr additive="base">
-                                        <p:cTn id="92" dur="500" fill="hold"/>
-                                        <p:tgtEl>
-                                          <p:spTgt spid="5">
-                                            <p:txEl>
-                                              <p:pRg st="14" end="14"/>
+                                        <p:cTn id="16" dur="500" fill="hold"/>
+                                        <p:tgtEl>
+                                          <p:spTgt spid="5">
+                                            <p:txEl>
+                                              <p:pRg st="2" end="2"/>
+                                            </p:txEl>
+                                          </p:spTgt>
+                                        </p:tgtEl>
+                                        <p:attrNameLst>
+                                          <p:attrName>ppt_y</p:attrName>
+                                        </p:attrNameLst>
+                                      </p:cBhvr>
+                                      <p:tavLst>
+                                        <p:tav tm="0">
+                                          <p:val>
+                                            <p:strVal val="1+#ppt_h/2"/>
+                                          </p:val>
+                                        </p:tav>
+                                        <p:tav tm="100000">
+                                          <p:val>
+                                            <p:strVal val="#ppt_y"/>
+                                          </p:val>
+                                        </p:tav>
+                                      </p:tavLst>
+                                    </p:anim>
+                                  </p:childTnLst>
+                                </p:cTn>
+                              </p:par>
+                              <p:par>
+                                <p:cTn id="17" presetID="2" presetClass="entr" presetSubtype="4" fill="hold" grpId="0" nodeType="withEffect">
+                                  <p:stCondLst>
+                                    <p:cond delay="0"/>
+                                  </p:stCondLst>
+                                  <p:childTnLst>
+                                    <p:set>
+                                      <p:cBhvr>
+                                        <p:cTn id="18" dur="1" fill="hold">
+                                          <p:stCondLst>
+                                            <p:cond delay="0"/>
+                                          </p:stCondLst>
+                                        </p:cTn>
+                                        <p:tgtEl>
+                                          <p:spTgt spid="5">
+                                            <p:txEl>
+                                              <p:pRg st="3" end="3"/>
+                                            </p:txEl>
+                                          </p:spTgt>
+                                        </p:tgtEl>
+                                        <p:attrNameLst>
+                                          <p:attrName>style.visibility</p:attrName>
+                                        </p:attrNameLst>
+                                      </p:cBhvr>
+                                      <p:to>
+                                        <p:strVal val="visible"/>
+                                      </p:to>
+                                    </p:set>
+                                    <p:anim calcmode="lin" valueType="num">
+                                      <p:cBhvr additive="base">
+                                        <p:cTn id="19" dur="500" fill="hold"/>
+                                        <p:tgtEl>
+                                          <p:spTgt spid="5">
+                                            <p:txEl>
+                                              <p:pRg st="3" end="3"/>
+                                            </p:txEl>
+                                          </p:spTgt>
+                                        </p:tgtEl>
+                                        <p:attrNameLst>
+                                          <p:attrName>ppt_x</p:attrName>
+                                        </p:attrNameLst>
+                                      </p:cBhvr>
+                                      <p:tavLst>
+                                        <p:tav tm="0">
+                                          <p:val>
+                                            <p:strVal val="#ppt_x"/>
+                                          </p:val>
+                                        </p:tav>
+                                        <p:tav tm="100000">
+                                          <p:val>
+                                            <p:strVal val="#ppt_x"/>
+                                          </p:val>
+                                        </p:tav>
+                                      </p:tavLst>
+                                    </p:anim>
+                                    <p:anim calcmode="lin" valueType="num">
+                                      <p:cBhvr additive="base">
+                                        <p:cTn id="20" dur="500" fill="hold"/>
+                                        <p:tgtEl>
+                                          <p:spTgt spid="5">
+                                            <p:txEl>
+                                              <p:pRg st="3" end="3"/>
+                                            </p:txEl>
+                                          </p:spTgt>
+                                        </p:tgtEl>
+                                        <p:attrNameLst>
+                                          <p:attrName>ppt_y</p:attrName>
+                                        </p:attrNameLst>
+                                      </p:cBhvr>
+                                      <p:tavLst>
+                                        <p:tav tm="0">
+                                          <p:val>
+                                            <p:strVal val="1+#ppt_h/2"/>
+                                          </p:val>
+                                        </p:tav>
+                                        <p:tav tm="100000">
+                                          <p:val>
+                                            <p:strVal val="#ppt_y"/>
+                                          </p:val>
+                                        </p:tav>
+                                      </p:tavLst>
+                                    </p:anim>
+                                  </p:childTnLst>
+                                </p:cTn>
+                              </p:par>
+                              <p:par>
+                                <p:cTn id="21" presetID="2" presetClass="entr" presetSubtype="4" fill="hold" grpId="0" nodeType="withEffect">
+                                  <p:stCondLst>
+                                    <p:cond delay="0"/>
+                                  </p:stCondLst>
+                                  <p:childTnLst>
+                                    <p:set>
+                                      <p:cBhvr>
+                                        <p:cTn id="22" dur="1" fill="hold">
+                                          <p:stCondLst>
+                                            <p:cond delay="0"/>
+                                          </p:stCondLst>
+                                        </p:cTn>
+                                        <p:tgtEl>
+                                          <p:spTgt spid="5">
+                                            <p:txEl>
+                                              <p:pRg st="4" end="4"/>
+                                            </p:txEl>
+                                          </p:spTgt>
+                                        </p:tgtEl>
+                                        <p:attrNameLst>
+                                          <p:attrName>style.visibility</p:attrName>
+                                        </p:attrNameLst>
+                                      </p:cBhvr>
+                                      <p:to>
+                                        <p:strVal val="visible"/>
+                                      </p:to>
+                                    </p:set>
+                                    <p:anim calcmode="lin" valueType="num">
+                                      <p:cBhvr additive="base">
+                                        <p:cTn id="23" dur="500" fill="hold"/>
+                                        <p:tgtEl>
+                                          <p:spTgt spid="5">
+                                            <p:txEl>
+                                              <p:pRg st="4" end="4"/>
+                                            </p:txEl>
+                                          </p:spTgt>
+                                        </p:tgtEl>
+                                        <p:attrNameLst>
+                                          <p:attrName>ppt_x</p:attrName>
+                                        </p:attrNameLst>
+                                      </p:cBhvr>
+                                      <p:tavLst>
+                                        <p:tav tm="0">
+                                          <p:val>
+                                            <p:strVal val="#ppt_x"/>
+                                          </p:val>
+                                        </p:tav>
+                                        <p:tav tm="100000">
+                                          <p:val>
+                                            <p:strVal val="#ppt_x"/>
+                                          </p:val>
+                                        </p:tav>
+                                      </p:tavLst>
+                                    </p:anim>
+                                    <p:anim calcmode="lin" valueType="num">
+                                      <p:cBhvr additive="base">
+                                        <p:cTn id="24" dur="500" fill="hold"/>
+                                        <p:tgtEl>
+                                          <p:spTgt spid="5">
+                                            <p:txEl>
+                                              <p:pRg st="4" end="4"/>
+                                            </p:txEl>
+                                          </p:spTgt>
+                                        </p:tgtEl>
+                                        <p:attrNameLst>
+                                          <p:attrName>ppt_y</p:attrName>
+                                        </p:attrNameLst>
+                                      </p:cBhvr>
+                                      <p:tavLst>
+                                        <p:tav tm="0">
+                                          <p:val>
+                                            <p:strVal val="1+#ppt_h/2"/>
+                                          </p:val>
+                                        </p:tav>
+                                        <p:tav tm="100000">
+                                          <p:val>
+                                            <p:strVal val="#ppt_y"/>
+                                          </p:val>
+                                        </p:tav>
+                                      </p:tavLst>
+                                    </p:anim>
+                                  </p:childTnLst>
+                                </p:cTn>
+                              </p:par>
+                              <p:par>
+                                <p:cTn id="25" presetID="2" presetClass="entr" presetSubtype="4" fill="hold" grpId="0" nodeType="withEffect">
+                                  <p:stCondLst>
+                                    <p:cond delay="0"/>
+                                  </p:stCondLst>
+                                  <p:childTnLst>
+                                    <p:set>
+                                      <p:cBhvr>
+                                        <p:cTn id="26" dur="1" fill="hold">
+                                          <p:stCondLst>
+                                            <p:cond delay="0"/>
+                                          </p:stCondLst>
+                                        </p:cTn>
+                                        <p:tgtEl>
+                                          <p:spTgt spid="5">
+                                            <p:txEl>
+                                              <p:pRg st="5" end="5"/>
+                                            </p:txEl>
+                                          </p:spTgt>
+                                        </p:tgtEl>
+                                        <p:attrNameLst>
+                                          <p:attrName>style.visibility</p:attrName>
+                                        </p:attrNameLst>
+                                      </p:cBhvr>
+                                      <p:to>
+                                        <p:strVal val="visible"/>
+                                      </p:to>
+                                    </p:set>
+                                    <p:anim calcmode="lin" valueType="num">
+                                      <p:cBhvr additive="base">
+                                        <p:cTn id="27" dur="500" fill="hold"/>
+                                        <p:tgtEl>
+                                          <p:spTgt spid="5">
+                                            <p:txEl>
+                                              <p:pRg st="5" end="5"/>
+                                            </p:txEl>
+                                          </p:spTgt>
+                                        </p:tgtEl>
+                                        <p:attrNameLst>
+                                          <p:attrName>ppt_x</p:attrName>
+                                        </p:attrNameLst>
+                                      </p:cBhvr>
+                                      <p:tavLst>
+                                        <p:tav tm="0">
+                                          <p:val>
+                                            <p:strVal val="#ppt_x"/>
+                                          </p:val>
+                                        </p:tav>
+                                        <p:tav tm="100000">
+                                          <p:val>
+                                            <p:strVal val="#ppt_x"/>
+                                          </p:val>
+                                        </p:tav>
+                                      </p:tavLst>
+                                    </p:anim>
+                                    <p:anim calcmode="lin" valueType="num">
+                                      <p:cBhvr additive="base">
+                                        <p:cTn id="28" dur="500" fill="hold"/>
+                                        <p:tgtEl>
+                                          <p:spTgt spid="5">
+                                            <p:txEl>
+                                              <p:pRg st="5" end="5"/>
+                                            </p:txEl>
+                                          </p:spTgt>
+                                        </p:tgtEl>
+                                        <p:attrNameLst>
+                                          <p:attrName>ppt_y</p:attrName>
+                                        </p:attrNameLst>
+                                      </p:cBhvr>
+                                      <p:tavLst>
+                                        <p:tav tm="0">
+                                          <p:val>
+                                            <p:strVal val="1+#ppt_h/2"/>
+                                          </p:val>
+                                        </p:tav>
+                                        <p:tav tm="100000">
+                                          <p:val>
+                                            <p:strVal val="#ppt_y"/>
+                                          </p:val>
+                                        </p:tav>
+                                      </p:tavLst>
+                                    </p:anim>
+                                  </p:childTnLst>
+                                </p:cTn>
+                              </p:par>
+                              <p:par>
+                                <p:cTn id="29" presetID="2" presetClass="entr" presetSubtype="4" fill="hold" grpId="0" nodeType="withEffect">
+                                  <p:stCondLst>
+                                    <p:cond delay="0"/>
+                                  </p:stCondLst>
+                                  <p:childTnLst>
+                                    <p:set>
+                                      <p:cBhvr>
+                                        <p:cTn id="30" dur="1" fill="hold">
+                                          <p:stCondLst>
+                                            <p:cond delay="0"/>
+                                          </p:stCondLst>
+                                        </p:cTn>
+                                        <p:tgtEl>
+                                          <p:spTgt spid="5">
+                                            <p:txEl>
+                                              <p:pRg st="6" end="6"/>
+                                            </p:txEl>
+                                          </p:spTgt>
+                                        </p:tgtEl>
+                                        <p:attrNameLst>
+                                          <p:attrName>style.visibility</p:attrName>
+                                        </p:attrNameLst>
+                                      </p:cBhvr>
+                                      <p:to>
+                                        <p:strVal val="visible"/>
+                                      </p:to>
+                                    </p:set>
+                                    <p:anim calcmode="lin" valueType="num">
+                                      <p:cBhvr additive="base">
+                                        <p:cTn id="31" dur="500" fill="hold"/>
+                                        <p:tgtEl>
+                                          <p:spTgt spid="5">
+                                            <p:txEl>
+                                              <p:pRg st="6" end="6"/>
+                                            </p:txEl>
+                                          </p:spTgt>
+                                        </p:tgtEl>
+                                        <p:attrNameLst>
+                                          <p:attrName>ppt_x</p:attrName>
+                                        </p:attrNameLst>
+                                      </p:cBhvr>
+                                      <p:tavLst>
+                                        <p:tav tm="0">
+                                          <p:val>
+                                            <p:strVal val="#ppt_x"/>
+                                          </p:val>
+                                        </p:tav>
+                                        <p:tav tm="100000">
+                                          <p:val>
+                                            <p:strVal val="#ppt_x"/>
+                                          </p:val>
+                                        </p:tav>
+                                      </p:tavLst>
+                                    </p:anim>
+                                    <p:anim calcmode="lin" valueType="num">
+                                      <p:cBhvr additive="base">
+                                        <p:cTn id="32" dur="500" fill="hold"/>
+                                        <p:tgtEl>
+                                          <p:spTgt spid="5">
+                                            <p:txEl>
+                                              <p:pRg st="6" end="6"/>
+                                            </p:txEl>
+                                          </p:spTgt>
+                                        </p:tgtEl>
+                                        <p:attrNameLst>
+                                          <p:attrName>ppt_y</p:attrName>
+                                        </p:attrNameLst>
+                                      </p:cBhvr>
+                                      <p:tavLst>
+                                        <p:tav tm="0">
+                                          <p:val>
+                                            <p:strVal val="1+#ppt_h/2"/>
+                                          </p:val>
+                                        </p:tav>
+                                        <p:tav tm="100000">
+                                          <p:val>
+                                            <p:strVal val="#ppt_y"/>
+                                          </p:val>
+                                        </p:tav>
+                                      </p:tavLst>
+                                    </p:anim>
+                                  </p:childTnLst>
+                                </p:cTn>
+                              </p:par>
+                              <p:par>
+                                <p:cTn id="33" presetID="2" presetClass="entr" presetSubtype="4" fill="hold" grpId="0" nodeType="withEffect">
+                                  <p:stCondLst>
+                                    <p:cond delay="0"/>
+                                  </p:stCondLst>
+                                  <p:childTnLst>
+                                    <p:set>
+                                      <p:cBhvr>
+                                        <p:cTn id="34" dur="1" fill="hold">
+                                          <p:stCondLst>
+                                            <p:cond delay="0"/>
+                                          </p:stCondLst>
+                                        </p:cTn>
+                                        <p:tgtEl>
+                                          <p:spTgt spid="5">
+                                            <p:txEl>
+                                              <p:pRg st="7" end="7"/>
+                                            </p:txEl>
+                                          </p:spTgt>
+                                        </p:tgtEl>
+                                        <p:attrNameLst>
+                                          <p:attrName>style.visibility</p:attrName>
+                                        </p:attrNameLst>
+                                      </p:cBhvr>
+                                      <p:to>
+                                        <p:strVal val="visible"/>
+                                      </p:to>
+                                    </p:set>
+                                    <p:anim calcmode="lin" valueType="num">
+                                      <p:cBhvr additive="base">
+                                        <p:cTn id="35" dur="500" fill="hold"/>
+                                        <p:tgtEl>
+                                          <p:spTgt spid="5">
+                                            <p:txEl>
+                                              <p:pRg st="7" end="7"/>
+                                            </p:txEl>
+                                          </p:spTgt>
+                                        </p:tgtEl>
+                                        <p:attrNameLst>
+                                          <p:attrName>ppt_x</p:attrName>
+                                        </p:attrNameLst>
+                                      </p:cBhvr>
+                                      <p:tavLst>
+                                        <p:tav tm="0">
+                                          <p:val>
+                                            <p:strVal val="#ppt_x"/>
+                                          </p:val>
+                                        </p:tav>
+                                        <p:tav tm="100000">
+                                          <p:val>
+                                            <p:strVal val="#ppt_x"/>
+                                          </p:val>
+                                        </p:tav>
+                                      </p:tavLst>
+                                    </p:anim>
+                                    <p:anim calcmode="lin" valueType="num">
+                                      <p:cBhvr additive="base">
+                                        <p:cTn id="36" dur="500" fill="hold"/>
+                                        <p:tgtEl>
+                                          <p:spTgt spid="5">
+                                            <p:txEl>
+                                              <p:pRg st="7" end="7"/>
+                                            </p:txEl>
+                                          </p:spTgt>
+                                        </p:tgtEl>
+                                        <p:attrNameLst>
+                                          <p:attrName>ppt_y</p:attrName>
+                                        </p:attrNameLst>
+                                      </p:cBhvr>
+                                      <p:tavLst>
+                                        <p:tav tm="0">
+                                          <p:val>
+                                            <p:strVal val="1+#ppt_h/2"/>
+                                          </p:val>
+                                        </p:tav>
+                                        <p:tav tm="100000">
+                                          <p:val>
+                                            <p:strVal val="#ppt_y"/>
+                                          </p:val>
+                                        </p:tav>
+                                      </p:tavLst>
+                                    </p:anim>
+                                  </p:childTnLst>
+                                </p:cTn>
+                              </p:par>
+                              <p:par>
+                                <p:cTn id="37" presetID="2" presetClass="entr" presetSubtype="4" fill="hold" grpId="0" nodeType="withEffect">
+                                  <p:stCondLst>
+                                    <p:cond delay="0"/>
+                                  </p:stCondLst>
+                                  <p:childTnLst>
+                                    <p:set>
+                                      <p:cBhvr>
+                                        <p:cTn id="38" dur="1" fill="hold">
+                                          <p:stCondLst>
+                                            <p:cond delay="0"/>
+                                          </p:stCondLst>
+                                        </p:cTn>
+                                        <p:tgtEl>
+                                          <p:spTgt spid="5">
+                                            <p:txEl>
+                                              <p:pRg st="8" end="8"/>
+                                            </p:txEl>
+                                          </p:spTgt>
+                                        </p:tgtEl>
+                                        <p:attrNameLst>
+                                          <p:attrName>style.visibility</p:attrName>
+                                        </p:attrNameLst>
+                                      </p:cBhvr>
+                                      <p:to>
+                                        <p:strVal val="visible"/>
+                                      </p:to>
+                                    </p:set>
+                                    <p:anim calcmode="lin" valueType="num">
+                                      <p:cBhvr additive="base">
+                                        <p:cTn id="39" dur="500" fill="hold"/>
+                                        <p:tgtEl>
+                                          <p:spTgt spid="5">
+                                            <p:txEl>
+                                              <p:pRg st="8" end="8"/>
+                                            </p:txEl>
+                                          </p:spTgt>
+                                        </p:tgtEl>
+                                        <p:attrNameLst>
+                                          <p:attrName>ppt_x</p:attrName>
+                                        </p:attrNameLst>
+                                      </p:cBhvr>
+                                      <p:tavLst>
+                                        <p:tav tm="0">
+                                          <p:val>
+                                            <p:strVal val="#ppt_x"/>
+                                          </p:val>
+                                        </p:tav>
+                                        <p:tav tm="100000">
+                                          <p:val>
+                                            <p:strVal val="#ppt_x"/>
+                                          </p:val>
+                                        </p:tav>
+                                      </p:tavLst>
+                                    </p:anim>
+                                    <p:anim calcmode="lin" valueType="num">
+                                      <p:cBhvr additive="base">
+                                        <p:cTn id="40" dur="500" fill="hold"/>
+                                        <p:tgtEl>
+                                          <p:spTgt spid="5">
+                                            <p:txEl>
+                                              <p:pRg st="8" end="8"/>
+                                            </p:txEl>
+                                          </p:spTgt>
+                                        </p:tgtEl>
+                                        <p:attrNameLst>
+                                          <p:attrName>ppt_y</p:attrName>
+                                        </p:attrNameLst>
+                                      </p:cBhvr>
+                                      <p:tavLst>
+                                        <p:tav tm="0">
+                                          <p:val>
+                                            <p:strVal val="1+#ppt_h/2"/>
+                                          </p:val>
+                                        </p:tav>
+                                        <p:tav tm="100000">
+                                          <p:val>
+                                            <p:strVal val="#ppt_y"/>
+                                          </p:val>
+                                        </p:tav>
+                                      </p:tavLst>
+                                    </p:anim>
+                                  </p:childTnLst>
+                                </p:cTn>
+                              </p:par>
+                              <p:par>
+                                <p:cTn id="41" presetID="2" presetClass="entr" presetSubtype="4" fill="hold" grpId="0" nodeType="withEffect">
+                                  <p:stCondLst>
+                                    <p:cond delay="0"/>
+                                  </p:stCondLst>
+                                  <p:childTnLst>
+                                    <p:set>
+                                      <p:cBhvr>
+                                        <p:cTn id="42" dur="1" fill="hold">
+                                          <p:stCondLst>
+                                            <p:cond delay="0"/>
+                                          </p:stCondLst>
+                                        </p:cTn>
+                                        <p:tgtEl>
+                                          <p:spTgt spid="5">
+                                            <p:txEl>
+                                              <p:pRg st="9" end="9"/>
+                                            </p:txEl>
+                                          </p:spTgt>
+                                        </p:tgtEl>
+                                        <p:attrNameLst>
+                                          <p:attrName>style.visibility</p:attrName>
+                                        </p:attrNameLst>
+                                      </p:cBhvr>
+                                      <p:to>
+                                        <p:strVal val="visible"/>
+                                      </p:to>
+                                    </p:set>
+                                    <p:anim calcmode="lin" valueType="num">
+                                      <p:cBhvr additive="base">
+                                        <p:cTn id="43" dur="500" fill="hold"/>
+                                        <p:tgtEl>
+                                          <p:spTgt spid="5">
+                                            <p:txEl>
+                                              <p:pRg st="9" end="9"/>
+                                            </p:txEl>
+                                          </p:spTgt>
+                                        </p:tgtEl>
+                                        <p:attrNameLst>
+                                          <p:attrName>ppt_x</p:attrName>
+                                        </p:attrNameLst>
+                                      </p:cBhvr>
+                                      <p:tavLst>
+                                        <p:tav tm="0">
+                                          <p:val>
+                                            <p:strVal val="#ppt_x"/>
+                                          </p:val>
+                                        </p:tav>
+                                        <p:tav tm="100000">
+                                          <p:val>
+                                            <p:strVal val="#ppt_x"/>
+                                          </p:val>
+                                        </p:tav>
+                                      </p:tavLst>
+                                    </p:anim>
+                                    <p:anim calcmode="lin" valueType="num">
+                                      <p:cBhvr additive="base">
+                                        <p:cTn id="44" dur="500" fill="hold"/>
+                                        <p:tgtEl>
+                                          <p:spTgt spid="5">
+                                            <p:txEl>
+                                              <p:pRg st="9" end="9"/>
                                             </p:txEl>
                                           </p:spTgt>
                                         </p:tgtEl>
